--- a/slides.pptx
+++ b/slides.pptx
@@ -1,21 +1,27 @@
 
 <file path=ppt/presentation.xml><?xml version="1.0" encoding="utf-8"?>
-<p:presentation xmlns:a="http://schemas.openxmlformats.org/drawingml/2006/main" xmlns:r="http://schemas.openxmlformats.org/officeDocument/2006/relationships" xmlns:p="http://schemas.openxmlformats.org/presentationml/2006/main" autoCompressPictures="0">
+<p:presentation xmlns:a="http://schemas.openxmlformats.org/drawingml/2006/main" xmlns:r="http://schemas.openxmlformats.org/officeDocument/2006/relationships" xmlns:p="http://schemas.openxmlformats.org/presentationml/2006/main" saveSubsetFonts="1" autoCompressPictures="0">
   <p:sldMasterIdLst>
     <p:sldMasterId id="2147483648" r:id="rId1"/>
   </p:sldMasterIdLst>
+  <p:notesMasterIdLst>
+    <p:notesMasterId r:id="rId16"/>
+  </p:notesMasterIdLst>
   <p:sldIdLst>
     <p:sldId id="256" r:id="rId2"/>
     <p:sldId id="257" r:id="rId3"/>
     <p:sldId id="258" r:id="rId4"/>
     <p:sldId id="261" r:id="rId5"/>
-    <p:sldId id="262" r:id="rId6"/>
-    <p:sldId id="263" r:id="rId7"/>
-    <p:sldId id="265" r:id="rId8"/>
-    <p:sldId id="264" r:id="rId9"/>
-    <p:sldId id="260" r:id="rId10"/>
-    <p:sldId id="259" r:id="rId11"/>
-    <p:sldId id="266" r:id="rId12"/>
+    <p:sldId id="267" r:id="rId6"/>
+    <p:sldId id="268" r:id="rId7"/>
+    <p:sldId id="269" r:id="rId8"/>
+    <p:sldId id="262" r:id="rId9"/>
+    <p:sldId id="263" r:id="rId10"/>
+    <p:sldId id="265" r:id="rId11"/>
+    <p:sldId id="264" r:id="rId12"/>
+    <p:sldId id="260" r:id="rId13"/>
+    <p:sldId id="259" r:id="rId14"/>
+    <p:sldId id="266" r:id="rId15"/>
   </p:sldIdLst>
   <p:sldSz cx="12192000" cy="6858000"/>
   <p:notesSz cx="6858000" cy="9144000"/>
@@ -114,17 +120,18 @@
       </a:defRPr>
     </a:lvl9pPr>
   </p:defaultTextStyle>
+  <p:extLst>
+    <p:ext uri="{EFAFB233-063F-42B5-8137-9DF3F51BA10A}">
+      <p15:sldGuideLst xmlns:p15="http://schemas.microsoft.com/office/powerpoint/2012/main"/>
+    </p:ext>
+  </p:extLst>
 </p:presentation>
 </file>
 
 <file path=ppt/commentAuthors.xml><?xml version="1.0" encoding="utf-8"?>
 <p:cmAuthorLst xmlns:a="http://schemas.openxmlformats.org/drawingml/2006/main" xmlns:r="http://schemas.openxmlformats.org/officeDocument/2006/relationships" xmlns:p="http://schemas.openxmlformats.org/presentationml/2006/main">
   <p:cmAuthor id="1" name="Derek Kelley" initials="DK" lastIdx="1" clrIdx="0">
-    <p:extLst>
-      <p:ext uri="{19B8F6BF-5375-455C-9EA6-DF929625EA0E}">
-        <p15:presenceInfo xmlns:p15="http://schemas.microsoft.com/office/powerpoint/2012/main" userId="ddadf72a29ac747d" providerId="Windows Live"/>
-      </p:ext>
-    </p:extLst>
+    <p:extLst/>
   </p:cmAuthor>
 </p:cmAuthorLst>
 </file>
@@ -141,6 +148,356 @@
     </p:extLst>
   </p:cm>
 </p:cmLst>
+</file>
+
+<file path=ppt/notesMasters/notesMaster1.xml><?xml version="1.0" encoding="utf-8"?>
+<p:notesMaster xmlns:a="http://schemas.openxmlformats.org/drawingml/2006/main" xmlns:r="http://schemas.openxmlformats.org/officeDocument/2006/relationships" xmlns:p="http://schemas.openxmlformats.org/presentationml/2006/main">
+  <p:cSld>
+    <p:bg>
+      <p:bgRef idx="1001">
+        <a:schemeClr val="bg1"/>
+      </p:bgRef>
+    </p:bg>
+    <p:spTree>
+      <p:nvGrpSpPr>
+        <p:cNvPr id="1" name=""/>
+        <p:cNvGrpSpPr/>
+        <p:nvPr/>
+      </p:nvGrpSpPr>
+      <p:grpSpPr>
+        <a:xfrm>
+          <a:off x="0" y="0"/>
+          <a:ext cx="0" cy="0"/>
+          <a:chOff x="0" y="0"/>
+          <a:chExt cx="0" cy="0"/>
+        </a:xfrm>
+      </p:grpSpPr>
+      <p:sp>
+        <p:nvSpPr>
+          <p:cNvPr id="2" name="Header Placeholder 1"/>
+          <p:cNvSpPr>
+            <a:spLocks noGrp="1"/>
+          </p:cNvSpPr>
+          <p:nvPr>
+            <p:ph type="hdr" sz="quarter"/>
+          </p:nvPr>
+        </p:nvSpPr>
+        <p:spPr>
+          <a:xfrm>
+            <a:off x="0" y="0"/>
+            <a:ext cx="2971800" cy="458788"/>
+          </a:xfrm>
+          <a:prstGeom prst="rect">
+            <a:avLst/>
+          </a:prstGeom>
+        </p:spPr>
+        <p:txBody>
+          <a:bodyPr vert="horz" lIns="91440" tIns="45720" rIns="91440" bIns="45720" rtlCol="0"/>
+          <a:lstStyle>
+            <a:lvl1pPr algn="l">
+              <a:defRPr sz="1200"/>
+            </a:lvl1pPr>
+          </a:lstStyle>
+          <a:p>
+            <a:endParaRPr lang="en-US"/>
+          </a:p>
+        </p:txBody>
+      </p:sp>
+      <p:sp>
+        <p:nvSpPr>
+          <p:cNvPr id="3" name="Date Placeholder 2"/>
+          <p:cNvSpPr>
+            <a:spLocks noGrp="1"/>
+          </p:cNvSpPr>
+          <p:nvPr>
+            <p:ph type="dt" idx="1"/>
+          </p:nvPr>
+        </p:nvSpPr>
+        <p:spPr>
+          <a:xfrm>
+            <a:off x="3884613" y="0"/>
+            <a:ext cx="2971800" cy="458788"/>
+          </a:xfrm>
+          <a:prstGeom prst="rect">
+            <a:avLst/>
+          </a:prstGeom>
+        </p:spPr>
+        <p:txBody>
+          <a:bodyPr vert="horz" lIns="91440" tIns="45720" rIns="91440" bIns="45720" rtlCol="0"/>
+          <a:lstStyle>
+            <a:lvl1pPr algn="r">
+              <a:defRPr sz="1200"/>
+            </a:lvl1pPr>
+          </a:lstStyle>
+          <a:p>
+            <a:fld id="{0E8BCBB7-1E49-2544-B319-6D1ADDE650A6}" type="datetimeFigureOut">
+              <a:rPr lang="en-US" smtClean="0"/>
+              <a:t>3/14/20</a:t>
+            </a:fld>
+            <a:endParaRPr lang="en-US"/>
+          </a:p>
+        </p:txBody>
+      </p:sp>
+      <p:sp>
+        <p:nvSpPr>
+          <p:cNvPr id="4" name="Slide Image Placeholder 3"/>
+          <p:cNvSpPr>
+            <a:spLocks noGrp="1" noRot="1" noChangeAspect="1"/>
+          </p:cNvSpPr>
+          <p:nvPr>
+            <p:ph type="sldImg" idx="2"/>
+          </p:nvPr>
+        </p:nvSpPr>
+        <p:spPr>
+          <a:xfrm>
+            <a:off x="685800" y="1143000"/>
+            <a:ext cx="5486400" cy="3086100"/>
+          </a:xfrm>
+          <a:prstGeom prst="rect">
+            <a:avLst/>
+          </a:prstGeom>
+          <a:noFill/>
+          <a:ln w="12700">
+            <a:solidFill>
+              <a:prstClr val="black"/>
+            </a:solidFill>
+          </a:ln>
+        </p:spPr>
+        <p:txBody>
+          <a:bodyPr vert="horz" lIns="91440" tIns="45720" rIns="91440" bIns="45720" rtlCol="0" anchor="ctr"/>
+          <a:lstStyle/>
+          <a:p>
+            <a:endParaRPr lang="en-US"/>
+          </a:p>
+        </p:txBody>
+      </p:sp>
+      <p:sp>
+        <p:nvSpPr>
+          <p:cNvPr id="5" name="Notes Placeholder 4"/>
+          <p:cNvSpPr>
+            <a:spLocks noGrp="1"/>
+          </p:cNvSpPr>
+          <p:nvPr>
+            <p:ph type="body" sz="quarter" idx="3"/>
+          </p:nvPr>
+        </p:nvSpPr>
+        <p:spPr>
+          <a:xfrm>
+            <a:off x="685800" y="4400550"/>
+            <a:ext cx="5486400" cy="3600450"/>
+          </a:xfrm>
+          <a:prstGeom prst="rect">
+            <a:avLst/>
+          </a:prstGeom>
+        </p:spPr>
+        <p:txBody>
+          <a:bodyPr vert="horz" lIns="91440" tIns="45720" rIns="91440" bIns="45720" rtlCol="0"/>
+          <a:lstStyle/>
+          <a:p>
+            <a:pPr lvl="0"/>
+            <a:r>
+              <a:rPr lang="en-US" smtClean="0"/>
+              <a:t>Click to edit Master text styles</a:t>
+            </a:r>
+          </a:p>
+          <a:p>
+            <a:pPr lvl="1"/>
+            <a:r>
+              <a:rPr lang="en-US" smtClean="0"/>
+              <a:t>Second level</a:t>
+            </a:r>
+          </a:p>
+          <a:p>
+            <a:pPr lvl="2"/>
+            <a:r>
+              <a:rPr lang="en-US" smtClean="0"/>
+              <a:t>Third level</a:t>
+            </a:r>
+          </a:p>
+          <a:p>
+            <a:pPr lvl="3"/>
+            <a:r>
+              <a:rPr lang="en-US" smtClean="0"/>
+              <a:t>Fourth level</a:t>
+            </a:r>
+          </a:p>
+          <a:p>
+            <a:pPr lvl="4"/>
+            <a:r>
+              <a:rPr lang="en-US" smtClean="0"/>
+              <a:t>Fifth level</a:t>
+            </a:r>
+            <a:endParaRPr lang="en-US"/>
+          </a:p>
+        </p:txBody>
+      </p:sp>
+      <p:sp>
+        <p:nvSpPr>
+          <p:cNvPr id="6" name="Footer Placeholder 5"/>
+          <p:cNvSpPr>
+            <a:spLocks noGrp="1"/>
+          </p:cNvSpPr>
+          <p:nvPr>
+            <p:ph type="ftr" sz="quarter" idx="4"/>
+          </p:nvPr>
+        </p:nvSpPr>
+        <p:spPr>
+          <a:xfrm>
+            <a:off x="0" y="8685213"/>
+            <a:ext cx="2971800" cy="458787"/>
+          </a:xfrm>
+          <a:prstGeom prst="rect">
+            <a:avLst/>
+          </a:prstGeom>
+        </p:spPr>
+        <p:txBody>
+          <a:bodyPr vert="horz" lIns="91440" tIns="45720" rIns="91440" bIns="45720" rtlCol="0" anchor="b"/>
+          <a:lstStyle>
+            <a:lvl1pPr algn="l">
+              <a:defRPr sz="1200"/>
+            </a:lvl1pPr>
+          </a:lstStyle>
+          <a:p>
+            <a:endParaRPr lang="en-US"/>
+          </a:p>
+        </p:txBody>
+      </p:sp>
+      <p:sp>
+        <p:nvSpPr>
+          <p:cNvPr id="7" name="Slide Number Placeholder 6"/>
+          <p:cNvSpPr>
+            <a:spLocks noGrp="1"/>
+          </p:cNvSpPr>
+          <p:nvPr>
+            <p:ph type="sldNum" sz="quarter" idx="5"/>
+          </p:nvPr>
+        </p:nvSpPr>
+        <p:spPr>
+          <a:xfrm>
+            <a:off x="3884613" y="8685213"/>
+            <a:ext cx="2971800" cy="458787"/>
+          </a:xfrm>
+          <a:prstGeom prst="rect">
+            <a:avLst/>
+          </a:prstGeom>
+        </p:spPr>
+        <p:txBody>
+          <a:bodyPr vert="horz" lIns="91440" tIns="45720" rIns="91440" bIns="45720" rtlCol="0" anchor="b"/>
+          <a:lstStyle>
+            <a:lvl1pPr algn="r">
+              <a:defRPr sz="1200"/>
+            </a:lvl1pPr>
+          </a:lstStyle>
+          <a:p>
+            <a:fld id="{CE8E5D33-4C95-2C4E-B6AC-26388116DD93}" type="slidenum">
+              <a:rPr lang="en-US" smtClean="0"/>
+              <a:t>‹#›</a:t>
+            </a:fld>
+            <a:endParaRPr lang="en-US"/>
+          </a:p>
+        </p:txBody>
+      </p:sp>
+    </p:spTree>
+    <p:extLst>
+      <p:ext uri="{BB962C8B-B14F-4D97-AF65-F5344CB8AC3E}">
+        <p14:creationId xmlns:p14="http://schemas.microsoft.com/office/powerpoint/2010/main" val="1367731206"/>
+      </p:ext>
+    </p:extLst>
+  </p:cSld>
+  <p:clrMap bg1="lt1" tx1="dk1" bg2="lt2" tx2="dk2" accent1="accent1" accent2="accent2" accent3="accent3" accent4="accent4" accent5="accent5" accent6="accent6" hlink="hlink" folHlink="folHlink"/>
+  <p:notesStyle>
+    <a:lvl1pPr marL="0" algn="l" defTabSz="914400" rtl="0" eaLnBrk="1" latinLnBrk="0" hangingPunct="1">
+      <a:defRPr sz="1200" kern="1200">
+        <a:solidFill>
+          <a:schemeClr val="tx1"/>
+        </a:solidFill>
+        <a:latin typeface="+mn-lt"/>
+        <a:ea typeface="+mn-ea"/>
+        <a:cs typeface="+mn-cs"/>
+      </a:defRPr>
+    </a:lvl1pPr>
+    <a:lvl2pPr marL="457200" algn="l" defTabSz="914400" rtl="0" eaLnBrk="1" latinLnBrk="0" hangingPunct="1">
+      <a:defRPr sz="1200" kern="1200">
+        <a:solidFill>
+          <a:schemeClr val="tx1"/>
+        </a:solidFill>
+        <a:latin typeface="+mn-lt"/>
+        <a:ea typeface="+mn-ea"/>
+        <a:cs typeface="+mn-cs"/>
+      </a:defRPr>
+    </a:lvl2pPr>
+    <a:lvl3pPr marL="914400" algn="l" defTabSz="914400" rtl="0" eaLnBrk="1" latinLnBrk="0" hangingPunct="1">
+      <a:defRPr sz="1200" kern="1200">
+        <a:solidFill>
+          <a:schemeClr val="tx1"/>
+        </a:solidFill>
+        <a:latin typeface="+mn-lt"/>
+        <a:ea typeface="+mn-ea"/>
+        <a:cs typeface="+mn-cs"/>
+      </a:defRPr>
+    </a:lvl3pPr>
+    <a:lvl4pPr marL="1371600" algn="l" defTabSz="914400" rtl="0" eaLnBrk="1" latinLnBrk="0" hangingPunct="1">
+      <a:defRPr sz="1200" kern="1200">
+        <a:solidFill>
+          <a:schemeClr val="tx1"/>
+        </a:solidFill>
+        <a:latin typeface="+mn-lt"/>
+        <a:ea typeface="+mn-ea"/>
+        <a:cs typeface="+mn-cs"/>
+      </a:defRPr>
+    </a:lvl4pPr>
+    <a:lvl5pPr marL="1828800" algn="l" defTabSz="914400" rtl="0" eaLnBrk="1" latinLnBrk="0" hangingPunct="1">
+      <a:defRPr sz="1200" kern="1200">
+        <a:solidFill>
+          <a:schemeClr val="tx1"/>
+        </a:solidFill>
+        <a:latin typeface="+mn-lt"/>
+        <a:ea typeface="+mn-ea"/>
+        <a:cs typeface="+mn-cs"/>
+      </a:defRPr>
+    </a:lvl5pPr>
+    <a:lvl6pPr marL="2286000" algn="l" defTabSz="914400" rtl="0" eaLnBrk="1" latinLnBrk="0" hangingPunct="1">
+      <a:defRPr sz="1200" kern="1200">
+        <a:solidFill>
+          <a:schemeClr val="tx1"/>
+        </a:solidFill>
+        <a:latin typeface="+mn-lt"/>
+        <a:ea typeface="+mn-ea"/>
+        <a:cs typeface="+mn-cs"/>
+      </a:defRPr>
+    </a:lvl6pPr>
+    <a:lvl7pPr marL="2743200" algn="l" defTabSz="914400" rtl="0" eaLnBrk="1" latinLnBrk="0" hangingPunct="1">
+      <a:defRPr sz="1200" kern="1200">
+        <a:solidFill>
+          <a:schemeClr val="tx1"/>
+        </a:solidFill>
+        <a:latin typeface="+mn-lt"/>
+        <a:ea typeface="+mn-ea"/>
+        <a:cs typeface="+mn-cs"/>
+      </a:defRPr>
+    </a:lvl7pPr>
+    <a:lvl8pPr marL="3200400" algn="l" defTabSz="914400" rtl="0" eaLnBrk="1" latinLnBrk="0" hangingPunct="1">
+      <a:defRPr sz="1200" kern="1200">
+        <a:solidFill>
+          <a:schemeClr val="tx1"/>
+        </a:solidFill>
+        <a:latin typeface="+mn-lt"/>
+        <a:ea typeface="+mn-ea"/>
+        <a:cs typeface="+mn-cs"/>
+      </a:defRPr>
+    </a:lvl8pPr>
+    <a:lvl9pPr marL="3657600" algn="l" defTabSz="914400" rtl="0" eaLnBrk="1" latinLnBrk="0" hangingPunct="1">
+      <a:defRPr sz="1200" kern="1200">
+        <a:solidFill>
+          <a:schemeClr val="tx1"/>
+        </a:solidFill>
+        <a:latin typeface="+mn-lt"/>
+        <a:ea typeface="+mn-ea"/>
+        <a:cs typeface="+mn-cs"/>
+      </a:defRPr>
+    </a:lvl9pPr>
+  </p:notesStyle>
+</p:notesMaster>
 </file>
 
 <file path=ppt/slideLayouts/slideLayout1.xml><?xml version="1.0" encoding="utf-8"?>
@@ -335,7 +692,7 @@
             <a:fld id="{B61BEF0D-F0BB-DE4B-95CE-6DB70DBA9567}" type="datetimeFigureOut">
               <a:rPr lang="en-US" dirty="0"/>
               <a:pPr/>
-              <a:t>3/12/2020</a:t>
+              <a:t>3/14/20</a:t>
             </a:fld>
             <a:endParaRPr lang="en-US" dirty="0"/>
           </a:p>
@@ -768,7 +1125,7 @@
             <a:fld id="{B61BEF0D-F0BB-DE4B-95CE-6DB70DBA9567}" type="datetimeFigureOut">
               <a:rPr lang="en-US" dirty="0"/>
               <a:pPr/>
-              <a:t>3/12/2020</a:t>
+              <a:t>3/14/20</a:t>
             </a:fld>
             <a:endParaRPr lang="en-US" dirty="0"/>
           </a:p>
@@ -1015,7 +1372,7 @@
             <a:fld id="{B61BEF0D-F0BB-DE4B-95CE-6DB70DBA9567}" type="datetimeFigureOut">
               <a:rPr lang="en-US" dirty="0"/>
               <a:pPr/>
-              <a:t>3/12/2020</a:t>
+              <a:t>3/14/20</a:t>
             </a:fld>
             <a:endParaRPr lang="en-US" dirty="0"/>
           </a:p>
@@ -1320,7 +1677,7 @@
             <a:fld id="{B61BEF0D-F0BB-DE4B-95CE-6DB70DBA9567}" type="datetimeFigureOut">
               <a:rPr lang="en-US" dirty="0"/>
               <a:pPr/>
-              <a:t>3/12/2020</a:t>
+              <a:t>3/14/20</a:t>
             </a:fld>
             <a:endParaRPr lang="en-US" dirty="0"/>
           </a:p>
@@ -1635,7 +1992,7 @@
             <a:fld id="{B61BEF0D-F0BB-DE4B-95CE-6DB70DBA9567}" type="datetimeFigureOut">
               <a:rPr lang="en-US" dirty="0"/>
               <a:pPr/>
-              <a:t>3/12/2020</a:t>
+              <a:t>3/14/20</a:t>
             </a:fld>
             <a:endParaRPr lang="en-US" dirty="0"/>
           </a:p>
@@ -1934,7 +2291,7 @@
             <a:fld id="{B61BEF0D-F0BB-DE4B-95CE-6DB70DBA9567}" type="datetimeFigureOut">
               <a:rPr lang="en-US" dirty="0"/>
               <a:pPr/>
-              <a:t>3/12/2020</a:t>
+              <a:t>3/14/20</a:t>
             </a:fld>
             <a:endParaRPr lang="en-US" dirty="0"/>
           </a:p>
@@ -2298,7 +2655,7 @@
             <a:fld id="{B61BEF0D-F0BB-DE4B-95CE-6DB70DBA9567}" type="datetimeFigureOut">
               <a:rPr lang="en-US" dirty="0"/>
               <a:pPr/>
-              <a:t>3/12/2020</a:t>
+              <a:t>3/14/20</a:t>
             </a:fld>
             <a:endParaRPr lang="en-US" dirty="0"/>
           </a:p>
@@ -2469,7 +2826,7 @@
             <a:fld id="{B61BEF0D-F0BB-DE4B-95CE-6DB70DBA9567}" type="datetimeFigureOut">
               <a:rPr lang="en-US" dirty="0"/>
               <a:pPr/>
-              <a:t>3/12/2020</a:t>
+              <a:t>3/14/20</a:t>
             </a:fld>
             <a:endParaRPr lang="en-US" dirty="0"/>
           </a:p>
@@ -2646,7 +3003,7 @@
             <a:fld id="{B61BEF0D-F0BB-DE4B-95CE-6DB70DBA9567}" type="datetimeFigureOut">
               <a:rPr lang="en-US" dirty="0"/>
               <a:pPr/>
-              <a:t>3/12/2020</a:t>
+              <a:t>3/14/20</a:t>
             </a:fld>
             <a:endParaRPr lang="en-US" dirty="0"/>
           </a:p>
@@ -2813,7 +3170,7 @@
             <a:fld id="{B61BEF0D-F0BB-DE4B-95CE-6DB70DBA9567}" type="datetimeFigureOut">
               <a:rPr lang="en-US" dirty="0"/>
               <a:pPr/>
-              <a:t>3/12/2020</a:t>
+              <a:t>3/14/20</a:t>
             </a:fld>
             <a:endParaRPr lang="en-US" dirty="0"/>
           </a:p>
@@ -3060,7 +3417,7 @@
             <a:fld id="{B61BEF0D-F0BB-DE4B-95CE-6DB70DBA9567}" type="datetimeFigureOut">
               <a:rPr lang="en-US" dirty="0"/>
               <a:pPr/>
-              <a:t>3/12/2020</a:t>
+              <a:t>3/14/20</a:t>
             </a:fld>
             <a:endParaRPr lang="en-US" dirty="0"/>
           </a:p>
@@ -3293,7 +3650,7 @@
             <a:fld id="{B61BEF0D-F0BB-DE4B-95CE-6DB70DBA9567}" type="datetimeFigureOut">
               <a:rPr lang="en-US" dirty="0"/>
               <a:pPr/>
-              <a:t>3/12/2020</a:t>
+              <a:t>3/14/20</a:t>
             </a:fld>
             <a:endParaRPr lang="en-US" dirty="0"/>
           </a:p>
@@ -3672,7 +4029,7 @@
             <a:fld id="{B61BEF0D-F0BB-DE4B-95CE-6DB70DBA9567}" type="datetimeFigureOut">
               <a:rPr lang="en-US" dirty="0"/>
               <a:pPr/>
-              <a:t>3/12/2020</a:t>
+              <a:t>3/14/20</a:t>
             </a:fld>
             <a:endParaRPr lang="en-US" dirty="0"/>
           </a:p>
@@ -3787,7 +4144,7 @@
             <a:fld id="{B61BEF0D-F0BB-DE4B-95CE-6DB70DBA9567}" type="datetimeFigureOut">
               <a:rPr lang="en-US" dirty="0"/>
               <a:pPr/>
-              <a:t>3/12/2020</a:t>
+              <a:t>3/14/20</a:t>
             </a:fld>
             <a:endParaRPr lang="en-US" dirty="0"/>
           </a:p>
@@ -3879,7 +4236,7 @@
             <a:fld id="{B61BEF0D-F0BB-DE4B-95CE-6DB70DBA9567}" type="datetimeFigureOut">
               <a:rPr lang="en-US" dirty="0"/>
               <a:pPr/>
-              <a:t>3/12/2020</a:t>
+              <a:t>3/14/20</a:t>
             </a:fld>
             <a:endParaRPr lang="en-US" dirty="0"/>
           </a:p>
@@ -4131,7 +4488,7 @@
             <a:fld id="{B61BEF0D-F0BB-DE4B-95CE-6DB70DBA9567}" type="datetimeFigureOut">
               <a:rPr lang="en-US" dirty="0"/>
               <a:pPr/>
-              <a:t>3/12/2020</a:t>
+              <a:t>3/14/20</a:t>
             </a:fld>
             <a:endParaRPr lang="en-US" dirty="0"/>
           </a:p>
@@ -4411,7 +4768,7 @@
             <a:fld id="{B61BEF0D-F0BB-DE4B-95CE-6DB70DBA9567}" type="datetimeFigureOut">
               <a:rPr lang="en-US" dirty="0"/>
               <a:pPr/>
-              <a:t>3/12/2020</a:t>
+              <a:t>3/14/20</a:t>
             </a:fld>
             <a:endParaRPr lang="en-US" dirty="0"/>
           </a:p>
@@ -4814,7 +5171,7 @@
             <a:fld id="{B61BEF0D-F0BB-DE4B-95CE-6DB70DBA9567}" type="datetimeFigureOut">
               <a:rPr lang="en-US" dirty="0"/>
               <a:pPr/>
-              <a:t>3/12/2020</a:t>
+              <a:t>3/14/20</a:t>
             </a:fld>
             <a:endParaRPr lang="en-US" dirty="0"/>
           </a:p>
@@ -5350,7 +5707,7 @@
           <p:cNvPr id="2" name="Title 1">
             <a:extLst>
               <a:ext uri="{FF2B5EF4-FFF2-40B4-BE49-F238E27FC236}">
-                <a16:creationId xmlns:a16="http://schemas.microsoft.com/office/drawing/2014/main" id="{FFBC5A55-1AE3-48C9-ACC9-BDAB23FA566D}"/>
+                <a16:creationId xmlns:a16="http://schemas.microsoft.com/office/drawing/2014/main" xmlns="" id="{FFBC5A55-1AE3-48C9-ACC9-BDAB23FA566D}"/>
               </a:ext>
             </a:extLst>
           </p:cNvPr>
@@ -5378,7 +5735,7 @@
           <p:cNvPr id="3" name="Subtitle 2">
             <a:extLst>
               <a:ext uri="{FF2B5EF4-FFF2-40B4-BE49-F238E27FC236}">
-                <a16:creationId xmlns:a16="http://schemas.microsoft.com/office/drawing/2014/main" id="{FA5B921E-5D5F-471D-9283-FA951E419B38}"/>
+                <a16:creationId xmlns:a16="http://schemas.microsoft.com/office/drawing/2014/main" xmlns="" id="{FA5B921E-5D5F-471D-9283-FA951E419B38}"/>
               </a:ext>
             </a:extLst>
           </p:cNvPr>
@@ -5496,7 +5853,7 @@
           <p:cNvPr id="2" name="Title 1">
             <a:extLst>
               <a:ext uri="{FF2B5EF4-FFF2-40B4-BE49-F238E27FC236}">
-                <a16:creationId xmlns:a16="http://schemas.microsoft.com/office/drawing/2014/main" id="{00846977-A750-4BB6-9AE6-AEB2DC7066DF}"/>
+                <a16:creationId xmlns:a16="http://schemas.microsoft.com/office/drawing/2014/main" xmlns="" id="{00846977-A750-4BB6-9AE6-AEB2DC7066DF}"/>
               </a:ext>
             </a:extLst>
           </p:cNvPr>
@@ -5519,7 +5876,7 @@
           <a:p>
             <a:r>
               <a:rPr lang="en-US" dirty="0"/>
-              <a:t>Obstacles</a:t>
+              <a:t>Q3</a:t>
             </a:r>
           </a:p>
         </p:txBody>
@@ -5529,7 +5886,7 @@
           <p:cNvPr id="3" name="Content Placeholder 2">
             <a:extLst>
               <a:ext uri="{FF2B5EF4-FFF2-40B4-BE49-F238E27FC236}">
-                <a16:creationId xmlns:a16="http://schemas.microsoft.com/office/drawing/2014/main" id="{F97BA237-BBF0-49FD-B184-71910E0D1F83}"/>
+                <a16:creationId xmlns:a16="http://schemas.microsoft.com/office/drawing/2014/main" xmlns="" id="{F97BA237-BBF0-49FD-B184-71910E0D1F83}"/>
               </a:ext>
             </a:extLst>
           </p:cNvPr>
@@ -5557,51 +5914,18 @@
               <a:buFont typeface="+mj-lt"/>
               <a:buAutoNum type="arabicPeriod"/>
             </a:pPr>
-            <a:r>
-              <a:rPr lang="en-US" sz="2400" dirty="0">
-                <a:solidFill>
-                  <a:schemeClr val="bg1"/>
-                </a:solidFill>
-              </a:rPr>
-              <a:t>Filling NULL values</a:t>
-            </a:r>
-          </a:p>
-          <a:p>
-            <a:pPr marL="457200" indent="-457200">
-              <a:buClrTx/>
-              <a:buFont typeface="+mj-lt"/>
-              <a:buAutoNum type="arabicPeriod"/>
-            </a:pPr>
-            <a:r>
-              <a:rPr lang="en-US" sz="2400" dirty="0">
-                <a:solidFill>
-                  <a:schemeClr val="bg1"/>
-                </a:solidFill>
-              </a:rPr>
-              <a:t>Regular Expressions</a:t>
-            </a:r>
-          </a:p>
-          <a:p>
-            <a:pPr marL="457200" indent="-457200">
-              <a:buClrTx/>
-              <a:buFont typeface="+mj-lt"/>
-              <a:buAutoNum type="arabicPeriod"/>
-            </a:pPr>
-            <a:r>
-              <a:rPr lang="en-US" sz="2400" dirty="0">
-                <a:solidFill>
-                  <a:schemeClr val="bg1"/>
-                </a:solidFill>
-              </a:rPr>
-              <a:t>TBD</a:t>
-            </a:r>
+            <a:endParaRPr lang="en-US" sz="2400" dirty="0">
+              <a:solidFill>
+                <a:schemeClr val="bg1"/>
+              </a:solidFill>
+            </a:endParaRPr>
           </a:p>
         </p:txBody>
       </p:sp>
     </p:spTree>
     <p:extLst>
       <p:ext uri="{BB962C8B-B14F-4D97-AF65-F5344CB8AC3E}">
-        <p14:creationId xmlns:p14="http://schemas.microsoft.com/office/powerpoint/2010/main" val="3205346752"/>
+        <p14:creationId xmlns:p14="http://schemas.microsoft.com/office/powerpoint/2010/main" val="1280595349"/>
       </p:ext>
     </p:extLst>
   </p:cSld>
@@ -5633,7 +5957,370 @@
           <p:cNvPr id="2" name="Title 1">
             <a:extLst>
               <a:ext uri="{FF2B5EF4-FFF2-40B4-BE49-F238E27FC236}">
-                <a16:creationId xmlns:a16="http://schemas.microsoft.com/office/drawing/2014/main" id="{015E36F3-CFD3-4F0B-ACE1-6FFBBC14C8FE}"/>
+                <a16:creationId xmlns:a16="http://schemas.microsoft.com/office/drawing/2014/main" xmlns="" id="{00846977-A750-4BB6-9AE6-AEB2DC7066DF}"/>
+              </a:ext>
+            </a:extLst>
+          </p:cNvPr>
+          <p:cNvSpPr>
+            <a:spLocks noGrp="1"/>
+          </p:cNvSpPr>
+          <p:nvPr>
+            <p:ph type="title"/>
+          </p:nvPr>
+        </p:nvSpPr>
+        <p:spPr>
+          <a:xfrm>
+            <a:off x="684212" y="703874"/>
+            <a:ext cx="8534400" cy="1507067"/>
+          </a:xfrm>
+        </p:spPr>
+        <p:txBody>
+          <a:bodyPr/>
+          <a:lstStyle/>
+          <a:p>
+            <a:r>
+              <a:rPr lang="en-US" dirty="0"/>
+              <a:t>Q4</a:t>
+            </a:r>
+          </a:p>
+        </p:txBody>
+      </p:sp>
+      <p:sp>
+        <p:nvSpPr>
+          <p:cNvPr id="3" name="Content Placeholder 2">
+            <a:extLst>
+              <a:ext uri="{FF2B5EF4-FFF2-40B4-BE49-F238E27FC236}">
+                <a16:creationId xmlns:a16="http://schemas.microsoft.com/office/drawing/2014/main" xmlns="" id="{F97BA237-BBF0-49FD-B184-71910E0D1F83}"/>
+              </a:ext>
+            </a:extLst>
+          </p:cNvPr>
+          <p:cNvSpPr>
+            <a:spLocks noGrp="1"/>
+          </p:cNvSpPr>
+          <p:nvPr>
+            <p:ph idx="1"/>
+          </p:nvPr>
+        </p:nvSpPr>
+        <p:spPr>
+          <a:xfrm>
+            <a:off x="684212" y="2393878"/>
+            <a:ext cx="8534400" cy="2482541"/>
+          </a:xfrm>
+        </p:spPr>
+        <p:txBody>
+          <a:bodyPr>
+            <a:normAutofit/>
+          </a:bodyPr>
+          <a:lstStyle/>
+          <a:p>
+            <a:pPr marL="457200" indent="-457200">
+              <a:buClrTx/>
+              <a:buFont typeface="+mj-lt"/>
+              <a:buAutoNum type="arabicPeriod"/>
+            </a:pPr>
+            <a:endParaRPr lang="en-US" sz="2400" dirty="0">
+              <a:solidFill>
+                <a:schemeClr val="bg1"/>
+              </a:solidFill>
+            </a:endParaRPr>
+          </a:p>
+        </p:txBody>
+      </p:sp>
+    </p:spTree>
+    <p:extLst>
+      <p:ext uri="{BB962C8B-B14F-4D97-AF65-F5344CB8AC3E}">
+        <p14:creationId xmlns:p14="http://schemas.microsoft.com/office/powerpoint/2010/main" val="2274920983"/>
+      </p:ext>
+    </p:extLst>
+  </p:cSld>
+  <p:clrMapOvr>
+    <a:masterClrMapping/>
+  </p:clrMapOvr>
+</p:sld>
+</file>
+
+<file path=ppt/slides/slide12.xml><?xml version="1.0" encoding="utf-8"?>
+<p:sld xmlns:a="http://schemas.openxmlformats.org/drawingml/2006/main" xmlns:r="http://schemas.openxmlformats.org/officeDocument/2006/relationships" xmlns:p="http://schemas.openxmlformats.org/presentationml/2006/main">
+  <p:cSld>
+    <p:spTree>
+      <p:nvGrpSpPr>
+        <p:cNvPr id="1" name=""/>
+        <p:cNvGrpSpPr/>
+        <p:nvPr/>
+      </p:nvGrpSpPr>
+      <p:grpSpPr>
+        <a:xfrm>
+          <a:off x="0" y="0"/>
+          <a:ext cx="0" cy="0"/>
+          <a:chOff x="0" y="0"/>
+          <a:chExt cx="0" cy="0"/>
+        </a:xfrm>
+      </p:grpSpPr>
+      <p:sp>
+        <p:nvSpPr>
+          <p:cNvPr id="2" name="Title 1">
+            <a:extLst>
+              <a:ext uri="{FF2B5EF4-FFF2-40B4-BE49-F238E27FC236}">
+                <a16:creationId xmlns:a16="http://schemas.microsoft.com/office/drawing/2014/main" xmlns="" id="{00846977-A750-4BB6-9AE6-AEB2DC7066DF}"/>
+              </a:ext>
+            </a:extLst>
+          </p:cNvPr>
+          <p:cNvSpPr>
+            <a:spLocks noGrp="1"/>
+          </p:cNvSpPr>
+          <p:nvPr>
+            <p:ph type="title"/>
+          </p:nvPr>
+        </p:nvSpPr>
+        <p:spPr>
+          <a:xfrm>
+            <a:off x="684212" y="703874"/>
+            <a:ext cx="8534400" cy="1507067"/>
+          </a:xfrm>
+        </p:spPr>
+        <p:txBody>
+          <a:bodyPr/>
+          <a:lstStyle/>
+          <a:p>
+            <a:r>
+              <a:rPr lang="en-US" dirty="0"/>
+              <a:t>What we learned</a:t>
+            </a:r>
+          </a:p>
+        </p:txBody>
+      </p:sp>
+      <p:sp>
+        <p:nvSpPr>
+          <p:cNvPr id="3" name="Content Placeholder 2">
+            <a:extLst>
+              <a:ext uri="{FF2B5EF4-FFF2-40B4-BE49-F238E27FC236}">
+                <a16:creationId xmlns:a16="http://schemas.microsoft.com/office/drawing/2014/main" xmlns="" id="{F97BA237-BBF0-49FD-B184-71910E0D1F83}"/>
+              </a:ext>
+            </a:extLst>
+          </p:cNvPr>
+          <p:cNvSpPr>
+            <a:spLocks noGrp="1"/>
+          </p:cNvSpPr>
+          <p:nvPr>
+            <p:ph idx="1"/>
+          </p:nvPr>
+        </p:nvSpPr>
+        <p:spPr>
+          <a:xfrm>
+            <a:off x="684212" y="2393878"/>
+            <a:ext cx="8534400" cy="2482541"/>
+          </a:xfrm>
+        </p:spPr>
+        <p:txBody>
+          <a:bodyPr anchor="t">
+            <a:normAutofit/>
+          </a:bodyPr>
+          <a:lstStyle/>
+          <a:p>
+            <a:pPr marL="457200" indent="-457200">
+              <a:buClrTx/>
+              <a:buFont typeface="+mj-lt"/>
+              <a:buAutoNum type="arabicPeriod"/>
+            </a:pPr>
+            <a:r>
+              <a:rPr lang="en-US" sz="2400" dirty="0">
+                <a:solidFill>
+                  <a:schemeClr val="bg1"/>
+                </a:solidFill>
+              </a:rPr>
+              <a:t>Conclusions from Questions …</a:t>
+            </a:r>
+          </a:p>
+          <a:p>
+            <a:pPr marL="457200" indent="-457200">
+              <a:buClrTx/>
+              <a:buFont typeface="+mj-lt"/>
+              <a:buAutoNum type="arabicPeriod"/>
+            </a:pPr>
+            <a:r>
+              <a:rPr lang="en-US" sz="2400" dirty="0">
+                <a:solidFill>
+                  <a:schemeClr val="bg1"/>
+                </a:solidFill>
+              </a:rPr>
+              <a:t>Scala is your friend</a:t>
+            </a:r>
+          </a:p>
+        </p:txBody>
+      </p:sp>
+    </p:spTree>
+    <p:extLst>
+      <p:ext uri="{BB962C8B-B14F-4D97-AF65-F5344CB8AC3E}">
+        <p14:creationId xmlns:p14="http://schemas.microsoft.com/office/powerpoint/2010/main" val="4198274045"/>
+      </p:ext>
+    </p:extLst>
+  </p:cSld>
+  <p:clrMapOvr>
+    <a:masterClrMapping/>
+  </p:clrMapOvr>
+</p:sld>
+</file>
+
+<file path=ppt/slides/slide13.xml><?xml version="1.0" encoding="utf-8"?>
+<p:sld xmlns:a="http://schemas.openxmlformats.org/drawingml/2006/main" xmlns:r="http://schemas.openxmlformats.org/officeDocument/2006/relationships" xmlns:p="http://schemas.openxmlformats.org/presentationml/2006/main">
+  <p:cSld>
+    <p:spTree>
+      <p:nvGrpSpPr>
+        <p:cNvPr id="1" name=""/>
+        <p:cNvGrpSpPr/>
+        <p:nvPr/>
+      </p:nvGrpSpPr>
+      <p:grpSpPr>
+        <a:xfrm>
+          <a:off x="0" y="0"/>
+          <a:ext cx="0" cy="0"/>
+          <a:chOff x="0" y="0"/>
+          <a:chExt cx="0" cy="0"/>
+        </a:xfrm>
+      </p:grpSpPr>
+      <p:sp>
+        <p:nvSpPr>
+          <p:cNvPr id="2" name="Title 1">
+            <a:extLst>
+              <a:ext uri="{FF2B5EF4-FFF2-40B4-BE49-F238E27FC236}">
+                <a16:creationId xmlns:a16="http://schemas.microsoft.com/office/drawing/2014/main" xmlns="" id="{00846977-A750-4BB6-9AE6-AEB2DC7066DF}"/>
+              </a:ext>
+            </a:extLst>
+          </p:cNvPr>
+          <p:cNvSpPr>
+            <a:spLocks noGrp="1"/>
+          </p:cNvSpPr>
+          <p:nvPr>
+            <p:ph type="title"/>
+          </p:nvPr>
+        </p:nvSpPr>
+        <p:spPr>
+          <a:xfrm>
+            <a:off x="684212" y="703874"/>
+            <a:ext cx="8534400" cy="1507067"/>
+          </a:xfrm>
+        </p:spPr>
+        <p:txBody>
+          <a:bodyPr/>
+          <a:lstStyle/>
+          <a:p>
+            <a:r>
+              <a:rPr lang="en-US" dirty="0"/>
+              <a:t>Obstacles</a:t>
+            </a:r>
+          </a:p>
+        </p:txBody>
+      </p:sp>
+      <p:sp>
+        <p:nvSpPr>
+          <p:cNvPr id="3" name="Content Placeholder 2">
+            <a:extLst>
+              <a:ext uri="{FF2B5EF4-FFF2-40B4-BE49-F238E27FC236}">
+                <a16:creationId xmlns:a16="http://schemas.microsoft.com/office/drawing/2014/main" xmlns="" id="{F97BA237-BBF0-49FD-B184-71910E0D1F83}"/>
+              </a:ext>
+            </a:extLst>
+          </p:cNvPr>
+          <p:cNvSpPr>
+            <a:spLocks noGrp="1"/>
+          </p:cNvSpPr>
+          <p:nvPr>
+            <p:ph idx="1"/>
+          </p:nvPr>
+        </p:nvSpPr>
+        <p:spPr>
+          <a:xfrm>
+            <a:off x="684212" y="2393878"/>
+            <a:ext cx="8534400" cy="2482541"/>
+          </a:xfrm>
+        </p:spPr>
+        <p:txBody>
+          <a:bodyPr anchor="t">
+            <a:normAutofit/>
+          </a:bodyPr>
+          <a:lstStyle/>
+          <a:p>
+            <a:pPr marL="457200" indent="-457200">
+              <a:buClrTx/>
+              <a:buFont typeface="+mj-lt"/>
+              <a:buAutoNum type="arabicPeriod"/>
+            </a:pPr>
+            <a:r>
+              <a:rPr lang="en-US" sz="2400" dirty="0">
+                <a:solidFill>
+                  <a:schemeClr val="bg1"/>
+                </a:solidFill>
+              </a:rPr>
+              <a:t>Filling NULL values</a:t>
+            </a:r>
+          </a:p>
+          <a:p>
+            <a:pPr marL="457200" indent="-457200">
+              <a:buClrTx/>
+              <a:buFont typeface="+mj-lt"/>
+              <a:buAutoNum type="arabicPeriod"/>
+            </a:pPr>
+            <a:r>
+              <a:rPr lang="en-US" sz="2400" dirty="0">
+                <a:solidFill>
+                  <a:schemeClr val="bg1"/>
+                </a:solidFill>
+              </a:rPr>
+              <a:t>Regular Expressions</a:t>
+            </a:r>
+          </a:p>
+          <a:p>
+            <a:pPr marL="457200" indent="-457200">
+              <a:buClrTx/>
+              <a:buFont typeface="+mj-lt"/>
+              <a:buAutoNum type="arabicPeriod"/>
+            </a:pPr>
+            <a:r>
+              <a:rPr lang="en-US" sz="2400" dirty="0">
+                <a:solidFill>
+                  <a:schemeClr val="bg1"/>
+                </a:solidFill>
+              </a:rPr>
+              <a:t>TBD</a:t>
+            </a:r>
+          </a:p>
+        </p:txBody>
+      </p:sp>
+    </p:spTree>
+    <p:extLst>
+      <p:ext uri="{BB962C8B-B14F-4D97-AF65-F5344CB8AC3E}">
+        <p14:creationId xmlns:p14="http://schemas.microsoft.com/office/powerpoint/2010/main" val="3205346752"/>
+      </p:ext>
+    </p:extLst>
+  </p:cSld>
+  <p:clrMapOvr>
+    <a:masterClrMapping/>
+  </p:clrMapOvr>
+</p:sld>
+</file>
+
+<file path=ppt/slides/slide14.xml><?xml version="1.0" encoding="utf-8"?>
+<p:sld xmlns:a="http://schemas.openxmlformats.org/drawingml/2006/main" xmlns:r="http://schemas.openxmlformats.org/officeDocument/2006/relationships" xmlns:p="http://schemas.openxmlformats.org/presentationml/2006/main">
+  <p:cSld>
+    <p:spTree>
+      <p:nvGrpSpPr>
+        <p:cNvPr id="1" name=""/>
+        <p:cNvGrpSpPr/>
+        <p:nvPr/>
+      </p:nvGrpSpPr>
+      <p:grpSpPr>
+        <a:xfrm>
+          <a:off x="0" y="0"/>
+          <a:ext cx="0" cy="0"/>
+          <a:chOff x="0" y="0"/>
+          <a:chExt cx="0" cy="0"/>
+        </a:xfrm>
+      </p:grpSpPr>
+      <p:sp>
+        <p:nvSpPr>
+          <p:cNvPr id="2" name="Title 1">
+            <a:extLst>
+              <a:ext uri="{FF2B5EF4-FFF2-40B4-BE49-F238E27FC236}">
+                <a16:creationId xmlns:a16="http://schemas.microsoft.com/office/drawing/2014/main" xmlns="" id="{015E36F3-CFD3-4F0B-ACE1-6FFBBC14C8FE}"/>
               </a:ext>
             </a:extLst>
           </p:cNvPr>
@@ -5691,7 +6378,7 @@
           <p:cNvPr id="2" name="Title 1">
             <a:extLst>
               <a:ext uri="{FF2B5EF4-FFF2-40B4-BE49-F238E27FC236}">
-                <a16:creationId xmlns:a16="http://schemas.microsoft.com/office/drawing/2014/main" id="{895FA19E-1932-47E0-89E7-AC9D327BB2E1}"/>
+                <a16:creationId xmlns:a16="http://schemas.microsoft.com/office/drawing/2014/main" xmlns="" id="{895FA19E-1932-47E0-89E7-AC9D327BB2E1}"/>
               </a:ext>
             </a:extLst>
           </p:cNvPr>
@@ -5721,7 +6408,7 @@
           <p:cNvPr id="3" name="Text Placeholder 2">
             <a:extLst>
               <a:ext uri="{FF2B5EF4-FFF2-40B4-BE49-F238E27FC236}">
-                <a16:creationId xmlns:a16="http://schemas.microsoft.com/office/drawing/2014/main" id="{DF43FF17-42E6-44CD-AA0B-C1EA53436868}"/>
+                <a16:creationId xmlns:a16="http://schemas.microsoft.com/office/drawing/2014/main" xmlns="" id="{DF43FF17-42E6-44CD-AA0B-C1EA53436868}"/>
               </a:ext>
             </a:extLst>
           </p:cNvPr>
@@ -5811,7 +6498,7 @@
           <p:cNvPr id="2" name="Title 1">
             <a:extLst>
               <a:ext uri="{FF2B5EF4-FFF2-40B4-BE49-F238E27FC236}">
-                <a16:creationId xmlns:a16="http://schemas.microsoft.com/office/drawing/2014/main" id="{00846977-A750-4BB6-9AE6-AEB2DC7066DF}"/>
+                <a16:creationId xmlns:a16="http://schemas.microsoft.com/office/drawing/2014/main" xmlns="" id="{00846977-A750-4BB6-9AE6-AEB2DC7066DF}"/>
               </a:ext>
             </a:extLst>
           </p:cNvPr>
@@ -5844,7 +6531,7 @@
           <p:cNvPr id="3" name="Content Placeholder 2">
             <a:extLst>
               <a:ext uri="{FF2B5EF4-FFF2-40B4-BE49-F238E27FC236}">
-                <a16:creationId xmlns:a16="http://schemas.microsoft.com/office/drawing/2014/main" id="{F97BA237-BBF0-49FD-B184-71910E0D1F83}"/>
+                <a16:creationId xmlns:a16="http://schemas.microsoft.com/office/drawing/2014/main" xmlns="" id="{F97BA237-BBF0-49FD-B184-71910E0D1F83}"/>
               </a:ext>
             </a:extLst>
           </p:cNvPr>
@@ -5878,8 +6565,21 @@
                   <a:schemeClr val="bg1"/>
                 </a:solidFill>
               </a:rPr>
-              <a:t>Severity &amp; Roadway Type</a:t>
-            </a:r>
+              <a:t>Severity &amp; Roadway </a:t>
+            </a:r>
+            <a:r>
+              <a:rPr lang="en-US" sz="2400" dirty="0" smtClean="0">
+                <a:solidFill>
+                  <a:schemeClr val="bg1"/>
+                </a:solidFill>
+              </a:rPr>
+              <a:t>Type in top 5 states with the highest rate of accidents</a:t>
+            </a:r>
+            <a:endParaRPr lang="en-US" sz="2400" dirty="0">
+              <a:solidFill>
+                <a:schemeClr val="bg1"/>
+              </a:solidFill>
+            </a:endParaRPr>
           </a:p>
           <a:p>
             <a:pPr marL="457200" indent="-457200">
@@ -5963,7 +6663,7 @@
           <p:cNvPr id="2" name="Title 1">
             <a:extLst>
               <a:ext uri="{FF2B5EF4-FFF2-40B4-BE49-F238E27FC236}">
-                <a16:creationId xmlns:a16="http://schemas.microsoft.com/office/drawing/2014/main" id="{00846977-A750-4BB6-9AE6-AEB2DC7066DF}"/>
+                <a16:creationId xmlns:a16="http://schemas.microsoft.com/office/drawing/2014/main" xmlns="" id="{00846977-A750-4BB6-9AE6-AEB2DC7066DF}"/>
               </a:ext>
             </a:extLst>
           </p:cNvPr>
@@ -5996,7 +6696,7 @@
           <p:cNvPr id="3" name="Content Placeholder 2">
             <a:extLst>
               <a:ext uri="{FF2B5EF4-FFF2-40B4-BE49-F238E27FC236}">
-                <a16:creationId xmlns:a16="http://schemas.microsoft.com/office/drawing/2014/main" id="{F97BA237-BBF0-49FD-B184-71910E0D1F83}"/>
+                <a16:creationId xmlns:a16="http://schemas.microsoft.com/office/drawing/2014/main" xmlns="" id="{F97BA237-BBF0-49FD-B184-71910E0D1F83}"/>
               </a:ext>
             </a:extLst>
           </p:cNvPr>
@@ -6009,26 +6709,36 @@
         </p:nvSpPr>
         <p:spPr>
           <a:xfrm>
-            <a:off x="684212" y="2393878"/>
+            <a:off x="684212" y="1881259"/>
             <a:ext cx="8534400" cy="2482541"/>
           </a:xfrm>
         </p:spPr>
         <p:txBody>
-          <a:bodyPr>
+          <a:bodyPr anchor="t">
             <a:normAutofit/>
           </a:bodyPr>
           <a:lstStyle/>
           <a:p>
-            <a:pPr marL="457200" indent="-457200">
+            <a:pPr marL="0" indent="0" defTabSz="914400">
+              <a:spcBef>
+                <a:spcPts val="0"/>
+              </a:spcBef>
+              <a:spcAft>
+                <a:spcPts val="0"/>
+              </a:spcAft>
               <a:buClrTx/>
+              <a:buSzTx/>
               <a:buFont typeface="+mj-lt"/>
-              <a:buAutoNum type="arabicPeriod"/>
+              <a:buNone/>
             </a:pPr>
-            <a:endParaRPr lang="en-US" sz="2400" dirty="0">
-              <a:solidFill>
-                <a:schemeClr val="bg1"/>
-              </a:solidFill>
-            </a:endParaRPr>
+            <a:r>
+              <a:rPr lang="en-US" sz="2400" dirty="0" smtClean="0">
+                <a:solidFill>
+                  <a:schemeClr val="bg1"/>
+                </a:solidFill>
+              </a:rPr>
+              <a:t>Which 5 states have the highest rate of car accidents? For each of the 5 states, on which road types did most accidents occur and is there a correlation between the road type and severity of the accident?</a:t>
+            </a:r>
           </a:p>
         </p:txBody>
       </p:sp>
@@ -6067,7 +6777,7 @@
           <p:cNvPr id="2" name="Title 1">
             <a:extLst>
               <a:ext uri="{FF2B5EF4-FFF2-40B4-BE49-F238E27FC236}">
-                <a16:creationId xmlns:a16="http://schemas.microsoft.com/office/drawing/2014/main" id="{00846977-A750-4BB6-9AE6-AEB2DC7066DF}"/>
+                <a16:creationId xmlns:a16="http://schemas.microsoft.com/office/drawing/2014/main" xmlns="" id="{00846977-A750-4BB6-9AE6-AEB2DC7066DF}"/>
               </a:ext>
             </a:extLst>
           </p:cNvPr>
@@ -6089,9 +6799,10 @@
           <a:lstStyle/>
           <a:p>
             <a:r>
-              <a:rPr lang="en-US" dirty="0"/>
-              <a:t>Q2</a:t>
-            </a:r>
+              <a:rPr lang="en-US" dirty="0" smtClean="0"/>
+              <a:t>Q1 (cont.)</a:t>
+            </a:r>
+            <a:endParaRPr lang="en-US" dirty="0"/>
           </a:p>
         </p:txBody>
       </p:sp>
@@ -6100,7 +6811,1040 @@
           <p:cNvPr id="3" name="Content Placeholder 2">
             <a:extLst>
               <a:ext uri="{FF2B5EF4-FFF2-40B4-BE49-F238E27FC236}">
-                <a16:creationId xmlns:a16="http://schemas.microsoft.com/office/drawing/2014/main" id="{F97BA237-BBF0-49FD-B184-71910E0D1F83}"/>
+                <a16:creationId xmlns:a16="http://schemas.microsoft.com/office/drawing/2014/main" xmlns="" id="{F97BA237-BBF0-49FD-B184-71910E0D1F83}"/>
+              </a:ext>
+            </a:extLst>
+          </p:cNvPr>
+          <p:cNvSpPr>
+            <a:spLocks noGrp="1"/>
+          </p:cNvSpPr>
+          <p:nvPr>
+            <p:ph idx="1"/>
+          </p:nvPr>
+        </p:nvSpPr>
+        <p:spPr>
+          <a:xfrm>
+            <a:off x="684211" y="1881259"/>
+            <a:ext cx="11216843" cy="3785250"/>
+          </a:xfrm>
+        </p:spPr>
+        <p:txBody>
+          <a:bodyPr anchor="t">
+            <a:normAutofit lnSpcReduction="10000"/>
+          </a:bodyPr>
+          <a:lstStyle/>
+          <a:p>
+            <a:pPr marL="0" indent="0" defTabSz="914400">
+              <a:lnSpc>
+                <a:spcPct val="150000"/>
+              </a:lnSpc>
+              <a:spcBef>
+                <a:spcPts val="0"/>
+              </a:spcBef>
+              <a:spcAft>
+                <a:spcPts val="0"/>
+              </a:spcAft>
+              <a:buClrTx/>
+              <a:buSzTx/>
+              <a:buFont typeface="+mj-lt"/>
+              <a:buNone/>
+            </a:pPr>
+            <a:r>
+              <a:rPr lang="en-US" sz="2400" dirty="0" smtClean="0">
+                <a:solidFill>
+                  <a:schemeClr val="bg1"/>
+                </a:solidFill>
+              </a:rPr>
+              <a:t>Method:</a:t>
+            </a:r>
+          </a:p>
+          <a:p>
+            <a:pPr marL="0" indent="-457200" defTabSz="914400">
+              <a:lnSpc>
+                <a:spcPct val="150000"/>
+              </a:lnSpc>
+              <a:spcBef>
+                <a:spcPts val="0"/>
+              </a:spcBef>
+              <a:spcAft>
+                <a:spcPts val="0"/>
+              </a:spcAft>
+              <a:buClrTx/>
+              <a:buSzTx/>
+              <a:buFont typeface="Arial" charset="0"/>
+              <a:buChar char="•"/>
+            </a:pPr>
+            <a:r>
+              <a:rPr lang="en-US" sz="2400" dirty="0" smtClean="0">
+                <a:solidFill>
+                  <a:schemeClr val="bg1"/>
+                </a:solidFill>
+              </a:rPr>
+              <a:t>2 RDDs:</a:t>
+            </a:r>
+            <a:r>
+              <a:rPr lang="en-US" sz="2400" dirty="0" smtClean="0">
+                <a:solidFill>
+                  <a:schemeClr val="bg1"/>
+                </a:solidFill>
+              </a:rPr>
+              <a:t/>
+            </a:r>
+            <a:br>
+              <a:rPr lang="en-US" sz="2400" dirty="0" smtClean="0">
+                <a:solidFill>
+                  <a:schemeClr val="bg1"/>
+                </a:solidFill>
+              </a:rPr>
+            </a:br>
+            <a:r>
+              <a:rPr lang="en-US" sz="2400" dirty="0" smtClean="0">
+                <a:solidFill>
+                  <a:schemeClr val="bg1"/>
+                </a:solidFill>
+              </a:rPr>
+              <a:t>	</a:t>
+            </a:r>
+            <a:r>
+              <a:rPr lang="en-US" sz="2400" dirty="0" smtClean="0">
+                <a:solidFill>
+                  <a:schemeClr val="bg1"/>
+                </a:solidFill>
+              </a:rPr>
+              <a:t>Map(state, # of accidents)</a:t>
+            </a:r>
+            <a:br>
+              <a:rPr lang="en-US" sz="2400" dirty="0" smtClean="0">
+                <a:solidFill>
+                  <a:schemeClr val="bg1"/>
+                </a:solidFill>
+              </a:rPr>
+            </a:br>
+            <a:r>
+              <a:rPr lang="en-US" sz="2400" dirty="0" smtClean="0">
+                <a:solidFill>
+                  <a:schemeClr val="bg1"/>
+                </a:solidFill>
+              </a:rPr>
+              <a:t>	Map(state, </a:t>
+            </a:r>
+            <a:r>
+              <a:rPr lang="en-US" sz="2400" dirty="0" err="1" smtClean="0">
+                <a:solidFill>
+                  <a:schemeClr val="bg1"/>
+                </a:solidFill>
+              </a:rPr>
+              <a:t>SortedList</a:t>
+            </a:r>
+            <a:r>
+              <a:rPr lang="en-US" sz="2400" dirty="0" smtClean="0">
+                <a:solidFill>
+                  <a:schemeClr val="bg1"/>
+                </a:solidFill>
+              </a:rPr>
+              <a:t>(</a:t>
+            </a:r>
+            <a:r>
+              <a:rPr lang="en-US" sz="2400" dirty="0" err="1" smtClean="0">
+                <a:solidFill>
+                  <a:schemeClr val="bg1"/>
+                </a:solidFill>
+              </a:rPr>
+              <a:t>roadtype</a:t>
+            </a:r>
+            <a:r>
+              <a:rPr lang="en-US" sz="2400" dirty="0" smtClean="0">
+                <a:solidFill>
+                  <a:schemeClr val="bg1"/>
+                </a:solidFill>
+              </a:rPr>
+              <a:t>, # of accidents, </a:t>
+            </a:r>
+            <a:r>
+              <a:rPr lang="en-US" sz="2400" dirty="0" err="1" smtClean="0">
+                <a:solidFill>
+                  <a:schemeClr val="bg1"/>
+                </a:solidFill>
+              </a:rPr>
+              <a:t>avg</a:t>
+            </a:r>
+            <a:r>
+              <a:rPr lang="en-US" sz="2400" dirty="0" smtClean="0">
+                <a:solidFill>
+                  <a:schemeClr val="bg1"/>
+                </a:solidFill>
+              </a:rPr>
+              <a:t> severity))</a:t>
+            </a:r>
+          </a:p>
+          <a:p>
+            <a:pPr marL="0" indent="-457200" defTabSz="914400">
+              <a:lnSpc>
+                <a:spcPct val="150000"/>
+              </a:lnSpc>
+              <a:spcBef>
+                <a:spcPts val="0"/>
+              </a:spcBef>
+              <a:spcAft>
+                <a:spcPts val="0"/>
+              </a:spcAft>
+              <a:buClrTx/>
+              <a:buSzTx/>
+              <a:buFont typeface="Arial" charset="0"/>
+              <a:buChar char="•"/>
+            </a:pPr>
+            <a:r>
+              <a:rPr lang="en-US" sz="2400" dirty="0" smtClean="0">
+                <a:solidFill>
+                  <a:schemeClr val="bg1"/>
+                </a:solidFill>
+              </a:rPr>
+              <a:t>Road types were extracted using regular expressions</a:t>
+            </a:r>
+          </a:p>
+          <a:p>
+            <a:pPr marL="914400" lvl="2" indent="-457200" defTabSz="914400">
+              <a:lnSpc>
+                <a:spcPct val="150000"/>
+              </a:lnSpc>
+              <a:spcBef>
+                <a:spcPts val="0"/>
+              </a:spcBef>
+              <a:spcAft>
+                <a:spcPts val="0"/>
+              </a:spcAft>
+              <a:buClrTx/>
+              <a:buSzTx/>
+              <a:buFont typeface="Arial" charset="0"/>
+              <a:buChar char="•"/>
+            </a:pPr>
+            <a:r>
+              <a:rPr lang="en-US" sz="2400" dirty="0" smtClean="0">
+                <a:solidFill>
+                  <a:schemeClr val="bg1"/>
+                </a:solidFill>
+              </a:rPr>
+              <a:t>“I-5 W” contains “I-{number} {bound}”</a:t>
+            </a:r>
+          </a:p>
+          <a:p>
+            <a:pPr marL="914400" lvl="2" indent="-457200" defTabSz="914400">
+              <a:lnSpc>
+                <a:spcPct val="150000"/>
+              </a:lnSpc>
+              <a:spcBef>
+                <a:spcPts val="0"/>
+              </a:spcBef>
+              <a:spcAft>
+                <a:spcPts val="0"/>
+              </a:spcAft>
+              <a:buClrTx/>
+              <a:buSzTx/>
+              <a:buFont typeface="Arial" charset="0"/>
+              <a:buChar char="•"/>
+            </a:pPr>
+            <a:r>
+              <a:rPr lang="en-US" sz="2400" dirty="0" smtClean="0">
+                <a:solidFill>
+                  <a:schemeClr val="bg1"/>
+                </a:solidFill>
+              </a:rPr>
+              <a:t>“CA-1 S” contains ”{2 char </a:t>
+            </a:r>
+            <a:r>
+              <a:rPr lang="en-US" sz="2400" dirty="0" err="1" smtClean="0">
+                <a:solidFill>
+                  <a:schemeClr val="bg1"/>
+                </a:solidFill>
+              </a:rPr>
+              <a:t>abbv</a:t>
+            </a:r>
+            <a:r>
+              <a:rPr lang="en-US" sz="2400" dirty="0" smtClean="0">
+                <a:solidFill>
+                  <a:schemeClr val="bg1"/>
+                </a:solidFill>
+              </a:rPr>
+              <a:t> for state}-{number} {bound}”</a:t>
+            </a:r>
+          </a:p>
+        </p:txBody>
+      </p:sp>
+    </p:spTree>
+    <p:extLst>
+      <p:ext uri="{BB962C8B-B14F-4D97-AF65-F5344CB8AC3E}">
+        <p14:creationId xmlns:p14="http://schemas.microsoft.com/office/powerpoint/2010/main" val="1258063272"/>
+      </p:ext>
+    </p:extLst>
+  </p:cSld>
+  <p:clrMapOvr>
+    <a:masterClrMapping/>
+  </p:clrMapOvr>
+</p:sld>
+</file>
+
+<file path=ppt/slides/slide6.xml><?xml version="1.0" encoding="utf-8"?>
+<p:sld xmlns:a="http://schemas.openxmlformats.org/drawingml/2006/main" xmlns:r="http://schemas.openxmlformats.org/officeDocument/2006/relationships" xmlns:p="http://schemas.openxmlformats.org/presentationml/2006/main">
+  <p:cSld>
+    <p:spTree>
+      <p:nvGrpSpPr>
+        <p:cNvPr id="1" name=""/>
+        <p:cNvGrpSpPr/>
+        <p:nvPr/>
+      </p:nvGrpSpPr>
+      <p:grpSpPr>
+        <a:xfrm>
+          <a:off x="0" y="0"/>
+          <a:ext cx="0" cy="0"/>
+          <a:chOff x="0" y="0"/>
+          <a:chExt cx="0" cy="0"/>
+        </a:xfrm>
+      </p:grpSpPr>
+      <p:sp>
+        <p:nvSpPr>
+          <p:cNvPr id="2" name="Title 1">
+            <a:extLst>
+              <a:ext uri="{FF2B5EF4-FFF2-40B4-BE49-F238E27FC236}">
+                <a16:creationId xmlns:a16="http://schemas.microsoft.com/office/drawing/2014/main" xmlns="" id="{00846977-A750-4BB6-9AE6-AEB2DC7066DF}"/>
+              </a:ext>
+            </a:extLst>
+          </p:cNvPr>
+          <p:cNvSpPr>
+            <a:spLocks noGrp="1"/>
+          </p:cNvSpPr>
+          <p:nvPr>
+            <p:ph type="title"/>
+          </p:nvPr>
+        </p:nvSpPr>
+        <p:spPr>
+          <a:xfrm>
+            <a:off x="684212" y="703874"/>
+            <a:ext cx="8534400" cy="1507067"/>
+          </a:xfrm>
+        </p:spPr>
+        <p:txBody>
+          <a:bodyPr/>
+          <a:lstStyle/>
+          <a:p>
+            <a:r>
+              <a:rPr lang="en-US" dirty="0" smtClean="0"/>
+              <a:t>Q1 (cont.)</a:t>
+            </a:r>
+            <a:endParaRPr lang="en-US" dirty="0"/>
+          </a:p>
+        </p:txBody>
+      </p:sp>
+      <p:sp>
+        <p:nvSpPr>
+          <p:cNvPr id="3" name="Content Placeholder 2">
+            <a:extLst>
+              <a:ext uri="{FF2B5EF4-FFF2-40B4-BE49-F238E27FC236}">
+                <a16:creationId xmlns:a16="http://schemas.microsoft.com/office/drawing/2014/main" xmlns="" id="{F97BA237-BBF0-49FD-B184-71910E0D1F83}"/>
+              </a:ext>
+            </a:extLst>
+          </p:cNvPr>
+          <p:cNvSpPr>
+            <a:spLocks noGrp="1"/>
+          </p:cNvSpPr>
+          <p:nvPr>
+            <p:ph idx="1"/>
+          </p:nvPr>
+        </p:nvSpPr>
+        <p:spPr>
+          <a:xfrm>
+            <a:off x="684211" y="1881259"/>
+            <a:ext cx="11216843" cy="3785250"/>
+          </a:xfrm>
+        </p:spPr>
+        <p:txBody>
+          <a:bodyPr anchor="t">
+            <a:normAutofit lnSpcReduction="10000"/>
+          </a:bodyPr>
+          <a:lstStyle/>
+          <a:p>
+            <a:pPr marL="0" indent="0" defTabSz="914400">
+              <a:spcBef>
+                <a:spcPts val="0"/>
+              </a:spcBef>
+              <a:spcAft>
+                <a:spcPts val="0"/>
+              </a:spcAft>
+              <a:buClrTx/>
+              <a:buSzTx/>
+              <a:buFont typeface="+mj-lt"/>
+              <a:buNone/>
+            </a:pPr>
+            <a:r>
+              <a:rPr lang="en-US" sz="2400" dirty="0" smtClean="0">
+                <a:solidFill>
+                  <a:schemeClr val="bg1"/>
+                </a:solidFill>
+              </a:rPr>
+              <a:t>Results:</a:t>
+            </a:r>
+          </a:p>
+          <a:p>
+            <a:pPr defTabSz="914400">
+              <a:spcBef>
+                <a:spcPts val="0"/>
+              </a:spcBef>
+              <a:spcAft>
+                <a:spcPts val="0"/>
+              </a:spcAft>
+              <a:buClrTx/>
+              <a:buSzTx/>
+              <a:buFont typeface="Arial" charset="0"/>
+              <a:buChar char="•"/>
+            </a:pPr>
+            <a:r>
+              <a:rPr lang="en-US" sz="2400" dirty="0">
+                <a:solidFill>
+                  <a:schemeClr val="bg1"/>
+                </a:solidFill>
+              </a:rPr>
+              <a:t>CA </a:t>
+            </a:r>
+            <a:r>
+              <a:rPr lang="en-US" sz="2400" dirty="0" smtClean="0">
+                <a:solidFill>
+                  <a:schemeClr val="bg1"/>
+                </a:solidFill>
+              </a:rPr>
+              <a:t>9768</a:t>
+            </a:r>
+            <a:endParaRPr lang="en-US" sz="2400" dirty="0">
+              <a:solidFill>
+                <a:schemeClr val="bg1"/>
+              </a:solidFill>
+            </a:endParaRPr>
+          </a:p>
+          <a:p>
+            <a:pPr lvl="1" defTabSz="914400">
+              <a:spcBef>
+                <a:spcPts val="0"/>
+              </a:spcBef>
+              <a:spcAft>
+                <a:spcPts val="0"/>
+              </a:spcAft>
+              <a:buClrTx/>
+              <a:buSzTx/>
+              <a:buFont typeface="Arial" charset="0"/>
+              <a:buChar char="•"/>
+            </a:pPr>
+            <a:r>
+              <a:rPr lang="en-US" sz="1600" dirty="0" smtClean="0">
+                <a:solidFill>
+                  <a:schemeClr val="bg1"/>
+                </a:solidFill>
+              </a:rPr>
+              <a:t>(Local </a:t>
+            </a:r>
+            <a:r>
+              <a:rPr lang="en-US" sz="1600" dirty="0">
+                <a:solidFill>
+                  <a:schemeClr val="bg1"/>
+                </a:solidFill>
+              </a:rPr>
+              <a:t>Street, 4039, 2.23), (Interstate, 2352, 2.92), (Freeway, 1748, 2.58), (State Highway, 1388, 2.09), (Highway, 241, 2.08</a:t>
+            </a:r>
+            <a:r>
+              <a:rPr lang="en-US" sz="1600" dirty="0" smtClean="0">
+                <a:solidFill>
+                  <a:schemeClr val="bg1"/>
+                </a:solidFill>
+              </a:rPr>
+              <a:t>)</a:t>
+            </a:r>
+          </a:p>
+          <a:p>
+            <a:pPr defTabSz="914400">
+              <a:spcBef>
+                <a:spcPts val="0"/>
+              </a:spcBef>
+              <a:spcAft>
+                <a:spcPts val="0"/>
+              </a:spcAft>
+              <a:buClrTx/>
+              <a:buSzTx/>
+              <a:buFont typeface="Arial" charset="0"/>
+              <a:buChar char="•"/>
+            </a:pPr>
+            <a:r>
+              <a:rPr lang="en-US" sz="2400" dirty="0" smtClean="0">
+                <a:solidFill>
+                  <a:schemeClr val="bg1"/>
+                </a:solidFill>
+              </a:rPr>
+              <a:t>TX 4877</a:t>
+            </a:r>
+            <a:endParaRPr lang="en-US" sz="2400" dirty="0">
+              <a:solidFill>
+                <a:schemeClr val="bg1"/>
+              </a:solidFill>
+            </a:endParaRPr>
+          </a:p>
+          <a:p>
+            <a:pPr lvl="1" defTabSz="914400">
+              <a:spcBef>
+                <a:spcPts val="0"/>
+              </a:spcBef>
+              <a:spcAft>
+                <a:spcPts val="0"/>
+              </a:spcAft>
+              <a:buClrTx/>
+              <a:buSzTx/>
+              <a:buFont typeface="Arial" charset="0"/>
+              <a:buChar char="•"/>
+            </a:pPr>
+            <a:r>
+              <a:rPr lang="en-US" sz="1600" dirty="0" smtClean="0">
+                <a:solidFill>
+                  <a:schemeClr val="bg1"/>
+                </a:solidFill>
+              </a:rPr>
+              <a:t>(Local </a:t>
+            </a:r>
+            <a:r>
+              <a:rPr lang="en-US" sz="1600" dirty="0">
+                <a:solidFill>
+                  <a:schemeClr val="bg1"/>
+                </a:solidFill>
+              </a:rPr>
+              <a:t>Street, 3837, 2.13), (Interstate, 417, 2.87), (State Highway, 367, 2.43), (Freeway, 213, 2.56</a:t>
+            </a:r>
+            <a:r>
+              <a:rPr lang="en-US" sz="1600" dirty="0" smtClean="0">
+                <a:solidFill>
+                  <a:schemeClr val="bg1"/>
+                </a:solidFill>
+              </a:rPr>
+              <a:t>),</a:t>
+            </a:r>
+            <a:br>
+              <a:rPr lang="en-US" sz="1600" dirty="0" smtClean="0">
+                <a:solidFill>
+                  <a:schemeClr val="bg1"/>
+                </a:solidFill>
+              </a:rPr>
+            </a:br>
+            <a:r>
+              <a:rPr lang="en-US" sz="1600" dirty="0" smtClean="0">
+                <a:solidFill>
+                  <a:schemeClr val="bg1"/>
+                </a:solidFill>
+              </a:rPr>
+              <a:t>(</a:t>
+            </a:r>
+            <a:r>
+              <a:rPr lang="en-US" sz="1600" dirty="0">
+                <a:solidFill>
+                  <a:schemeClr val="bg1"/>
+                </a:solidFill>
+              </a:rPr>
+              <a:t>Highway, 43, 2.28</a:t>
+            </a:r>
+            <a:r>
+              <a:rPr lang="en-US" sz="1600" dirty="0" smtClean="0">
+                <a:solidFill>
+                  <a:schemeClr val="bg1"/>
+                </a:solidFill>
+              </a:rPr>
+              <a:t>)</a:t>
+            </a:r>
+          </a:p>
+          <a:p>
+            <a:pPr defTabSz="914400">
+              <a:spcBef>
+                <a:spcPts val="0"/>
+              </a:spcBef>
+              <a:spcAft>
+                <a:spcPts val="0"/>
+              </a:spcAft>
+              <a:buClrTx/>
+              <a:buSzTx/>
+              <a:buFont typeface="Arial" charset="0"/>
+              <a:buChar char="•"/>
+            </a:pPr>
+            <a:r>
+              <a:rPr lang="en-US" sz="2400" dirty="0" smtClean="0">
+                <a:solidFill>
+                  <a:schemeClr val="bg1"/>
+                </a:solidFill>
+              </a:rPr>
+              <a:t>FL 3034</a:t>
+            </a:r>
+            <a:endParaRPr lang="en-US" sz="2400" dirty="0">
+              <a:solidFill>
+                <a:schemeClr val="bg1"/>
+              </a:solidFill>
+            </a:endParaRPr>
+          </a:p>
+          <a:p>
+            <a:pPr lvl="1" defTabSz="914400">
+              <a:spcBef>
+                <a:spcPts val="0"/>
+              </a:spcBef>
+              <a:spcAft>
+                <a:spcPts val="0"/>
+              </a:spcAft>
+              <a:buClrTx/>
+              <a:buSzTx/>
+              <a:buFont typeface="Arial" charset="0"/>
+              <a:buChar char="•"/>
+            </a:pPr>
+            <a:r>
+              <a:rPr lang="en-US" sz="1600" dirty="0" smtClean="0">
+                <a:solidFill>
+                  <a:schemeClr val="bg1"/>
+                </a:solidFill>
+              </a:rPr>
+              <a:t>(Local </a:t>
+            </a:r>
+            <a:r>
+              <a:rPr lang="en-US" sz="1600" dirty="0">
+                <a:solidFill>
+                  <a:schemeClr val="bg1"/>
+                </a:solidFill>
+              </a:rPr>
+              <a:t>Street, 2329, 2.18), (Interstate, 619, 2.92), (Highway, 53, 2.15), (State Highway, 33, 2.39</a:t>
+            </a:r>
+            <a:r>
+              <a:rPr lang="en-US" sz="1600" dirty="0" smtClean="0">
+                <a:solidFill>
+                  <a:schemeClr val="bg1"/>
+                </a:solidFill>
+              </a:rPr>
+              <a:t>)</a:t>
+            </a:r>
+          </a:p>
+          <a:p>
+            <a:pPr defTabSz="914400">
+              <a:spcBef>
+                <a:spcPts val="0"/>
+              </a:spcBef>
+              <a:spcAft>
+                <a:spcPts val="0"/>
+              </a:spcAft>
+              <a:buClrTx/>
+              <a:buSzTx/>
+              <a:buFont typeface="Arial" charset="0"/>
+              <a:buChar char="•"/>
+            </a:pPr>
+            <a:r>
+              <a:rPr lang="en-US" sz="2400" dirty="0" smtClean="0">
+                <a:solidFill>
+                  <a:schemeClr val="bg1"/>
+                </a:solidFill>
+              </a:rPr>
+              <a:t>PA 1835</a:t>
+            </a:r>
+            <a:endParaRPr lang="en-US" sz="2400" dirty="0">
+              <a:solidFill>
+                <a:schemeClr val="bg1"/>
+              </a:solidFill>
+            </a:endParaRPr>
+          </a:p>
+          <a:p>
+            <a:pPr lvl="1" defTabSz="914400">
+              <a:spcBef>
+                <a:spcPts val="0"/>
+              </a:spcBef>
+              <a:spcAft>
+                <a:spcPts val="0"/>
+              </a:spcAft>
+              <a:buClrTx/>
+              <a:buSzTx/>
+              <a:buFont typeface="Arial" charset="0"/>
+              <a:buChar char="•"/>
+            </a:pPr>
+            <a:r>
+              <a:rPr lang="en-US" sz="1600" dirty="0" smtClean="0">
+                <a:solidFill>
+                  <a:schemeClr val="bg1"/>
+                </a:solidFill>
+              </a:rPr>
+              <a:t>(Local </a:t>
+            </a:r>
+            <a:r>
+              <a:rPr lang="en-US" sz="1600" dirty="0">
+                <a:solidFill>
+                  <a:schemeClr val="bg1"/>
+                </a:solidFill>
+              </a:rPr>
+              <a:t>Street, 1573, 2.08), (Interstate, 136, 2.86), (State Highway, 80, 2.31), (Highway, 46, 2.37</a:t>
+            </a:r>
+            <a:r>
+              <a:rPr lang="en-US" sz="1600" dirty="0" smtClean="0">
+                <a:solidFill>
+                  <a:schemeClr val="bg1"/>
+                </a:solidFill>
+              </a:rPr>
+              <a:t>)</a:t>
+            </a:r>
+          </a:p>
+          <a:p>
+            <a:pPr defTabSz="914400">
+              <a:spcBef>
+                <a:spcPts val="0"/>
+              </a:spcBef>
+              <a:spcAft>
+                <a:spcPts val="0"/>
+              </a:spcAft>
+              <a:buClrTx/>
+              <a:buSzTx/>
+              <a:buFont typeface="Arial" charset="0"/>
+              <a:buChar char="•"/>
+            </a:pPr>
+            <a:r>
+              <a:rPr lang="en-US" sz="2400" dirty="0" smtClean="0">
+                <a:solidFill>
+                  <a:schemeClr val="bg1"/>
+                </a:solidFill>
+              </a:rPr>
+              <a:t>NY 1732</a:t>
+            </a:r>
+            <a:endParaRPr lang="en-US" sz="2400" dirty="0">
+              <a:solidFill>
+                <a:schemeClr val="bg1"/>
+              </a:solidFill>
+            </a:endParaRPr>
+          </a:p>
+          <a:p>
+            <a:pPr lvl="1" defTabSz="914400">
+              <a:spcBef>
+                <a:spcPts val="0"/>
+              </a:spcBef>
+              <a:spcAft>
+                <a:spcPts val="0"/>
+              </a:spcAft>
+              <a:buClrTx/>
+              <a:buSzTx/>
+              <a:buFont typeface="Arial" charset="0"/>
+              <a:buChar char="•"/>
+            </a:pPr>
+            <a:r>
+              <a:rPr lang="en-US" sz="1600" dirty="0" smtClean="0">
+                <a:solidFill>
+                  <a:schemeClr val="bg1"/>
+                </a:solidFill>
+              </a:rPr>
+              <a:t>(Local </a:t>
+            </a:r>
+            <a:r>
+              <a:rPr lang="en-US" sz="1600" dirty="0">
+                <a:solidFill>
+                  <a:schemeClr val="bg1"/>
+                </a:solidFill>
+              </a:rPr>
+              <a:t>Street, 1448, 2.37), (Interstate, 253, 2.82), (State Highway, 16, 2.31), (Highway, 15, 2.13)</a:t>
+            </a:r>
+            <a:endParaRPr lang="en-US" sz="1600" dirty="0" smtClean="0">
+              <a:solidFill>
+                <a:schemeClr val="bg1"/>
+              </a:solidFill>
+            </a:endParaRPr>
+          </a:p>
+        </p:txBody>
+      </p:sp>
+    </p:spTree>
+    <p:extLst>
+      <p:ext uri="{BB962C8B-B14F-4D97-AF65-F5344CB8AC3E}">
+        <p14:creationId xmlns:p14="http://schemas.microsoft.com/office/powerpoint/2010/main" val="696298671"/>
+      </p:ext>
+    </p:extLst>
+  </p:cSld>
+  <p:clrMapOvr>
+    <a:masterClrMapping/>
+  </p:clrMapOvr>
+</p:sld>
+</file>
+
+<file path=ppt/slides/slide7.xml><?xml version="1.0" encoding="utf-8"?>
+<p:sld xmlns:a="http://schemas.openxmlformats.org/drawingml/2006/main" xmlns:r="http://schemas.openxmlformats.org/officeDocument/2006/relationships" xmlns:p="http://schemas.openxmlformats.org/presentationml/2006/main">
+  <p:cSld>
+    <p:spTree>
+      <p:nvGrpSpPr>
+        <p:cNvPr id="1" name=""/>
+        <p:cNvGrpSpPr/>
+        <p:nvPr/>
+      </p:nvGrpSpPr>
+      <p:grpSpPr>
+        <a:xfrm>
+          <a:off x="0" y="0"/>
+          <a:ext cx="0" cy="0"/>
+          <a:chOff x="0" y="0"/>
+          <a:chExt cx="0" cy="0"/>
+        </a:xfrm>
+      </p:grpSpPr>
+      <p:sp>
+        <p:nvSpPr>
+          <p:cNvPr id="2" name="Title 1">
+            <a:extLst>
+              <a:ext uri="{FF2B5EF4-FFF2-40B4-BE49-F238E27FC236}">
+                <a16:creationId xmlns:a16="http://schemas.microsoft.com/office/drawing/2014/main" xmlns="" id="{00846977-A750-4BB6-9AE6-AEB2DC7066DF}"/>
+              </a:ext>
+            </a:extLst>
+          </p:cNvPr>
+          <p:cNvSpPr>
+            <a:spLocks noGrp="1"/>
+          </p:cNvSpPr>
+          <p:nvPr>
+            <p:ph type="title"/>
+          </p:nvPr>
+        </p:nvSpPr>
+        <p:spPr>
+          <a:xfrm>
+            <a:off x="684212" y="703874"/>
+            <a:ext cx="8534400" cy="1507067"/>
+          </a:xfrm>
+        </p:spPr>
+        <p:txBody>
+          <a:bodyPr/>
+          <a:lstStyle/>
+          <a:p>
+            <a:r>
+              <a:rPr lang="en-US" dirty="0" smtClean="0"/>
+              <a:t>Q1 (cont.)</a:t>
+            </a:r>
+            <a:endParaRPr lang="en-US" dirty="0"/>
+          </a:p>
+        </p:txBody>
+      </p:sp>
+      <p:sp>
+        <p:nvSpPr>
+          <p:cNvPr id="3" name="Content Placeholder 2">
+            <a:extLst>
+              <a:ext uri="{FF2B5EF4-FFF2-40B4-BE49-F238E27FC236}">
+                <a16:creationId xmlns:a16="http://schemas.microsoft.com/office/drawing/2014/main" xmlns="" id="{F97BA237-BBF0-49FD-B184-71910E0D1F83}"/>
+              </a:ext>
+            </a:extLst>
+          </p:cNvPr>
+          <p:cNvSpPr>
+            <a:spLocks noGrp="1"/>
+          </p:cNvSpPr>
+          <p:nvPr>
+            <p:ph idx="1"/>
+          </p:nvPr>
+        </p:nvSpPr>
+        <p:spPr>
+          <a:xfrm>
+            <a:off x="684211" y="1881259"/>
+            <a:ext cx="11216843" cy="3785250"/>
+          </a:xfrm>
+        </p:spPr>
+        <p:txBody>
+          <a:bodyPr anchor="t">
+            <a:normAutofit/>
+          </a:bodyPr>
+          <a:lstStyle/>
+          <a:p>
+            <a:pPr marL="0" indent="0" defTabSz="914400">
+              <a:lnSpc>
+                <a:spcPct val="150000"/>
+              </a:lnSpc>
+              <a:spcBef>
+                <a:spcPts val="0"/>
+              </a:spcBef>
+              <a:spcAft>
+                <a:spcPts val="0"/>
+              </a:spcAft>
+              <a:buClrTx/>
+              <a:buSzTx/>
+              <a:buFont typeface="+mj-lt"/>
+              <a:buNone/>
+            </a:pPr>
+            <a:r>
+              <a:rPr lang="en-US" sz="2400" dirty="0" smtClean="0">
+                <a:solidFill>
+                  <a:schemeClr val="bg1"/>
+                </a:solidFill>
+              </a:rPr>
+              <a:t>Observations From Findings:</a:t>
+            </a:r>
+          </a:p>
+          <a:p>
+            <a:pPr defTabSz="914400">
+              <a:lnSpc>
+                <a:spcPct val="150000"/>
+              </a:lnSpc>
+              <a:spcBef>
+                <a:spcPts val="0"/>
+              </a:spcBef>
+              <a:spcAft>
+                <a:spcPts val="0"/>
+              </a:spcAft>
+              <a:buClrTx/>
+              <a:buSzTx/>
+              <a:buFont typeface="Arial" charset="0"/>
+              <a:buChar char="•"/>
+            </a:pPr>
+            <a:r>
+              <a:rPr lang="en-US" sz="2400" dirty="0" smtClean="0">
+                <a:solidFill>
+                  <a:schemeClr val="bg1"/>
+                </a:solidFill>
+              </a:rPr>
+              <a:t>California had the highest number of accidents in this sample</a:t>
+            </a:r>
+          </a:p>
+          <a:p>
+            <a:pPr defTabSz="914400">
+              <a:lnSpc>
+                <a:spcPct val="150000"/>
+              </a:lnSpc>
+              <a:spcBef>
+                <a:spcPts val="0"/>
+              </a:spcBef>
+              <a:spcAft>
+                <a:spcPts val="0"/>
+              </a:spcAft>
+              <a:buClrTx/>
+              <a:buSzTx/>
+              <a:buFont typeface="Arial" charset="0"/>
+              <a:buChar char="•"/>
+            </a:pPr>
+            <a:r>
+              <a:rPr lang="en-US" sz="2400" dirty="0" smtClean="0">
+                <a:solidFill>
+                  <a:schemeClr val="bg1"/>
+                </a:solidFill>
+              </a:rPr>
+              <a:t>For all 5 top states, the most accidents occurred on local streets (1</a:t>
+            </a:r>
+            <a:r>
+              <a:rPr lang="en-US" sz="2400" baseline="30000" dirty="0" smtClean="0">
+                <a:solidFill>
+                  <a:schemeClr val="bg1"/>
+                </a:solidFill>
+              </a:rPr>
+              <a:t>st</a:t>
+            </a:r>
+            <a:r>
+              <a:rPr lang="en-US" sz="2400" dirty="0" smtClean="0">
+                <a:solidFill>
+                  <a:schemeClr val="bg1"/>
+                </a:solidFill>
+              </a:rPr>
+              <a:t>) then on interstates (2</a:t>
+            </a:r>
+            <a:r>
+              <a:rPr lang="en-US" sz="2400" baseline="30000" dirty="0" smtClean="0">
+                <a:solidFill>
+                  <a:schemeClr val="bg1"/>
+                </a:solidFill>
+              </a:rPr>
+              <a:t>nd</a:t>
+            </a:r>
+            <a:r>
+              <a:rPr lang="en-US" sz="2400" dirty="0" smtClean="0">
+                <a:solidFill>
+                  <a:schemeClr val="bg1"/>
+                </a:solidFill>
+              </a:rPr>
+              <a:t>)</a:t>
+            </a:r>
+          </a:p>
+          <a:p>
+            <a:pPr defTabSz="914400">
+              <a:lnSpc>
+                <a:spcPct val="150000"/>
+              </a:lnSpc>
+              <a:spcBef>
+                <a:spcPts val="0"/>
+              </a:spcBef>
+              <a:spcAft>
+                <a:spcPts val="0"/>
+              </a:spcAft>
+              <a:buClrTx/>
+              <a:buSzTx/>
+              <a:buFont typeface="Arial" charset="0"/>
+              <a:buChar char="•"/>
+            </a:pPr>
+            <a:r>
+              <a:rPr lang="en-US" sz="2400" dirty="0" smtClean="0">
+                <a:solidFill>
+                  <a:schemeClr val="bg1"/>
+                </a:solidFill>
+              </a:rPr>
+              <a:t>For all 5 top states, the road with the highest average severity was the Interstates</a:t>
+            </a:r>
+            <a:endParaRPr lang="en-US" sz="2400" dirty="0" smtClean="0">
+              <a:solidFill>
+                <a:schemeClr val="bg1"/>
+              </a:solidFill>
+            </a:endParaRPr>
+          </a:p>
+        </p:txBody>
+      </p:sp>
+    </p:spTree>
+    <p:extLst>
+      <p:ext uri="{BB962C8B-B14F-4D97-AF65-F5344CB8AC3E}">
+        <p14:creationId xmlns:p14="http://schemas.microsoft.com/office/powerpoint/2010/main" val="1273846658"/>
+      </p:ext>
+    </p:extLst>
+  </p:cSld>
+  <p:clrMapOvr>
+    <a:masterClrMapping/>
+  </p:clrMapOvr>
+</p:sld>
+</file>
+
+<file path=ppt/slides/slide8.xml><?xml version="1.0" encoding="utf-8"?>
+<p:sld xmlns:a="http://schemas.openxmlformats.org/drawingml/2006/main" xmlns:r="http://schemas.openxmlformats.org/officeDocument/2006/relationships" xmlns:p="http://schemas.openxmlformats.org/presentationml/2006/main">
+  <p:cSld>
+    <p:spTree>
+      <p:nvGrpSpPr>
+        <p:cNvPr id="1" name=""/>
+        <p:cNvGrpSpPr/>
+        <p:nvPr/>
+      </p:nvGrpSpPr>
+      <p:grpSpPr>
+        <a:xfrm>
+          <a:off x="0" y="0"/>
+          <a:ext cx="0" cy="0"/>
+          <a:chOff x="0" y="0"/>
+          <a:chExt cx="0" cy="0"/>
+        </a:xfrm>
+      </p:grpSpPr>
+      <p:sp>
+        <p:nvSpPr>
+          <p:cNvPr id="2" name="Title 1">
+            <a:extLst>
+              <a:ext uri="{FF2B5EF4-FFF2-40B4-BE49-F238E27FC236}">
+                <a16:creationId xmlns:a16="http://schemas.microsoft.com/office/drawing/2014/main" xmlns="" id="{00846977-A750-4BB6-9AE6-AEB2DC7066DF}"/>
+              </a:ext>
+            </a:extLst>
+          </p:cNvPr>
+          <p:cNvSpPr>
+            <a:spLocks noGrp="1"/>
+          </p:cNvSpPr>
+          <p:nvPr>
+            <p:ph type="title"/>
+          </p:nvPr>
+        </p:nvSpPr>
+        <p:spPr>
+          <a:xfrm>
+            <a:off x="684212" y="703874"/>
+            <a:ext cx="8534400" cy="1507067"/>
+          </a:xfrm>
+        </p:spPr>
+        <p:txBody>
+          <a:bodyPr/>
+          <a:lstStyle/>
+          <a:p>
+            <a:r>
+              <a:rPr lang="en-US" dirty="0"/>
+              <a:t>Q2</a:t>
+            </a:r>
+          </a:p>
+        </p:txBody>
+      </p:sp>
+      <p:sp>
+        <p:nvSpPr>
+          <p:cNvPr id="3" name="Content Placeholder 2">
+            <a:extLst>
+              <a:ext uri="{FF2B5EF4-FFF2-40B4-BE49-F238E27FC236}">
+                <a16:creationId xmlns:a16="http://schemas.microsoft.com/office/drawing/2014/main" xmlns="" id="{F97BA237-BBF0-49FD-B184-71910E0D1F83}"/>
               </a:ext>
             </a:extLst>
           </p:cNvPr>
@@ -6168,7 +7912,7 @@
           <p:cNvPr id="5" name="Picture 4">
             <a:extLst>
               <a:ext uri="{FF2B5EF4-FFF2-40B4-BE49-F238E27FC236}">
-                <a16:creationId xmlns:a16="http://schemas.microsoft.com/office/drawing/2014/main" id="{200ECA3F-4939-4EF2-A1DB-C471CBA14D63}"/>
+                <a16:creationId xmlns:a16="http://schemas.microsoft.com/office/drawing/2014/main" xmlns="" id="{200ECA3F-4939-4EF2-A1DB-C471CBA14D63}"/>
               </a:ext>
             </a:extLst>
           </p:cNvPr>
@@ -6198,7 +7942,7 @@
           <p:cNvPr id="7" name="Picture 6">
             <a:extLst>
               <a:ext uri="{FF2B5EF4-FFF2-40B4-BE49-F238E27FC236}">
-                <a16:creationId xmlns:a16="http://schemas.microsoft.com/office/drawing/2014/main" id="{69E65273-4A91-4276-B9BF-98494B3A6E26}"/>
+                <a16:creationId xmlns:a16="http://schemas.microsoft.com/office/drawing/2014/main" xmlns="" id="{69E65273-4A91-4276-B9BF-98494B3A6E26}"/>
               </a:ext>
             </a:extLst>
           </p:cNvPr>
@@ -6236,7 +7980,7 @@
 </p:sld>
 </file>
 
-<file path=ppt/slides/slide6.xml><?xml version="1.0" encoding="utf-8"?>
+<file path=ppt/slides/slide9.xml><?xml version="1.0" encoding="utf-8"?>
 <p:sld xmlns:a="http://schemas.openxmlformats.org/drawingml/2006/main" xmlns:r="http://schemas.openxmlformats.org/officeDocument/2006/relationships" xmlns:p="http://schemas.openxmlformats.org/presentationml/2006/main">
   <p:cSld>
     <p:spTree>
@@ -6258,7 +8002,7 @@
           <p:cNvPr id="2" name="Title 1">
             <a:extLst>
               <a:ext uri="{FF2B5EF4-FFF2-40B4-BE49-F238E27FC236}">
-                <a16:creationId xmlns:a16="http://schemas.microsoft.com/office/drawing/2014/main" id="{00846977-A750-4BB6-9AE6-AEB2DC7066DF}"/>
+                <a16:creationId xmlns:a16="http://schemas.microsoft.com/office/drawing/2014/main" xmlns="" id="{00846977-A750-4BB6-9AE6-AEB2DC7066DF}"/>
               </a:ext>
             </a:extLst>
           </p:cNvPr>
@@ -6291,7 +8035,7 @@
           <p:cNvPr id="3" name="Content Placeholder 2">
             <a:extLst>
               <a:ext uri="{FF2B5EF4-FFF2-40B4-BE49-F238E27FC236}">
-                <a16:creationId xmlns:a16="http://schemas.microsoft.com/office/drawing/2014/main" id="{F97BA237-BBF0-49FD-B184-71910E0D1F83}"/>
+                <a16:creationId xmlns:a16="http://schemas.microsoft.com/office/drawing/2014/main" xmlns="" id="{F97BA237-BBF0-49FD-B184-71910E0D1F83}"/>
               </a:ext>
             </a:extLst>
           </p:cNvPr>
@@ -6359,7 +8103,7 @@
           <p:cNvPr id="4" name="Table 4">
             <a:extLst>
               <a:ext uri="{FF2B5EF4-FFF2-40B4-BE49-F238E27FC236}">
-                <a16:creationId xmlns:a16="http://schemas.microsoft.com/office/drawing/2014/main" id="{6510E398-7551-420B-8D02-F7C1BD41B844}"/>
+                <a16:creationId xmlns:a16="http://schemas.microsoft.com/office/drawing/2014/main" xmlns="" id="{6510E398-7551-420B-8D02-F7C1BD41B844}"/>
               </a:ext>
             </a:extLst>
           </p:cNvPr>
@@ -6388,21 +8132,21 @@
                 <a:gridCol w="2991519">
                   <a:extLst>
                     <a:ext uri="{9D8B030D-6E8A-4147-A177-3AD203B41FA5}">
-                      <a16:colId xmlns:a16="http://schemas.microsoft.com/office/drawing/2014/main" val="3801254530"/>
+                      <a16:colId xmlns:a16="http://schemas.microsoft.com/office/drawing/2014/main" xmlns="" val="3801254530"/>
                     </a:ext>
                   </a:extLst>
                 </a:gridCol>
                 <a:gridCol w="2991519">
                   <a:extLst>
                     <a:ext uri="{9D8B030D-6E8A-4147-A177-3AD203B41FA5}">
-                      <a16:colId xmlns:a16="http://schemas.microsoft.com/office/drawing/2014/main" val="1960992801"/>
+                      <a16:colId xmlns:a16="http://schemas.microsoft.com/office/drawing/2014/main" xmlns="" val="1960992801"/>
                     </a:ext>
                   </a:extLst>
                 </a:gridCol>
                 <a:gridCol w="2991519">
                   <a:extLst>
                     <a:ext uri="{9D8B030D-6E8A-4147-A177-3AD203B41FA5}">
-                      <a16:colId xmlns:a16="http://schemas.microsoft.com/office/drawing/2014/main" val="1444209519"/>
+                      <a16:colId xmlns:a16="http://schemas.microsoft.com/office/drawing/2014/main" xmlns="" val="1444209519"/>
                     </a:ext>
                   </a:extLst>
                 </a:gridCol>
@@ -6413,7 +8157,7 @@
                     <a:bodyPr/>
                     <a:lstStyle/>
                     <a:p>
-                      <a:endParaRPr lang="en-US"/>
+                      <a:endParaRPr lang="en-US" dirty="0"/>
                     </a:p>
                   </a:txBody>
                   <a:tcPr/>
@@ -6446,7 +8190,7 @@
                 </a:tc>
                 <a:extLst>
                   <a:ext uri="{0D108BD9-81ED-4DB2-BD59-A6C34878D82A}">
-                    <a16:rowId xmlns:a16="http://schemas.microsoft.com/office/drawing/2014/main" val="2260968950"/>
+                    <a16:rowId xmlns:a16="http://schemas.microsoft.com/office/drawing/2014/main" xmlns="" val="2260968950"/>
                   </a:ext>
                 </a:extLst>
               </a:tr>
@@ -6492,7 +8236,7 @@
                 </a:tc>
                 <a:extLst>
                   <a:ext uri="{0D108BD9-81ED-4DB2-BD59-A6C34878D82A}">
-                    <a16:rowId xmlns:a16="http://schemas.microsoft.com/office/drawing/2014/main" val="1182569935"/>
+                    <a16:rowId xmlns:a16="http://schemas.microsoft.com/office/drawing/2014/main" xmlns="" val="1182569935"/>
                   </a:ext>
                 </a:extLst>
               </a:tr>
@@ -6538,7 +8282,7 @@
                 </a:tc>
                 <a:extLst>
                   <a:ext uri="{0D108BD9-81ED-4DB2-BD59-A6C34878D82A}">
-                    <a16:rowId xmlns:a16="http://schemas.microsoft.com/office/drawing/2014/main" val="2275193028"/>
+                    <a16:rowId xmlns:a16="http://schemas.microsoft.com/office/drawing/2014/main" xmlns="" val="2275193028"/>
                   </a:ext>
                 </a:extLst>
               </a:tr>
@@ -6584,7 +8328,7 @@
                 </a:tc>
                 <a:extLst>
                   <a:ext uri="{0D108BD9-81ED-4DB2-BD59-A6C34878D82A}">
-                    <a16:rowId xmlns:a16="http://schemas.microsoft.com/office/drawing/2014/main" val="3267029629"/>
+                    <a16:rowId xmlns:a16="http://schemas.microsoft.com/office/drawing/2014/main" xmlns="" val="3267029629"/>
                   </a:ext>
                 </a:extLst>
               </a:tr>
@@ -6596,336 +8340,6 @@
     <p:extLst>
       <p:ext uri="{BB962C8B-B14F-4D97-AF65-F5344CB8AC3E}">
         <p14:creationId xmlns:p14="http://schemas.microsoft.com/office/powerpoint/2010/main" val="1358766687"/>
-      </p:ext>
-    </p:extLst>
-  </p:cSld>
-  <p:clrMapOvr>
-    <a:masterClrMapping/>
-  </p:clrMapOvr>
-</p:sld>
-</file>
-
-<file path=ppt/slides/slide7.xml><?xml version="1.0" encoding="utf-8"?>
-<p:sld xmlns:a="http://schemas.openxmlformats.org/drawingml/2006/main" xmlns:r="http://schemas.openxmlformats.org/officeDocument/2006/relationships" xmlns:p="http://schemas.openxmlformats.org/presentationml/2006/main">
-  <p:cSld>
-    <p:spTree>
-      <p:nvGrpSpPr>
-        <p:cNvPr id="1" name=""/>
-        <p:cNvGrpSpPr/>
-        <p:nvPr/>
-      </p:nvGrpSpPr>
-      <p:grpSpPr>
-        <a:xfrm>
-          <a:off x="0" y="0"/>
-          <a:ext cx="0" cy="0"/>
-          <a:chOff x="0" y="0"/>
-          <a:chExt cx="0" cy="0"/>
-        </a:xfrm>
-      </p:grpSpPr>
-      <p:sp>
-        <p:nvSpPr>
-          <p:cNvPr id="2" name="Title 1">
-            <a:extLst>
-              <a:ext uri="{FF2B5EF4-FFF2-40B4-BE49-F238E27FC236}">
-                <a16:creationId xmlns:a16="http://schemas.microsoft.com/office/drawing/2014/main" id="{00846977-A750-4BB6-9AE6-AEB2DC7066DF}"/>
-              </a:ext>
-            </a:extLst>
-          </p:cNvPr>
-          <p:cNvSpPr>
-            <a:spLocks noGrp="1"/>
-          </p:cNvSpPr>
-          <p:nvPr>
-            <p:ph type="title"/>
-          </p:nvPr>
-        </p:nvSpPr>
-        <p:spPr>
-          <a:xfrm>
-            <a:off x="684212" y="703874"/>
-            <a:ext cx="8534400" cy="1507067"/>
-          </a:xfrm>
-        </p:spPr>
-        <p:txBody>
-          <a:bodyPr/>
-          <a:lstStyle/>
-          <a:p>
-            <a:r>
-              <a:rPr lang="en-US" dirty="0"/>
-              <a:t>Q3</a:t>
-            </a:r>
-          </a:p>
-        </p:txBody>
-      </p:sp>
-      <p:sp>
-        <p:nvSpPr>
-          <p:cNvPr id="3" name="Content Placeholder 2">
-            <a:extLst>
-              <a:ext uri="{FF2B5EF4-FFF2-40B4-BE49-F238E27FC236}">
-                <a16:creationId xmlns:a16="http://schemas.microsoft.com/office/drawing/2014/main" id="{F97BA237-BBF0-49FD-B184-71910E0D1F83}"/>
-              </a:ext>
-            </a:extLst>
-          </p:cNvPr>
-          <p:cNvSpPr>
-            <a:spLocks noGrp="1"/>
-          </p:cNvSpPr>
-          <p:nvPr>
-            <p:ph idx="1"/>
-          </p:nvPr>
-        </p:nvSpPr>
-        <p:spPr>
-          <a:xfrm>
-            <a:off x="684212" y="2393878"/>
-            <a:ext cx="8534400" cy="2482541"/>
-          </a:xfrm>
-        </p:spPr>
-        <p:txBody>
-          <a:bodyPr>
-            <a:normAutofit/>
-          </a:bodyPr>
-          <a:lstStyle/>
-          <a:p>
-            <a:pPr marL="457200" indent="-457200">
-              <a:buClrTx/>
-              <a:buFont typeface="+mj-lt"/>
-              <a:buAutoNum type="arabicPeriod"/>
-            </a:pPr>
-            <a:endParaRPr lang="en-US" sz="2400" dirty="0">
-              <a:solidFill>
-                <a:schemeClr val="bg1"/>
-              </a:solidFill>
-            </a:endParaRPr>
-          </a:p>
-        </p:txBody>
-      </p:sp>
-    </p:spTree>
-    <p:extLst>
-      <p:ext uri="{BB962C8B-B14F-4D97-AF65-F5344CB8AC3E}">
-        <p14:creationId xmlns:p14="http://schemas.microsoft.com/office/powerpoint/2010/main" val="1280595349"/>
-      </p:ext>
-    </p:extLst>
-  </p:cSld>
-  <p:clrMapOvr>
-    <a:masterClrMapping/>
-  </p:clrMapOvr>
-</p:sld>
-</file>
-
-<file path=ppt/slides/slide8.xml><?xml version="1.0" encoding="utf-8"?>
-<p:sld xmlns:a="http://schemas.openxmlformats.org/drawingml/2006/main" xmlns:r="http://schemas.openxmlformats.org/officeDocument/2006/relationships" xmlns:p="http://schemas.openxmlformats.org/presentationml/2006/main">
-  <p:cSld>
-    <p:spTree>
-      <p:nvGrpSpPr>
-        <p:cNvPr id="1" name=""/>
-        <p:cNvGrpSpPr/>
-        <p:nvPr/>
-      </p:nvGrpSpPr>
-      <p:grpSpPr>
-        <a:xfrm>
-          <a:off x="0" y="0"/>
-          <a:ext cx="0" cy="0"/>
-          <a:chOff x="0" y="0"/>
-          <a:chExt cx="0" cy="0"/>
-        </a:xfrm>
-      </p:grpSpPr>
-      <p:sp>
-        <p:nvSpPr>
-          <p:cNvPr id="2" name="Title 1">
-            <a:extLst>
-              <a:ext uri="{FF2B5EF4-FFF2-40B4-BE49-F238E27FC236}">
-                <a16:creationId xmlns:a16="http://schemas.microsoft.com/office/drawing/2014/main" id="{00846977-A750-4BB6-9AE6-AEB2DC7066DF}"/>
-              </a:ext>
-            </a:extLst>
-          </p:cNvPr>
-          <p:cNvSpPr>
-            <a:spLocks noGrp="1"/>
-          </p:cNvSpPr>
-          <p:nvPr>
-            <p:ph type="title"/>
-          </p:nvPr>
-        </p:nvSpPr>
-        <p:spPr>
-          <a:xfrm>
-            <a:off x="684212" y="703874"/>
-            <a:ext cx="8534400" cy="1507067"/>
-          </a:xfrm>
-        </p:spPr>
-        <p:txBody>
-          <a:bodyPr/>
-          <a:lstStyle/>
-          <a:p>
-            <a:r>
-              <a:rPr lang="en-US" dirty="0"/>
-              <a:t>Q4</a:t>
-            </a:r>
-          </a:p>
-        </p:txBody>
-      </p:sp>
-      <p:sp>
-        <p:nvSpPr>
-          <p:cNvPr id="3" name="Content Placeholder 2">
-            <a:extLst>
-              <a:ext uri="{FF2B5EF4-FFF2-40B4-BE49-F238E27FC236}">
-                <a16:creationId xmlns:a16="http://schemas.microsoft.com/office/drawing/2014/main" id="{F97BA237-BBF0-49FD-B184-71910E0D1F83}"/>
-              </a:ext>
-            </a:extLst>
-          </p:cNvPr>
-          <p:cNvSpPr>
-            <a:spLocks noGrp="1"/>
-          </p:cNvSpPr>
-          <p:nvPr>
-            <p:ph idx="1"/>
-          </p:nvPr>
-        </p:nvSpPr>
-        <p:spPr>
-          <a:xfrm>
-            <a:off x="684212" y="2393878"/>
-            <a:ext cx="8534400" cy="2482541"/>
-          </a:xfrm>
-        </p:spPr>
-        <p:txBody>
-          <a:bodyPr>
-            <a:normAutofit/>
-          </a:bodyPr>
-          <a:lstStyle/>
-          <a:p>
-            <a:pPr marL="457200" indent="-457200">
-              <a:buClrTx/>
-              <a:buFont typeface="+mj-lt"/>
-              <a:buAutoNum type="arabicPeriod"/>
-            </a:pPr>
-            <a:endParaRPr lang="en-US" sz="2400" dirty="0">
-              <a:solidFill>
-                <a:schemeClr val="bg1"/>
-              </a:solidFill>
-            </a:endParaRPr>
-          </a:p>
-        </p:txBody>
-      </p:sp>
-    </p:spTree>
-    <p:extLst>
-      <p:ext uri="{BB962C8B-B14F-4D97-AF65-F5344CB8AC3E}">
-        <p14:creationId xmlns:p14="http://schemas.microsoft.com/office/powerpoint/2010/main" val="2274920983"/>
-      </p:ext>
-    </p:extLst>
-  </p:cSld>
-  <p:clrMapOvr>
-    <a:masterClrMapping/>
-  </p:clrMapOvr>
-</p:sld>
-</file>
-
-<file path=ppt/slides/slide9.xml><?xml version="1.0" encoding="utf-8"?>
-<p:sld xmlns:a="http://schemas.openxmlformats.org/drawingml/2006/main" xmlns:r="http://schemas.openxmlformats.org/officeDocument/2006/relationships" xmlns:p="http://schemas.openxmlformats.org/presentationml/2006/main">
-  <p:cSld>
-    <p:spTree>
-      <p:nvGrpSpPr>
-        <p:cNvPr id="1" name=""/>
-        <p:cNvGrpSpPr/>
-        <p:nvPr/>
-      </p:nvGrpSpPr>
-      <p:grpSpPr>
-        <a:xfrm>
-          <a:off x="0" y="0"/>
-          <a:ext cx="0" cy="0"/>
-          <a:chOff x="0" y="0"/>
-          <a:chExt cx="0" cy="0"/>
-        </a:xfrm>
-      </p:grpSpPr>
-      <p:sp>
-        <p:nvSpPr>
-          <p:cNvPr id="2" name="Title 1">
-            <a:extLst>
-              <a:ext uri="{FF2B5EF4-FFF2-40B4-BE49-F238E27FC236}">
-                <a16:creationId xmlns:a16="http://schemas.microsoft.com/office/drawing/2014/main" id="{00846977-A750-4BB6-9AE6-AEB2DC7066DF}"/>
-              </a:ext>
-            </a:extLst>
-          </p:cNvPr>
-          <p:cNvSpPr>
-            <a:spLocks noGrp="1"/>
-          </p:cNvSpPr>
-          <p:nvPr>
-            <p:ph type="title"/>
-          </p:nvPr>
-        </p:nvSpPr>
-        <p:spPr>
-          <a:xfrm>
-            <a:off x="684212" y="703874"/>
-            <a:ext cx="8534400" cy="1507067"/>
-          </a:xfrm>
-        </p:spPr>
-        <p:txBody>
-          <a:bodyPr/>
-          <a:lstStyle/>
-          <a:p>
-            <a:r>
-              <a:rPr lang="en-US" dirty="0"/>
-              <a:t>What we learned</a:t>
-            </a:r>
-          </a:p>
-        </p:txBody>
-      </p:sp>
-      <p:sp>
-        <p:nvSpPr>
-          <p:cNvPr id="3" name="Content Placeholder 2">
-            <a:extLst>
-              <a:ext uri="{FF2B5EF4-FFF2-40B4-BE49-F238E27FC236}">
-                <a16:creationId xmlns:a16="http://schemas.microsoft.com/office/drawing/2014/main" id="{F97BA237-BBF0-49FD-B184-71910E0D1F83}"/>
-              </a:ext>
-            </a:extLst>
-          </p:cNvPr>
-          <p:cNvSpPr>
-            <a:spLocks noGrp="1"/>
-          </p:cNvSpPr>
-          <p:nvPr>
-            <p:ph idx="1"/>
-          </p:nvPr>
-        </p:nvSpPr>
-        <p:spPr>
-          <a:xfrm>
-            <a:off x="684212" y="2393878"/>
-            <a:ext cx="8534400" cy="2482541"/>
-          </a:xfrm>
-        </p:spPr>
-        <p:txBody>
-          <a:bodyPr>
-            <a:normAutofit/>
-          </a:bodyPr>
-          <a:lstStyle/>
-          <a:p>
-            <a:pPr marL="457200" indent="-457200">
-              <a:buClrTx/>
-              <a:buFont typeface="+mj-lt"/>
-              <a:buAutoNum type="arabicPeriod"/>
-            </a:pPr>
-            <a:r>
-              <a:rPr lang="en-US" sz="2400" dirty="0">
-                <a:solidFill>
-                  <a:schemeClr val="bg1"/>
-                </a:solidFill>
-              </a:rPr>
-              <a:t>Conclusions from Questions …</a:t>
-            </a:r>
-          </a:p>
-          <a:p>
-            <a:pPr marL="457200" indent="-457200">
-              <a:buClrTx/>
-              <a:buFont typeface="+mj-lt"/>
-              <a:buAutoNum type="arabicPeriod"/>
-            </a:pPr>
-            <a:r>
-              <a:rPr lang="en-US" sz="2400" dirty="0">
-                <a:solidFill>
-                  <a:schemeClr val="bg1"/>
-                </a:solidFill>
-              </a:rPr>
-              <a:t>Scala is your friend</a:t>
-            </a:r>
-          </a:p>
-        </p:txBody>
-      </p:sp>
-    </p:spTree>
-    <p:extLst>
-      <p:ext uri="{BB962C8B-B14F-4D97-AF65-F5344CB8AC3E}">
-        <p14:creationId xmlns:p14="http://schemas.microsoft.com/office/powerpoint/2010/main" val="4198274045"/>
       </p:ext>
     </p:extLst>
   </p:cSld>
@@ -7207,4 +8621,265 @@
     </a:ext>
   </a:extLst>
 </a:theme>
+</file>
+
+<file path=ppt/theme/theme2.xml><?xml version="1.0" encoding="utf-8"?>
+<a:theme xmlns:a="http://schemas.openxmlformats.org/drawingml/2006/main" name="Office Theme">
+  <a:themeElements>
+    <a:clrScheme name="Office">
+      <a:dk1>
+        <a:sysClr val="windowText" lastClr="000000"/>
+      </a:dk1>
+      <a:lt1>
+        <a:sysClr val="window" lastClr="FFFFFF"/>
+      </a:lt1>
+      <a:dk2>
+        <a:srgbClr val="44546A"/>
+      </a:dk2>
+      <a:lt2>
+        <a:srgbClr val="E7E6E6"/>
+      </a:lt2>
+      <a:accent1>
+        <a:srgbClr val="4472C4"/>
+      </a:accent1>
+      <a:accent2>
+        <a:srgbClr val="ED7D31"/>
+      </a:accent2>
+      <a:accent3>
+        <a:srgbClr val="A5A5A5"/>
+      </a:accent3>
+      <a:accent4>
+        <a:srgbClr val="FFC000"/>
+      </a:accent4>
+      <a:accent5>
+        <a:srgbClr val="5B9BD5"/>
+      </a:accent5>
+      <a:accent6>
+        <a:srgbClr val="70AD47"/>
+      </a:accent6>
+      <a:hlink>
+        <a:srgbClr val="0563C1"/>
+      </a:hlink>
+      <a:folHlink>
+        <a:srgbClr val="954F72"/>
+      </a:folHlink>
+    </a:clrScheme>
+    <a:fontScheme name="Office">
+      <a:majorFont>
+        <a:latin typeface="Calibri Light" panose="020F0302020204030204"/>
+        <a:ea typeface=""/>
+        <a:cs typeface=""/>
+        <a:font script="Jpan" typeface="Yu Gothic Light"/>
+        <a:font script="Hang" typeface="맑은 고딕"/>
+        <a:font script="Hans" typeface="DengXian Light"/>
+        <a:font script="Hant" typeface="新細明體"/>
+        <a:font script="Arab" typeface="Times New Roman"/>
+        <a:font script="Hebr" typeface="Times New Roman"/>
+        <a:font script="Thai" typeface="Angsana New"/>
+        <a:font script="Ethi" typeface="Nyala"/>
+        <a:font script="Beng" typeface="Vrinda"/>
+        <a:font script="Gujr" typeface="Shruti"/>
+        <a:font script="Khmr" typeface="MoolBoran"/>
+        <a:font script="Knda" typeface="Tunga"/>
+        <a:font script="Guru" typeface="Raavi"/>
+        <a:font script="Cans" typeface="Euphemia"/>
+        <a:font script="Cher" typeface="Plantagenet Cherokee"/>
+        <a:font script="Yiii" typeface="Microsoft Yi Baiti"/>
+        <a:font script="Tibt" typeface="Microsoft Himalaya"/>
+        <a:font script="Thaa" typeface="MV Boli"/>
+        <a:font script="Deva" typeface="Mangal"/>
+        <a:font script="Telu" typeface="Gautami"/>
+        <a:font script="Taml" typeface="Latha"/>
+        <a:font script="Syrc" typeface="Estrangelo Edessa"/>
+        <a:font script="Orya" typeface="Kalinga"/>
+        <a:font script="Mlym" typeface="Kartika"/>
+        <a:font script="Laoo" typeface="DokChampa"/>
+        <a:font script="Sinh" typeface="Iskoola Pota"/>
+        <a:font script="Mong" typeface="Mongolian Baiti"/>
+        <a:font script="Viet" typeface="Times New Roman"/>
+        <a:font script="Uigh" typeface="Microsoft Uighur"/>
+        <a:font script="Geor" typeface="Sylfaen"/>
+      </a:majorFont>
+      <a:minorFont>
+        <a:latin typeface="Calibri" panose="020F0502020204030204"/>
+        <a:ea typeface=""/>
+        <a:cs typeface=""/>
+        <a:font script="Jpan" typeface="Yu Gothic"/>
+        <a:font script="Hang" typeface="맑은 고딕"/>
+        <a:font script="Hans" typeface="DengXian"/>
+        <a:font script="Hant" typeface="新細明體"/>
+        <a:font script="Arab" typeface="Arial"/>
+        <a:font script="Hebr" typeface="Arial"/>
+        <a:font script="Thai" typeface="Cordia New"/>
+        <a:font script="Ethi" typeface="Nyala"/>
+        <a:font script="Beng" typeface="Vrinda"/>
+        <a:font script="Gujr" typeface="Shruti"/>
+        <a:font script="Khmr" typeface="DaunPenh"/>
+        <a:font script="Knda" typeface="Tunga"/>
+        <a:font script="Guru" typeface="Raavi"/>
+        <a:font script="Cans" typeface="Euphemia"/>
+        <a:font script="Cher" typeface="Plantagenet Cherokee"/>
+        <a:font script="Yiii" typeface="Microsoft Yi Baiti"/>
+        <a:font script="Tibt" typeface="Microsoft Himalaya"/>
+        <a:font script="Thaa" typeface="MV Boli"/>
+        <a:font script="Deva" typeface="Mangal"/>
+        <a:font script="Telu" typeface="Gautami"/>
+        <a:font script="Taml" typeface="Latha"/>
+        <a:font script="Syrc" typeface="Estrangelo Edessa"/>
+        <a:font script="Orya" typeface="Kalinga"/>
+        <a:font script="Mlym" typeface="Kartika"/>
+        <a:font script="Laoo" typeface="DokChampa"/>
+        <a:font script="Sinh" typeface="Iskoola Pota"/>
+        <a:font script="Mong" typeface="Mongolian Baiti"/>
+        <a:font script="Viet" typeface="Arial"/>
+        <a:font script="Uigh" typeface="Microsoft Uighur"/>
+        <a:font script="Geor" typeface="Sylfaen"/>
+      </a:minorFont>
+    </a:fontScheme>
+    <a:fmtScheme name="Office">
+      <a:fillStyleLst>
+        <a:solidFill>
+          <a:schemeClr val="phClr"/>
+        </a:solidFill>
+        <a:gradFill rotWithShape="1">
+          <a:gsLst>
+            <a:gs pos="0">
+              <a:schemeClr val="phClr">
+                <a:lumMod val="110000"/>
+                <a:satMod val="105000"/>
+                <a:tint val="67000"/>
+              </a:schemeClr>
+            </a:gs>
+            <a:gs pos="50000">
+              <a:schemeClr val="phClr">
+                <a:lumMod val="105000"/>
+                <a:satMod val="103000"/>
+                <a:tint val="73000"/>
+              </a:schemeClr>
+            </a:gs>
+            <a:gs pos="100000">
+              <a:schemeClr val="phClr">
+                <a:lumMod val="105000"/>
+                <a:satMod val="109000"/>
+                <a:tint val="81000"/>
+              </a:schemeClr>
+            </a:gs>
+          </a:gsLst>
+          <a:lin ang="5400000" scaled="0"/>
+        </a:gradFill>
+        <a:gradFill rotWithShape="1">
+          <a:gsLst>
+            <a:gs pos="0">
+              <a:schemeClr val="phClr">
+                <a:satMod val="103000"/>
+                <a:lumMod val="102000"/>
+                <a:tint val="94000"/>
+              </a:schemeClr>
+            </a:gs>
+            <a:gs pos="50000">
+              <a:schemeClr val="phClr">
+                <a:satMod val="110000"/>
+                <a:lumMod val="100000"/>
+                <a:shade val="100000"/>
+              </a:schemeClr>
+            </a:gs>
+            <a:gs pos="100000">
+              <a:schemeClr val="phClr">
+                <a:lumMod val="99000"/>
+                <a:satMod val="120000"/>
+                <a:shade val="78000"/>
+              </a:schemeClr>
+            </a:gs>
+          </a:gsLst>
+          <a:lin ang="5400000" scaled="0"/>
+        </a:gradFill>
+      </a:fillStyleLst>
+      <a:lnStyleLst>
+        <a:ln w="6350" cap="flat" cmpd="sng" algn="ctr">
+          <a:solidFill>
+            <a:schemeClr val="phClr"/>
+          </a:solidFill>
+          <a:prstDash val="solid"/>
+          <a:miter lim="800000"/>
+        </a:ln>
+        <a:ln w="12700" cap="flat" cmpd="sng" algn="ctr">
+          <a:solidFill>
+            <a:schemeClr val="phClr"/>
+          </a:solidFill>
+          <a:prstDash val="solid"/>
+          <a:miter lim="800000"/>
+        </a:ln>
+        <a:ln w="19050" cap="flat" cmpd="sng" algn="ctr">
+          <a:solidFill>
+            <a:schemeClr val="phClr"/>
+          </a:solidFill>
+          <a:prstDash val="solid"/>
+          <a:miter lim="800000"/>
+        </a:ln>
+      </a:lnStyleLst>
+      <a:effectStyleLst>
+        <a:effectStyle>
+          <a:effectLst/>
+        </a:effectStyle>
+        <a:effectStyle>
+          <a:effectLst/>
+        </a:effectStyle>
+        <a:effectStyle>
+          <a:effectLst>
+            <a:outerShdw blurRad="57150" dist="19050" dir="5400000" algn="ctr" rotWithShape="0">
+              <a:srgbClr val="000000">
+                <a:alpha val="63000"/>
+              </a:srgbClr>
+            </a:outerShdw>
+          </a:effectLst>
+        </a:effectStyle>
+      </a:effectStyleLst>
+      <a:bgFillStyleLst>
+        <a:solidFill>
+          <a:schemeClr val="phClr"/>
+        </a:solidFill>
+        <a:solidFill>
+          <a:schemeClr val="phClr">
+            <a:tint val="95000"/>
+            <a:satMod val="170000"/>
+          </a:schemeClr>
+        </a:solidFill>
+        <a:gradFill rotWithShape="1">
+          <a:gsLst>
+            <a:gs pos="0">
+              <a:schemeClr val="phClr">
+                <a:tint val="93000"/>
+                <a:satMod val="150000"/>
+                <a:shade val="98000"/>
+                <a:lumMod val="102000"/>
+              </a:schemeClr>
+            </a:gs>
+            <a:gs pos="50000">
+              <a:schemeClr val="phClr">
+                <a:tint val="98000"/>
+                <a:satMod val="130000"/>
+                <a:shade val="90000"/>
+                <a:lumMod val="103000"/>
+              </a:schemeClr>
+            </a:gs>
+            <a:gs pos="100000">
+              <a:schemeClr val="phClr">
+                <a:shade val="63000"/>
+                <a:satMod val="120000"/>
+              </a:schemeClr>
+            </a:gs>
+          </a:gsLst>
+          <a:lin ang="5400000" scaled="0"/>
+        </a:gradFill>
+      </a:bgFillStyleLst>
+    </a:fmtScheme>
+  </a:themeElements>
+  <a:objectDefaults/>
+  <a:extraClrSchemeLst/>
+  <a:extLst>
+    <a:ext uri="{05A4C25C-085E-4340-85A3-A5531E510DB2}">
+      <thm15:themeFamily xmlns:thm15="http://schemas.microsoft.com/office/thememl/2012/main" name="Office Theme" id="{62F939B6-93AF-4DB8-9C6B-D6C7DFDC589F}" vid="{4A3C46E8-61CC-4603-A589-7422A47A8E4A}"/>
+    </a:ext>
+  </a:extLst>
+</a:theme>
 </file>
--- a/slides.pptx
+++ b/slides.pptx
@@ -5,23 +5,25 @@
     <p:sldMasterId id="2147483648" r:id="rId1"/>
   </p:sldMasterIdLst>
   <p:notesMasterIdLst>
-    <p:notesMasterId r:id="rId16"/>
+    <p:notesMasterId r:id="rId18"/>
   </p:notesMasterIdLst>
   <p:sldIdLst>
     <p:sldId id="256" r:id="rId2"/>
     <p:sldId id="257" r:id="rId3"/>
     <p:sldId id="258" r:id="rId4"/>
-    <p:sldId id="261" r:id="rId5"/>
-    <p:sldId id="267" r:id="rId6"/>
-    <p:sldId id="268" r:id="rId7"/>
-    <p:sldId id="269" r:id="rId8"/>
-    <p:sldId id="262" r:id="rId9"/>
-    <p:sldId id="263" r:id="rId10"/>
-    <p:sldId id="265" r:id="rId11"/>
-    <p:sldId id="264" r:id="rId12"/>
-    <p:sldId id="260" r:id="rId13"/>
-    <p:sldId id="259" r:id="rId14"/>
-    <p:sldId id="266" r:id="rId15"/>
+    <p:sldId id="271" r:id="rId5"/>
+    <p:sldId id="261" r:id="rId6"/>
+    <p:sldId id="267" r:id="rId7"/>
+    <p:sldId id="268" r:id="rId8"/>
+    <p:sldId id="269" r:id="rId9"/>
+    <p:sldId id="262" r:id="rId10"/>
+    <p:sldId id="263" r:id="rId11"/>
+    <p:sldId id="270" r:id="rId12"/>
+    <p:sldId id="265" r:id="rId13"/>
+    <p:sldId id="264" r:id="rId14"/>
+    <p:sldId id="260" r:id="rId15"/>
+    <p:sldId id="259" r:id="rId16"/>
+    <p:sldId id="266" r:id="rId17"/>
   </p:sldIdLst>
   <p:sldSz cx="12192000" cy="6858000"/>
   <p:notesSz cx="6858000" cy="9144000"/>
@@ -130,10 +132,192 @@
 
 <file path=ppt/commentAuthors.xml><?xml version="1.0" encoding="utf-8"?>
 <p:cmAuthorLst xmlns:a="http://schemas.openxmlformats.org/drawingml/2006/main" xmlns:r="http://schemas.openxmlformats.org/officeDocument/2006/relationships" xmlns:p="http://schemas.openxmlformats.org/presentationml/2006/main">
-  <p:cmAuthor id="1" name="Derek Kelley" initials="DK" lastIdx="1" clrIdx="0">
-    <p:extLst/>
-  </p:cmAuthor>
+  <p:cmAuthor id="1" name="Derek Kelley" initials="DK" lastIdx="1" clrIdx="0"/>
 </p:cmAuthorLst>
+</file>
+
+<file path=ppt/revisionInfo.xml><?xml version="1.0" encoding="utf-8"?>
+<p1510:revInfo xmlns:a="http://schemas.openxmlformats.org/drawingml/2006/main" xmlns:r="http://schemas.openxmlformats.org/officeDocument/2006/relationships" xmlns:p1510="http://schemas.microsoft.com/office/powerpoint/2015/10/main">
+  <p1510:revLst>
+    <p1510:client id="{DC821463-6217-4210-AE35-01FDD6B68C8E}" v="2" dt="2020-03-15T21:09:35.143"/>
+  </p1510:revLst>
+</p1510:revInfo>
+</file>
+
+<file path=ppt/changesInfos/changesInfo1.xml><?xml version="1.0" encoding="utf-8"?>
+<pc:chgInfo xmlns:a="http://schemas.openxmlformats.org/drawingml/2006/main" xmlns:r="http://schemas.openxmlformats.org/officeDocument/2006/relationships" xmlns:ac="http://schemas.microsoft.com/office/drawing/2013/main/command" xmlns:pc="http://schemas.microsoft.com/office/powerpoint/2013/main/command">
+  <pc:docChgLst>
+    <pc:chgData name="Derek Kelley" userId="ddadf72a29ac747d" providerId="LiveId" clId="{DC821463-6217-4210-AE35-01FDD6B68C8E}"/>
+    <pc:docChg chg="undo custSel addSld modSld">
+      <pc:chgData name="Derek Kelley" userId="ddadf72a29ac747d" providerId="LiveId" clId="{DC821463-6217-4210-AE35-01FDD6B68C8E}" dt="2020-03-15T21:33:08.107" v="1689" actId="20577"/>
+      <pc:docMkLst>
+        <pc:docMk/>
+      </pc:docMkLst>
+      <pc:sldChg chg="modSp mod">
+        <pc:chgData name="Derek Kelley" userId="ddadf72a29ac747d" providerId="LiveId" clId="{DC821463-6217-4210-AE35-01FDD6B68C8E}" dt="2020-03-15T21:07:54.732" v="1232" actId="20577"/>
+        <pc:sldMkLst>
+          <pc:docMk/>
+          <pc:sldMk cId="3205346752" sldId="259"/>
+        </pc:sldMkLst>
+        <pc:spChg chg="mod">
+          <ac:chgData name="Derek Kelley" userId="ddadf72a29ac747d" providerId="LiveId" clId="{DC821463-6217-4210-AE35-01FDD6B68C8E}" dt="2020-03-15T21:07:54.732" v="1232" actId="20577"/>
+          <ac:spMkLst>
+            <pc:docMk/>
+            <pc:sldMk cId="3205346752" sldId="259"/>
+            <ac:spMk id="3" creationId="{F97BA237-BBF0-49FD-B184-71910E0D1F83}"/>
+          </ac:spMkLst>
+        </pc:spChg>
+      </pc:sldChg>
+      <pc:sldChg chg="modSp mod">
+        <pc:chgData name="Derek Kelley" userId="ddadf72a29ac747d" providerId="LiveId" clId="{DC821463-6217-4210-AE35-01FDD6B68C8E}" dt="2020-03-15T21:06:59.408" v="1215" actId="20577"/>
+        <pc:sldMkLst>
+          <pc:docMk/>
+          <pc:sldMk cId="4198274045" sldId="260"/>
+        </pc:sldMkLst>
+        <pc:spChg chg="mod">
+          <ac:chgData name="Derek Kelley" userId="ddadf72a29ac747d" providerId="LiveId" clId="{DC821463-6217-4210-AE35-01FDD6B68C8E}" dt="2020-03-15T21:06:59.408" v="1215" actId="20577"/>
+          <ac:spMkLst>
+            <pc:docMk/>
+            <pc:sldMk cId="4198274045" sldId="260"/>
+            <ac:spMk id="3" creationId="{F97BA237-BBF0-49FD-B184-71910E0D1F83}"/>
+          </ac:spMkLst>
+        </pc:spChg>
+      </pc:sldChg>
+      <pc:sldChg chg="addSp delSp modSp mod">
+        <pc:chgData name="Derek Kelley" userId="ddadf72a29ac747d" providerId="LiveId" clId="{DC821463-6217-4210-AE35-01FDD6B68C8E}" dt="2020-03-15T21:00:55.330" v="712" actId="20577"/>
+        <pc:sldMkLst>
+          <pc:docMk/>
+          <pc:sldMk cId="2570853478" sldId="262"/>
+        </pc:sldMkLst>
+        <pc:spChg chg="mod">
+          <ac:chgData name="Derek Kelley" userId="ddadf72a29ac747d" providerId="LiveId" clId="{DC821463-6217-4210-AE35-01FDD6B68C8E}" dt="2020-03-15T21:00:55.330" v="712" actId="20577"/>
+          <ac:spMkLst>
+            <pc:docMk/>
+            <pc:sldMk cId="2570853478" sldId="262"/>
+            <ac:spMk id="3" creationId="{F97BA237-BBF0-49FD-B184-71910E0D1F83}"/>
+          </ac:spMkLst>
+        </pc:spChg>
+        <pc:inkChg chg="add del">
+          <ac:chgData name="Derek Kelley" userId="ddadf72a29ac747d" providerId="LiveId" clId="{DC821463-6217-4210-AE35-01FDD6B68C8E}" dt="2020-03-15T20:48:01.686" v="46" actId="9405"/>
+          <ac:inkMkLst>
+            <pc:docMk/>
+            <pc:sldMk cId="2570853478" sldId="262"/>
+            <ac:inkMk id="4" creationId="{C2910492-6FF2-409D-81FA-8ED06001BFF3}"/>
+          </ac:inkMkLst>
+        </pc:inkChg>
+        <pc:inkChg chg="add del">
+          <ac:chgData name="Derek Kelley" userId="ddadf72a29ac747d" providerId="LiveId" clId="{DC821463-6217-4210-AE35-01FDD6B68C8E}" dt="2020-03-15T20:48:08.834" v="48" actId="9405"/>
+          <ac:inkMkLst>
+            <pc:docMk/>
+            <pc:sldMk cId="2570853478" sldId="262"/>
+            <ac:inkMk id="6" creationId="{33FBCF68-AEFD-4BFD-9AA5-A6CFB3C2F7FE}"/>
+          </ac:inkMkLst>
+        </pc:inkChg>
+        <pc:inkChg chg="add del">
+          <ac:chgData name="Derek Kelley" userId="ddadf72a29ac747d" providerId="LiveId" clId="{DC821463-6217-4210-AE35-01FDD6B68C8E}" dt="2020-03-15T20:48:13.823" v="50" actId="9405"/>
+          <ac:inkMkLst>
+            <pc:docMk/>
+            <pc:sldMk cId="2570853478" sldId="262"/>
+            <ac:inkMk id="8" creationId="{F0AB18A1-58EA-4212-AEE1-A0AF487BF867}"/>
+          </ac:inkMkLst>
+        </pc:inkChg>
+        <pc:inkChg chg="add">
+          <ac:chgData name="Derek Kelley" userId="ddadf72a29ac747d" providerId="LiveId" clId="{DC821463-6217-4210-AE35-01FDD6B68C8E}" dt="2020-03-15T20:48:16.316" v="51" actId="9405"/>
+          <ac:inkMkLst>
+            <pc:docMk/>
+            <pc:sldMk cId="2570853478" sldId="262"/>
+            <ac:inkMk id="9" creationId="{056D8157-FB7C-4F95-888E-F8A593447584}"/>
+          </ac:inkMkLst>
+        </pc:inkChg>
+        <pc:inkChg chg="add">
+          <ac:chgData name="Derek Kelley" userId="ddadf72a29ac747d" providerId="LiveId" clId="{DC821463-6217-4210-AE35-01FDD6B68C8E}" dt="2020-03-15T20:48:25.634" v="52" actId="9405"/>
+          <ac:inkMkLst>
+            <pc:docMk/>
+            <pc:sldMk cId="2570853478" sldId="262"/>
+            <ac:inkMk id="10" creationId="{A1EC8ABE-B141-4B1E-AB78-B6BB586059E1}"/>
+          </ac:inkMkLst>
+        </pc:inkChg>
+      </pc:sldChg>
+      <pc:sldChg chg="modSp mod">
+        <pc:chgData name="Derek Kelley" userId="ddadf72a29ac747d" providerId="LiveId" clId="{DC821463-6217-4210-AE35-01FDD6B68C8E}" dt="2020-03-15T21:33:08.107" v="1689" actId="20577"/>
+        <pc:sldMkLst>
+          <pc:docMk/>
+          <pc:sldMk cId="1358766687" sldId="263"/>
+        </pc:sldMkLst>
+        <pc:spChg chg="mod">
+          <ac:chgData name="Derek Kelley" userId="ddadf72a29ac747d" providerId="LiveId" clId="{DC821463-6217-4210-AE35-01FDD6B68C8E}" dt="2020-03-15T20:45:41.407" v="7" actId="20577"/>
+          <ac:spMkLst>
+            <pc:docMk/>
+            <pc:sldMk cId="1358766687" sldId="263"/>
+            <ac:spMk id="2" creationId="{00846977-A750-4BB6-9AE6-AEB2DC7066DF}"/>
+          </ac:spMkLst>
+        </pc:spChg>
+        <pc:spChg chg="mod">
+          <ac:chgData name="Derek Kelley" userId="ddadf72a29ac747d" providerId="LiveId" clId="{DC821463-6217-4210-AE35-01FDD6B68C8E}" dt="2020-03-15T21:33:08.107" v="1689" actId="20577"/>
+          <ac:spMkLst>
+            <pc:docMk/>
+            <pc:sldMk cId="1358766687" sldId="263"/>
+            <ac:spMk id="3" creationId="{F97BA237-BBF0-49FD-B184-71910E0D1F83}"/>
+          </ac:spMkLst>
+        </pc:spChg>
+        <pc:graphicFrameChg chg="modGraphic">
+          <ac:chgData name="Derek Kelley" userId="ddadf72a29ac747d" providerId="LiveId" clId="{DC821463-6217-4210-AE35-01FDD6B68C8E}" dt="2020-03-15T20:54:54.193" v="514" actId="20577"/>
+          <ac:graphicFrameMkLst>
+            <pc:docMk/>
+            <pc:sldMk cId="1358766687" sldId="263"/>
+            <ac:graphicFrameMk id="4" creationId="{6510E398-7551-420B-8D02-F7C1BD41B844}"/>
+          </ac:graphicFrameMkLst>
+        </pc:graphicFrameChg>
+      </pc:sldChg>
+      <pc:sldChg chg="delSp modSp add mod">
+        <pc:chgData name="Derek Kelley" userId="ddadf72a29ac747d" providerId="LiveId" clId="{DC821463-6217-4210-AE35-01FDD6B68C8E}" dt="2020-03-15T20:58:29.468" v="628" actId="1076"/>
+        <pc:sldMkLst>
+          <pc:docMk/>
+          <pc:sldMk cId="397912650" sldId="270"/>
+        </pc:sldMkLst>
+        <pc:spChg chg="mod">
+          <ac:chgData name="Derek Kelley" userId="ddadf72a29ac747d" providerId="LiveId" clId="{DC821463-6217-4210-AE35-01FDD6B68C8E}" dt="2020-03-15T20:58:29.468" v="628" actId="1076"/>
+          <ac:spMkLst>
+            <pc:docMk/>
+            <pc:sldMk cId="397912650" sldId="270"/>
+            <ac:spMk id="3" creationId="{F97BA237-BBF0-49FD-B184-71910E0D1F83}"/>
+          </ac:spMkLst>
+        </pc:spChg>
+        <pc:graphicFrameChg chg="del modGraphic">
+          <ac:chgData name="Derek Kelley" userId="ddadf72a29ac747d" providerId="LiveId" clId="{DC821463-6217-4210-AE35-01FDD6B68C8E}" dt="2020-03-15T20:50:27.640" v="123" actId="478"/>
+          <ac:graphicFrameMkLst>
+            <pc:docMk/>
+            <pc:sldMk cId="397912650" sldId="270"/>
+            <ac:graphicFrameMk id="4" creationId="{6510E398-7551-420B-8D02-F7C1BD41B844}"/>
+          </ac:graphicFrameMkLst>
+        </pc:graphicFrameChg>
+      </pc:sldChg>
+      <pc:sldChg chg="modSp add mod">
+        <pc:chgData name="Derek Kelley" userId="ddadf72a29ac747d" providerId="LiveId" clId="{DC821463-6217-4210-AE35-01FDD6B68C8E}" dt="2020-03-15T21:15:33.714" v="1650" actId="20577"/>
+        <pc:sldMkLst>
+          <pc:docMk/>
+          <pc:sldMk cId="1671613276" sldId="271"/>
+        </pc:sldMkLst>
+        <pc:spChg chg="mod">
+          <ac:chgData name="Derek Kelley" userId="ddadf72a29ac747d" providerId="LiveId" clId="{DC821463-6217-4210-AE35-01FDD6B68C8E}" dt="2020-03-15T21:09:40.187" v="1244" actId="20577"/>
+          <ac:spMkLst>
+            <pc:docMk/>
+            <pc:sldMk cId="1671613276" sldId="271"/>
+            <ac:spMk id="2" creationId="{00846977-A750-4BB6-9AE6-AEB2DC7066DF}"/>
+          </ac:spMkLst>
+        </pc:spChg>
+        <pc:spChg chg="mod">
+          <ac:chgData name="Derek Kelley" userId="ddadf72a29ac747d" providerId="LiveId" clId="{DC821463-6217-4210-AE35-01FDD6B68C8E}" dt="2020-03-15T21:15:33.714" v="1650" actId="20577"/>
+          <ac:spMkLst>
+            <pc:docMk/>
+            <pc:sldMk cId="1671613276" sldId="271"/>
+            <ac:spMk id="3" creationId="{F97BA237-BBF0-49FD-B184-71910E0D1F83}"/>
+          </ac:spMkLst>
+        </pc:spChg>
+      </pc:sldChg>
+    </pc:docChg>
+  </pc:docChgLst>
+</pc:chgInfo>
 </file>
 
 <file path=ppt/comments/comment1.xml><?xml version="1.0" encoding="utf-8"?>
@@ -148,6 +332,64 @@
     </p:extLst>
   </p:cm>
 </p:cmLst>
+</file>
+
+<file path=ppt/ink/ink1.xml><?xml version="1.0" encoding="utf-8"?>
+<inkml:ink xmlns:inkml="http://www.w3.org/2003/InkML">
+  <inkml:definitions>
+    <inkml:context xml:id="ctx0">
+      <inkml:inkSource xml:id="inkSrc0">
+        <inkml:traceFormat>
+          <inkml:channel name="X" type="integer" min="-2.14748E9" max="2.14748E9" units="cm"/>
+          <inkml:channel name="Y" type="integer" min="-2.14748E9" max="2.14748E9" units="cm"/>
+        </inkml:traceFormat>
+        <inkml:channelProperties>
+          <inkml:channelProperty channel="X" name="resolution" value="1000" units="1/cm"/>
+          <inkml:channelProperty channel="Y" name="resolution" value="1000" units="1/cm"/>
+        </inkml:channelProperties>
+      </inkml:inkSource>
+      <inkml:timestamp xml:id="ts0" timeString="2020-03-15T20:48:16.314"/>
+    </inkml:context>
+    <inkml:brush xml:id="br0">
+      <inkml:brushProperty name="width" value="0.3" units="cm"/>
+      <inkml:brushProperty name="height" value="0.6" units="cm"/>
+      <inkml:brushProperty name="color" value="#FFFC00"/>
+      <inkml:brushProperty name="tip" value="rectangle"/>
+      <inkml:brushProperty name="rasterOp" value="maskPen"/>
+      <inkml:brushProperty name="ignorePressure" value="1"/>
+    </inkml:brush>
+  </inkml:definitions>
+  <inkml:trace contextRef="#ctx0" brushRef="#br0">1 86,'179'-8,"-91"2,63 5,-31 5,0-6,1-5,-80 2,0-2,12-5,-15 3,0 1,29 0,15 6,52 6,-48 0,38-4,111-12,3 1,-203 13,23 4,-19-2,6-1,-23-2,13-1,0 2,0 1,-1 1,20 7,-38-7,14 5,1-1,0-2,0-1,0-2,15 0,205-3,-201 1,30 6,-11-1,213 19,-200-13,-35-5,0-1,44-1,-86-5,-4 0,1 0,-1 0,1 0,0 0,-1 0,1 0,-1 0,0-1,1 1,-1 0,1-1,-1 1,1-1,-1 0,0 1,1-1,-1 0,0 0,0 0,1 0,0-2</inkml:trace>
+</inkml:ink>
+</file>
+
+<file path=ppt/ink/ink2.xml><?xml version="1.0" encoding="utf-8"?>
+<inkml:ink xmlns:inkml="http://www.w3.org/2003/InkML">
+  <inkml:definitions>
+    <inkml:context xml:id="ctx0">
+      <inkml:inkSource xml:id="inkSrc0">
+        <inkml:traceFormat>
+          <inkml:channel name="X" type="integer" min="-2.14748E9" max="2.14748E9" units="cm"/>
+          <inkml:channel name="Y" type="integer" min="-2.14748E9" max="2.14748E9" units="cm"/>
+        </inkml:traceFormat>
+        <inkml:channelProperties>
+          <inkml:channelProperty channel="X" name="resolution" value="1000" units="1/cm"/>
+          <inkml:channelProperty channel="Y" name="resolution" value="1000" units="1/cm"/>
+        </inkml:channelProperties>
+      </inkml:inkSource>
+      <inkml:timestamp xml:id="ts0" timeString="2020-03-15T20:48:25.632"/>
+    </inkml:context>
+    <inkml:brush xml:id="br0">
+      <inkml:brushProperty name="width" value="0.3" units="cm"/>
+      <inkml:brushProperty name="height" value="0.6" units="cm"/>
+      <inkml:brushProperty name="color" value="#FFFC00"/>
+      <inkml:brushProperty name="tip" value="rectangle"/>
+      <inkml:brushProperty name="rasterOp" value="maskPen"/>
+      <inkml:brushProperty name="ignorePressure" value="1"/>
+    </inkml:brush>
+  </inkml:definitions>
+  <inkml:trace contextRef="#ctx0" brushRef="#br0">0 73,'9'-5,"-6"3,-1 1,1-1,-1 1,1 0,0 0,0 0,0 0,-1 0,1 0,0 1,0 0,0-1,0 1,0 0,0 0,1 1,37 4,-1-1,11-2,-18-1,-11-1,-1-1,15-3,27-1,67 3,268-9,-338 9,0 4,31 5,65 2,-24-11,17-7,-100 7,-27 1,0 0,4-2,21-4,1 3,1 1,-1 3,25 4,-23 0,-10 0,0-1,0-2,4-3,-3 2,-1 0,0 3,22 5,33 1,199-3,-268-6,38 3,19 4,-29-2,0-2,10-2,48-7,53-11,-137 15,1 1,-1 1,0 1,19 4,34 2,7-7,-1-3,56-11,-143 14,99-12,0 4,5 4,-76 5,64 0,0-4,59-10,-113 9,-1 1,33 2,75 9,-83-4,-18-1,-12 0,0-1,0-1,0-2,1-2,13-3,-23 2,1 1,0 1,0 1,8 1,25 3,13 5,19 2,1-5,12-3,-79-3,21-5,-27 3,1 1,-1 1,0 1,1 0,251 20,-230-17,-11 1,1-2,0-1,-1-2,9-1,1-6,-31 5,0 1,1 1,-1-1,1 1,0 1,-1-1,3 1,-5 1,47 3,23-2,-24-1,0 2,29 1,-49-2,-1 1,5 2,36 4,-65-9,0 0,0 0,-1-1,1 0,0 0,0 0,-1-1,1 0,-1 0,3-1,11-5,-11 6,0 1,1 0,-1 0,0 1,1-1,-1 2,1 0,-1 0,1 0,27 2,95-3,23 0,-132 1,4 1,0-2,21-2,-23-1,-8 0,1 1,0 1,0 1,0 0,0 1,9 2,11 3,34 0,-30-3,5 5,-33-5,-1 0,0-1,5-1,-10-1,-3 1,1-1,0 0,-1 0,1-1,4 0,-8 1,0-1,0 1,0-1,0 1,0-1,0 1,0-1,0 1,0-1,0 0,0 0,0 1,-1-1,1 0,0 0,0 0,-1 0,1 0,-1 0,1 0,-1 0,1 0,-1 0,0 0,1-1,1-13,-2 13,0 0,0 0,1 0,-1 0,1 0,-1 0,1 0,0 1,-1-1,1 0,1-1,11-15</inkml:trace>
+</inkml:ink>
 </file>
 
 <file path=ppt/notesMasters/notesMaster1.xml><?xml version="1.0" encoding="utf-8"?>
@@ -232,7 +474,7 @@
           <a:p>
             <a:fld id="{0E8BCBB7-1E49-2544-B319-6D1ADDE650A6}" type="datetimeFigureOut">
               <a:rPr lang="en-US" smtClean="0"/>
-              <a:t>3/14/20</a:t>
+              <a:t>3/15/2020</a:t>
             </a:fld>
             <a:endParaRPr lang="en-US"/>
           </a:p>
@@ -296,38 +538,37 @@
           <a:p>
             <a:pPr lvl="0"/>
             <a:r>
-              <a:rPr lang="en-US" smtClean="0"/>
+              <a:rPr lang="en-US"/>
               <a:t>Click to edit Master text styles</a:t>
             </a:r>
           </a:p>
           <a:p>
             <a:pPr lvl="1"/>
             <a:r>
-              <a:rPr lang="en-US" smtClean="0"/>
+              <a:rPr lang="en-US"/>
               <a:t>Second level</a:t>
             </a:r>
           </a:p>
           <a:p>
             <a:pPr lvl="2"/>
             <a:r>
-              <a:rPr lang="en-US" smtClean="0"/>
+              <a:rPr lang="en-US"/>
               <a:t>Third level</a:t>
             </a:r>
           </a:p>
           <a:p>
             <a:pPr lvl="3"/>
             <a:r>
-              <a:rPr lang="en-US" smtClean="0"/>
+              <a:rPr lang="en-US"/>
               <a:t>Fourth level</a:t>
             </a:r>
           </a:p>
           <a:p>
             <a:pPr lvl="4"/>
             <a:r>
-              <a:rPr lang="en-US" smtClean="0"/>
+              <a:rPr lang="en-US"/>
               <a:t>Fifth level</a:t>
             </a:r>
-            <a:endParaRPr lang="en-US"/>
           </a:p>
         </p:txBody>
       </p:sp>
@@ -692,7 +933,7 @@
             <a:fld id="{B61BEF0D-F0BB-DE4B-95CE-6DB70DBA9567}" type="datetimeFigureOut">
               <a:rPr lang="en-US" dirty="0"/>
               <a:pPr/>
-              <a:t>3/14/20</a:t>
+              <a:t>3/15/2020</a:t>
             </a:fld>
             <a:endParaRPr lang="en-US" dirty="0"/>
           </a:p>
@@ -1125,7 +1366,7 @@
             <a:fld id="{B61BEF0D-F0BB-DE4B-95CE-6DB70DBA9567}" type="datetimeFigureOut">
               <a:rPr lang="en-US" dirty="0"/>
               <a:pPr/>
-              <a:t>3/14/20</a:t>
+              <a:t>3/15/2020</a:t>
             </a:fld>
             <a:endParaRPr lang="en-US" dirty="0"/>
           </a:p>
@@ -1372,7 +1613,7 @@
             <a:fld id="{B61BEF0D-F0BB-DE4B-95CE-6DB70DBA9567}" type="datetimeFigureOut">
               <a:rPr lang="en-US" dirty="0"/>
               <a:pPr/>
-              <a:t>3/14/20</a:t>
+              <a:t>3/15/2020</a:t>
             </a:fld>
             <a:endParaRPr lang="en-US" dirty="0"/>
           </a:p>
@@ -1677,7 +1918,7 @@
             <a:fld id="{B61BEF0D-F0BB-DE4B-95CE-6DB70DBA9567}" type="datetimeFigureOut">
               <a:rPr lang="en-US" dirty="0"/>
               <a:pPr/>
-              <a:t>3/14/20</a:t>
+              <a:t>3/15/2020</a:t>
             </a:fld>
             <a:endParaRPr lang="en-US" dirty="0"/>
           </a:p>
@@ -1992,7 +2233,7 @@
             <a:fld id="{B61BEF0D-F0BB-DE4B-95CE-6DB70DBA9567}" type="datetimeFigureOut">
               <a:rPr lang="en-US" dirty="0"/>
               <a:pPr/>
-              <a:t>3/14/20</a:t>
+              <a:t>3/15/2020</a:t>
             </a:fld>
             <a:endParaRPr lang="en-US" dirty="0"/>
           </a:p>
@@ -2291,7 +2532,7 @@
             <a:fld id="{B61BEF0D-F0BB-DE4B-95CE-6DB70DBA9567}" type="datetimeFigureOut">
               <a:rPr lang="en-US" dirty="0"/>
               <a:pPr/>
-              <a:t>3/14/20</a:t>
+              <a:t>3/15/2020</a:t>
             </a:fld>
             <a:endParaRPr lang="en-US" dirty="0"/>
           </a:p>
@@ -2655,7 +2896,7 @@
             <a:fld id="{B61BEF0D-F0BB-DE4B-95CE-6DB70DBA9567}" type="datetimeFigureOut">
               <a:rPr lang="en-US" dirty="0"/>
               <a:pPr/>
-              <a:t>3/14/20</a:t>
+              <a:t>3/15/2020</a:t>
             </a:fld>
             <a:endParaRPr lang="en-US" dirty="0"/>
           </a:p>
@@ -2826,7 +3067,7 @@
             <a:fld id="{B61BEF0D-F0BB-DE4B-95CE-6DB70DBA9567}" type="datetimeFigureOut">
               <a:rPr lang="en-US" dirty="0"/>
               <a:pPr/>
-              <a:t>3/14/20</a:t>
+              <a:t>3/15/2020</a:t>
             </a:fld>
             <a:endParaRPr lang="en-US" dirty="0"/>
           </a:p>
@@ -3003,7 +3244,7 @@
             <a:fld id="{B61BEF0D-F0BB-DE4B-95CE-6DB70DBA9567}" type="datetimeFigureOut">
               <a:rPr lang="en-US" dirty="0"/>
               <a:pPr/>
-              <a:t>3/14/20</a:t>
+              <a:t>3/15/2020</a:t>
             </a:fld>
             <a:endParaRPr lang="en-US" dirty="0"/>
           </a:p>
@@ -3170,7 +3411,7 @@
             <a:fld id="{B61BEF0D-F0BB-DE4B-95CE-6DB70DBA9567}" type="datetimeFigureOut">
               <a:rPr lang="en-US" dirty="0"/>
               <a:pPr/>
-              <a:t>3/14/20</a:t>
+              <a:t>3/15/2020</a:t>
             </a:fld>
             <a:endParaRPr lang="en-US" dirty="0"/>
           </a:p>
@@ -3417,7 +3658,7 @@
             <a:fld id="{B61BEF0D-F0BB-DE4B-95CE-6DB70DBA9567}" type="datetimeFigureOut">
               <a:rPr lang="en-US" dirty="0"/>
               <a:pPr/>
-              <a:t>3/14/20</a:t>
+              <a:t>3/15/2020</a:t>
             </a:fld>
             <a:endParaRPr lang="en-US" dirty="0"/>
           </a:p>
@@ -3650,7 +3891,7 @@
             <a:fld id="{B61BEF0D-F0BB-DE4B-95CE-6DB70DBA9567}" type="datetimeFigureOut">
               <a:rPr lang="en-US" dirty="0"/>
               <a:pPr/>
-              <a:t>3/14/20</a:t>
+              <a:t>3/15/2020</a:t>
             </a:fld>
             <a:endParaRPr lang="en-US" dirty="0"/>
           </a:p>
@@ -4029,7 +4270,7 @@
             <a:fld id="{B61BEF0D-F0BB-DE4B-95CE-6DB70DBA9567}" type="datetimeFigureOut">
               <a:rPr lang="en-US" dirty="0"/>
               <a:pPr/>
-              <a:t>3/14/20</a:t>
+              <a:t>3/15/2020</a:t>
             </a:fld>
             <a:endParaRPr lang="en-US" dirty="0"/>
           </a:p>
@@ -4144,7 +4385,7 @@
             <a:fld id="{B61BEF0D-F0BB-DE4B-95CE-6DB70DBA9567}" type="datetimeFigureOut">
               <a:rPr lang="en-US" dirty="0"/>
               <a:pPr/>
-              <a:t>3/14/20</a:t>
+              <a:t>3/15/2020</a:t>
             </a:fld>
             <a:endParaRPr lang="en-US" dirty="0"/>
           </a:p>
@@ -4236,7 +4477,7 @@
             <a:fld id="{B61BEF0D-F0BB-DE4B-95CE-6DB70DBA9567}" type="datetimeFigureOut">
               <a:rPr lang="en-US" dirty="0"/>
               <a:pPr/>
-              <a:t>3/14/20</a:t>
+              <a:t>3/15/2020</a:t>
             </a:fld>
             <a:endParaRPr lang="en-US" dirty="0"/>
           </a:p>
@@ -4488,7 +4729,7 @@
             <a:fld id="{B61BEF0D-F0BB-DE4B-95CE-6DB70DBA9567}" type="datetimeFigureOut">
               <a:rPr lang="en-US" dirty="0"/>
               <a:pPr/>
-              <a:t>3/14/20</a:t>
+              <a:t>3/15/2020</a:t>
             </a:fld>
             <a:endParaRPr lang="en-US" dirty="0"/>
           </a:p>
@@ -4768,7 +5009,7 @@
             <a:fld id="{B61BEF0D-F0BB-DE4B-95CE-6DB70DBA9567}" type="datetimeFigureOut">
               <a:rPr lang="en-US" dirty="0"/>
               <a:pPr/>
-              <a:t>3/14/20</a:t>
+              <a:t>3/15/2020</a:t>
             </a:fld>
             <a:endParaRPr lang="en-US" dirty="0"/>
           </a:p>
@@ -5171,7 +5412,7 @@
             <a:fld id="{B61BEF0D-F0BB-DE4B-95CE-6DB70DBA9567}" type="datetimeFigureOut">
               <a:rPr lang="en-US" dirty="0"/>
               <a:pPr/>
-              <a:t>3/14/20</a:t>
+              <a:t>3/15/2020</a:t>
             </a:fld>
             <a:endParaRPr lang="en-US" dirty="0"/>
           </a:p>
@@ -5707,7 +5948,7 @@
           <p:cNvPr id="2" name="Title 1">
             <a:extLst>
               <a:ext uri="{FF2B5EF4-FFF2-40B4-BE49-F238E27FC236}">
-                <a16:creationId xmlns:a16="http://schemas.microsoft.com/office/drawing/2014/main" xmlns="" id="{FFBC5A55-1AE3-48C9-ACC9-BDAB23FA566D}"/>
+                <a16:creationId xmlns:a16="http://schemas.microsoft.com/office/drawing/2014/main" id="{FFBC5A55-1AE3-48C9-ACC9-BDAB23FA566D}"/>
               </a:ext>
             </a:extLst>
           </p:cNvPr>
@@ -5735,7 +5976,7 @@
           <p:cNvPr id="3" name="Subtitle 2">
             <a:extLst>
               <a:ext uri="{FF2B5EF4-FFF2-40B4-BE49-F238E27FC236}">
-                <a16:creationId xmlns:a16="http://schemas.microsoft.com/office/drawing/2014/main" xmlns="" id="{FA5B921E-5D5F-471D-9283-FA951E419B38}"/>
+                <a16:creationId xmlns:a16="http://schemas.microsoft.com/office/drawing/2014/main" id="{FA5B921E-5D5F-471D-9283-FA951E419B38}"/>
               </a:ext>
             </a:extLst>
           </p:cNvPr>
@@ -5853,7 +6094,7 @@
           <p:cNvPr id="2" name="Title 1">
             <a:extLst>
               <a:ext uri="{FF2B5EF4-FFF2-40B4-BE49-F238E27FC236}">
-                <a16:creationId xmlns:a16="http://schemas.microsoft.com/office/drawing/2014/main" xmlns="" id="{00846977-A750-4BB6-9AE6-AEB2DC7066DF}"/>
+                <a16:creationId xmlns:a16="http://schemas.microsoft.com/office/drawing/2014/main" id="{00846977-A750-4BB6-9AE6-AEB2DC7066DF}"/>
               </a:ext>
             </a:extLst>
           </p:cNvPr>
@@ -5876,7 +6117,7 @@
           <a:p>
             <a:r>
               <a:rPr lang="en-US" dirty="0"/>
-              <a:t>Q3</a:t>
+              <a:t>Q2 (cont.)</a:t>
             </a:r>
           </a:p>
         </p:txBody>
@@ -5886,2156 +6127,7 @@
           <p:cNvPr id="3" name="Content Placeholder 2">
             <a:extLst>
               <a:ext uri="{FF2B5EF4-FFF2-40B4-BE49-F238E27FC236}">
-                <a16:creationId xmlns:a16="http://schemas.microsoft.com/office/drawing/2014/main" xmlns="" id="{F97BA237-BBF0-49FD-B184-71910E0D1F83}"/>
-              </a:ext>
-            </a:extLst>
-          </p:cNvPr>
-          <p:cNvSpPr>
-            <a:spLocks noGrp="1"/>
-          </p:cNvSpPr>
-          <p:nvPr>
-            <p:ph idx="1"/>
-          </p:nvPr>
-        </p:nvSpPr>
-        <p:spPr>
-          <a:xfrm>
-            <a:off x="684212" y="2393878"/>
-            <a:ext cx="8534400" cy="2482541"/>
-          </a:xfrm>
-        </p:spPr>
-        <p:txBody>
-          <a:bodyPr>
-            <a:normAutofit/>
-          </a:bodyPr>
-          <a:lstStyle/>
-          <a:p>
-            <a:pPr marL="457200" indent="-457200">
-              <a:buClrTx/>
-              <a:buFont typeface="+mj-lt"/>
-              <a:buAutoNum type="arabicPeriod"/>
-            </a:pPr>
-            <a:endParaRPr lang="en-US" sz="2400" dirty="0">
-              <a:solidFill>
-                <a:schemeClr val="bg1"/>
-              </a:solidFill>
-            </a:endParaRPr>
-          </a:p>
-        </p:txBody>
-      </p:sp>
-    </p:spTree>
-    <p:extLst>
-      <p:ext uri="{BB962C8B-B14F-4D97-AF65-F5344CB8AC3E}">
-        <p14:creationId xmlns:p14="http://schemas.microsoft.com/office/powerpoint/2010/main" val="1280595349"/>
-      </p:ext>
-    </p:extLst>
-  </p:cSld>
-  <p:clrMapOvr>
-    <a:masterClrMapping/>
-  </p:clrMapOvr>
-</p:sld>
-</file>
-
-<file path=ppt/slides/slide11.xml><?xml version="1.0" encoding="utf-8"?>
-<p:sld xmlns:a="http://schemas.openxmlformats.org/drawingml/2006/main" xmlns:r="http://schemas.openxmlformats.org/officeDocument/2006/relationships" xmlns:p="http://schemas.openxmlformats.org/presentationml/2006/main">
-  <p:cSld>
-    <p:spTree>
-      <p:nvGrpSpPr>
-        <p:cNvPr id="1" name=""/>
-        <p:cNvGrpSpPr/>
-        <p:nvPr/>
-      </p:nvGrpSpPr>
-      <p:grpSpPr>
-        <a:xfrm>
-          <a:off x="0" y="0"/>
-          <a:ext cx="0" cy="0"/>
-          <a:chOff x="0" y="0"/>
-          <a:chExt cx="0" cy="0"/>
-        </a:xfrm>
-      </p:grpSpPr>
-      <p:sp>
-        <p:nvSpPr>
-          <p:cNvPr id="2" name="Title 1">
-            <a:extLst>
-              <a:ext uri="{FF2B5EF4-FFF2-40B4-BE49-F238E27FC236}">
-                <a16:creationId xmlns:a16="http://schemas.microsoft.com/office/drawing/2014/main" xmlns="" id="{00846977-A750-4BB6-9AE6-AEB2DC7066DF}"/>
-              </a:ext>
-            </a:extLst>
-          </p:cNvPr>
-          <p:cNvSpPr>
-            <a:spLocks noGrp="1"/>
-          </p:cNvSpPr>
-          <p:nvPr>
-            <p:ph type="title"/>
-          </p:nvPr>
-        </p:nvSpPr>
-        <p:spPr>
-          <a:xfrm>
-            <a:off x="684212" y="703874"/>
-            <a:ext cx="8534400" cy="1507067"/>
-          </a:xfrm>
-        </p:spPr>
-        <p:txBody>
-          <a:bodyPr/>
-          <a:lstStyle/>
-          <a:p>
-            <a:r>
-              <a:rPr lang="en-US" dirty="0"/>
-              <a:t>Q4</a:t>
-            </a:r>
-          </a:p>
-        </p:txBody>
-      </p:sp>
-      <p:sp>
-        <p:nvSpPr>
-          <p:cNvPr id="3" name="Content Placeholder 2">
-            <a:extLst>
-              <a:ext uri="{FF2B5EF4-FFF2-40B4-BE49-F238E27FC236}">
-                <a16:creationId xmlns:a16="http://schemas.microsoft.com/office/drawing/2014/main" xmlns="" id="{F97BA237-BBF0-49FD-B184-71910E0D1F83}"/>
-              </a:ext>
-            </a:extLst>
-          </p:cNvPr>
-          <p:cNvSpPr>
-            <a:spLocks noGrp="1"/>
-          </p:cNvSpPr>
-          <p:nvPr>
-            <p:ph idx="1"/>
-          </p:nvPr>
-        </p:nvSpPr>
-        <p:spPr>
-          <a:xfrm>
-            <a:off x="684212" y="2393878"/>
-            <a:ext cx="8534400" cy="2482541"/>
-          </a:xfrm>
-        </p:spPr>
-        <p:txBody>
-          <a:bodyPr>
-            <a:normAutofit/>
-          </a:bodyPr>
-          <a:lstStyle/>
-          <a:p>
-            <a:pPr marL="457200" indent="-457200">
-              <a:buClrTx/>
-              <a:buFont typeface="+mj-lt"/>
-              <a:buAutoNum type="arabicPeriod"/>
-            </a:pPr>
-            <a:endParaRPr lang="en-US" sz="2400" dirty="0">
-              <a:solidFill>
-                <a:schemeClr val="bg1"/>
-              </a:solidFill>
-            </a:endParaRPr>
-          </a:p>
-        </p:txBody>
-      </p:sp>
-    </p:spTree>
-    <p:extLst>
-      <p:ext uri="{BB962C8B-B14F-4D97-AF65-F5344CB8AC3E}">
-        <p14:creationId xmlns:p14="http://schemas.microsoft.com/office/powerpoint/2010/main" val="2274920983"/>
-      </p:ext>
-    </p:extLst>
-  </p:cSld>
-  <p:clrMapOvr>
-    <a:masterClrMapping/>
-  </p:clrMapOvr>
-</p:sld>
-</file>
-
-<file path=ppt/slides/slide12.xml><?xml version="1.0" encoding="utf-8"?>
-<p:sld xmlns:a="http://schemas.openxmlformats.org/drawingml/2006/main" xmlns:r="http://schemas.openxmlformats.org/officeDocument/2006/relationships" xmlns:p="http://schemas.openxmlformats.org/presentationml/2006/main">
-  <p:cSld>
-    <p:spTree>
-      <p:nvGrpSpPr>
-        <p:cNvPr id="1" name=""/>
-        <p:cNvGrpSpPr/>
-        <p:nvPr/>
-      </p:nvGrpSpPr>
-      <p:grpSpPr>
-        <a:xfrm>
-          <a:off x="0" y="0"/>
-          <a:ext cx="0" cy="0"/>
-          <a:chOff x="0" y="0"/>
-          <a:chExt cx="0" cy="0"/>
-        </a:xfrm>
-      </p:grpSpPr>
-      <p:sp>
-        <p:nvSpPr>
-          <p:cNvPr id="2" name="Title 1">
-            <a:extLst>
-              <a:ext uri="{FF2B5EF4-FFF2-40B4-BE49-F238E27FC236}">
-                <a16:creationId xmlns:a16="http://schemas.microsoft.com/office/drawing/2014/main" xmlns="" id="{00846977-A750-4BB6-9AE6-AEB2DC7066DF}"/>
-              </a:ext>
-            </a:extLst>
-          </p:cNvPr>
-          <p:cNvSpPr>
-            <a:spLocks noGrp="1"/>
-          </p:cNvSpPr>
-          <p:nvPr>
-            <p:ph type="title"/>
-          </p:nvPr>
-        </p:nvSpPr>
-        <p:spPr>
-          <a:xfrm>
-            <a:off x="684212" y="703874"/>
-            <a:ext cx="8534400" cy="1507067"/>
-          </a:xfrm>
-        </p:spPr>
-        <p:txBody>
-          <a:bodyPr/>
-          <a:lstStyle/>
-          <a:p>
-            <a:r>
-              <a:rPr lang="en-US" dirty="0"/>
-              <a:t>What we learned</a:t>
-            </a:r>
-          </a:p>
-        </p:txBody>
-      </p:sp>
-      <p:sp>
-        <p:nvSpPr>
-          <p:cNvPr id="3" name="Content Placeholder 2">
-            <a:extLst>
-              <a:ext uri="{FF2B5EF4-FFF2-40B4-BE49-F238E27FC236}">
-                <a16:creationId xmlns:a16="http://schemas.microsoft.com/office/drawing/2014/main" xmlns="" id="{F97BA237-BBF0-49FD-B184-71910E0D1F83}"/>
-              </a:ext>
-            </a:extLst>
-          </p:cNvPr>
-          <p:cNvSpPr>
-            <a:spLocks noGrp="1"/>
-          </p:cNvSpPr>
-          <p:nvPr>
-            <p:ph idx="1"/>
-          </p:nvPr>
-        </p:nvSpPr>
-        <p:spPr>
-          <a:xfrm>
-            <a:off x="684212" y="2393878"/>
-            <a:ext cx="8534400" cy="2482541"/>
-          </a:xfrm>
-        </p:spPr>
-        <p:txBody>
-          <a:bodyPr anchor="t">
-            <a:normAutofit/>
-          </a:bodyPr>
-          <a:lstStyle/>
-          <a:p>
-            <a:pPr marL="457200" indent="-457200">
-              <a:buClrTx/>
-              <a:buFont typeface="+mj-lt"/>
-              <a:buAutoNum type="arabicPeriod"/>
-            </a:pPr>
-            <a:r>
-              <a:rPr lang="en-US" sz="2400" dirty="0">
-                <a:solidFill>
-                  <a:schemeClr val="bg1"/>
-                </a:solidFill>
-              </a:rPr>
-              <a:t>Conclusions from Questions …</a:t>
-            </a:r>
-          </a:p>
-          <a:p>
-            <a:pPr marL="457200" indent="-457200">
-              <a:buClrTx/>
-              <a:buFont typeface="+mj-lt"/>
-              <a:buAutoNum type="arabicPeriod"/>
-            </a:pPr>
-            <a:r>
-              <a:rPr lang="en-US" sz="2400" dirty="0">
-                <a:solidFill>
-                  <a:schemeClr val="bg1"/>
-                </a:solidFill>
-              </a:rPr>
-              <a:t>Scala is your friend</a:t>
-            </a:r>
-          </a:p>
-        </p:txBody>
-      </p:sp>
-    </p:spTree>
-    <p:extLst>
-      <p:ext uri="{BB962C8B-B14F-4D97-AF65-F5344CB8AC3E}">
-        <p14:creationId xmlns:p14="http://schemas.microsoft.com/office/powerpoint/2010/main" val="4198274045"/>
-      </p:ext>
-    </p:extLst>
-  </p:cSld>
-  <p:clrMapOvr>
-    <a:masterClrMapping/>
-  </p:clrMapOvr>
-</p:sld>
-</file>
-
-<file path=ppt/slides/slide13.xml><?xml version="1.0" encoding="utf-8"?>
-<p:sld xmlns:a="http://schemas.openxmlformats.org/drawingml/2006/main" xmlns:r="http://schemas.openxmlformats.org/officeDocument/2006/relationships" xmlns:p="http://schemas.openxmlformats.org/presentationml/2006/main">
-  <p:cSld>
-    <p:spTree>
-      <p:nvGrpSpPr>
-        <p:cNvPr id="1" name=""/>
-        <p:cNvGrpSpPr/>
-        <p:nvPr/>
-      </p:nvGrpSpPr>
-      <p:grpSpPr>
-        <a:xfrm>
-          <a:off x="0" y="0"/>
-          <a:ext cx="0" cy="0"/>
-          <a:chOff x="0" y="0"/>
-          <a:chExt cx="0" cy="0"/>
-        </a:xfrm>
-      </p:grpSpPr>
-      <p:sp>
-        <p:nvSpPr>
-          <p:cNvPr id="2" name="Title 1">
-            <a:extLst>
-              <a:ext uri="{FF2B5EF4-FFF2-40B4-BE49-F238E27FC236}">
-                <a16:creationId xmlns:a16="http://schemas.microsoft.com/office/drawing/2014/main" xmlns="" id="{00846977-A750-4BB6-9AE6-AEB2DC7066DF}"/>
-              </a:ext>
-            </a:extLst>
-          </p:cNvPr>
-          <p:cNvSpPr>
-            <a:spLocks noGrp="1"/>
-          </p:cNvSpPr>
-          <p:nvPr>
-            <p:ph type="title"/>
-          </p:nvPr>
-        </p:nvSpPr>
-        <p:spPr>
-          <a:xfrm>
-            <a:off x="684212" y="703874"/>
-            <a:ext cx="8534400" cy="1507067"/>
-          </a:xfrm>
-        </p:spPr>
-        <p:txBody>
-          <a:bodyPr/>
-          <a:lstStyle/>
-          <a:p>
-            <a:r>
-              <a:rPr lang="en-US" dirty="0"/>
-              <a:t>Obstacles</a:t>
-            </a:r>
-          </a:p>
-        </p:txBody>
-      </p:sp>
-      <p:sp>
-        <p:nvSpPr>
-          <p:cNvPr id="3" name="Content Placeholder 2">
-            <a:extLst>
-              <a:ext uri="{FF2B5EF4-FFF2-40B4-BE49-F238E27FC236}">
-                <a16:creationId xmlns:a16="http://schemas.microsoft.com/office/drawing/2014/main" xmlns="" id="{F97BA237-BBF0-49FD-B184-71910E0D1F83}"/>
-              </a:ext>
-            </a:extLst>
-          </p:cNvPr>
-          <p:cNvSpPr>
-            <a:spLocks noGrp="1"/>
-          </p:cNvSpPr>
-          <p:nvPr>
-            <p:ph idx="1"/>
-          </p:nvPr>
-        </p:nvSpPr>
-        <p:spPr>
-          <a:xfrm>
-            <a:off x="684212" y="2393878"/>
-            <a:ext cx="8534400" cy="2482541"/>
-          </a:xfrm>
-        </p:spPr>
-        <p:txBody>
-          <a:bodyPr anchor="t">
-            <a:normAutofit/>
-          </a:bodyPr>
-          <a:lstStyle/>
-          <a:p>
-            <a:pPr marL="457200" indent="-457200">
-              <a:buClrTx/>
-              <a:buFont typeface="+mj-lt"/>
-              <a:buAutoNum type="arabicPeriod"/>
-            </a:pPr>
-            <a:r>
-              <a:rPr lang="en-US" sz="2400" dirty="0">
-                <a:solidFill>
-                  <a:schemeClr val="bg1"/>
-                </a:solidFill>
-              </a:rPr>
-              <a:t>Filling NULL values</a:t>
-            </a:r>
-          </a:p>
-          <a:p>
-            <a:pPr marL="457200" indent="-457200">
-              <a:buClrTx/>
-              <a:buFont typeface="+mj-lt"/>
-              <a:buAutoNum type="arabicPeriod"/>
-            </a:pPr>
-            <a:r>
-              <a:rPr lang="en-US" sz="2400" dirty="0">
-                <a:solidFill>
-                  <a:schemeClr val="bg1"/>
-                </a:solidFill>
-              </a:rPr>
-              <a:t>Regular Expressions</a:t>
-            </a:r>
-          </a:p>
-          <a:p>
-            <a:pPr marL="457200" indent="-457200">
-              <a:buClrTx/>
-              <a:buFont typeface="+mj-lt"/>
-              <a:buAutoNum type="arabicPeriod"/>
-            </a:pPr>
-            <a:r>
-              <a:rPr lang="en-US" sz="2400" dirty="0">
-                <a:solidFill>
-                  <a:schemeClr val="bg1"/>
-                </a:solidFill>
-              </a:rPr>
-              <a:t>TBD</a:t>
-            </a:r>
-          </a:p>
-        </p:txBody>
-      </p:sp>
-    </p:spTree>
-    <p:extLst>
-      <p:ext uri="{BB962C8B-B14F-4D97-AF65-F5344CB8AC3E}">
-        <p14:creationId xmlns:p14="http://schemas.microsoft.com/office/powerpoint/2010/main" val="3205346752"/>
-      </p:ext>
-    </p:extLst>
-  </p:cSld>
-  <p:clrMapOvr>
-    <a:masterClrMapping/>
-  </p:clrMapOvr>
-</p:sld>
-</file>
-
-<file path=ppt/slides/slide14.xml><?xml version="1.0" encoding="utf-8"?>
-<p:sld xmlns:a="http://schemas.openxmlformats.org/drawingml/2006/main" xmlns:r="http://schemas.openxmlformats.org/officeDocument/2006/relationships" xmlns:p="http://schemas.openxmlformats.org/presentationml/2006/main">
-  <p:cSld>
-    <p:spTree>
-      <p:nvGrpSpPr>
-        <p:cNvPr id="1" name=""/>
-        <p:cNvGrpSpPr/>
-        <p:nvPr/>
-      </p:nvGrpSpPr>
-      <p:grpSpPr>
-        <a:xfrm>
-          <a:off x="0" y="0"/>
-          <a:ext cx="0" cy="0"/>
-          <a:chOff x="0" y="0"/>
-          <a:chExt cx="0" cy="0"/>
-        </a:xfrm>
-      </p:grpSpPr>
-      <p:sp>
-        <p:nvSpPr>
-          <p:cNvPr id="2" name="Title 1">
-            <a:extLst>
-              <a:ext uri="{FF2B5EF4-FFF2-40B4-BE49-F238E27FC236}">
-                <a16:creationId xmlns:a16="http://schemas.microsoft.com/office/drawing/2014/main" xmlns="" id="{015E36F3-CFD3-4F0B-ACE1-6FFBBC14C8FE}"/>
-              </a:ext>
-            </a:extLst>
-          </p:cNvPr>
-          <p:cNvSpPr>
-            <a:spLocks noGrp="1"/>
-          </p:cNvSpPr>
-          <p:nvPr>
-            <p:ph type="title"/>
-          </p:nvPr>
-        </p:nvSpPr>
-        <p:spPr/>
-        <p:txBody>
-          <a:bodyPr/>
-          <a:lstStyle/>
-          <a:p>
-            <a:r>
-              <a:rPr lang="en-US" dirty="0"/>
-              <a:t>Questions?</a:t>
-            </a:r>
-          </a:p>
-        </p:txBody>
-      </p:sp>
-    </p:spTree>
-    <p:extLst>
-      <p:ext uri="{BB962C8B-B14F-4D97-AF65-F5344CB8AC3E}">
-        <p14:creationId xmlns:p14="http://schemas.microsoft.com/office/powerpoint/2010/main" val="2305301528"/>
-      </p:ext>
-    </p:extLst>
-  </p:cSld>
-  <p:clrMapOvr>
-    <a:masterClrMapping/>
-  </p:clrMapOvr>
-</p:sld>
-</file>
-
-<file path=ppt/slides/slide2.xml><?xml version="1.0" encoding="utf-8"?>
-<p:sld xmlns:a="http://schemas.openxmlformats.org/drawingml/2006/main" xmlns:r="http://schemas.openxmlformats.org/officeDocument/2006/relationships" xmlns:p="http://schemas.openxmlformats.org/presentationml/2006/main">
-  <p:cSld>
-    <p:spTree>
-      <p:nvGrpSpPr>
-        <p:cNvPr id="1" name=""/>
-        <p:cNvGrpSpPr/>
-        <p:nvPr/>
-      </p:nvGrpSpPr>
-      <p:grpSpPr>
-        <a:xfrm>
-          <a:off x="0" y="0"/>
-          <a:ext cx="0" cy="0"/>
-          <a:chOff x="0" y="0"/>
-          <a:chExt cx="0" cy="0"/>
-        </a:xfrm>
-      </p:grpSpPr>
-      <p:sp>
-        <p:nvSpPr>
-          <p:cNvPr id="2" name="Title 1">
-            <a:extLst>
-              <a:ext uri="{FF2B5EF4-FFF2-40B4-BE49-F238E27FC236}">
-                <a16:creationId xmlns:a16="http://schemas.microsoft.com/office/drawing/2014/main" xmlns="" id="{895FA19E-1932-47E0-89E7-AC9D327BB2E1}"/>
-              </a:ext>
-            </a:extLst>
-          </p:cNvPr>
-          <p:cNvSpPr>
-            <a:spLocks noGrp="1"/>
-          </p:cNvSpPr>
-          <p:nvPr>
-            <p:ph type="title"/>
-          </p:nvPr>
-        </p:nvSpPr>
-        <p:spPr/>
-        <p:txBody>
-          <a:bodyPr>
-            <a:normAutofit/>
-          </a:bodyPr>
-          <a:lstStyle/>
-          <a:p>
-            <a:r>
-              <a:rPr lang="en-US" sz="4000" dirty="0"/>
-              <a:t>Our Data</a:t>
-            </a:r>
-          </a:p>
-        </p:txBody>
-      </p:sp>
-      <p:sp>
-        <p:nvSpPr>
-          <p:cNvPr id="3" name="Text Placeholder 2">
-            <a:extLst>
-              <a:ext uri="{FF2B5EF4-FFF2-40B4-BE49-F238E27FC236}">
-                <a16:creationId xmlns:a16="http://schemas.microsoft.com/office/drawing/2014/main" xmlns="" id="{DF43FF17-42E6-44CD-AA0B-C1EA53436868}"/>
-              </a:ext>
-            </a:extLst>
-          </p:cNvPr>
-          <p:cNvSpPr>
-            <a:spLocks noGrp="1"/>
-          </p:cNvSpPr>
-          <p:nvPr>
-            <p:ph type="body" idx="1"/>
-          </p:nvPr>
-        </p:nvSpPr>
-        <p:spPr/>
-        <p:txBody>
-          <a:bodyPr/>
-          <a:lstStyle/>
-          <a:p>
-            <a:r>
-              <a:rPr lang="en-US" sz="2000" dirty="0">
-                <a:solidFill>
-                  <a:schemeClr val="bg1"/>
-                </a:solidFill>
-              </a:rPr>
-              <a:t>US Traffic Accident Dataset (2016-2019)</a:t>
-            </a:r>
-          </a:p>
-          <a:p>
-            <a:pPr marL="285750" indent="-285750">
-              <a:buFont typeface="Arial" panose="020B0604020202020204" pitchFamily="34" charset="0"/>
-              <a:buChar char="•"/>
-            </a:pPr>
-            <a:r>
-              <a:rPr lang="en-US" sz="1600" dirty="0">
-                <a:solidFill>
-                  <a:schemeClr val="bg1"/>
-                </a:solidFill>
-              </a:rPr>
-              <a:t>Source: Kaggle</a:t>
-            </a:r>
-          </a:p>
-          <a:p>
-            <a:pPr marL="285750" indent="-285750">
-              <a:buFont typeface="Arial" panose="020B0604020202020204" pitchFamily="34" charset="0"/>
-              <a:buChar char="•"/>
-            </a:pPr>
-            <a:endParaRPr lang="en-US" sz="1400" dirty="0"/>
-          </a:p>
-          <a:p>
-            <a:pPr marL="285750" indent="-285750">
-              <a:buFont typeface="Arial" panose="020B0604020202020204" pitchFamily="34" charset="0"/>
-              <a:buChar char="•"/>
-            </a:pPr>
-            <a:endParaRPr lang="en-US" dirty="0"/>
-          </a:p>
-        </p:txBody>
-      </p:sp>
-    </p:spTree>
-    <p:extLst>
-      <p:ext uri="{BB962C8B-B14F-4D97-AF65-F5344CB8AC3E}">
-        <p14:creationId xmlns:p14="http://schemas.microsoft.com/office/powerpoint/2010/main" val="89201210"/>
-      </p:ext>
-    </p:extLst>
-  </p:cSld>
-  <p:clrMapOvr>
-    <a:masterClrMapping/>
-  </p:clrMapOvr>
-</p:sld>
-</file>
-
-<file path=ppt/slides/slide3.xml><?xml version="1.0" encoding="utf-8"?>
-<p:sld xmlns:a="http://schemas.openxmlformats.org/drawingml/2006/main" xmlns:r="http://schemas.openxmlformats.org/officeDocument/2006/relationships" xmlns:p="http://schemas.openxmlformats.org/presentationml/2006/main">
-  <p:cSld>
-    <p:spTree>
-      <p:nvGrpSpPr>
-        <p:cNvPr id="1" name=""/>
-        <p:cNvGrpSpPr/>
-        <p:nvPr/>
-      </p:nvGrpSpPr>
-      <p:grpSpPr>
-        <a:xfrm>
-          <a:off x="0" y="0"/>
-          <a:ext cx="0" cy="0"/>
-          <a:chOff x="0" y="0"/>
-          <a:chExt cx="0" cy="0"/>
-        </a:xfrm>
-      </p:grpSpPr>
-      <p:sp>
-        <p:nvSpPr>
-          <p:cNvPr id="2" name="Title 1">
-            <a:extLst>
-              <a:ext uri="{FF2B5EF4-FFF2-40B4-BE49-F238E27FC236}">
-                <a16:creationId xmlns:a16="http://schemas.microsoft.com/office/drawing/2014/main" xmlns="" id="{00846977-A750-4BB6-9AE6-AEB2DC7066DF}"/>
-              </a:ext>
-            </a:extLst>
-          </p:cNvPr>
-          <p:cNvSpPr>
-            <a:spLocks noGrp="1"/>
-          </p:cNvSpPr>
-          <p:nvPr>
-            <p:ph type="title"/>
-          </p:nvPr>
-        </p:nvSpPr>
-        <p:spPr>
-          <a:xfrm>
-            <a:off x="684212" y="703874"/>
-            <a:ext cx="8534400" cy="1507067"/>
-          </a:xfrm>
-        </p:spPr>
-        <p:txBody>
-          <a:bodyPr/>
-          <a:lstStyle/>
-          <a:p>
-            <a:r>
-              <a:rPr lang="en-US" dirty="0"/>
-              <a:t>Questions to Answer</a:t>
-            </a:r>
-          </a:p>
-        </p:txBody>
-      </p:sp>
-      <p:sp>
-        <p:nvSpPr>
-          <p:cNvPr id="3" name="Content Placeholder 2">
-            <a:extLst>
-              <a:ext uri="{FF2B5EF4-FFF2-40B4-BE49-F238E27FC236}">
-                <a16:creationId xmlns:a16="http://schemas.microsoft.com/office/drawing/2014/main" xmlns="" id="{F97BA237-BBF0-49FD-B184-71910E0D1F83}"/>
-              </a:ext>
-            </a:extLst>
-          </p:cNvPr>
-          <p:cNvSpPr>
-            <a:spLocks noGrp="1"/>
-          </p:cNvSpPr>
-          <p:nvPr>
-            <p:ph idx="1"/>
-          </p:nvPr>
-        </p:nvSpPr>
-        <p:spPr>
-          <a:xfrm>
-            <a:off x="684212" y="2393878"/>
-            <a:ext cx="8534400" cy="2482541"/>
-          </a:xfrm>
-        </p:spPr>
-        <p:txBody>
-          <a:bodyPr>
-            <a:normAutofit/>
-          </a:bodyPr>
-          <a:lstStyle/>
-          <a:p>
-            <a:pPr marL="457200" indent="-457200">
-              <a:buClrTx/>
-              <a:buFont typeface="+mj-lt"/>
-              <a:buAutoNum type="arabicPeriod"/>
-            </a:pPr>
-            <a:r>
-              <a:rPr lang="en-US" sz="2400" dirty="0">
-                <a:solidFill>
-                  <a:schemeClr val="bg1"/>
-                </a:solidFill>
-              </a:rPr>
-              <a:t>Severity &amp; Roadway </a:t>
-            </a:r>
-            <a:r>
-              <a:rPr lang="en-US" sz="2400" dirty="0" smtClean="0">
-                <a:solidFill>
-                  <a:schemeClr val="bg1"/>
-                </a:solidFill>
-              </a:rPr>
-              <a:t>Type in top 5 states with the highest rate of accidents</a:t>
-            </a:r>
-            <a:endParaRPr lang="en-US" sz="2400" dirty="0">
-              <a:solidFill>
-                <a:schemeClr val="bg1"/>
-              </a:solidFill>
-            </a:endParaRPr>
-          </a:p>
-          <a:p>
-            <a:pPr marL="457200" indent="-457200">
-              <a:buClrTx/>
-              <a:buFont typeface="+mj-lt"/>
-              <a:buAutoNum type="arabicPeriod"/>
-            </a:pPr>
-            <a:r>
-              <a:rPr lang="en-US" sz="2400" dirty="0">
-                <a:solidFill>
-                  <a:schemeClr val="bg1"/>
-                </a:solidFill>
-              </a:rPr>
-              <a:t>Severity &amp; Description</a:t>
-            </a:r>
-          </a:p>
-          <a:p>
-            <a:pPr marL="457200" indent="-457200">
-              <a:buClrTx/>
-              <a:buFont typeface="+mj-lt"/>
-              <a:buAutoNum type="arabicPeriod"/>
-            </a:pPr>
-            <a:r>
-              <a:rPr lang="en-US" sz="2400" dirty="0">
-                <a:solidFill>
-                  <a:schemeClr val="bg1"/>
-                </a:solidFill>
-              </a:rPr>
-              <a:t>Severity &amp; Time of Day</a:t>
-            </a:r>
-          </a:p>
-          <a:p>
-            <a:pPr marL="457200" indent="-457200">
-              <a:buClrTx/>
-              <a:buFont typeface="+mj-lt"/>
-              <a:buAutoNum type="arabicPeriod"/>
-            </a:pPr>
-            <a:r>
-              <a:rPr lang="en-US" sz="2400" dirty="0">
-                <a:solidFill>
-                  <a:schemeClr val="bg1"/>
-                </a:solidFill>
-              </a:rPr>
-              <a:t>TBD</a:t>
-            </a:r>
-          </a:p>
-        </p:txBody>
-      </p:sp>
-    </p:spTree>
-    <p:extLst>
-      <p:ext uri="{BB962C8B-B14F-4D97-AF65-F5344CB8AC3E}">
-        <p14:creationId xmlns:p14="http://schemas.microsoft.com/office/powerpoint/2010/main" val="1428362492"/>
-      </p:ext>
-    </p:extLst>
-  </p:cSld>
-  <p:clrMapOvr>
-    <a:masterClrMapping/>
-  </p:clrMapOvr>
-</p:sld>
-</file>
-
-<file path=ppt/slides/slide4.xml><?xml version="1.0" encoding="utf-8"?>
-<p:sld xmlns:a="http://schemas.openxmlformats.org/drawingml/2006/main" xmlns:r="http://schemas.openxmlformats.org/officeDocument/2006/relationships" xmlns:p="http://schemas.openxmlformats.org/presentationml/2006/main">
-  <p:cSld>
-    <p:spTree>
-      <p:nvGrpSpPr>
-        <p:cNvPr id="1" name=""/>
-        <p:cNvGrpSpPr/>
-        <p:nvPr/>
-      </p:nvGrpSpPr>
-      <p:grpSpPr>
-        <a:xfrm>
-          <a:off x="0" y="0"/>
-          <a:ext cx="0" cy="0"/>
-          <a:chOff x="0" y="0"/>
-          <a:chExt cx="0" cy="0"/>
-        </a:xfrm>
-      </p:grpSpPr>
-      <p:sp>
-        <p:nvSpPr>
-          <p:cNvPr id="2" name="Title 1">
-            <a:extLst>
-              <a:ext uri="{FF2B5EF4-FFF2-40B4-BE49-F238E27FC236}">
-                <a16:creationId xmlns:a16="http://schemas.microsoft.com/office/drawing/2014/main" xmlns="" id="{00846977-A750-4BB6-9AE6-AEB2DC7066DF}"/>
-              </a:ext>
-            </a:extLst>
-          </p:cNvPr>
-          <p:cNvSpPr>
-            <a:spLocks noGrp="1"/>
-          </p:cNvSpPr>
-          <p:nvPr>
-            <p:ph type="title"/>
-          </p:nvPr>
-        </p:nvSpPr>
-        <p:spPr>
-          <a:xfrm>
-            <a:off x="684212" y="703874"/>
-            <a:ext cx="8534400" cy="1507067"/>
-          </a:xfrm>
-        </p:spPr>
-        <p:txBody>
-          <a:bodyPr/>
-          <a:lstStyle/>
-          <a:p>
-            <a:r>
-              <a:rPr lang="en-US" dirty="0"/>
-              <a:t>Q1</a:t>
-            </a:r>
-          </a:p>
-        </p:txBody>
-      </p:sp>
-      <p:sp>
-        <p:nvSpPr>
-          <p:cNvPr id="3" name="Content Placeholder 2">
-            <a:extLst>
-              <a:ext uri="{FF2B5EF4-FFF2-40B4-BE49-F238E27FC236}">
-                <a16:creationId xmlns:a16="http://schemas.microsoft.com/office/drawing/2014/main" xmlns="" id="{F97BA237-BBF0-49FD-B184-71910E0D1F83}"/>
-              </a:ext>
-            </a:extLst>
-          </p:cNvPr>
-          <p:cNvSpPr>
-            <a:spLocks noGrp="1"/>
-          </p:cNvSpPr>
-          <p:nvPr>
-            <p:ph idx="1"/>
-          </p:nvPr>
-        </p:nvSpPr>
-        <p:spPr>
-          <a:xfrm>
-            <a:off x="684212" y="1881259"/>
-            <a:ext cx="8534400" cy="2482541"/>
-          </a:xfrm>
-        </p:spPr>
-        <p:txBody>
-          <a:bodyPr anchor="t">
-            <a:normAutofit/>
-          </a:bodyPr>
-          <a:lstStyle/>
-          <a:p>
-            <a:pPr marL="0" indent="0" defTabSz="914400">
-              <a:spcBef>
-                <a:spcPts val="0"/>
-              </a:spcBef>
-              <a:spcAft>
-                <a:spcPts val="0"/>
-              </a:spcAft>
-              <a:buClrTx/>
-              <a:buSzTx/>
-              <a:buFont typeface="+mj-lt"/>
-              <a:buNone/>
-            </a:pPr>
-            <a:r>
-              <a:rPr lang="en-US" sz="2400" dirty="0" smtClean="0">
-                <a:solidFill>
-                  <a:schemeClr val="bg1"/>
-                </a:solidFill>
-              </a:rPr>
-              <a:t>Which 5 states have the highest rate of car accidents? For each of the 5 states, on which road types did most accidents occur and is there a correlation between the road type and severity of the accident?</a:t>
-            </a:r>
-          </a:p>
-        </p:txBody>
-      </p:sp>
-    </p:spTree>
-    <p:extLst>
-      <p:ext uri="{BB962C8B-B14F-4D97-AF65-F5344CB8AC3E}">
-        <p14:creationId xmlns:p14="http://schemas.microsoft.com/office/powerpoint/2010/main" val="2276160860"/>
-      </p:ext>
-    </p:extLst>
-  </p:cSld>
-  <p:clrMapOvr>
-    <a:masterClrMapping/>
-  </p:clrMapOvr>
-</p:sld>
-</file>
-
-<file path=ppt/slides/slide5.xml><?xml version="1.0" encoding="utf-8"?>
-<p:sld xmlns:a="http://schemas.openxmlformats.org/drawingml/2006/main" xmlns:r="http://schemas.openxmlformats.org/officeDocument/2006/relationships" xmlns:p="http://schemas.openxmlformats.org/presentationml/2006/main">
-  <p:cSld>
-    <p:spTree>
-      <p:nvGrpSpPr>
-        <p:cNvPr id="1" name=""/>
-        <p:cNvGrpSpPr/>
-        <p:nvPr/>
-      </p:nvGrpSpPr>
-      <p:grpSpPr>
-        <a:xfrm>
-          <a:off x="0" y="0"/>
-          <a:ext cx="0" cy="0"/>
-          <a:chOff x="0" y="0"/>
-          <a:chExt cx="0" cy="0"/>
-        </a:xfrm>
-      </p:grpSpPr>
-      <p:sp>
-        <p:nvSpPr>
-          <p:cNvPr id="2" name="Title 1">
-            <a:extLst>
-              <a:ext uri="{FF2B5EF4-FFF2-40B4-BE49-F238E27FC236}">
-                <a16:creationId xmlns:a16="http://schemas.microsoft.com/office/drawing/2014/main" xmlns="" id="{00846977-A750-4BB6-9AE6-AEB2DC7066DF}"/>
-              </a:ext>
-            </a:extLst>
-          </p:cNvPr>
-          <p:cNvSpPr>
-            <a:spLocks noGrp="1"/>
-          </p:cNvSpPr>
-          <p:nvPr>
-            <p:ph type="title"/>
-          </p:nvPr>
-        </p:nvSpPr>
-        <p:spPr>
-          <a:xfrm>
-            <a:off x="684212" y="703874"/>
-            <a:ext cx="8534400" cy="1507067"/>
-          </a:xfrm>
-        </p:spPr>
-        <p:txBody>
-          <a:bodyPr/>
-          <a:lstStyle/>
-          <a:p>
-            <a:r>
-              <a:rPr lang="en-US" dirty="0" smtClean="0"/>
-              <a:t>Q1 (cont.)</a:t>
-            </a:r>
-            <a:endParaRPr lang="en-US" dirty="0"/>
-          </a:p>
-        </p:txBody>
-      </p:sp>
-      <p:sp>
-        <p:nvSpPr>
-          <p:cNvPr id="3" name="Content Placeholder 2">
-            <a:extLst>
-              <a:ext uri="{FF2B5EF4-FFF2-40B4-BE49-F238E27FC236}">
-                <a16:creationId xmlns:a16="http://schemas.microsoft.com/office/drawing/2014/main" xmlns="" id="{F97BA237-BBF0-49FD-B184-71910E0D1F83}"/>
-              </a:ext>
-            </a:extLst>
-          </p:cNvPr>
-          <p:cNvSpPr>
-            <a:spLocks noGrp="1"/>
-          </p:cNvSpPr>
-          <p:nvPr>
-            <p:ph idx="1"/>
-          </p:nvPr>
-        </p:nvSpPr>
-        <p:spPr>
-          <a:xfrm>
-            <a:off x="684211" y="1881259"/>
-            <a:ext cx="11216843" cy="3785250"/>
-          </a:xfrm>
-        </p:spPr>
-        <p:txBody>
-          <a:bodyPr anchor="t">
-            <a:normAutofit lnSpcReduction="10000"/>
-          </a:bodyPr>
-          <a:lstStyle/>
-          <a:p>
-            <a:pPr marL="0" indent="0" defTabSz="914400">
-              <a:lnSpc>
-                <a:spcPct val="150000"/>
-              </a:lnSpc>
-              <a:spcBef>
-                <a:spcPts val="0"/>
-              </a:spcBef>
-              <a:spcAft>
-                <a:spcPts val="0"/>
-              </a:spcAft>
-              <a:buClrTx/>
-              <a:buSzTx/>
-              <a:buFont typeface="+mj-lt"/>
-              <a:buNone/>
-            </a:pPr>
-            <a:r>
-              <a:rPr lang="en-US" sz="2400" dirty="0" smtClean="0">
-                <a:solidFill>
-                  <a:schemeClr val="bg1"/>
-                </a:solidFill>
-              </a:rPr>
-              <a:t>Method:</a:t>
-            </a:r>
-          </a:p>
-          <a:p>
-            <a:pPr marL="0" indent="-457200" defTabSz="914400">
-              <a:lnSpc>
-                <a:spcPct val="150000"/>
-              </a:lnSpc>
-              <a:spcBef>
-                <a:spcPts val="0"/>
-              </a:spcBef>
-              <a:spcAft>
-                <a:spcPts val="0"/>
-              </a:spcAft>
-              <a:buClrTx/>
-              <a:buSzTx/>
-              <a:buFont typeface="Arial" charset="0"/>
-              <a:buChar char="•"/>
-            </a:pPr>
-            <a:r>
-              <a:rPr lang="en-US" sz="2400" dirty="0" smtClean="0">
-                <a:solidFill>
-                  <a:schemeClr val="bg1"/>
-                </a:solidFill>
-              </a:rPr>
-              <a:t>2 RDDs:</a:t>
-            </a:r>
-            <a:r>
-              <a:rPr lang="en-US" sz="2400" dirty="0" smtClean="0">
-                <a:solidFill>
-                  <a:schemeClr val="bg1"/>
-                </a:solidFill>
-              </a:rPr>
-              <a:t/>
-            </a:r>
-            <a:br>
-              <a:rPr lang="en-US" sz="2400" dirty="0" smtClean="0">
-                <a:solidFill>
-                  <a:schemeClr val="bg1"/>
-                </a:solidFill>
-              </a:rPr>
-            </a:br>
-            <a:r>
-              <a:rPr lang="en-US" sz="2400" dirty="0" smtClean="0">
-                <a:solidFill>
-                  <a:schemeClr val="bg1"/>
-                </a:solidFill>
-              </a:rPr>
-              <a:t>	</a:t>
-            </a:r>
-            <a:r>
-              <a:rPr lang="en-US" sz="2400" dirty="0" smtClean="0">
-                <a:solidFill>
-                  <a:schemeClr val="bg1"/>
-                </a:solidFill>
-              </a:rPr>
-              <a:t>Map(state, # of accidents)</a:t>
-            </a:r>
-            <a:br>
-              <a:rPr lang="en-US" sz="2400" dirty="0" smtClean="0">
-                <a:solidFill>
-                  <a:schemeClr val="bg1"/>
-                </a:solidFill>
-              </a:rPr>
-            </a:br>
-            <a:r>
-              <a:rPr lang="en-US" sz="2400" dirty="0" smtClean="0">
-                <a:solidFill>
-                  <a:schemeClr val="bg1"/>
-                </a:solidFill>
-              </a:rPr>
-              <a:t>	Map(state, </a:t>
-            </a:r>
-            <a:r>
-              <a:rPr lang="en-US" sz="2400" dirty="0" err="1" smtClean="0">
-                <a:solidFill>
-                  <a:schemeClr val="bg1"/>
-                </a:solidFill>
-              </a:rPr>
-              <a:t>SortedList</a:t>
-            </a:r>
-            <a:r>
-              <a:rPr lang="en-US" sz="2400" dirty="0" smtClean="0">
-                <a:solidFill>
-                  <a:schemeClr val="bg1"/>
-                </a:solidFill>
-              </a:rPr>
-              <a:t>(</a:t>
-            </a:r>
-            <a:r>
-              <a:rPr lang="en-US" sz="2400" dirty="0" err="1" smtClean="0">
-                <a:solidFill>
-                  <a:schemeClr val="bg1"/>
-                </a:solidFill>
-              </a:rPr>
-              <a:t>roadtype</a:t>
-            </a:r>
-            <a:r>
-              <a:rPr lang="en-US" sz="2400" dirty="0" smtClean="0">
-                <a:solidFill>
-                  <a:schemeClr val="bg1"/>
-                </a:solidFill>
-              </a:rPr>
-              <a:t>, # of accidents, </a:t>
-            </a:r>
-            <a:r>
-              <a:rPr lang="en-US" sz="2400" dirty="0" err="1" smtClean="0">
-                <a:solidFill>
-                  <a:schemeClr val="bg1"/>
-                </a:solidFill>
-              </a:rPr>
-              <a:t>avg</a:t>
-            </a:r>
-            <a:r>
-              <a:rPr lang="en-US" sz="2400" dirty="0" smtClean="0">
-                <a:solidFill>
-                  <a:schemeClr val="bg1"/>
-                </a:solidFill>
-              </a:rPr>
-              <a:t> severity))</a:t>
-            </a:r>
-          </a:p>
-          <a:p>
-            <a:pPr marL="0" indent="-457200" defTabSz="914400">
-              <a:lnSpc>
-                <a:spcPct val="150000"/>
-              </a:lnSpc>
-              <a:spcBef>
-                <a:spcPts val="0"/>
-              </a:spcBef>
-              <a:spcAft>
-                <a:spcPts val="0"/>
-              </a:spcAft>
-              <a:buClrTx/>
-              <a:buSzTx/>
-              <a:buFont typeface="Arial" charset="0"/>
-              <a:buChar char="•"/>
-            </a:pPr>
-            <a:r>
-              <a:rPr lang="en-US" sz="2400" dirty="0" smtClean="0">
-                <a:solidFill>
-                  <a:schemeClr val="bg1"/>
-                </a:solidFill>
-              </a:rPr>
-              <a:t>Road types were extracted using regular expressions</a:t>
-            </a:r>
-          </a:p>
-          <a:p>
-            <a:pPr marL="914400" lvl="2" indent="-457200" defTabSz="914400">
-              <a:lnSpc>
-                <a:spcPct val="150000"/>
-              </a:lnSpc>
-              <a:spcBef>
-                <a:spcPts val="0"/>
-              </a:spcBef>
-              <a:spcAft>
-                <a:spcPts val="0"/>
-              </a:spcAft>
-              <a:buClrTx/>
-              <a:buSzTx/>
-              <a:buFont typeface="Arial" charset="0"/>
-              <a:buChar char="•"/>
-            </a:pPr>
-            <a:r>
-              <a:rPr lang="en-US" sz="2400" dirty="0" smtClean="0">
-                <a:solidFill>
-                  <a:schemeClr val="bg1"/>
-                </a:solidFill>
-              </a:rPr>
-              <a:t>“I-5 W” contains “I-{number} {bound}”</a:t>
-            </a:r>
-          </a:p>
-          <a:p>
-            <a:pPr marL="914400" lvl="2" indent="-457200" defTabSz="914400">
-              <a:lnSpc>
-                <a:spcPct val="150000"/>
-              </a:lnSpc>
-              <a:spcBef>
-                <a:spcPts val="0"/>
-              </a:spcBef>
-              <a:spcAft>
-                <a:spcPts val="0"/>
-              </a:spcAft>
-              <a:buClrTx/>
-              <a:buSzTx/>
-              <a:buFont typeface="Arial" charset="0"/>
-              <a:buChar char="•"/>
-            </a:pPr>
-            <a:r>
-              <a:rPr lang="en-US" sz="2400" dirty="0" smtClean="0">
-                <a:solidFill>
-                  <a:schemeClr val="bg1"/>
-                </a:solidFill>
-              </a:rPr>
-              <a:t>“CA-1 S” contains ”{2 char </a:t>
-            </a:r>
-            <a:r>
-              <a:rPr lang="en-US" sz="2400" dirty="0" err="1" smtClean="0">
-                <a:solidFill>
-                  <a:schemeClr val="bg1"/>
-                </a:solidFill>
-              </a:rPr>
-              <a:t>abbv</a:t>
-            </a:r>
-            <a:r>
-              <a:rPr lang="en-US" sz="2400" dirty="0" smtClean="0">
-                <a:solidFill>
-                  <a:schemeClr val="bg1"/>
-                </a:solidFill>
-              </a:rPr>
-              <a:t> for state}-{number} {bound}”</a:t>
-            </a:r>
-          </a:p>
-        </p:txBody>
-      </p:sp>
-    </p:spTree>
-    <p:extLst>
-      <p:ext uri="{BB962C8B-B14F-4D97-AF65-F5344CB8AC3E}">
-        <p14:creationId xmlns:p14="http://schemas.microsoft.com/office/powerpoint/2010/main" val="1258063272"/>
-      </p:ext>
-    </p:extLst>
-  </p:cSld>
-  <p:clrMapOvr>
-    <a:masterClrMapping/>
-  </p:clrMapOvr>
-</p:sld>
-</file>
-
-<file path=ppt/slides/slide6.xml><?xml version="1.0" encoding="utf-8"?>
-<p:sld xmlns:a="http://schemas.openxmlformats.org/drawingml/2006/main" xmlns:r="http://schemas.openxmlformats.org/officeDocument/2006/relationships" xmlns:p="http://schemas.openxmlformats.org/presentationml/2006/main">
-  <p:cSld>
-    <p:spTree>
-      <p:nvGrpSpPr>
-        <p:cNvPr id="1" name=""/>
-        <p:cNvGrpSpPr/>
-        <p:nvPr/>
-      </p:nvGrpSpPr>
-      <p:grpSpPr>
-        <a:xfrm>
-          <a:off x="0" y="0"/>
-          <a:ext cx="0" cy="0"/>
-          <a:chOff x="0" y="0"/>
-          <a:chExt cx="0" cy="0"/>
-        </a:xfrm>
-      </p:grpSpPr>
-      <p:sp>
-        <p:nvSpPr>
-          <p:cNvPr id="2" name="Title 1">
-            <a:extLst>
-              <a:ext uri="{FF2B5EF4-FFF2-40B4-BE49-F238E27FC236}">
-                <a16:creationId xmlns:a16="http://schemas.microsoft.com/office/drawing/2014/main" xmlns="" id="{00846977-A750-4BB6-9AE6-AEB2DC7066DF}"/>
-              </a:ext>
-            </a:extLst>
-          </p:cNvPr>
-          <p:cNvSpPr>
-            <a:spLocks noGrp="1"/>
-          </p:cNvSpPr>
-          <p:nvPr>
-            <p:ph type="title"/>
-          </p:nvPr>
-        </p:nvSpPr>
-        <p:spPr>
-          <a:xfrm>
-            <a:off x="684212" y="703874"/>
-            <a:ext cx="8534400" cy="1507067"/>
-          </a:xfrm>
-        </p:spPr>
-        <p:txBody>
-          <a:bodyPr/>
-          <a:lstStyle/>
-          <a:p>
-            <a:r>
-              <a:rPr lang="en-US" dirty="0" smtClean="0"/>
-              <a:t>Q1 (cont.)</a:t>
-            </a:r>
-            <a:endParaRPr lang="en-US" dirty="0"/>
-          </a:p>
-        </p:txBody>
-      </p:sp>
-      <p:sp>
-        <p:nvSpPr>
-          <p:cNvPr id="3" name="Content Placeholder 2">
-            <a:extLst>
-              <a:ext uri="{FF2B5EF4-FFF2-40B4-BE49-F238E27FC236}">
-                <a16:creationId xmlns:a16="http://schemas.microsoft.com/office/drawing/2014/main" xmlns="" id="{F97BA237-BBF0-49FD-B184-71910E0D1F83}"/>
-              </a:ext>
-            </a:extLst>
-          </p:cNvPr>
-          <p:cNvSpPr>
-            <a:spLocks noGrp="1"/>
-          </p:cNvSpPr>
-          <p:nvPr>
-            <p:ph idx="1"/>
-          </p:nvPr>
-        </p:nvSpPr>
-        <p:spPr>
-          <a:xfrm>
-            <a:off x="684211" y="1881259"/>
-            <a:ext cx="11216843" cy="3785250"/>
-          </a:xfrm>
-        </p:spPr>
-        <p:txBody>
-          <a:bodyPr anchor="t">
-            <a:normAutofit lnSpcReduction="10000"/>
-          </a:bodyPr>
-          <a:lstStyle/>
-          <a:p>
-            <a:pPr marL="0" indent="0" defTabSz="914400">
-              <a:spcBef>
-                <a:spcPts val="0"/>
-              </a:spcBef>
-              <a:spcAft>
-                <a:spcPts val="0"/>
-              </a:spcAft>
-              <a:buClrTx/>
-              <a:buSzTx/>
-              <a:buFont typeface="+mj-lt"/>
-              <a:buNone/>
-            </a:pPr>
-            <a:r>
-              <a:rPr lang="en-US" sz="2400" dirty="0" smtClean="0">
-                <a:solidFill>
-                  <a:schemeClr val="bg1"/>
-                </a:solidFill>
-              </a:rPr>
-              <a:t>Results:</a:t>
-            </a:r>
-          </a:p>
-          <a:p>
-            <a:pPr defTabSz="914400">
-              <a:spcBef>
-                <a:spcPts val="0"/>
-              </a:spcBef>
-              <a:spcAft>
-                <a:spcPts val="0"/>
-              </a:spcAft>
-              <a:buClrTx/>
-              <a:buSzTx/>
-              <a:buFont typeface="Arial" charset="0"/>
-              <a:buChar char="•"/>
-            </a:pPr>
-            <a:r>
-              <a:rPr lang="en-US" sz="2400" dirty="0">
-                <a:solidFill>
-                  <a:schemeClr val="bg1"/>
-                </a:solidFill>
-              </a:rPr>
-              <a:t>CA </a:t>
-            </a:r>
-            <a:r>
-              <a:rPr lang="en-US" sz="2400" dirty="0" smtClean="0">
-                <a:solidFill>
-                  <a:schemeClr val="bg1"/>
-                </a:solidFill>
-              </a:rPr>
-              <a:t>9768</a:t>
-            </a:r>
-            <a:endParaRPr lang="en-US" sz="2400" dirty="0">
-              <a:solidFill>
-                <a:schemeClr val="bg1"/>
-              </a:solidFill>
-            </a:endParaRPr>
-          </a:p>
-          <a:p>
-            <a:pPr lvl="1" defTabSz="914400">
-              <a:spcBef>
-                <a:spcPts val="0"/>
-              </a:spcBef>
-              <a:spcAft>
-                <a:spcPts val="0"/>
-              </a:spcAft>
-              <a:buClrTx/>
-              <a:buSzTx/>
-              <a:buFont typeface="Arial" charset="0"/>
-              <a:buChar char="•"/>
-            </a:pPr>
-            <a:r>
-              <a:rPr lang="en-US" sz="1600" dirty="0" smtClean="0">
-                <a:solidFill>
-                  <a:schemeClr val="bg1"/>
-                </a:solidFill>
-              </a:rPr>
-              <a:t>(Local </a:t>
-            </a:r>
-            <a:r>
-              <a:rPr lang="en-US" sz="1600" dirty="0">
-                <a:solidFill>
-                  <a:schemeClr val="bg1"/>
-                </a:solidFill>
-              </a:rPr>
-              <a:t>Street, 4039, 2.23), (Interstate, 2352, 2.92), (Freeway, 1748, 2.58), (State Highway, 1388, 2.09), (Highway, 241, 2.08</a:t>
-            </a:r>
-            <a:r>
-              <a:rPr lang="en-US" sz="1600" dirty="0" smtClean="0">
-                <a:solidFill>
-                  <a:schemeClr val="bg1"/>
-                </a:solidFill>
-              </a:rPr>
-              <a:t>)</a:t>
-            </a:r>
-          </a:p>
-          <a:p>
-            <a:pPr defTabSz="914400">
-              <a:spcBef>
-                <a:spcPts val="0"/>
-              </a:spcBef>
-              <a:spcAft>
-                <a:spcPts val="0"/>
-              </a:spcAft>
-              <a:buClrTx/>
-              <a:buSzTx/>
-              <a:buFont typeface="Arial" charset="0"/>
-              <a:buChar char="•"/>
-            </a:pPr>
-            <a:r>
-              <a:rPr lang="en-US" sz="2400" dirty="0" smtClean="0">
-                <a:solidFill>
-                  <a:schemeClr val="bg1"/>
-                </a:solidFill>
-              </a:rPr>
-              <a:t>TX 4877</a:t>
-            </a:r>
-            <a:endParaRPr lang="en-US" sz="2400" dirty="0">
-              <a:solidFill>
-                <a:schemeClr val="bg1"/>
-              </a:solidFill>
-            </a:endParaRPr>
-          </a:p>
-          <a:p>
-            <a:pPr lvl="1" defTabSz="914400">
-              <a:spcBef>
-                <a:spcPts val="0"/>
-              </a:spcBef>
-              <a:spcAft>
-                <a:spcPts val="0"/>
-              </a:spcAft>
-              <a:buClrTx/>
-              <a:buSzTx/>
-              <a:buFont typeface="Arial" charset="0"/>
-              <a:buChar char="•"/>
-            </a:pPr>
-            <a:r>
-              <a:rPr lang="en-US" sz="1600" dirty="0" smtClean="0">
-                <a:solidFill>
-                  <a:schemeClr val="bg1"/>
-                </a:solidFill>
-              </a:rPr>
-              <a:t>(Local </a:t>
-            </a:r>
-            <a:r>
-              <a:rPr lang="en-US" sz="1600" dirty="0">
-                <a:solidFill>
-                  <a:schemeClr val="bg1"/>
-                </a:solidFill>
-              </a:rPr>
-              <a:t>Street, 3837, 2.13), (Interstate, 417, 2.87), (State Highway, 367, 2.43), (Freeway, 213, 2.56</a:t>
-            </a:r>
-            <a:r>
-              <a:rPr lang="en-US" sz="1600" dirty="0" smtClean="0">
-                <a:solidFill>
-                  <a:schemeClr val="bg1"/>
-                </a:solidFill>
-              </a:rPr>
-              <a:t>),</a:t>
-            </a:r>
-            <a:br>
-              <a:rPr lang="en-US" sz="1600" dirty="0" smtClean="0">
-                <a:solidFill>
-                  <a:schemeClr val="bg1"/>
-                </a:solidFill>
-              </a:rPr>
-            </a:br>
-            <a:r>
-              <a:rPr lang="en-US" sz="1600" dirty="0" smtClean="0">
-                <a:solidFill>
-                  <a:schemeClr val="bg1"/>
-                </a:solidFill>
-              </a:rPr>
-              <a:t>(</a:t>
-            </a:r>
-            <a:r>
-              <a:rPr lang="en-US" sz="1600" dirty="0">
-                <a:solidFill>
-                  <a:schemeClr val="bg1"/>
-                </a:solidFill>
-              </a:rPr>
-              <a:t>Highway, 43, 2.28</a:t>
-            </a:r>
-            <a:r>
-              <a:rPr lang="en-US" sz="1600" dirty="0" smtClean="0">
-                <a:solidFill>
-                  <a:schemeClr val="bg1"/>
-                </a:solidFill>
-              </a:rPr>
-              <a:t>)</a:t>
-            </a:r>
-          </a:p>
-          <a:p>
-            <a:pPr defTabSz="914400">
-              <a:spcBef>
-                <a:spcPts val="0"/>
-              </a:spcBef>
-              <a:spcAft>
-                <a:spcPts val="0"/>
-              </a:spcAft>
-              <a:buClrTx/>
-              <a:buSzTx/>
-              <a:buFont typeface="Arial" charset="0"/>
-              <a:buChar char="•"/>
-            </a:pPr>
-            <a:r>
-              <a:rPr lang="en-US" sz="2400" dirty="0" smtClean="0">
-                <a:solidFill>
-                  <a:schemeClr val="bg1"/>
-                </a:solidFill>
-              </a:rPr>
-              <a:t>FL 3034</a:t>
-            </a:r>
-            <a:endParaRPr lang="en-US" sz="2400" dirty="0">
-              <a:solidFill>
-                <a:schemeClr val="bg1"/>
-              </a:solidFill>
-            </a:endParaRPr>
-          </a:p>
-          <a:p>
-            <a:pPr lvl="1" defTabSz="914400">
-              <a:spcBef>
-                <a:spcPts val="0"/>
-              </a:spcBef>
-              <a:spcAft>
-                <a:spcPts val="0"/>
-              </a:spcAft>
-              <a:buClrTx/>
-              <a:buSzTx/>
-              <a:buFont typeface="Arial" charset="0"/>
-              <a:buChar char="•"/>
-            </a:pPr>
-            <a:r>
-              <a:rPr lang="en-US" sz="1600" dirty="0" smtClean="0">
-                <a:solidFill>
-                  <a:schemeClr val="bg1"/>
-                </a:solidFill>
-              </a:rPr>
-              <a:t>(Local </a:t>
-            </a:r>
-            <a:r>
-              <a:rPr lang="en-US" sz="1600" dirty="0">
-                <a:solidFill>
-                  <a:schemeClr val="bg1"/>
-                </a:solidFill>
-              </a:rPr>
-              <a:t>Street, 2329, 2.18), (Interstate, 619, 2.92), (Highway, 53, 2.15), (State Highway, 33, 2.39</a:t>
-            </a:r>
-            <a:r>
-              <a:rPr lang="en-US" sz="1600" dirty="0" smtClean="0">
-                <a:solidFill>
-                  <a:schemeClr val="bg1"/>
-                </a:solidFill>
-              </a:rPr>
-              <a:t>)</a:t>
-            </a:r>
-          </a:p>
-          <a:p>
-            <a:pPr defTabSz="914400">
-              <a:spcBef>
-                <a:spcPts val="0"/>
-              </a:spcBef>
-              <a:spcAft>
-                <a:spcPts val="0"/>
-              </a:spcAft>
-              <a:buClrTx/>
-              <a:buSzTx/>
-              <a:buFont typeface="Arial" charset="0"/>
-              <a:buChar char="•"/>
-            </a:pPr>
-            <a:r>
-              <a:rPr lang="en-US" sz="2400" dirty="0" smtClean="0">
-                <a:solidFill>
-                  <a:schemeClr val="bg1"/>
-                </a:solidFill>
-              </a:rPr>
-              <a:t>PA 1835</a:t>
-            </a:r>
-            <a:endParaRPr lang="en-US" sz="2400" dirty="0">
-              <a:solidFill>
-                <a:schemeClr val="bg1"/>
-              </a:solidFill>
-            </a:endParaRPr>
-          </a:p>
-          <a:p>
-            <a:pPr lvl="1" defTabSz="914400">
-              <a:spcBef>
-                <a:spcPts val="0"/>
-              </a:spcBef>
-              <a:spcAft>
-                <a:spcPts val="0"/>
-              </a:spcAft>
-              <a:buClrTx/>
-              <a:buSzTx/>
-              <a:buFont typeface="Arial" charset="0"/>
-              <a:buChar char="•"/>
-            </a:pPr>
-            <a:r>
-              <a:rPr lang="en-US" sz="1600" dirty="0" smtClean="0">
-                <a:solidFill>
-                  <a:schemeClr val="bg1"/>
-                </a:solidFill>
-              </a:rPr>
-              <a:t>(Local </a:t>
-            </a:r>
-            <a:r>
-              <a:rPr lang="en-US" sz="1600" dirty="0">
-                <a:solidFill>
-                  <a:schemeClr val="bg1"/>
-                </a:solidFill>
-              </a:rPr>
-              <a:t>Street, 1573, 2.08), (Interstate, 136, 2.86), (State Highway, 80, 2.31), (Highway, 46, 2.37</a:t>
-            </a:r>
-            <a:r>
-              <a:rPr lang="en-US" sz="1600" dirty="0" smtClean="0">
-                <a:solidFill>
-                  <a:schemeClr val="bg1"/>
-                </a:solidFill>
-              </a:rPr>
-              <a:t>)</a:t>
-            </a:r>
-          </a:p>
-          <a:p>
-            <a:pPr defTabSz="914400">
-              <a:spcBef>
-                <a:spcPts val="0"/>
-              </a:spcBef>
-              <a:spcAft>
-                <a:spcPts val="0"/>
-              </a:spcAft>
-              <a:buClrTx/>
-              <a:buSzTx/>
-              <a:buFont typeface="Arial" charset="0"/>
-              <a:buChar char="•"/>
-            </a:pPr>
-            <a:r>
-              <a:rPr lang="en-US" sz="2400" dirty="0" smtClean="0">
-                <a:solidFill>
-                  <a:schemeClr val="bg1"/>
-                </a:solidFill>
-              </a:rPr>
-              <a:t>NY 1732</a:t>
-            </a:r>
-            <a:endParaRPr lang="en-US" sz="2400" dirty="0">
-              <a:solidFill>
-                <a:schemeClr val="bg1"/>
-              </a:solidFill>
-            </a:endParaRPr>
-          </a:p>
-          <a:p>
-            <a:pPr lvl="1" defTabSz="914400">
-              <a:spcBef>
-                <a:spcPts val="0"/>
-              </a:spcBef>
-              <a:spcAft>
-                <a:spcPts val="0"/>
-              </a:spcAft>
-              <a:buClrTx/>
-              <a:buSzTx/>
-              <a:buFont typeface="Arial" charset="0"/>
-              <a:buChar char="•"/>
-            </a:pPr>
-            <a:r>
-              <a:rPr lang="en-US" sz="1600" dirty="0" smtClean="0">
-                <a:solidFill>
-                  <a:schemeClr val="bg1"/>
-                </a:solidFill>
-              </a:rPr>
-              <a:t>(Local </a:t>
-            </a:r>
-            <a:r>
-              <a:rPr lang="en-US" sz="1600" dirty="0">
-                <a:solidFill>
-                  <a:schemeClr val="bg1"/>
-                </a:solidFill>
-              </a:rPr>
-              <a:t>Street, 1448, 2.37), (Interstate, 253, 2.82), (State Highway, 16, 2.31), (Highway, 15, 2.13)</a:t>
-            </a:r>
-            <a:endParaRPr lang="en-US" sz="1600" dirty="0" smtClean="0">
-              <a:solidFill>
-                <a:schemeClr val="bg1"/>
-              </a:solidFill>
-            </a:endParaRPr>
-          </a:p>
-        </p:txBody>
-      </p:sp>
-    </p:spTree>
-    <p:extLst>
-      <p:ext uri="{BB962C8B-B14F-4D97-AF65-F5344CB8AC3E}">
-        <p14:creationId xmlns:p14="http://schemas.microsoft.com/office/powerpoint/2010/main" val="696298671"/>
-      </p:ext>
-    </p:extLst>
-  </p:cSld>
-  <p:clrMapOvr>
-    <a:masterClrMapping/>
-  </p:clrMapOvr>
-</p:sld>
-</file>
-
-<file path=ppt/slides/slide7.xml><?xml version="1.0" encoding="utf-8"?>
-<p:sld xmlns:a="http://schemas.openxmlformats.org/drawingml/2006/main" xmlns:r="http://schemas.openxmlformats.org/officeDocument/2006/relationships" xmlns:p="http://schemas.openxmlformats.org/presentationml/2006/main">
-  <p:cSld>
-    <p:spTree>
-      <p:nvGrpSpPr>
-        <p:cNvPr id="1" name=""/>
-        <p:cNvGrpSpPr/>
-        <p:nvPr/>
-      </p:nvGrpSpPr>
-      <p:grpSpPr>
-        <a:xfrm>
-          <a:off x="0" y="0"/>
-          <a:ext cx="0" cy="0"/>
-          <a:chOff x="0" y="0"/>
-          <a:chExt cx="0" cy="0"/>
-        </a:xfrm>
-      </p:grpSpPr>
-      <p:sp>
-        <p:nvSpPr>
-          <p:cNvPr id="2" name="Title 1">
-            <a:extLst>
-              <a:ext uri="{FF2B5EF4-FFF2-40B4-BE49-F238E27FC236}">
-                <a16:creationId xmlns:a16="http://schemas.microsoft.com/office/drawing/2014/main" xmlns="" id="{00846977-A750-4BB6-9AE6-AEB2DC7066DF}"/>
-              </a:ext>
-            </a:extLst>
-          </p:cNvPr>
-          <p:cNvSpPr>
-            <a:spLocks noGrp="1"/>
-          </p:cNvSpPr>
-          <p:nvPr>
-            <p:ph type="title"/>
-          </p:nvPr>
-        </p:nvSpPr>
-        <p:spPr>
-          <a:xfrm>
-            <a:off x="684212" y="703874"/>
-            <a:ext cx="8534400" cy="1507067"/>
-          </a:xfrm>
-        </p:spPr>
-        <p:txBody>
-          <a:bodyPr/>
-          <a:lstStyle/>
-          <a:p>
-            <a:r>
-              <a:rPr lang="en-US" dirty="0" smtClean="0"/>
-              <a:t>Q1 (cont.)</a:t>
-            </a:r>
-            <a:endParaRPr lang="en-US" dirty="0"/>
-          </a:p>
-        </p:txBody>
-      </p:sp>
-      <p:sp>
-        <p:nvSpPr>
-          <p:cNvPr id="3" name="Content Placeholder 2">
-            <a:extLst>
-              <a:ext uri="{FF2B5EF4-FFF2-40B4-BE49-F238E27FC236}">
-                <a16:creationId xmlns:a16="http://schemas.microsoft.com/office/drawing/2014/main" xmlns="" id="{F97BA237-BBF0-49FD-B184-71910E0D1F83}"/>
-              </a:ext>
-            </a:extLst>
-          </p:cNvPr>
-          <p:cNvSpPr>
-            <a:spLocks noGrp="1"/>
-          </p:cNvSpPr>
-          <p:nvPr>
-            <p:ph idx="1"/>
-          </p:nvPr>
-        </p:nvSpPr>
-        <p:spPr>
-          <a:xfrm>
-            <a:off x="684211" y="1881259"/>
-            <a:ext cx="11216843" cy="3785250"/>
-          </a:xfrm>
-        </p:spPr>
-        <p:txBody>
-          <a:bodyPr anchor="t">
-            <a:normAutofit/>
-          </a:bodyPr>
-          <a:lstStyle/>
-          <a:p>
-            <a:pPr marL="0" indent="0" defTabSz="914400">
-              <a:lnSpc>
-                <a:spcPct val="150000"/>
-              </a:lnSpc>
-              <a:spcBef>
-                <a:spcPts val="0"/>
-              </a:spcBef>
-              <a:spcAft>
-                <a:spcPts val="0"/>
-              </a:spcAft>
-              <a:buClrTx/>
-              <a:buSzTx/>
-              <a:buFont typeface="+mj-lt"/>
-              <a:buNone/>
-            </a:pPr>
-            <a:r>
-              <a:rPr lang="en-US" sz="2400" dirty="0" smtClean="0">
-                <a:solidFill>
-                  <a:schemeClr val="bg1"/>
-                </a:solidFill>
-              </a:rPr>
-              <a:t>Observations From Findings:</a:t>
-            </a:r>
-          </a:p>
-          <a:p>
-            <a:pPr defTabSz="914400">
-              <a:lnSpc>
-                <a:spcPct val="150000"/>
-              </a:lnSpc>
-              <a:spcBef>
-                <a:spcPts val="0"/>
-              </a:spcBef>
-              <a:spcAft>
-                <a:spcPts val="0"/>
-              </a:spcAft>
-              <a:buClrTx/>
-              <a:buSzTx/>
-              <a:buFont typeface="Arial" charset="0"/>
-              <a:buChar char="•"/>
-            </a:pPr>
-            <a:r>
-              <a:rPr lang="en-US" sz="2400" dirty="0" smtClean="0">
-                <a:solidFill>
-                  <a:schemeClr val="bg1"/>
-                </a:solidFill>
-              </a:rPr>
-              <a:t>California had the highest number of accidents in this sample</a:t>
-            </a:r>
-          </a:p>
-          <a:p>
-            <a:pPr defTabSz="914400">
-              <a:lnSpc>
-                <a:spcPct val="150000"/>
-              </a:lnSpc>
-              <a:spcBef>
-                <a:spcPts val="0"/>
-              </a:spcBef>
-              <a:spcAft>
-                <a:spcPts val="0"/>
-              </a:spcAft>
-              <a:buClrTx/>
-              <a:buSzTx/>
-              <a:buFont typeface="Arial" charset="0"/>
-              <a:buChar char="•"/>
-            </a:pPr>
-            <a:r>
-              <a:rPr lang="en-US" sz="2400" dirty="0" smtClean="0">
-                <a:solidFill>
-                  <a:schemeClr val="bg1"/>
-                </a:solidFill>
-              </a:rPr>
-              <a:t>For all 5 top states, the most accidents occurred on local streets (1</a:t>
-            </a:r>
-            <a:r>
-              <a:rPr lang="en-US" sz="2400" baseline="30000" dirty="0" smtClean="0">
-                <a:solidFill>
-                  <a:schemeClr val="bg1"/>
-                </a:solidFill>
-              </a:rPr>
-              <a:t>st</a:t>
-            </a:r>
-            <a:r>
-              <a:rPr lang="en-US" sz="2400" dirty="0" smtClean="0">
-                <a:solidFill>
-                  <a:schemeClr val="bg1"/>
-                </a:solidFill>
-              </a:rPr>
-              <a:t>) then on interstates (2</a:t>
-            </a:r>
-            <a:r>
-              <a:rPr lang="en-US" sz="2400" baseline="30000" dirty="0" smtClean="0">
-                <a:solidFill>
-                  <a:schemeClr val="bg1"/>
-                </a:solidFill>
-              </a:rPr>
-              <a:t>nd</a:t>
-            </a:r>
-            <a:r>
-              <a:rPr lang="en-US" sz="2400" dirty="0" smtClean="0">
-                <a:solidFill>
-                  <a:schemeClr val="bg1"/>
-                </a:solidFill>
-              </a:rPr>
-              <a:t>)</a:t>
-            </a:r>
-          </a:p>
-          <a:p>
-            <a:pPr defTabSz="914400">
-              <a:lnSpc>
-                <a:spcPct val="150000"/>
-              </a:lnSpc>
-              <a:spcBef>
-                <a:spcPts val="0"/>
-              </a:spcBef>
-              <a:spcAft>
-                <a:spcPts val="0"/>
-              </a:spcAft>
-              <a:buClrTx/>
-              <a:buSzTx/>
-              <a:buFont typeface="Arial" charset="0"/>
-              <a:buChar char="•"/>
-            </a:pPr>
-            <a:r>
-              <a:rPr lang="en-US" sz="2400" dirty="0" smtClean="0">
-                <a:solidFill>
-                  <a:schemeClr val="bg1"/>
-                </a:solidFill>
-              </a:rPr>
-              <a:t>For all 5 top states, the road with the highest average severity was the Interstates</a:t>
-            </a:r>
-            <a:endParaRPr lang="en-US" sz="2400" dirty="0" smtClean="0">
-              <a:solidFill>
-                <a:schemeClr val="bg1"/>
-              </a:solidFill>
-            </a:endParaRPr>
-          </a:p>
-        </p:txBody>
-      </p:sp>
-    </p:spTree>
-    <p:extLst>
-      <p:ext uri="{BB962C8B-B14F-4D97-AF65-F5344CB8AC3E}">
-        <p14:creationId xmlns:p14="http://schemas.microsoft.com/office/powerpoint/2010/main" val="1273846658"/>
-      </p:ext>
-    </p:extLst>
-  </p:cSld>
-  <p:clrMapOvr>
-    <a:masterClrMapping/>
-  </p:clrMapOvr>
-</p:sld>
-</file>
-
-<file path=ppt/slides/slide8.xml><?xml version="1.0" encoding="utf-8"?>
-<p:sld xmlns:a="http://schemas.openxmlformats.org/drawingml/2006/main" xmlns:r="http://schemas.openxmlformats.org/officeDocument/2006/relationships" xmlns:p="http://schemas.openxmlformats.org/presentationml/2006/main">
-  <p:cSld>
-    <p:spTree>
-      <p:nvGrpSpPr>
-        <p:cNvPr id="1" name=""/>
-        <p:cNvGrpSpPr/>
-        <p:nvPr/>
-      </p:nvGrpSpPr>
-      <p:grpSpPr>
-        <a:xfrm>
-          <a:off x="0" y="0"/>
-          <a:ext cx="0" cy="0"/>
-          <a:chOff x="0" y="0"/>
-          <a:chExt cx="0" cy="0"/>
-        </a:xfrm>
-      </p:grpSpPr>
-      <p:sp>
-        <p:nvSpPr>
-          <p:cNvPr id="2" name="Title 1">
-            <a:extLst>
-              <a:ext uri="{FF2B5EF4-FFF2-40B4-BE49-F238E27FC236}">
-                <a16:creationId xmlns:a16="http://schemas.microsoft.com/office/drawing/2014/main" xmlns="" id="{00846977-A750-4BB6-9AE6-AEB2DC7066DF}"/>
-              </a:ext>
-            </a:extLst>
-          </p:cNvPr>
-          <p:cNvSpPr>
-            <a:spLocks noGrp="1"/>
-          </p:cNvSpPr>
-          <p:nvPr>
-            <p:ph type="title"/>
-          </p:nvPr>
-        </p:nvSpPr>
-        <p:spPr>
-          <a:xfrm>
-            <a:off x="684212" y="703874"/>
-            <a:ext cx="8534400" cy="1507067"/>
-          </a:xfrm>
-        </p:spPr>
-        <p:txBody>
-          <a:bodyPr/>
-          <a:lstStyle/>
-          <a:p>
-            <a:r>
-              <a:rPr lang="en-US" dirty="0"/>
-              <a:t>Q2</a:t>
-            </a:r>
-          </a:p>
-        </p:txBody>
-      </p:sp>
-      <p:sp>
-        <p:nvSpPr>
-          <p:cNvPr id="3" name="Content Placeholder 2">
-            <a:extLst>
-              <a:ext uri="{FF2B5EF4-FFF2-40B4-BE49-F238E27FC236}">
-                <a16:creationId xmlns:a16="http://schemas.microsoft.com/office/drawing/2014/main" xmlns="" id="{F97BA237-BBF0-49FD-B184-71910E0D1F83}"/>
-              </a:ext>
-            </a:extLst>
-          </p:cNvPr>
-          <p:cNvSpPr>
-            <a:spLocks noGrp="1"/>
-          </p:cNvSpPr>
-          <p:nvPr>
-            <p:ph idx="1"/>
-          </p:nvPr>
-        </p:nvSpPr>
-        <p:spPr>
-          <a:xfrm>
-            <a:off x="684212" y="1813388"/>
-            <a:ext cx="8534400" cy="1869897"/>
-          </a:xfrm>
-        </p:spPr>
-        <p:txBody>
-          <a:bodyPr>
-            <a:normAutofit/>
-          </a:bodyPr>
-          <a:lstStyle/>
-          <a:p>
-            <a:pPr marL="0" indent="0">
-              <a:buClrTx/>
-              <a:buNone/>
-            </a:pPr>
-            <a:r>
-              <a:rPr lang="en-US" sz="2400" dirty="0">
-                <a:solidFill>
-                  <a:schemeClr val="bg1"/>
-                </a:solidFill>
-              </a:rPr>
-              <a:t>Is there a correlation between the description format and the severity of the accident?</a:t>
-            </a:r>
-          </a:p>
-          <a:p>
-            <a:pPr marL="0" indent="0">
-              <a:buClrTx/>
-              <a:buNone/>
-            </a:pPr>
-            <a:endParaRPr lang="en-US" sz="2400" dirty="0">
-              <a:solidFill>
-                <a:schemeClr val="bg1"/>
-              </a:solidFill>
-            </a:endParaRPr>
-          </a:p>
-          <a:p>
-            <a:pPr marL="0" indent="0">
-              <a:buClrTx/>
-              <a:buNone/>
-            </a:pPr>
-            <a:r>
-              <a:rPr lang="en-US" sz="2400" dirty="0">
-                <a:solidFill>
-                  <a:schemeClr val="bg1"/>
-                </a:solidFill>
-              </a:rPr>
-              <a:t>Types of Descriptions:</a:t>
-            </a:r>
-          </a:p>
-        </p:txBody>
-      </p:sp>
-      <p:pic>
-        <p:nvPicPr>
-          <p:cNvPr id="5" name="Picture 4">
-            <a:extLst>
-              <a:ext uri="{FF2B5EF4-FFF2-40B4-BE49-F238E27FC236}">
-                <a16:creationId xmlns:a16="http://schemas.microsoft.com/office/drawing/2014/main" xmlns="" id="{200ECA3F-4939-4EF2-A1DB-C471CBA14D63}"/>
-              </a:ext>
-            </a:extLst>
-          </p:cNvPr>
-          <p:cNvPicPr>
-            <a:picLocks noChangeAspect="1"/>
-          </p:cNvPicPr>
-          <p:nvPr/>
-        </p:nvPicPr>
-        <p:blipFill>
-          <a:blip r:embed="rId2"/>
-          <a:stretch>
-            <a:fillRect/>
-          </a:stretch>
-        </p:blipFill>
-        <p:spPr>
-          <a:xfrm>
-            <a:off x="1333794" y="3800212"/>
-            <a:ext cx="3782308" cy="346765"/>
-          </a:xfrm>
-          <a:prstGeom prst="rect">
-            <a:avLst/>
-          </a:prstGeom>
-        </p:spPr>
-      </p:pic>
-      <p:pic>
-        <p:nvPicPr>
-          <p:cNvPr id="7" name="Picture 6">
-            <a:extLst>
-              <a:ext uri="{FF2B5EF4-FFF2-40B4-BE49-F238E27FC236}">
-                <a16:creationId xmlns:a16="http://schemas.microsoft.com/office/drawing/2014/main" xmlns="" id="{69E65273-4A91-4276-B9BF-98494B3A6E26}"/>
-              </a:ext>
-            </a:extLst>
-          </p:cNvPr>
-          <p:cNvPicPr>
-            <a:picLocks noChangeAspect="1"/>
-          </p:cNvPicPr>
-          <p:nvPr/>
-        </p:nvPicPr>
-        <p:blipFill>
-          <a:blip r:embed="rId3"/>
-          <a:stretch>
-            <a:fillRect/>
-          </a:stretch>
-        </p:blipFill>
-        <p:spPr>
-          <a:xfrm>
-            <a:off x="1333794" y="4300295"/>
-            <a:ext cx="8215163" cy="346765"/>
-          </a:xfrm>
-          <a:prstGeom prst="rect">
-            <a:avLst/>
-          </a:prstGeom>
-        </p:spPr>
-      </p:pic>
-    </p:spTree>
-    <p:extLst>
-      <p:ext uri="{BB962C8B-B14F-4D97-AF65-F5344CB8AC3E}">
-        <p14:creationId xmlns:p14="http://schemas.microsoft.com/office/powerpoint/2010/main" val="2570853478"/>
-      </p:ext>
-    </p:extLst>
-  </p:cSld>
-  <p:clrMapOvr>
-    <a:masterClrMapping/>
-  </p:clrMapOvr>
-</p:sld>
-</file>
-
-<file path=ppt/slides/slide9.xml><?xml version="1.0" encoding="utf-8"?>
-<p:sld xmlns:a="http://schemas.openxmlformats.org/drawingml/2006/main" xmlns:r="http://schemas.openxmlformats.org/officeDocument/2006/relationships" xmlns:p="http://schemas.openxmlformats.org/presentationml/2006/main">
-  <p:cSld>
-    <p:spTree>
-      <p:nvGrpSpPr>
-        <p:cNvPr id="1" name=""/>
-        <p:cNvGrpSpPr/>
-        <p:nvPr/>
-      </p:nvGrpSpPr>
-      <p:grpSpPr>
-        <a:xfrm>
-          <a:off x="0" y="0"/>
-          <a:ext cx="0" cy="0"/>
-          <a:chOff x="0" y="0"/>
-          <a:chExt cx="0" cy="0"/>
-        </a:xfrm>
-      </p:grpSpPr>
-      <p:sp>
-        <p:nvSpPr>
-          <p:cNvPr id="2" name="Title 1">
-            <a:extLst>
-              <a:ext uri="{FF2B5EF4-FFF2-40B4-BE49-F238E27FC236}">
-                <a16:creationId xmlns:a16="http://schemas.microsoft.com/office/drawing/2014/main" xmlns="" id="{00846977-A750-4BB6-9AE6-AEB2DC7066DF}"/>
-              </a:ext>
-            </a:extLst>
-          </p:cNvPr>
-          <p:cNvSpPr>
-            <a:spLocks noGrp="1"/>
-          </p:cNvSpPr>
-          <p:nvPr>
-            <p:ph type="title"/>
-          </p:nvPr>
-        </p:nvSpPr>
-        <p:spPr>
-          <a:xfrm>
-            <a:off x="684212" y="703874"/>
-            <a:ext cx="8534400" cy="1507067"/>
-          </a:xfrm>
-        </p:spPr>
-        <p:txBody>
-          <a:bodyPr/>
-          <a:lstStyle/>
-          <a:p>
-            <a:r>
-              <a:rPr lang="en-US" dirty="0"/>
-              <a:t>Q2</a:t>
-            </a:r>
-          </a:p>
-        </p:txBody>
-      </p:sp>
-      <p:sp>
-        <p:nvSpPr>
-          <p:cNvPr id="3" name="Content Placeholder 2">
-            <a:extLst>
-              <a:ext uri="{FF2B5EF4-FFF2-40B4-BE49-F238E27FC236}">
-                <a16:creationId xmlns:a16="http://schemas.microsoft.com/office/drawing/2014/main" xmlns="" id="{F97BA237-BBF0-49FD-B184-71910E0D1F83}"/>
+                <a16:creationId xmlns:a16="http://schemas.microsoft.com/office/drawing/2014/main" id="{F97BA237-BBF0-49FD-B184-71910E0D1F83}"/>
               </a:ext>
             </a:extLst>
           </p:cNvPr>
@@ -8076,6 +6168,22 @@
               <a:buClrTx/>
               <a:buNone/>
             </a:pPr>
+            <a:r>
+              <a:rPr lang="en-US" sz="2400" dirty="0">
+                <a:solidFill>
+                  <a:schemeClr val="bg1"/>
+                </a:solidFill>
+              </a:rPr>
+              <a:t>Performance</a:t>
+            </a:r>
+            <a:r>
+              <a:rPr lang="en-US" sz="2400">
+                <a:solidFill>
+                  <a:schemeClr val="bg1"/>
+                </a:solidFill>
+              </a:rPr>
+              <a:t>: 13 sec</a:t>
+            </a:r>
             <a:endParaRPr lang="en-US" sz="2400" dirty="0">
               <a:solidFill>
                 <a:schemeClr val="bg1"/>
@@ -8093,7 +6201,7 @@
                   <a:schemeClr val="bg1"/>
                 </a:solidFill>
               </a:rPr>
-              <a:t>Results:</a:t>
+              <a:t>Results: (Average severity per description type &amp; API)</a:t>
             </a:r>
           </a:p>
         </p:txBody>
@@ -8103,7 +6211,7 @@
           <p:cNvPr id="4" name="Table 4">
             <a:extLst>
               <a:ext uri="{FF2B5EF4-FFF2-40B4-BE49-F238E27FC236}">
-                <a16:creationId xmlns:a16="http://schemas.microsoft.com/office/drawing/2014/main" xmlns="" id="{6510E398-7551-420B-8D02-F7C1BD41B844}"/>
+                <a16:creationId xmlns:a16="http://schemas.microsoft.com/office/drawing/2014/main" id="{6510E398-7551-420B-8D02-F7C1BD41B844}"/>
               </a:ext>
             </a:extLst>
           </p:cNvPr>
@@ -8113,14 +6221,14 @@
           <p:nvPr>
             <p:extLst>
               <p:ext uri="{D42A27DB-BD31-4B8C-83A1-F6EECF244321}">
-                <p14:modId xmlns:p14="http://schemas.microsoft.com/office/powerpoint/2010/main" val="4265732943"/>
+                <p14:modId xmlns:p14="http://schemas.microsoft.com/office/powerpoint/2010/main" val="562199"/>
               </p:ext>
             </p:extLst>
           </p:nvPr>
         </p:nvGraphicFramePr>
         <p:xfrm>
           <a:off x="1068432" y="3429000"/>
-          <a:ext cx="8974557" cy="2031716"/>
+          <a:ext cx="8974557" cy="2163867"/>
         </p:xfrm>
         <a:graphic>
           <a:graphicData uri="http://schemas.openxmlformats.org/drawingml/2006/table">
@@ -8132,21 +6240,21 @@
                 <a:gridCol w="2991519">
                   <a:extLst>
                     <a:ext uri="{9D8B030D-6E8A-4147-A177-3AD203B41FA5}">
-                      <a16:colId xmlns:a16="http://schemas.microsoft.com/office/drawing/2014/main" xmlns="" val="3801254530"/>
+                      <a16:colId xmlns:a16="http://schemas.microsoft.com/office/drawing/2014/main" val="3801254530"/>
                     </a:ext>
                   </a:extLst>
                 </a:gridCol>
                 <a:gridCol w="2991519">
                   <a:extLst>
                     <a:ext uri="{9D8B030D-6E8A-4147-A177-3AD203B41FA5}">
-                      <a16:colId xmlns:a16="http://schemas.microsoft.com/office/drawing/2014/main" xmlns="" val="1960992801"/>
+                      <a16:colId xmlns:a16="http://schemas.microsoft.com/office/drawing/2014/main" val="1960992801"/>
                     </a:ext>
                   </a:extLst>
                 </a:gridCol>
                 <a:gridCol w="2991519">
                   <a:extLst>
                     <a:ext uri="{9D8B030D-6E8A-4147-A177-3AD203B41FA5}">
-                      <a16:colId xmlns:a16="http://schemas.microsoft.com/office/drawing/2014/main" xmlns="" val="1444209519"/>
+                      <a16:colId xmlns:a16="http://schemas.microsoft.com/office/drawing/2014/main" val="1444209519"/>
                     </a:ext>
                   </a:extLst>
                 </a:gridCol>
@@ -8157,7 +6265,16 @@
                     <a:bodyPr/>
                     <a:lstStyle/>
                     <a:p>
-                      <a:endParaRPr lang="en-US" dirty="0"/>
+                      <a:r>
+                        <a:rPr lang="en-US" dirty="0"/>
+                        <a:t>Description / API &gt;</a:t>
+                      </a:r>
+                    </a:p>
+                    <a:p>
+                      <a:r>
+                        <a:rPr lang="en-US" dirty="0"/>
+                        <a:t>         v</a:t>
+                      </a:r>
                     </a:p>
                   </a:txBody>
                   <a:tcPr/>
@@ -8190,7 +6307,7 @@
                 </a:tc>
                 <a:extLst>
                   <a:ext uri="{0D108BD9-81ED-4DB2-BD59-A6C34878D82A}">
-                    <a16:rowId xmlns:a16="http://schemas.microsoft.com/office/drawing/2014/main" xmlns="" val="2260968950"/>
+                    <a16:rowId xmlns:a16="http://schemas.microsoft.com/office/drawing/2014/main" val="2260968950"/>
                   </a:ext>
                 </a:extLst>
               </a:tr>
@@ -8236,7 +6353,7 @@
                 </a:tc>
                 <a:extLst>
                   <a:ext uri="{0D108BD9-81ED-4DB2-BD59-A6C34878D82A}">
-                    <a16:rowId xmlns:a16="http://schemas.microsoft.com/office/drawing/2014/main" xmlns="" val="1182569935"/>
+                    <a16:rowId xmlns:a16="http://schemas.microsoft.com/office/drawing/2014/main" val="1182569935"/>
                   </a:ext>
                 </a:extLst>
               </a:tr>
@@ -8282,7 +6399,7 @@
                 </a:tc>
                 <a:extLst>
                   <a:ext uri="{0D108BD9-81ED-4DB2-BD59-A6C34878D82A}">
-                    <a16:rowId xmlns:a16="http://schemas.microsoft.com/office/drawing/2014/main" xmlns="" val="2275193028"/>
+                    <a16:rowId xmlns:a16="http://schemas.microsoft.com/office/drawing/2014/main" val="2275193028"/>
                   </a:ext>
                 </a:extLst>
               </a:tr>
@@ -8328,7 +6445,7 @@
                 </a:tc>
                 <a:extLst>
                   <a:ext uri="{0D108BD9-81ED-4DB2-BD59-A6C34878D82A}">
-                    <a16:rowId xmlns:a16="http://schemas.microsoft.com/office/drawing/2014/main" xmlns="" val="3267029629"/>
+                    <a16:rowId xmlns:a16="http://schemas.microsoft.com/office/drawing/2014/main" val="3267029629"/>
                   </a:ext>
                 </a:extLst>
               </a:tr>
@@ -8340,6 +6457,2397 @@
     <p:extLst>
       <p:ext uri="{BB962C8B-B14F-4D97-AF65-F5344CB8AC3E}">
         <p14:creationId xmlns:p14="http://schemas.microsoft.com/office/powerpoint/2010/main" val="1358766687"/>
+      </p:ext>
+    </p:extLst>
+  </p:cSld>
+  <p:clrMapOvr>
+    <a:masterClrMapping/>
+  </p:clrMapOvr>
+</p:sld>
+</file>
+
+<file path=ppt/slides/slide11.xml><?xml version="1.0" encoding="utf-8"?>
+<p:sld xmlns:a="http://schemas.openxmlformats.org/drawingml/2006/main" xmlns:r="http://schemas.openxmlformats.org/officeDocument/2006/relationships" xmlns:p="http://schemas.openxmlformats.org/presentationml/2006/main">
+  <p:cSld>
+    <p:spTree>
+      <p:nvGrpSpPr>
+        <p:cNvPr id="1" name=""/>
+        <p:cNvGrpSpPr/>
+        <p:nvPr/>
+      </p:nvGrpSpPr>
+      <p:grpSpPr>
+        <a:xfrm>
+          <a:off x="0" y="0"/>
+          <a:ext cx="0" cy="0"/>
+          <a:chOff x="0" y="0"/>
+          <a:chExt cx="0" cy="0"/>
+        </a:xfrm>
+      </p:grpSpPr>
+      <p:sp>
+        <p:nvSpPr>
+          <p:cNvPr id="2" name="Title 1">
+            <a:extLst>
+              <a:ext uri="{FF2B5EF4-FFF2-40B4-BE49-F238E27FC236}">
+                <a16:creationId xmlns:a16="http://schemas.microsoft.com/office/drawing/2014/main" id="{00846977-A750-4BB6-9AE6-AEB2DC7066DF}"/>
+              </a:ext>
+            </a:extLst>
+          </p:cNvPr>
+          <p:cNvSpPr>
+            <a:spLocks noGrp="1"/>
+          </p:cNvSpPr>
+          <p:nvPr>
+            <p:ph type="title"/>
+          </p:nvPr>
+        </p:nvSpPr>
+        <p:spPr>
+          <a:xfrm>
+            <a:off x="684212" y="703874"/>
+            <a:ext cx="8534400" cy="1507067"/>
+          </a:xfrm>
+        </p:spPr>
+        <p:txBody>
+          <a:bodyPr/>
+          <a:lstStyle/>
+          <a:p>
+            <a:r>
+              <a:rPr lang="en-US" dirty="0"/>
+              <a:t>Q2 (cont.)</a:t>
+            </a:r>
+          </a:p>
+        </p:txBody>
+      </p:sp>
+      <p:sp>
+        <p:nvSpPr>
+          <p:cNvPr id="3" name="Content Placeholder 2">
+            <a:extLst>
+              <a:ext uri="{FF2B5EF4-FFF2-40B4-BE49-F238E27FC236}">
+                <a16:creationId xmlns:a16="http://schemas.microsoft.com/office/drawing/2014/main" id="{F97BA237-BBF0-49FD-B184-71910E0D1F83}"/>
+              </a:ext>
+            </a:extLst>
+          </p:cNvPr>
+          <p:cNvSpPr>
+            <a:spLocks noGrp="1"/>
+          </p:cNvSpPr>
+          <p:nvPr>
+            <p:ph idx="1"/>
+          </p:nvPr>
+        </p:nvSpPr>
+        <p:spPr>
+          <a:xfrm>
+            <a:off x="684212" y="1623318"/>
+            <a:ext cx="9256035" cy="4371654"/>
+          </a:xfrm>
+        </p:spPr>
+        <p:txBody>
+          <a:bodyPr>
+            <a:normAutofit/>
+          </a:bodyPr>
+          <a:lstStyle/>
+          <a:p>
+            <a:pPr marL="0" indent="0">
+              <a:buClrTx/>
+              <a:buNone/>
+            </a:pPr>
+            <a:r>
+              <a:rPr lang="en-US" sz="2400" dirty="0">
+                <a:solidFill>
+                  <a:schemeClr val="bg1"/>
+                </a:solidFill>
+              </a:rPr>
+              <a:t>Observations from Findings:</a:t>
+            </a:r>
+          </a:p>
+          <a:p>
+            <a:pPr>
+              <a:buClrTx/>
+              <a:buFont typeface="Arial" panose="020B0604020202020204" pitchFamily="34" charset="0"/>
+              <a:buChar char="•"/>
+            </a:pPr>
+            <a:r>
+              <a:rPr lang="en-US" sz="2400" dirty="0">
+                <a:solidFill>
+                  <a:schemeClr val="bg1"/>
+                </a:solidFill>
+              </a:rPr>
+              <a:t>Since severity is on a scale from 1-4, accidents that have the description type of “Lane blocked due to…” are 10%-13% more severe than accidents with the description type “Accident on…”</a:t>
+            </a:r>
+          </a:p>
+          <a:p>
+            <a:pPr>
+              <a:buClrTx/>
+              <a:buFont typeface="Arial" panose="020B0604020202020204" pitchFamily="34" charset="0"/>
+              <a:buChar char="•"/>
+            </a:pPr>
+            <a:r>
+              <a:rPr lang="en-US" sz="2400" dirty="0">
+                <a:solidFill>
+                  <a:schemeClr val="bg1"/>
+                </a:solidFill>
+              </a:rPr>
+              <a:t>API source does not change this correlation</a:t>
+            </a:r>
+          </a:p>
+          <a:p>
+            <a:pPr>
+              <a:buClrTx/>
+              <a:buFont typeface="Arial" panose="020B0604020202020204" pitchFamily="34" charset="0"/>
+              <a:buChar char="•"/>
+            </a:pPr>
+            <a:endParaRPr lang="en-US" sz="2400" dirty="0">
+              <a:solidFill>
+                <a:schemeClr val="bg1"/>
+              </a:solidFill>
+            </a:endParaRPr>
+          </a:p>
+          <a:p>
+            <a:pPr>
+              <a:buClrTx/>
+              <a:buFont typeface="Arial" panose="020B0604020202020204" pitchFamily="34" charset="0"/>
+              <a:buChar char="•"/>
+            </a:pPr>
+            <a:endParaRPr lang="en-US" sz="2400" dirty="0">
+              <a:solidFill>
+                <a:schemeClr val="bg1"/>
+              </a:solidFill>
+            </a:endParaRPr>
+          </a:p>
+        </p:txBody>
+      </p:sp>
+    </p:spTree>
+    <p:extLst>
+      <p:ext uri="{BB962C8B-B14F-4D97-AF65-F5344CB8AC3E}">
+        <p14:creationId xmlns:p14="http://schemas.microsoft.com/office/powerpoint/2010/main" val="397912650"/>
+      </p:ext>
+    </p:extLst>
+  </p:cSld>
+  <p:clrMapOvr>
+    <a:masterClrMapping/>
+  </p:clrMapOvr>
+</p:sld>
+</file>
+
+<file path=ppt/slides/slide12.xml><?xml version="1.0" encoding="utf-8"?>
+<p:sld xmlns:a="http://schemas.openxmlformats.org/drawingml/2006/main" xmlns:r="http://schemas.openxmlformats.org/officeDocument/2006/relationships" xmlns:p="http://schemas.openxmlformats.org/presentationml/2006/main">
+  <p:cSld>
+    <p:spTree>
+      <p:nvGrpSpPr>
+        <p:cNvPr id="1" name=""/>
+        <p:cNvGrpSpPr/>
+        <p:nvPr/>
+      </p:nvGrpSpPr>
+      <p:grpSpPr>
+        <a:xfrm>
+          <a:off x="0" y="0"/>
+          <a:ext cx="0" cy="0"/>
+          <a:chOff x="0" y="0"/>
+          <a:chExt cx="0" cy="0"/>
+        </a:xfrm>
+      </p:grpSpPr>
+      <p:sp>
+        <p:nvSpPr>
+          <p:cNvPr id="2" name="Title 1">
+            <a:extLst>
+              <a:ext uri="{FF2B5EF4-FFF2-40B4-BE49-F238E27FC236}">
+                <a16:creationId xmlns:a16="http://schemas.microsoft.com/office/drawing/2014/main" id="{00846977-A750-4BB6-9AE6-AEB2DC7066DF}"/>
+              </a:ext>
+            </a:extLst>
+          </p:cNvPr>
+          <p:cNvSpPr>
+            <a:spLocks noGrp="1"/>
+          </p:cNvSpPr>
+          <p:nvPr>
+            <p:ph type="title"/>
+          </p:nvPr>
+        </p:nvSpPr>
+        <p:spPr>
+          <a:xfrm>
+            <a:off x="684212" y="703874"/>
+            <a:ext cx="8534400" cy="1507067"/>
+          </a:xfrm>
+        </p:spPr>
+        <p:txBody>
+          <a:bodyPr/>
+          <a:lstStyle/>
+          <a:p>
+            <a:r>
+              <a:rPr lang="en-US" dirty="0"/>
+              <a:t>Q3</a:t>
+            </a:r>
+          </a:p>
+        </p:txBody>
+      </p:sp>
+      <p:sp>
+        <p:nvSpPr>
+          <p:cNvPr id="3" name="Content Placeholder 2">
+            <a:extLst>
+              <a:ext uri="{FF2B5EF4-FFF2-40B4-BE49-F238E27FC236}">
+                <a16:creationId xmlns:a16="http://schemas.microsoft.com/office/drawing/2014/main" id="{F97BA237-BBF0-49FD-B184-71910E0D1F83}"/>
+              </a:ext>
+            </a:extLst>
+          </p:cNvPr>
+          <p:cNvSpPr>
+            <a:spLocks noGrp="1"/>
+          </p:cNvSpPr>
+          <p:nvPr>
+            <p:ph idx="1"/>
+          </p:nvPr>
+        </p:nvSpPr>
+        <p:spPr>
+          <a:xfrm>
+            <a:off x="684212" y="2393878"/>
+            <a:ext cx="8534400" cy="2482541"/>
+          </a:xfrm>
+        </p:spPr>
+        <p:txBody>
+          <a:bodyPr>
+            <a:normAutofit/>
+          </a:bodyPr>
+          <a:lstStyle/>
+          <a:p>
+            <a:pPr marL="457200" indent="-457200">
+              <a:buClrTx/>
+              <a:buFont typeface="+mj-lt"/>
+              <a:buAutoNum type="arabicPeriod"/>
+            </a:pPr>
+            <a:endParaRPr lang="en-US" sz="2400" dirty="0">
+              <a:solidFill>
+                <a:schemeClr val="bg1"/>
+              </a:solidFill>
+            </a:endParaRPr>
+          </a:p>
+        </p:txBody>
+      </p:sp>
+    </p:spTree>
+    <p:extLst>
+      <p:ext uri="{BB962C8B-B14F-4D97-AF65-F5344CB8AC3E}">
+        <p14:creationId xmlns:p14="http://schemas.microsoft.com/office/powerpoint/2010/main" val="1280595349"/>
+      </p:ext>
+    </p:extLst>
+  </p:cSld>
+  <p:clrMapOvr>
+    <a:masterClrMapping/>
+  </p:clrMapOvr>
+</p:sld>
+</file>
+
+<file path=ppt/slides/slide13.xml><?xml version="1.0" encoding="utf-8"?>
+<p:sld xmlns:a="http://schemas.openxmlformats.org/drawingml/2006/main" xmlns:r="http://schemas.openxmlformats.org/officeDocument/2006/relationships" xmlns:p="http://schemas.openxmlformats.org/presentationml/2006/main">
+  <p:cSld>
+    <p:spTree>
+      <p:nvGrpSpPr>
+        <p:cNvPr id="1" name=""/>
+        <p:cNvGrpSpPr/>
+        <p:nvPr/>
+      </p:nvGrpSpPr>
+      <p:grpSpPr>
+        <a:xfrm>
+          <a:off x="0" y="0"/>
+          <a:ext cx="0" cy="0"/>
+          <a:chOff x="0" y="0"/>
+          <a:chExt cx="0" cy="0"/>
+        </a:xfrm>
+      </p:grpSpPr>
+      <p:sp>
+        <p:nvSpPr>
+          <p:cNvPr id="2" name="Title 1">
+            <a:extLst>
+              <a:ext uri="{FF2B5EF4-FFF2-40B4-BE49-F238E27FC236}">
+                <a16:creationId xmlns:a16="http://schemas.microsoft.com/office/drawing/2014/main" id="{00846977-A750-4BB6-9AE6-AEB2DC7066DF}"/>
+              </a:ext>
+            </a:extLst>
+          </p:cNvPr>
+          <p:cNvSpPr>
+            <a:spLocks noGrp="1"/>
+          </p:cNvSpPr>
+          <p:nvPr>
+            <p:ph type="title"/>
+          </p:nvPr>
+        </p:nvSpPr>
+        <p:spPr>
+          <a:xfrm>
+            <a:off x="684212" y="703874"/>
+            <a:ext cx="8534400" cy="1507067"/>
+          </a:xfrm>
+        </p:spPr>
+        <p:txBody>
+          <a:bodyPr/>
+          <a:lstStyle/>
+          <a:p>
+            <a:r>
+              <a:rPr lang="en-US" dirty="0"/>
+              <a:t>Q4</a:t>
+            </a:r>
+          </a:p>
+        </p:txBody>
+      </p:sp>
+      <p:sp>
+        <p:nvSpPr>
+          <p:cNvPr id="3" name="Content Placeholder 2">
+            <a:extLst>
+              <a:ext uri="{FF2B5EF4-FFF2-40B4-BE49-F238E27FC236}">
+                <a16:creationId xmlns:a16="http://schemas.microsoft.com/office/drawing/2014/main" id="{F97BA237-BBF0-49FD-B184-71910E0D1F83}"/>
+              </a:ext>
+            </a:extLst>
+          </p:cNvPr>
+          <p:cNvSpPr>
+            <a:spLocks noGrp="1"/>
+          </p:cNvSpPr>
+          <p:nvPr>
+            <p:ph idx="1"/>
+          </p:nvPr>
+        </p:nvSpPr>
+        <p:spPr>
+          <a:xfrm>
+            <a:off x="684212" y="2393878"/>
+            <a:ext cx="8534400" cy="2482541"/>
+          </a:xfrm>
+        </p:spPr>
+        <p:txBody>
+          <a:bodyPr>
+            <a:normAutofit/>
+          </a:bodyPr>
+          <a:lstStyle/>
+          <a:p>
+            <a:pPr marL="457200" indent="-457200">
+              <a:buClrTx/>
+              <a:buFont typeface="+mj-lt"/>
+              <a:buAutoNum type="arabicPeriod"/>
+            </a:pPr>
+            <a:endParaRPr lang="en-US" sz="2400" dirty="0">
+              <a:solidFill>
+                <a:schemeClr val="bg1"/>
+              </a:solidFill>
+            </a:endParaRPr>
+          </a:p>
+        </p:txBody>
+      </p:sp>
+    </p:spTree>
+    <p:extLst>
+      <p:ext uri="{BB962C8B-B14F-4D97-AF65-F5344CB8AC3E}">
+        <p14:creationId xmlns:p14="http://schemas.microsoft.com/office/powerpoint/2010/main" val="2274920983"/>
+      </p:ext>
+    </p:extLst>
+  </p:cSld>
+  <p:clrMapOvr>
+    <a:masterClrMapping/>
+  </p:clrMapOvr>
+</p:sld>
+</file>
+
+<file path=ppt/slides/slide14.xml><?xml version="1.0" encoding="utf-8"?>
+<p:sld xmlns:a="http://schemas.openxmlformats.org/drawingml/2006/main" xmlns:r="http://schemas.openxmlformats.org/officeDocument/2006/relationships" xmlns:p="http://schemas.openxmlformats.org/presentationml/2006/main">
+  <p:cSld>
+    <p:spTree>
+      <p:nvGrpSpPr>
+        <p:cNvPr id="1" name=""/>
+        <p:cNvGrpSpPr/>
+        <p:nvPr/>
+      </p:nvGrpSpPr>
+      <p:grpSpPr>
+        <a:xfrm>
+          <a:off x="0" y="0"/>
+          <a:ext cx="0" cy="0"/>
+          <a:chOff x="0" y="0"/>
+          <a:chExt cx="0" cy="0"/>
+        </a:xfrm>
+      </p:grpSpPr>
+      <p:sp>
+        <p:nvSpPr>
+          <p:cNvPr id="2" name="Title 1">
+            <a:extLst>
+              <a:ext uri="{FF2B5EF4-FFF2-40B4-BE49-F238E27FC236}">
+                <a16:creationId xmlns:a16="http://schemas.microsoft.com/office/drawing/2014/main" id="{00846977-A750-4BB6-9AE6-AEB2DC7066DF}"/>
+              </a:ext>
+            </a:extLst>
+          </p:cNvPr>
+          <p:cNvSpPr>
+            <a:spLocks noGrp="1"/>
+          </p:cNvSpPr>
+          <p:nvPr>
+            <p:ph type="title"/>
+          </p:nvPr>
+        </p:nvSpPr>
+        <p:spPr>
+          <a:xfrm>
+            <a:off x="684212" y="703874"/>
+            <a:ext cx="8534400" cy="1507067"/>
+          </a:xfrm>
+        </p:spPr>
+        <p:txBody>
+          <a:bodyPr/>
+          <a:lstStyle/>
+          <a:p>
+            <a:r>
+              <a:rPr lang="en-US" dirty="0"/>
+              <a:t>What we learned</a:t>
+            </a:r>
+          </a:p>
+        </p:txBody>
+      </p:sp>
+      <p:sp>
+        <p:nvSpPr>
+          <p:cNvPr id="3" name="Content Placeholder 2">
+            <a:extLst>
+              <a:ext uri="{FF2B5EF4-FFF2-40B4-BE49-F238E27FC236}">
+                <a16:creationId xmlns:a16="http://schemas.microsoft.com/office/drawing/2014/main" id="{F97BA237-BBF0-49FD-B184-71910E0D1F83}"/>
+              </a:ext>
+            </a:extLst>
+          </p:cNvPr>
+          <p:cNvSpPr>
+            <a:spLocks noGrp="1"/>
+          </p:cNvSpPr>
+          <p:nvPr>
+            <p:ph idx="1"/>
+          </p:nvPr>
+        </p:nvSpPr>
+        <p:spPr>
+          <a:xfrm>
+            <a:off x="684212" y="2393878"/>
+            <a:ext cx="8534400" cy="2482541"/>
+          </a:xfrm>
+        </p:spPr>
+        <p:txBody>
+          <a:bodyPr anchor="t">
+            <a:normAutofit/>
+          </a:bodyPr>
+          <a:lstStyle/>
+          <a:p>
+            <a:pPr marL="457200" indent="-457200">
+              <a:buClrTx/>
+              <a:buFont typeface="+mj-lt"/>
+              <a:buAutoNum type="arabicPeriod"/>
+            </a:pPr>
+            <a:r>
+              <a:rPr lang="en-US" sz="2400" dirty="0">
+                <a:solidFill>
+                  <a:schemeClr val="bg1"/>
+                </a:solidFill>
+              </a:rPr>
+              <a:t>There are a lot of insights that can be made from analyzing car accident data, which can be used to better improve road construction in the future</a:t>
+            </a:r>
+          </a:p>
+          <a:p>
+            <a:pPr marL="457200" indent="-457200">
+              <a:buClrTx/>
+              <a:buFont typeface="+mj-lt"/>
+              <a:buAutoNum type="arabicPeriod"/>
+            </a:pPr>
+            <a:r>
+              <a:rPr lang="en-US" sz="2400" dirty="0">
+                <a:solidFill>
+                  <a:schemeClr val="bg1"/>
+                </a:solidFill>
+              </a:rPr>
+              <a:t>Scala is your friend when analyzing large amounts of data</a:t>
+            </a:r>
+          </a:p>
+        </p:txBody>
+      </p:sp>
+    </p:spTree>
+    <p:extLst>
+      <p:ext uri="{BB962C8B-B14F-4D97-AF65-F5344CB8AC3E}">
+        <p14:creationId xmlns:p14="http://schemas.microsoft.com/office/powerpoint/2010/main" val="4198274045"/>
+      </p:ext>
+    </p:extLst>
+  </p:cSld>
+  <p:clrMapOvr>
+    <a:masterClrMapping/>
+  </p:clrMapOvr>
+</p:sld>
+</file>
+
+<file path=ppt/slides/slide15.xml><?xml version="1.0" encoding="utf-8"?>
+<p:sld xmlns:a="http://schemas.openxmlformats.org/drawingml/2006/main" xmlns:r="http://schemas.openxmlformats.org/officeDocument/2006/relationships" xmlns:p="http://schemas.openxmlformats.org/presentationml/2006/main">
+  <p:cSld>
+    <p:spTree>
+      <p:nvGrpSpPr>
+        <p:cNvPr id="1" name=""/>
+        <p:cNvGrpSpPr/>
+        <p:nvPr/>
+      </p:nvGrpSpPr>
+      <p:grpSpPr>
+        <a:xfrm>
+          <a:off x="0" y="0"/>
+          <a:ext cx="0" cy="0"/>
+          <a:chOff x="0" y="0"/>
+          <a:chExt cx="0" cy="0"/>
+        </a:xfrm>
+      </p:grpSpPr>
+      <p:sp>
+        <p:nvSpPr>
+          <p:cNvPr id="2" name="Title 1">
+            <a:extLst>
+              <a:ext uri="{FF2B5EF4-FFF2-40B4-BE49-F238E27FC236}">
+                <a16:creationId xmlns:a16="http://schemas.microsoft.com/office/drawing/2014/main" id="{00846977-A750-4BB6-9AE6-AEB2DC7066DF}"/>
+              </a:ext>
+            </a:extLst>
+          </p:cNvPr>
+          <p:cNvSpPr>
+            <a:spLocks noGrp="1"/>
+          </p:cNvSpPr>
+          <p:nvPr>
+            <p:ph type="title"/>
+          </p:nvPr>
+        </p:nvSpPr>
+        <p:spPr>
+          <a:xfrm>
+            <a:off x="684212" y="703874"/>
+            <a:ext cx="8534400" cy="1507067"/>
+          </a:xfrm>
+        </p:spPr>
+        <p:txBody>
+          <a:bodyPr/>
+          <a:lstStyle/>
+          <a:p>
+            <a:r>
+              <a:rPr lang="en-US" dirty="0"/>
+              <a:t>Obstacles</a:t>
+            </a:r>
+          </a:p>
+        </p:txBody>
+      </p:sp>
+      <p:sp>
+        <p:nvSpPr>
+          <p:cNvPr id="3" name="Content Placeholder 2">
+            <a:extLst>
+              <a:ext uri="{FF2B5EF4-FFF2-40B4-BE49-F238E27FC236}">
+                <a16:creationId xmlns:a16="http://schemas.microsoft.com/office/drawing/2014/main" id="{F97BA237-BBF0-49FD-B184-71910E0D1F83}"/>
+              </a:ext>
+            </a:extLst>
+          </p:cNvPr>
+          <p:cNvSpPr>
+            <a:spLocks noGrp="1"/>
+          </p:cNvSpPr>
+          <p:nvPr>
+            <p:ph idx="1"/>
+          </p:nvPr>
+        </p:nvSpPr>
+        <p:spPr>
+          <a:xfrm>
+            <a:off x="684212" y="2393878"/>
+            <a:ext cx="8534400" cy="2482541"/>
+          </a:xfrm>
+        </p:spPr>
+        <p:txBody>
+          <a:bodyPr anchor="t">
+            <a:normAutofit/>
+          </a:bodyPr>
+          <a:lstStyle/>
+          <a:p>
+            <a:pPr marL="457200" indent="-457200">
+              <a:buClrTx/>
+              <a:buFont typeface="+mj-lt"/>
+              <a:buAutoNum type="arabicPeriod"/>
+            </a:pPr>
+            <a:r>
+              <a:rPr lang="en-US" sz="2400" dirty="0">
+                <a:solidFill>
+                  <a:schemeClr val="bg1"/>
+                </a:solidFill>
+              </a:rPr>
+              <a:t>Filling NULL values in the dataset</a:t>
+            </a:r>
+          </a:p>
+          <a:p>
+            <a:pPr marL="457200" indent="-457200">
+              <a:buClrTx/>
+              <a:buFont typeface="+mj-lt"/>
+              <a:buAutoNum type="arabicPeriod"/>
+            </a:pPr>
+            <a:r>
+              <a:rPr lang="en-US" sz="2400" dirty="0">
+                <a:solidFill>
+                  <a:schemeClr val="bg1"/>
+                </a:solidFill>
+              </a:rPr>
+              <a:t>Using Regular Expressions to recognize string patterns</a:t>
+            </a:r>
+          </a:p>
+          <a:p>
+            <a:pPr marL="457200" indent="-457200">
+              <a:buClrTx/>
+              <a:buFont typeface="+mj-lt"/>
+              <a:buAutoNum type="arabicPeriod"/>
+            </a:pPr>
+            <a:endParaRPr lang="en-US" sz="2400" dirty="0">
+              <a:solidFill>
+                <a:schemeClr val="bg1"/>
+              </a:solidFill>
+            </a:endParaRPr>
+          </a:p>
+          <a:p>
+            <a:pPr marL="457200" indent="-457200">
+              <a:buClrTx/>
+              <a:buFont typeface="+mj-lt"/>
+              <a:buAutoNum type="arabicPeriod"/>
+            </a:pPr>
+            <a:endParaRPr lang="en-US" sz="2400" dirty="0">
+              <a:solidFill>
+                <a:schemeClr val="bg1"/>
+              </a:solidFill>
+            </a:endParaRPr>
+          </a:p>
+          <a:p>
+            <a:pPr marL="457200" indent="-457200">
+              <a:buClrTx/>
+              <a:buFont typeface="+mj-lt"/>
+              <a:buAutoNum type="arabicPeriod"/>
+            </a:pPr>
+            <a:endParaRPr lang="en-US" sz="2400" dirty="0">
+              <a:solidFill>
+                <a:schemeClr val="bg1"/>
+              </a:solidFill>
+            </a:endParaRPr>
+          </a:p>
+        </p:txBody>
+      </p:sp>
+    </p:spTree>
+    <p:extLst>
+      <p:ext uri="{BB962C8B-B14F-4D97-AF65-F5344CB8AC3E}">
+        <p14:creationId xmlns:p14="http://schemas.microsoft.com/office/powerpoint/2010/main" val="3205346752"/>
+      </p:ext>
+    </p:extLst>
+  </p:cSld>
+  <p:clrMapOvr>
+    <a:masterClrMapping/>
+  </p:clrMapOvr>
+</p:sld>
+</file>
+
+<file path=ppt/slides/slide16.xml><?xml version="1.0" encoding="utf-8"?>
+<p:sld xmlns:a="http://schemas.openxmlformats.org/drawingml/2006/main" xmlns:r="http://schemas.openxmlformats.org/officeDocument/2006/relationships" xmlns:p="http://schemas.openxmlformats.org/presentationml/2006/main">
+  <p:cSld>
+    <p:spTree>
+      <p:nvGrpSpPr>
+        <p:cNvPr id="1" name=""/>
+        <p:cNvGrpSpPr/>
+        <p:nvPr/>
+      </p:nvGrpSpPr>
+      <p:grpSpPr>
+        <a:xfrm>
+          <a:off x="0" y="0"/>
+          <a:ext cx="0" cy="0"/>
+          <a:chOff x="0" y="0"/>
+          <a:chExt cx="0" cy="0"/>
+        </a:xfrm>
+      </p:grpSpPr>
+      <p:sp>
+        <p:nvSpPr>
+          <p:cNvPr id="2" name="Title 1">
+            <a:extLst>
+              <a:ext uri="{FF2B5EF4-FFF2-40B4-BE49-F238E27FC236}">
+                <a16:creationId xmlns:a16="http://schemas.microsoft.com/office/drawing/2014/main" id="{015E36F3-CFD3-4F0B-ACE1-6FFBBC14C8FE}"/>
+              </a:ext>
+            </a:extLst>
+          </p:cNvPr>
+          <p:cNvSpPr>
+            <a:spLocks noGrp="1"/>
+          </p:cNvSpPr>
+          <p:nvPr>
+            <p:ph type="title"/>
+          </p:nvPr>
+        </p:nvSpPr>
+        <p:spPr/>
+        <p:txBody>
+          <a:bodyPr/>
+          <a:lstStyle/>
+          <a:p>
+            <a:r>
+              <a:rPr lang="en-US" dirty="0"/>
+              <a:t>Questions?</a:t>
+            </a:r>
+          </a:p>
+        </p:txBody>
+      </p:sp>
+    </p:spTree>
+    <p:extLst>
+      <p:ext uri="{BB962C8B-B14F-4D97-AF65-F5344CB8AC3E}">
+        <p14:creationId xmlns:p14="http://schemas.microsoft.com/office/powerpoint/2010/main" val="2305301528"/>
+      </p:ext>
+    </p:extLst>
+  </p:cSld>
+  <p:clrMapOvr>
+    <a:masterClrMapping/>
+  </p:clrMapOvr>
+</p:sld>
+</file>
+
+<file path=ppt/slides/slide2.xml><?xml version="1.0" encoding="utf-8"?>
+<p:sld xmlns:a="http://schemas.openxmlformats.org/drawingml/2006/main" xmlns:r="http://schemas.openxmlformats.org/officeDocument/2006/relationships" xmlns:p="http://schemas.openxmlformats.org/presentationml/2006/main">
+  <p:cSld>
+    <p:spTree>
+      <p:nvGrpSpPr>
+        <p:cNvPr id="1" name=""/>
+        <p:cNvGrpSpPr/>
+        <p:nvPr/>
+      </p:nvGrpSpPr>
+      <p:grpSpPr>
+        <a:xfrm>
+          <a:off x="0" y="0"/>
+          <a:ext cx="0" cy="0"/>
+          <a:chOff x="0" y="0"/>
+          <a:chExt cx="0" cy="0"/>
+        </a:xfrm>
+      </p:grpSpPr>
+      <p:sp>
+        <p:nvSpPr>
+          <p:cNvPr id="2" name="Title 1">
+            <a:extLst>
+              <a:ext uri="{FF2B5EF4-FFF2-40B4-BE49-F238E27FC236}">
+                <a16:creationId xmlns:a16="http://schemas.microsoft.com/office/drawing/2014/main" id="{895FA19E-1932-47E0-89E7-AC9D327BB2E1}"/>
+              </a:ext>
+            </a:extLst>
+          </p:cNvPr>
+          <p:cNvSpPr>
+            <a:spLocks noGrp="1"/>
+          </p:cNvSpPr>
+          <p:nvPr>
+            <p:ph type="title"/>
+          </p:nvPr>
+        </p:nvSpPr>
+        <p:spPr/>
+        <p:txBody>
+          <a:bodyPr>
+            <a:normAutofit/>
+          </a:bodyPr>
+          <a:lstStyle/>
+          <a:p>
+            <a:r>
+              <a:rPr lang="en-US" sz="4000" dirty="0"/>
+              <a:t>Our Data</a:t>
+            </a:r>
+          </a:p>
+        </p:txBody>
+      </p:sp>
+      <p:sp>
+        <p:nvSpPr>
+          <p:cNvPr id="3" name="Text Placeholder 2">
+            <a:extLst>
+              <a:ext uri="{FF2B5EF4-FFF2-40B4-BE49-F238E27FC236}">
+                <a16:creationId xmlns:a16="http://schemas.microsoft.com/office/drawing/2014/main" id="{DF43FF17-42E6-44CD-AA0B-C1EA53436868}"/>
+              </a:ext>
+            </a:extLst>
+          </p:cNvPr>
+          <p:cNvSpPr>
+            <a:spLocks noGrp="1"/>
+          </p:cNvSpPr>
+          <p:nvPr>
+            <p:ph type="body" idx="1"/>
+          </p:nvPr>
+        </p:nvSpPr>
+        <p:spPr/>
+        <p:txBody>
+          <a:bodyPr/>
+          <a:lstStyle/>
+          <a:p>
+            <a:r>
+              <a:rPr lang="en-US" sz="2000" dirty="0">
+                <a:solidFill>
+                  <a:schemeClr val="bg1"/>
+                </a:solidFill>
+              </a:rPr>
+              <a:t>US Traffic Accident Dataset (2016-2019)</a:t>
+            </a:r>
+          </a:p>
+          <a:p>
+            <a:pPr marL="285750" indent="-285750">
+              <a:buFont typeface="Arial" panose="020B0604020202020204" pitchFamily="34" charset="0"/>
+              <a:buChar char="•"/>
+            </a:pPr>
+            <a:r>
+              <a:rPr lang="en-US" sz="1600" dirty="0">
+                <a:solidFill>
+                  <a:schemeClr val="bg1"/>
+                </a:solidFill>
+              </a:rPr>
+              <a:t>Source: Kaggle</a:t>
+            </a:r>
+          </a:p>
+          <a:p>
+            <a:pPr marL="285750" indent="-285750">
+              <a:buFont typeface="Arial" panose="020B0604020202020204" pitchFamily="34" charset="0"/>
+              <a:buChar char="•"/>
+            </a:pPr>
+            <a:endParaRPr lang="en-US" sz="1400" dirty="0"/>
+          </a:p>
+          <a:p>
+            <a:pPr marL="285750" indent="-285750">
+              <a:buFont typeface="Arial" panose="020B0604020202020204" pitchFamily="34" charset="0"/>
+              <a:buChar char="•"/>
+            </a:pPr>
+            <a:endParaRPr lang="en-US" dirty="0"/>
+          </a:p>
+        </p:txBody>
+      </p:sp>
+    </p:spTree>
+    <p:extLst>
+      <p:ext uri="{BB962C8B-B14F-4D97-AF65-F5344CB8AC3E}">
+        <p14:creationId xmlns:p14="http://schemas.microsoft.com/office/powerpoint/2010/main" val="89201210"/>
+      </p:ext>
+    </p:extLst>
+  </p:cSld>
+  <p:clrMapOvr>
+    <a:masterClrMapping/>
+  </p:clrMapOvr>
+</p:sld>
+</file>
+
+<file path=ppt/slides/slide3.xml><?xml version="1.0" encoding="utf-8"?>
+<p:sld xmlns:a="http://schemas.openxmlformats.org/drawingml/2006/main" xmlns:r="http://schemas.openxmlformats.org/officeDocument/2006/relationships" xmlns:p="http://schemas.openxmlformats.org/presentationml/2006/main">
+  <p:cSld>
+    <p:spTree>
+      <p:nvGrpSpPr>
+        <p:cNvPr id="1" name=""/>
+        <p:cNvGrpSpPr/>
+        <p:nvPr/>
+      </p:nvGrpSpPr>
+      <p:grpSpPr>
+        <a:xfrm>
+          <a:off x="0" y="0"/>
+          <a:ext cx="0" cy="0"/>
+          <a:chOff x="0" y="0"/>
+          <a:chExt cx="0" cy="0"/>
+        </a:xfrm>
+      </p:grpSpPr>
+      <p:sp>
+        <p:nvSpPr>
+          <p:cNvPr id="2" name="Title 1">
+            <a:extLst>
+              <a:ext uri="{FF2B5EF4-FFF2-40B4-BE49-F238E27FC236}">
+                <a16:creationId xmlns:a16="http://schemas.microsoft.com/office/drawing/2014/main" id="{00846977-A750-4BB6-9AE6-AEB2DC7066DF}"/>
+              </a:ext>
+            </a:extLst>
+          </p:cNvPr>
+          <p:cNvSpPr>
+            <a:spLocks noGrp="1"/>
+          </p:cNvSpPr>
+          <p:nvPr>
+            <p:ph type="title"/>
+          </p:nvPr>
+        </p:nvSpPr>
+        <p:spPr>
+          <a:xfrm>
+            <a:off x="684212" y="703874"/>
+            <a:ext cx="8534400" cy="1507067"/>
+          </a:xfrm>
+        </p:spPr>
+        <p:txBody>
+          <a:bodyPr/>
+          <a:lstStyle/>
+          <a:p>
+            <a:r>
+              <a:rPr lang="en-US" dirty="0"/>
+              <a:t>Questions to Answer</a:t>
+            </a:r>
+          </a:p>
+        </p:txBody>
+      </p:sp>
+      <p:sp>
+        <p:nvSpPr>
+          <p:cNvPr id="3" name="Content Placeholder 2">
+            <a:extLst>
+              <a:ext uri="{FF2B5EF4-FFF2-40B4-BE49-F238E27FC236}">
+                <a16:creationId xmlns:a16="http://schemas.microsoft.com/office/drawing/2014/main" id="{F97BA237-BBF0-49FD-B184-71910E0D1F83}"/>
+              </a:ext>
+            </a:extLst>
+          </p:cNvPr>
+          <p:cNvSpPr>
+            <a:spLocks noGrp="1"/>
+          </p:cNvSpPr>
+          <p:nvPr>
+            <p:ph idx="1"/>
+          </p:nvPr>
+        </p:nvSpPr>
+        <p:spPr>
+          <a:xfrm>
+            <a:off x="684212" y="2393878"/>
+            <a:ext cx="8534400" cy="2482541"/>
+          </a:xfrm>
+        </p:spPr>
+        <p:txBody>
+          <a:bodyPr>
+            <a:normAutofit/>
+          </a:bodyPr>
+          <a:lstStyle/>
+          <a:p>
+            <a:pPr marL="457200" indent="-457200">
+              <a:buClrTx/>
+              <a:buFont typeface="+mj-lt"/>
+              <a:buAutoNum type="arabicPeriod"/>
+            </a:pPr>
+            <a:r>
+              <a:rPr lang="en-US" sz="2400" dirty="0">
+                <a:solidFill>
+                  <a:schemeClr val="bg1"/>
+                </a:solidFill>
+              </a:rPr>
+              <a:t>Severity &amp; Roadway Type in top 5 states with the highest rate of accidents</a:t>
+            </a:r>
+          </a:p>
+          <a:p>
+            <a:pPr marL="457200" indent="-457200">
+              <a:buClrTx/>
+              <a:buFont typeface="+mj-lt"/>
+              <a:buAutoNum type="arabicPeriod"/>
+            </a:pPr>
+            <a:r>
+              <a:rPr lang="en-US" sz="2400" dirty="0">
+                <a:solidFill>
+                  <a:schemeClr val="bg1"/>
+                </a:solidFill>
+              </a:rPr>
+              <a:t>Severity &amp; Description</a:t>
+            </a:r>
+          </a:p>
+          <a:p>
+            <a:pPr marL="457200" indent="-457200">
+              <a:buClrTx/>
+              <a:buFont typeface="+mj-lt"/>
+              <a:buAutoNum type="arabicPeriod"/>
+            </a:pPr>
+            <a:r>
+              <a:rPr lang="en-US" sz="2400" dirty="0">
+                <a:solidFill>
+                  <a:schemeClr val="bg1"/>
+                </a:solidFill>
+              </a:rPr>
+              <a:t>Severity &amp; Time of Day</a:t>
+            </a:r>
+          </a:p>
+          <a:p>
+            <a:pPr marL="457200" indent="-457200">
+              <a:buClrTx/>
+              <a:buFont typeface="+mj-lt"/>
+              <a:buAutoNum type="arabicPeriod"/>
+            </a:pPr>
+            <a:r>
+              <a:rPr lang="en-US" sz="2400" dirty="0">
+                <a:solidFill>
+                  <a:schemeClr val="bg1"/>
+                </a:solidFill>
+              </a:rPr>
+              <a:t>TBD</a:t>
+            </a:r>
+          </a:p>
+        </p:txBody>
+      </p:sp>
+    </p:spTree>
+    <p:extLst>
+      <p:ext uri="{BB962C8B-B14F-4D97-AF65-F5344CB8AC3E}">
+        <p14:creationId xmlns:p14="http://schemas.microsoft.com/office/powerpoint/2010/main" val="1428362492"/>
+      </p:ext>
+    </p:extLst>
+  </p:cSld>
+  <p:clrMapOvr>
+    <a:masterClrMapping/>
+  </p:clrMapOvr>
+</p:sld>
+</file>
+
+<file path=ppt/slides/slide4.xml><?xml version="1.0" encoding="utf-8"?>
+<p:sld xmlns:a="http://schemas.openxmlformats.org/drawingml/2006/main" xmlns:r="http://schemas.openxmlformats.org/officeDocument/2006/relationships" xmlns:p="http://schemas.openxmlformats.org/presentationml/2006/main">
+  <p:cSld>
+    <p:spTree>
+      <p:nvGrpSpPr>
+        <p:cNvPr id="1" name=""/>
+        <p:cNvGrpSpPr/>
+        <p:nvPr/>
+      </p:nvGrpSpPr>
+      <p:grpSpPr>
+        <a:xfrm>
+          <a:off x="0" y="0"/>
+          <a:ext cx="0" cy="0"/>
+          <a:chOff x="0" y="0"/>
+          <a:chExt cx="0" cy="0"/>
+        </a:xfrm>
+      </p:grpSpPr>
+      <p:sp>
+        <p:nvSpPr>
+          <p:cNvPr id="2" name="Title 1">
+            <a:extLst>
+              <a:ext uri="{FF2B5EF4-FFF2-40B4-BE49-F238E27FC236}">
+                <a16:creationId xmlns:a16="http://schemas.microsoft.com/office/drawing/2014/main" id="{00846977-A750-4BB6-9AE6-AEB2DC7066DF}"/>
+              </a:ext>
+            </a:extLst>
+          </p:cNvPr>
+          <p:cNvSpPr>
+            <a:spLocks noGrp="1"/>
+          </p:cNvSpPr>
+          <p:nvPr>
+            <p:ph type="title"/>
+          </p:nvPr>
+        </p:nvSpPr>
+        <p:spPr>
+          <a:xfrm>
+            <a:off x="684212" y="703874"/>
+            <a:ext cx="8534400" cy="1507067"/>
+          </a:xfrm>
+        </p:spPr>
+        <p:txBody>
+          <a:bodyPr/>
+          <a:lstStyle/>
+          <a:p>
+            <a:r>
+              <a:rPr lang="en-US" dirty="0"/>
+              <a:t>Methodology</a:t>
+            </a:r>
+          </a:p>
+        </p:txBody>
+      </p:sp>
+      <p:sp>
+        <p:nvSpPr>
+          <p:cNvPr id="3" name="Content Placeholder 2">
+            <a:extLst>
+              <a:ext uri="{FF2B5EF4-FFF2-40B4-BE49-F238E27FC236}">
+                <a16:creationId xmlns:a16="http://schemas.microsoft.com/office/drawing/2014/main" id="{F97BA237-BBF0-49FD-B184-71910E0D1F83}"/>
+              </a:ext>
+            </a:extLst>
+          </p:cNvPr>
+          <p:cNvSpPr>
+            <a:spLocks noGrp="1"/>
+          </p:cNvSpPr>
+          <p:nvPr>
+            <p:ph idx="1"/>
+          </p:nvPr>
+        </p:nvSpPr>
+        <p:spPr>
+          <a:xfrm>
+            <a:off x="684212" y="2393878"/>
+            <a:ext cx="8534400" cy="2482541"/>
+          </a:xfrm>
+        </p:spPr>
+        <p:txBody>
+          <a:bodyPr>
+            <a:normAutofit/>
+          </a:bodyPr>
+          <a:lstStyle/>
+          <a:p>
+            <a:pPr>
+              <a:buClrTx/>
+              <a:buFont typeface="Arial" panose="020B0604020202020204" pitchFamily="34" charset="0"/>
+              <a:buChar char="•"/>
+            </a:pPr>
+            <a:r>
+              <a:rPr lang="en-US" sz="2400" dirty="0">
+                <a:solidFill>
+                  <a:schemeClr val="bg1"/>
+                </a:solidFill>
+              </a:rPr>
+              <a:t>Use the Hadoop technology in order to leverage the distributed computing logic of Spark and efficiently analyze large amounts of data</a:t>
+            </a:r>
+          </a:p>
+          <a:p>
+            <a:pPr>
+              <a:buClrTx/>
+              <a:buFont typeface="Arial" panose="020B0604020202020204" pitchFamily="34" charset="0"/>
+              <a:buChar char="•"/>
+            </a:pPr>
+            <a:r>
+              <a:rPr lang="en-US" sz="2400" dirty="0">
+                <a:solidFill>
+                  <a:schemeClr val="bg1"/>
+                </a:solidFill>
+              </a:rPr>
+              <a:t>Find interesting correlations/patterns in the data in order to draw important conclusions about US automobile accidents</a:t>
+            </a:r>
+          </a:p>
+        </p:txBody>
+      </p:sp>
+    </p:spTree>
+    <p:extLst>
+      <p:ext uri="{BB962C8B-B14F-4D97-AF65-F5344CB8AC3E}">
+        <p14:creationId xmlns:p14="http://schemas.microsoft.com/office/powerpoint/2010/main" val="1671613276"/>
+      </p:ext>
+    </p:extLst>
+  </p:cSld>
+  <p:clrMapOvr>
+    <a:masterClrMapping/>
+  </p:clrMapOvr>
+</p:sld>
+</file>
+
+<file path=ppt/slides/slide5.xml><?xml version="1.0" encoding="utf-8"?>
+<p:sld xmlns:a="http://schemas.openxmlformats.org/drawingml/2006/main" xmlns:r="http://schemas.openxmlformats.org/officeDocument/2006/relationships" xmlns:p="http://schemas.openxmlformats.org/presentationml/2006/main">
+  <p:cSld>
+    <p:spTree>
+      <p:nvGrpSpPr>
+        <p:cNvPr id="1" name=""/>
+        <p:cNvGrpSpPr/>
+        <p:nvPr/>
+      </p:nvGrpSpPr>
+      <p:grpSpPr>
+        <a:xfrm>
+          <a:off x="0" y="0"/>
+          <a:ext cx="0" cy="0"/>
+          <a:chOff x="0" y="0"/>
+          <a:chExt cx="0" cy="0"/>
+        </a:xfrm>
+      </p:grpSpPr>
+      <p:sp>
+        <p:nvSpPr>
+          <p:cNvPr id="2" name="Title 1">
+            <a:extLst>
+              <a:ext uri="{FF2B5EF4-FFF2-40B4-BE49-F238E27FC236}">
+                <a16:creationId xmlns:a16="http://schemas.microsoft.com/office/drawing/2014/main" id="{00846977-A750-4BB6-9AE6-AEB2DC7066DF}"/>
+              </a:ext>
+            </a:extLst>
+          </p:cNvPr>
+          <p:cNvSpPr>
+            <a:spLocks noGrp="1"/>
+          </p:cNvSpPr>
+          <p:nvPr>
+            <p:ph type="title"/>
+          </p:nvPr>
+        </p:nvSpPr>
+        <p:spPr>
+          <a:xfrm>
+            <a:off x="684212" y="703874"/>
+            <a:ext cx="8534400" cy="1507067"/>
+          </a:xfrm>
+        </p:spPr>
+        <p:txBody>
+          <a:bodyPr/>
+          <a:lstStyle/>
+          <a:p>
+            <a:r>
+              <a:rPr lang="en-US" dirty="0"/>
+              <a:t>Q1</a:t>
+            </a:r>
+          </a:p>
+        </p:txBody>
+      </p:sp>
+      <p:sp>
+        <p:nvSpPr>
+          <p:cNvPr id="3" name="Content Placeholder 2">
+            <a:extLst>
+              <a:ext uri="{FF2B5EF4-FFF2-40B4-BE49-F238E27FC236}">
+                <a16:creationId xmlns:a16="http://schemas.microsoft.com/office/drawing/2014/main" id="{F97BA237-BBF0-49FD-B184-71910E0D1F83}"/>
+              </a:ext>
+            </a:extLst>
+          </p:cNvPr>
+          <p:cNvSpPr>
+            <a:spLocks noGrp="1"/>
+          </p:cNvSpPr>
+          <p:nvPr>
+            <p:ph idx="1"/>
+          </p:nvPr>
+        </p:nvSpPr>
+        <p:spPr>
+          <a:xfrm>
+            <a:off x="684212" y="1881259"/>
+            <a:ext cx="8534400" cy="2482541"/>
+          </a:xfrm>
+        </p:spPr>
+        <p:txBody>
+          <a:bodyPr anchor="t">
+            <a:normAutofit/>
+          </a:bodyPr>
+          <a:lstStyle/>
+          <a:p>
+            <a:pPr marL="0" indent="0" defTabSz="914400">
+              <a:spcBef>
+                <a:spcPts val="0"/>
+              </a:spcBef>
+              <a:spcAft>
+                <a:spcPts val="0"/>
+              </a:spcAft>
+              <a:buClrTx/>
+              <a:buSzTx/>
+              <a:buFont typeface="+mj-lt"/>
+              <a:buNone/>
+            </a:pPr>
+            <a:r>
+              <a:rPr lang="en-US" sz="2400" dirty="0">
+                <a:solidFill>
+                  <a:schemeClr val="bg1"/>
+                </a:solidFill>
+              </a:rPr>
+              <a:t>Which 5 states have the highest rate of car accidents? For each of the 5 states, on which road types did most accidents occur and is there a correlation between the road type and severity of the accident?</a:t>
+            </a:r>
+          </a:p>
+        </p:txBody>
+      </p:sp>
+    </p:spTree>
+    <p:extLst>
+      <p:ext uri="{BB962C8B-B14F-4D97-AF65-F5344CB8AC3E}">
+        <p14:creationId xmlns:p14="http://schemas.microsoft.com/office/powerpoint/2010/main" val="2276160860"/>
+      </p:ext>
+    </p:extLst>
+  </p:cSld>
+  <p:clrMapOvr>
+    <a:masterClrMapping/>
+  </p:clrMapOvr>
+</p:sld>
+</file>
+
+<file path=ppt/slides/slide6.xml><?xml version="1.0" encoding="utf-8"?>
+<p:sld xmlns:a="http://schemas.openxmlformats.org/drawingml/2006/main" xmlns:r="http://schemas.openxmlformats.org/officeDocument/2006/relationships" xmlns:p="http://schemas.openxmlformats.org/presentationml/2006/main">
+  <p:cSld>
+    <p:spTree>
+      <p:nvGrpSpPr>
+        <p:cNvPr id="1" name=""/>
+        <p:cNvGrpSpPr/>
+        <p:nvPr/>
+      </p:nvGrpSpPr>
+      <p:grpSpPr>
+        <a:xfrm>
+          <a:off x="0" y="0"/>
+          <a:ext cx="0" cy="0"/>
+          <a:chOff x="0" y="0"/>
+          <a:chExt cx="0" cy="0"/>
+        </a:xfrm>
+      </p:grpSpPr>
+      <p:sp>
+        <p:nvSpPr>
+          <p:cNvPr id="2" name="Title 1">
+            <a:extLst>
+              <a:ext uri="{FF2B5EF4-FFF2-40B4-BE49-F238E27FC236}">
+                <a16:creationId xmlns:a16="http://schemas.microsoft.com/office/drawing/2014/main" id="{00846977-A750-4BB6-9AE6-AEB2DC7066DF}"/>
+              </a:ext>
+            </a:extLst>
+          </p:cNvPr>
+          <p:cNvSpPr>
+            <a:spLocks noGrp="1"/>
+          </p:cNvSpPr>
+          <p:nvPr>
+            <p:ph type="title"/>
+          </p:nvPr>
+        </p:nvSpPr>
+        <p:spPr>
+          <a:xfrm>
+            <a:off x="684212" y="703874"/>
+            <a:ext cx="8534400" cy="1507067"/>
+          </a:xfrm>
+        </p:spPr>
+        <p:txBody>
+          <a:bodyPr/>
+          <a:lstStyle/>
+          <a:p>
+            <a:r>
+              <a:rPr lang="en-US" dirty="0"/>
+              <a:t>Q1 (cont.)</a:t>
+            </a:r>
+          </a:p>
+        </p:txBody>
+      </p:sp>
+      <p:sp>
+        <p:nvSpPr>
+          <p:cNvPr id="3" name="Content Placeholder 2">
+            <a:extLst>
+              <a:ext uri="{FF2B5EF4-FFF2-40B4-BE49-F238E27FC236}">
+                <a16:creationId xmlns:a16="http://schemas.microsoft.com/office/drawing/2014/main" id="{F97BA237-BBF0-49FD-B184-71910E0D1F83}"/>
+              </a:ext>
+            </a:extLst>
+          </p:cNvPr>
+          <p:cNvSpPr>
+            <a:spLocks noGrp="1"/>
+          </p:cNvSpPr>
+          <p:nvPr>
+            <p:ph idx="1"/>
+          </p:nvPr>
+        </p:nvSpPr>
+        <p:spPr>
+          <a:xfrm>
+            <a:off x="684211" y="1881259"/>
+            <a:ext cx="11216843" cy="3785250"/>
+          </a:xfrm>
+        </p:spPr>
+        <p:txBody>
+          <a:bodyPr anchor="t">
+            <a:normAutofit lnSpcReduction="10000"/>
+          </a:bodyPr>
+          <a:lstStyle/>
+          <a:p>
+            <a:pPr marL="0" indent="0" defTabSz="914400">
+              <a:lnSpc>
+                <a:spcPct val="150000"/>
+              </a:lnSpc>
+              <a:spcBef>
+                <a:spcPts val="0"/>
+              </a:spcBef>
+              <a:spcAft>
+                <a:spcPts val="0"/>
+              </a:spcAft>
+              <a:buClrTx/>
+              <a:buSzTx/>
+              <a:buFont typeface="+mj-lt"/>
+              <a:buNone/>
+            </a:pPr>
+            <a:r>
+              <a:rPr lang="en-US" sz="2400" dirty="0">
+                <a:solidFill>
+                  <a:schemeClr val="bg1"/>
+                </a:solidFill>
+              </a:rPr>
+              <a:t>Method:</a:t>
+            </a:r>
+          </a:p>
+          <a:p>
+            <a:pPr marL="0" indent="-457200" defTabSz="914400">
+              <a:lnSpc>
+                <a:spcPct val="150000"/>
+              </a:lnSpc>
+              <a:spcBef>
+                <a:spcPts val="0"/>
+              </a:spcBef>
+              <a:spcAft>
+                <a:spcPts val="0"/>
+              </a:spcAft>
+              <a:buClrTx/>
+              <a:buSzTx/>
+              <a:buFont typeface="Arial" charset="0"/>
+              <a:buChar char="•"/>
+            </a:pPr>
+            <a:r>
+              <a:rPr lang="en-US" sz="2400" dirty="0">
+                <a:solidFill>
+                  <a:schemeClr val="bg1"/>
+                </a:solidFill>
+              </a:rPr>
+              <a:t>2 RDDs:</a:t>
+            </a:r>
+            <a:br>
+              <a:rPr lang="en-US" sz="2400" dirty="0">
+                <a:solidFill>
+                  <a:schemeClr val="bg1"/>
+                </a:solidFill>
+              </a:rPr>
+            </a:br>
+            <a:r>
+              <a:rPr lang="en-US" sz="2400" dirty="0">
+                <a:solidFill>
+                  <a:schemeClr val="bg1"/>
+                </a:solidFill>
+              </a:rPr>
+              <a:t>	Map(state, # of accidents)</a:t>
+            </a:r>
+            <a:br>
+              <a:rPr lang="en-US" sz="2400" dirty="0">
+                <a:solidFill>
+                  <a:schemeClr val="bg1"/>
+                </a:solidFill>
+              </a:rPr>
+            </a:br>
+            <a:r>
+              <a:rPr lang="en-US" sz="2400" dirty="0">
+                <a:solidFill>
+                  <a:schemeClr val="bg1"/>
+                </a:solidFill>
+              </a:rPr>
+              <a:t>	Map(state, </a:t>
+            </a:r>
+            <a:r>
+              <a:rPr lang="en-US" sz="2400" dirty="0" err="1">
+                <a:solidFill>
+                  <a:schemeClr val="bg1"/>
+                </a:solidFill>
+              </a:rPr>
+              <a:t>SortedList</a:t>
+            </a:r>
+            <a:r>
+              <a:rPr lang="en-US" sz="2400" dirty="0">
+                <a:solidFill>
+                  <a:schemeClr val="bg1"/>
+                </a:solidFill>
+              </a:rPr>
+              <a:t>(</a:t>
+            </a:r>
+            <a:r>
+              <a:rPr lang="en-US" sz="2400" dirty="0" err="1">
+                <a:solidFill>
+                  <a:schemeClr val="bg1"/>
+                </a:solidFill>
+              </a:rPr>
+              <a:t>roadtype</a:t>
+            </a:r>
+            <a:r>
+              <a:rPr lang="en-US" sz="2400" dirty="0">
+                <a:solidFill>
+                  <a:schemeClr val="bg1"/>
+                </a:solidFill>
+              </a:rPr>
+              <a:t>, # of accidents, </a:t>
+            </a:r>
+            <a:r>
+              <a:rPr lang="en-US" sz="2400" dirty="0" err="1">
+                <a:solidFill>
+                  <a:schemeClr val="bg1"/>
+                </a:solidFill>
+              </a:rPr>
+              <a:t>avg</a:t>
+            </a:r>
+            <a:r>
+              <a:rPr lang="en-US" sz="2400" dirty="0">
+                <a:solidFill>
+                  <a:schemeClr val="bg1"/>
+                </a:solidFill>
+              </a:rPr>
+              <a:t> severity))</a:t>
+            </a:r>
+          </a:p>
+          <a:p>
+            <a:pPr marL="0" indent="-457200" defTabSz="914400">
+              <a:lnSpc>
+                <a:spcPct val="150000"/>
+              </a:lnSpc>
+              <a:spcBef>
+                <a:spcPts val="0"/>
+              </a:spcBef>
+              <a:spcAft>
+                <a:spcPts val="0"/>
+              </a:spcAft>
+              <a:buClrTx/>
+              <a:buSzTx/>
+              <a:buFont typeface="Arial" charset="0"/>
+              <a:buChar char="•"/>
+            </a:pPr>
+            <a:r>
+              <a:rPr lang="en-US" sz="2400" dirty="0">
+                <a:solidFill>
+                  <a:schemeClr val="bg1"/>
+                </a:solidFill>
+              </a:rPr>
+              <a:t>Road types were extracted using regular expressions</a:t>
+            </a:r>
+          </a:p>
+          <a:p>
+            <a:pPr marL="914400" lvl="2" indent="-457200" defTabSz="914400">
+              <a:lnSpc>
+                <a:spcPct val="150000"/>
+              </a:lnSpc>
+              <a:spcBef>
+                <a:spcPts val="0"/>
+              </a:spcBef>
+              <a:spcAft>
+                <a:spcPts val="0"/>
+              </a:spcAft>
+              <a:buClrTx/>
+              <a:buSzTx/>
+              <a:buFont typeface="Arial" charset="0"/>
+              <a:buChar char="•"/>
+            </a:pPr>
+            <a:r>
+              <a:rPr lang="en-US" sz="2400" dirty="0">
+                <a:solidFill>
+                  <a:schemeClr val="bg1"/>
+                </a:solidFill>
+              </a:rPr>
+              <a:t>“I-5 W” contains “I-{number} {bound}”</a:t>
+            </a:r>
+          </a:p>
+          <a:p>
+            <a:pPr marL="914400" lvl="2" indent="-457200" defTabSz="914400">
+              <a:lnSpc>
+                <a:spcPct val="150000"/>
+              </a:lnSpc>
+              <a:spcBef>
+                <a:spcPts val="0"/>
+              </a:spcBef>
+              <a:spcAft>
+                <a:spcPts val="0"/>
+              </a:spcAft>
+              <a:buClrTx/>
+              <a:buSzTx/>
+              <a:buFont typeface="Arial" charset="0"/>
+              <a:buChar char="•"/>
+            </a:pPr>
+            <a:r>
+              <a:rPr lang="en-US" sz="2400" dirty="0">
+                <a:solidFill>
+                  <a:schemeClr val="bg1"/>
+                </a:solidFill>
+              </a:rPr>
+              <a:t>“CA-1 S” contains ”{2 char </a:t>
+            </a:r>
+            <a:r>
+              <a:rPr lang="en-US" sz="2400" dirty="0" err="1">
+                <a:solidFill>
+                  <a:schemeClr val="bg1"/>
+                </a:solidFill>
+              </a:rPr>
+              <a:t>abbv</a:t>
+            </a:r>
+            <a:r>
+              <a:rPr lang="en-US" sz="2400" dirty="0">
+                <a:solidFill>
+                  <a:schemeClr val="bg1"/>
+                </a:solidFill>
+              </a:rPr>
+              <a:t> for state}-{number} {bound}”</a:t>
+            </a:r>
+          </a:p>
+        </p:txBody>
+      </p:sp>
+    </p:spTree>
+    <p:extLst>
+      <p:ext uri="{BB962C8B-B14F-4D97-AF65-F5344CB8AC3E}">
+        <p14:creationId xmlns:p14="http://schemas.microsoft.com/office/powerpoint/2010/main" val="1258063272"/>
+      </p:ext>
+    </p:extLst>
+  </p:cSld>
+  <p:clrMapOvr>
+    <a:masterClrMapping/>
+  </p:clrMapOvr>
+</p:sld>
+</file>
+
+<file path=ppt/slides/slide7.xml><?xml version="1.0" encoding="utf-8"?>
+<p:sld xmlns:a="http://schemas.openxmlformats.org/drawingml/2006/main" xmlns:r="http://schemas.openxmlformats.org/officeDocument/2006/relationships" xmlns:p="http://schemas.openxmlformats.org/presentationml/2006/main">
+  <p:cSld>
+    <p:spTree>
+      <p:nvGrpSpPr>
+        <p:cNvPr id="1" name=""/>
+        <p:cNvGrpSpPr/>
+        <p:nvPr/>
+      </p:nvGrpSpPr>
+      <p:grpSpPr>
+        <a:xfrm>
+          <a:off x="0" y="0"/>
+          <a:ext cx="0" cy="0"/>
+          <a:chOff x="0" y="0"/>
+          <a:chExt cx="0" cy="0"/>
+        </a:xfrm>
+      </p:grpSpPr>
+      <p:sp>
+        <p:nvSpPr>
+          <p:cNvPr id="2" name="Title 1">
+            <a:extLst>
+              <a:ext uri="{FF2B5EF4-FFF2-40B4-BE49-F238E27FC236}">
+                <a16:creationId xmlns:a16="http://schemas.microsoft.com/office/drawing/2014/main" id="{00846977-A750-4BB6-9AE6-AEB2DC7066DF}"/>
+              </a:ext>
+            </a:extLst>
+          </p:cNvPr>
+          <p:cNvSpPr>
+            <a:spLocks noGrp="1"/>
+          </p:cNvSpPr>
+          <p:nvPr>
+            <p:ph type="title"/>
+          </p:nvPr>
+        </p:nvSpPr>
+        <p:spPr>
+          <a:xfrm>
+            <a:off x="684212" y="703874"/>
+            <a:ext cx="8534400" cy="1507067"/>
+          </a:xfrm>
+        </p:spPr>
+        <p:txBody>
+          <a:bodyPr/>
+          <a:lstStyle/>
+          <a:p>
+            <a:r>
+              <a:rPr lang="en-US" dirty="0"/>
+              <a:t>Q1 (cont.)</a:t>
+            </a:r>
+          </a:p>
+        </p:txBody>
+      </p:sp>
+      <p:sp>
+        <p:nvSpPr>
+          <p:cNvPr id="3" name="Content Placeholder 2">
+            <a:extLst>
+              <a:ext uri="{FF2B5EF4-FFF2-40B4-BE49-F238E27FC236}">
+                <a16:creationId xmlns:a16="http://schemas.microsoft.com/office/drawing/2014/main" id="{F97BA237-BBF0-49FD-B184-71910E0D1F83}"/>
+              </a:ext>
+            </a:extLst>
+          </p:cNvPr>
+          <p:cNvSpPr>
+            <a:spLocks noGrp="1"/>
+          </p:cNvSpPr>
+          <p:nvPr>
+            <p:ph idx="1"/>
+          </p:nvPr>
+        </p:nvSpPr>
+        <p:spPr>
+          <a:xfrm>
+            <a:off x="684211" y="1881259"/>
+            <a:ext cx="11216843" cy="3785250"/>
+          </a:xfrm>
+        </p:spPr>
+        <p:txBody>
+          <a:bodyPr anchor="t">
+            <a:normAutofit lnSpcReduction="10000"/>
+          </a:bodyPr>
+          <a:lstStyle/>
+          <a:p>
+            <a:pPr marL="0" indent="0" defTabSz="914400">
+              <a:spcBef>
+                <a:spcPts val="0"/>
+              </a:spcBef>
+              <a:spcAft>
+                <a:spcPts val="0"/>
+              </a:spcAft>
+              <a:buClrTx/>
+              <a:buSzTx/>
+              <a:buFont typeface="+mj-lt"/>
+              <a:buNone/>
+            </a:pPr>
+            <a:r>
+              <a:rPr lang="en-US" sz="2400" dirty="0">
+                <a:solidFill>
+                  <a:schemeClr val="bg1"/>
+                </a:solidFill>
+              </a:rPr>
+              <a:t>Results:</a:t>
+            </a:r>
+          </a:p>
+          <a:p>
+            <a:pPr defTabSz="914400">
+              <a:spcBef>
+                <a:spcPts val="0"/>
+              </a:spcBef>
+              <a:spcAft>
+                <a:spcPts val="0"/>
+              </a:spcAft>
+              <a:buClrTx/>
+              <a:buSzTx/>
+              <a:buFont typeface="Arial" charset="0"/>
+              <a:buChar char="•"/>
+            </a:pPr>
+            <a:r>
+              <a:rPr lang="en-US" sz="2400" dirty="0">
+                <a:solidFill>
+                  <a:schemeClr val="bg1"/>
+                </a:solidFill>
+              </a:rPr>
+              <a:t>CA 9768</a:t>
+            </a:r>
+          </a:p>
+          <a:p>
+            <a:pPr lvl="1" defTabSz="914400">
+              <a:spcBef>
+                <a:spcPts val="0"/>
+              </a:spcBef>
+              <a:spcAft>
+                <a:spcPts val="0"/>
+              </a:spcAft>
+              <a:buClrTx/>
+              <a:buSzTx/>
+              <a:buFont typeface="Arial" charset="0"/>
+              <a:buChar char="•"/>
+            </a:pPr>
+            <a:r>
+              <a:rPr lang="en-US" sz="1600" dirty="0">
+                <a:solidFill>
+                  <a:schemeClr val="bg1"/>
+                </a:solidFill>
+              </a:rPr>
+              <a:t>(Local Street, 4039, 2.23), (Interstate, 2352, 2.92), (Freeway, 1748, 2.58), (State Highway, 1388, 2.09), (Highway, 241, 2.08)</a:t>
+            </a:r>
+          </a:p>
+          <a:p>
+            <a:pPr defTabSz="914400">
+              <a:spcBef>
+                <a:spcPts val="0"/>
+              </a:spcBef>
+              <a:spcAft>
+                <a:spcPts val="0"/>
+              </a:spcAft>
+              <a:buClrTx/>
+              <a:buSzTx/>
+              <a:buFont typeface="Arial" charset="0"/>
+              <a:buChar char="•"/>
+            </a:pPr>
+            <a:r>
+              <a:rPr lang="en-US" sz="2400" dirty="0">
+                <a:solidFill>
+                  <a:schemeClr val="bg1"/>
+                </a:solidFill>
+              </a:rPr>
+              <a:t>TX 4877</a:t>
+            </a:r>
+          </a:p>
+          <a:p>
+            <a:pPr lvl="1" defTabSz="914400">
+              <a:spcBef>
+                <a:spcPts val="0"/>
+              </a:spcBef>
+              <a:spcAft>
+                <a:spcPts val="0"/>
+              </a:spcAft>
+              <a:buClrTx/>
+              <a:buSzTx/>
+              <a:buFont typeface="Arial" charset="0"/>
+              <a:buChar char="•"/>
+            </a:pPr>
+            <a:r>
+              <a:rPr lang="en-US" sz="1600" dirty="0">
+                <a:solidFill>
+                  <a:schemeClr val="bg1"/>
+                </a:solidFill>
+              </a:rPr>
+              <a:t>(Local Street, 3837, 2.13), (Interstate, 417, 2.87), (State Highway, 367, 2.43), (Freeway, 213, 2.56),</a:t>
+            </a:r>
+            <a:br>
+              <a:rPr lang="en-US" sz="1600" dirty="0">
+                <a:solidFill>
+                  <a:schemeClr val="bg1"/>
+                </a:solidFill>
+              </a:rPr>
+            </a:br>
+            <a:r>
+              <a:rPr lang="en-US" sz="1600" dirty="0">
+                <a:solidFill>
+                  <a:schemeClr val="bg1"/>
+                </a:solidFill>
+              </a:rPr>
+              <a:t>(Highway, 43, 2.28)</a:t>
+            </a:r>
+          </a:p>
+          <a:p>
+            <a:pPr defTabSz="914400">
+              <a:spcBef>
+                <a:spcPts val="0"/>
+              </a:spcBef>
+              <a:spcAft>
+                <a:spcPts val="0"/>
+              </a:spcAft>
+              <a:buClrTx/>
+              <a:buSzTx/>
+              <a:buFont typeface="Arial" charset="0"/>
+              <a:buChar char="•"/>
+            </a:pPr>
+            <a:r>
+              <a:rPr lang="en-US" sz="2400" dirty="0">
+                <a:solidFill>
+                  <a:schemeClr val="bg1"/>
+                </a:solidFill>
+              </a:rPr>
+              <a:t>FL 3034</a:t>
+            </a:r>
+          </a:p>
+          <a:p>
+            <a:pPr lvl="1" defTabSz="914400">
+              <a:spcBef>
+                <a:spcPts val="0"/>
+              </a:spcBef>
+              <a:spcAft>
+                <a:spcPts val="0"/>
+              </a:spcAft>
+              <a:buClrTx/>
+              <a:buSzTx/>
+              <a:buFont typeface="Arial" charset="0"/>
+              <a:buChar char="•"/>
+            </a:pPr>
+            <a:r>
+              <a:rPr lang="en-US" sz="1600" dirty="0">
+                <a:solidFill>
+                  <a:schemeClr val="bg1"/>
+                </a:solidFill>
+              </a:rPr>
+              <a:t>(Local Street, 2329, 2.18), (Interstate, 619, 2.92), (Highway, 53, 2.15), (State Highway, 33, 2.39)</a:t>
+            </a:r>
+          </a:p>
+          <a:p>
+            <a:pPr defTabSz="914400">
+              <a:spcBef>
+                <a:spcPts val="0"/>
+              </a:spcBef>
+              <a:spcAft>
+                <a:spcPts val="0"/>
+              </a:spcAft>
+              <a:buClrTx/>
+              <a:buSzTx/>
+              <a:buFont typeface="Arial" charset="0"/>
+              <a:buChar char="•"/>
+            </a:pPr>
+            <a:r>
+              <a:rPr lang="en-US" sz="2400" dirty="0">
+                <a:solidFill>
+                  <a:schemeClr val="bg1"/>
+                </a:solidFill>
+              </a:rPr>
+              <a:t>PA 1835</a:t>
+            </a:r>
+          </a:p>
+          <a:p>
+            <a:pPr lvl="1" defTabSz="914400">
+              <a:spcBef>
+                <a:spcPts val="0"/>
+              </a:spcBef>
+              <a:spcAft>
+                <a:spcPts val="0"/>
+              </a:spcAft>
+              <a:buClrTx/>
+              <a:buSzTx/>
+              <a:buFont typeface="Arial" charset="0"/>
+              <a:buChar char="•"/>
+            </a:pPr>
+            <a:r>
+              <a:rPr lang="en-US" sz="1600" dirty="0">
+                <a:solidFill>
+                  <a:schemeClr val="bg1"/>
+                </a:solidFill>
+              </a:rPr>
+              <a:t>(Local Street, 1573, 2.08), (Interstate, 136, 2.86), (State Highway, 80, 2.31), (Highway, 46, 2.37)</a:t>
+            </a:r>
+          </a:p>
+          <a:p>
+            <a:pPr defTabSz="914400">
+              <a:spcBef>
+                <a:spcPts val="0"/>
+              </a:spcBef>
+              <a:spcAft>
+                <a:spcPts val="0"/>
+              </a:spcAft>
+              <a:buClrTx/>
+              <a:buSzTx/>
+              <a:buFont typeface="Arial" charset="0"/>
+              <a:buChar char="•"/>
+            </a:pPr>
+            <a:r>
+              <a:rPr lang="en-US" sz="2400" dirty="0">
+                <a:solidFill>
+                  <a:schemeClr val="bg1"/>
+                </a:solidFill>
+              </a:rPr>
+              <a:t>NY 1732</a:t>
+            </a:r>
+          </a:p>
+          <a:p>
+            <a:pPr lvl="1" defTabSz="914400">
+              <a:spcBef>
+                <a:spcPts val="0"/>
+              </a:spcBef>
+              <a:spcAft>
+                <a:spcPts val="0"/>
+              </a:spcAft>
+              <a:buClrTx/>
+              <a:buSzTx/>
+              <a:buFont typeface="Arial" charset="0"/>
+              <a:buChar char="•"/>
+            </a:pPr>
+            <a:r>
+              <a:rPr lang="en-US" sz="1600" dirty="0">
+                <a:solidFill>
+                  <a:schemeClr val="bg1"/>
+                </a:solidFill>
+              </a:rPr>
+              <a:t>(Local Street, 1448, 2.37), (Interstate, 253, 2.82), (State Highway, 16, 2.31), (Highway, 15, 2.13)</a:t>
+            </a:r>
+          </a:p>
+        </p:txBody>
+      </p:sp>
+    </p:spTree>
+    <p:extLst>
+      <p:ext uri="{BB962C8B-B14F-4D97-AF65-F5344CB8AC3E}">
+        <p14:creationId xmlns:p14="http://schemas.microsoft.com/office/powerpoint/2010/main" val="696298671"/>
+      </p:ext>
+    </p:extLst>
+  </p:cSld>
+  <p:clrMapOvr>
+    <a:masterClrMapping/>
+  </p:clrMapOvr>
+</p:sld>
+</file>
+
+<file path=ppt/slides/slide8.xml><?xml version="1.0" encoding="utf-8"?>
+<p:sld xmlns:a="http://schemas.openxmlformats.org/drawingml/2006/main" xmlns:r="http://schemas.openxmlformats.org/officeDocument/2006/relationships" xmlns:p="http://schemas.openxmlformats.org/presentationml/2006/main">
+  <p:cSld>
+    <p:spTree>
+      <p:nvGrpSpPr>
+        <p:cNvPr id="1" name=""/>
+        <p:cNvGrpSpPr/>
+        <p:nvPr/>
+      </p:nvGrpSpPr>
+      <p:grpSpPr>
+        <a:xfrm>
+          <a:off x="0" y="0"/>
+          <a:ext cx="0" cy="0"/>
+          <a:chOff x="0" y="0"/>
+          <a:chExt cx="0" cy="0"/>
+        </a:xfrm>
+      </p:grpSpPr>
+      <p:sp>
+        <p:nvSpPr>
+          <p:cNvPr id="2" name="Title 1">
+            <a:extLst>
+              <a:ext uri="{FF2B5EF4-FFF2-40B4-BE49-F238E27FC236}">
+                <a16:creationId xmlns:a16="http://schemas.microsoft.com/office/drawing/2014/main" id="{00846977-A750-4BB6-9AE6-AEB2DC7066DF}"/>
+              </a:ext>
+            </a:extLst>
+          </p:cNvPr>
+          <p:cNvSpPr>
+            <a:spLocks noGrp="1"/>
+          </p:cNvSpPr>
+          <p:nvPr>
+            <p:ph type="title"/>
+          </p:nvPr>
+        </p:nvSpPr>
+        <p:spPr>
+          <a:xfrm>
+            <a:off x="684212" y="703874"/>
+            <a:ext cx="8534400" cy="1507067"/>
+          </a:xfrm>
+        </p:spPr>
+        <p:txBody>
+          <a:bodyPr/>
+          <a:lstStyle/>
+          <a:p>
+            <a:r>
+              <a:rPr lang="en-US" dirty="0"/>
+              <a:t>Q1 (cont.)</a:t>
+            </a:r>
+          </a:p>
+        </p:txBody>
+      </p:sp>
+      <p:sp>
+        <p:nvSpPr>
+          <p:cNvPr id="3" name="Content Placeholder 2">
+            <a:extLst>
+              <a:ext uri="{FF2B5EF4-FFF2-40B4-BE49-F238E27FC236}">
+                <a16:creationId xmlns:a16="http://schemas.microsoft.com/office/drawing/2014/main" id="{F97BA237-BBF0-49FD-B184-71910E0D1F83}"/>
+              </a:ext>
+            </a:extLst>
+          </p:cNvPr>
+          <p:cNvSpPr>
+            <a:spLocks noGrp="1"/>
+          </p:cNvSpPr>
+          <p:nvPr>
+            <p:ph idx="1"/>
+          </p:nvPr>
+        </p:nvSpPr>
+        <p:spPr>
+          <a:xfrm>
+            <a:off x="684211" y="1881259"/>
+            <a:ext cx="11216843" cy="3785250"/>
+          </a:xfrm>
+        </p:spPr>
+        <p:txBody>
+          <a:bodyPr anchor="t">
+            <a:normAutofit/>
+          </a:bodyPr>
+          <a:lstStyle/>
+          <a:p>
+            <a:pPr marL="0" indent="0" defTabSz="914400">
+              <a:lnSpc>
+                <a:spcPct val="150000"/>
+              </a:lnSpc>
+              <a:spcBef>
+                <a:spcPts val="0"/>
+              </a:spcBef>
+              <a:spcAft>
+                <a:spcPts val="0"/>
+              </a:spcAft>
+              <a:buClrTx/>
+              <a:buSzTx/>
+              <a:buFont typeface="+mj-lt"/>
+              <a:buNone/>
+            </a:pPr>
+            <a:r>
+              <a:rPr lang="en-US" sz="2400" dirty="0">
+                <a:solidFill>
+                  <a:schemeClr val="bg1"/>
+                </a:solidFill>
+              </a:rPr>
+              <a:t>Observations From Findings:</a:t>
+            </a:r>
+          </a:p>
+          <a:p>
+            <a:pPr defTabSz="914400">
+              <a:lnSpc>
+                <a:spcPct val="150000"/>
+              </a:lnSpc>
+              <a:spcBef>
+                <a:spcPts val="0"/>
+              </a:spcBef>
+              <a:spcAft>
+                <a:spcPts val="0"/>
+              </a:spcAft>
+              <a:buClrTx/>
+              <a:buSzTx/>
+              <a:buFont typeface="Arial" charset="0"/>
+              <a:buChar char="•"/>
+            </a:pPr>
+            <a:r>
+              <a:rPr lang="en-US" sz="2400" dirty="0">
+                <a:solidFill>
+                  <a:schemeClr val="bg1"/>
+                </a:solidFill>
+              </a:rPr>
+              <a:t>California had the highest number of accidents in this sample</a:t>
+            </a:r>
+          </a:p>
+          <a:p>
+            <a:pPr defTabSz="914400">
+              <a:lnSpc>
+                <a:spcPct val="150000"/>
+              </a:lnSpc>
+              <a:spcBef>
+                <a:spcPts val="0"/>
+              </a:spcBef>
+              <a:spcAft>
+                <a:spcPts val="0"/>
+              </a:spcAft>
+              <a:buClrTx/>
+              <a:buSzTx/>
+              <a:buFont typeface="Arial" charset="0"/>
+              <a:buChar char="•"/>
+            </a:pPr>
+            <a:r>
+              <a:rPr lang="en-US" sz="2400" dirty="0">
+                <a:solidFill>
+                  <a:schemeClr val="bg1"/>
+                </a:solidFill>
+              </a:rPr>
+              <a:t>For all 5 top states, the most accidents occurred on local streets (1</a:t>
+            </a:r>
+            <a:r>
+              <a:rPr lang="en-US" sz="2400" baseline="30000" dirty="0">
+                <a:solidFill>
+                  <a:schemeClr val="bg1"/>
+                </a:solidFill>
+              </a:rPr>
+              <a:t>st</a:t>
+            </a:r>
+            <a:r>
+              <a:rPr lang="en-US" sz="2400" dirty="0">
+                <a:solidFill>
+                  <a:schemeClr val="bg1"/>
+                </a:solidFill>
+              </a:rPr>
+              <a:t>) then on interstates (2</a:t>
+            </a:r>
+            <a:r>
+              <a:rPr lang="en-US" sz="2400" baseline="30000" dirty="0">
+                <a:solidFill>
+                  <a:schemeClr val="bg1"/>
+                </a:solidFill>
+              </a:rPr>
+              <a:t>nd</a:t>
+            </a:r>
+            <a:r>
+              <a:rPr lang="en-US" sz="2400" dirty="0">
+                <a:solidFill>
+                  <a:schemeClr val="bg1"/>
+                </a:solidFill>
+              </a:rPr>
+              <a:t>)</a:t>
+            </a:r>
+          </a:p>
+          <a:p>
+            <a:pPr defTabSz="914400">
+              <a:lnSpc>
+                <a:spcPct val="150000"/>
+              </a:lnSpc>
+              <a:spcBef>
+                <a:spcPts val="0"/>
+              </a:spcBef>
+              <a:spcAft>
+                <a:spcPts val="0"/>
+              </a:spcAft>
+              <a:buClrTx/>
+              <a:buSzTx/>
+              <a:buFont typeface="Arial" charset="0"/>
+              <a:buChar char="•"/>
+            </a:pPr>
+            <a:r>
+              <a:rPr lang="en-US" sz="2400" dirty="0">
+                <a:solidFill>
+                  <a:schemeClr val="bg1"/>
+                </a:solidFill>
+              </a:rPr>
+              <a:t>For all 5 top states, the road with the highest average severity was the Interstates</a:t>
+            </a:r>
+          </a:p>
+        </p:txBody>
+      </p:sp>
+    </p:spTree>
+    <p:extLst>
+      <p:ext uri="{BB962C8B-B14F-4D97-AF65-F5344CB8AC3E}">
+        <p14:creationId xmlns:p14="http://schemas.microsoft.com/office/powerpoint/2010/main" val="1273846658"/>
+      </p:ext>
+    </p:extLst>
+  </p:cSld>
+  <p:clrMapOvr>
+    <a:masterClrMapping/>
+  </p:clrMapOvr>
+</p:sld>
+</file>
+
+<file path=ppt/slides/slide9.xml><?xml version="1.0" encoding="utf-8"?>
+<p:sld xmlns:a="http://schemas.openxmlformats.org/drawingml/2006/main" xmlns:r="http://schemas.openxmlformats.org/officeDocument/2006/relationships" xmlns:p="http://schemas.openxmlformats.org/presentationml/2006/main">
+  <p:cSld>
+    <p:spTree>
+      <p:nvGrpSpPr>
+        <p:cNvPr id="1" name=""/>
+        <p:cNvGrpSpPr/>
+        <p:nvPr/>
+      </p:nvGrpSpPr>
+      <p:grpSpPr>
+        <a:xfrm>
+          <a:off x="0" y="0"/>
+          <a:ext cx="0" cy="0"/>
+          <a:chOff x="0" y="0"/>
+          <a:chExt cx="0" cy="0"/>
+        </a:xfrm>
+      </p:grpSpPr>
+      <p:sp>
+        <p:nvSpPr>
+          <p:cNvPr id="2" name="Title 1">
+            <a:extLst>
+              <a:ext uri="{FF2B5EF4-FFF2-40B4-BE49-F238E27FC236}">
+                <a16:creationId xmlns:a16="http://schemas.microsoft.com/office/drawing/2014/main" id="{00846977-A750-4BB6-9AE6-AEB2DC7066DF}"/>
+              </a:ext>
+            </a:extLst>
+          </p:cNvPr>
+          <p:cNvSpPr>
+            <a:spLocks noGrp="1"/>
+          </p:cNvSpPr>
+          <p:nvPr>
+            <p:ph type="title"/>
+          </p:nvPr>
+        </p:nvSpPr>
+        <p:spPr>
+          <a:xfrm>
+            <a:off x="684212" y="703874"/>
+            <a:ext cx="8534400" cy="1507067"/>
+          </a:xfrm>
+        </p:spPr>
+        <p:txBody>
+          <a:bodyPr/>
+          <a:lstStyle/>
+          <a:p>
+            <a:r>
+              <a:rPr lang="en-US" dirty="0"/>
+              <a:t>Q2</a:t>
+            </a:r>
+          </a:p>
+        </p:txBody>
+      </p:sp>
+      <p:sp>
+        <p:nvSpPr>
+          <p:cNvPr id="3" name="Content Placeholder 2">
+            <a:extLst>
+              <a:ext uri="{FF2B5EF4-FFF2-40B4-BE49-F238E27FC236}">
+                <a16:creationId xmlns:a16="http://schemas.microsoft.com/office/drawing/2014/main" id="{F97BA237-BBF0-49FD-B184-71910E0D1F83}"/>
+              </a:ext>
+            </a:extLst>
+          </p:cNvPr>
+          <p:cNvSpPr>
+            <a:spLocks noGrp="1"/>
+          </p:cNvSpPr>
+          <p:nvPr>
+            <p:ph idx="1"/>
+          </p:nvPr>
+        </p:nvSpPr>
+        <p:spPr>
+          <a:xfrm>
+            <a:off x="684212" y="1666474"/>
+            <a:ext cx="8534400" cy="2178122"/>
+          </a:xfrm>
+        </p:spPr>
+        <p:txBody>
+          <a:bodyPr>
+            <a:normAutofit lnSpcReduction="10000"/>
+          </a:bodyPr>
+          <a:lstStyle/>
+          <a:p>
+            <a:pPr marL="0" indent="0">
+              <a:buClrTx/>
+              <a:buNone/>
+            </a:pPr>
+            <a:r>
+              <a:rPr lang="en-US" sz="2400" dirty="0">
+                <a:solidFill>
+                  <a:schemeClr val="bg1"/>
+                </a:solidFill>
+              </a:rPr>
+              <a:t>Is there a correlation between the natural language description format and the severity of the accident? Does the API source matter?</a:t>
+            </a:r>
+          </a:p>
+          <a:p>
+            <a:pPr marL="0" indent="0">
+              <a:buClrTx/>
+              <a:buNone/>
+            </a:pPr>
+            <a:endParaRPr lang="en-US" sz="2400" dirty="0">
+              <a:solidFill>
+                <a:schemeClr val="bg1"/>
+              </a:solidFill>
+            </a:endParaRPr>
+          </a:p>
+          <a:p>
+            <a:pPr marL="0" indent="0">
+              <a:buClrTx/>
+              <a:buNone/>
+            </a:pPr>
+            <a:r>
+              <a:rPr lang="en-US" sz="2400" dirty="0">
+                <a:solidFill>
+                  <a:schemeClr val="bg1"/>
+                </a:solidFill>
+              </a:rPr>
+              <a:t>2 Main Types of Descriptions:</a:t>
+            </a:r>
+          </a:p>
+        </p:txBody>
+      </p:sp>
+      <p:pic>
+        <p:nvPicPr>
+          <p:cNvPr id="5" name="Picture 4">
+            <a:extLst>
+              <a:ext uri="{FF2B5EF4-FFF2-40B4-BE49-F238E27FC236}">
+                <a16:creationId xmlns:a16="http://schemas.microsoft.com/office/drawing/2014/main" id="{200ECA3F-4939-4EF2-A1DB-C471CBA14D63}"/>
+              </a:ext>
+            </a:extLst>
+          </p:cNvPr>
+          <p:cNvPicPr>
+            <a:picLocks noChangeAspect="1"/>
+          </p:cNvPicPr>
+          <p:nvPr/>
+        </p:nvPicPr>
+        <p:blipFill>
+          <a:blip r:embed="rId2"/>
+          <a:stretch>
+            <a:fillRect/>
+          </a:stretch>
+        </p:blipFill>
+        <p:spPr>
+          <a:xfrm>
+            <a:off x="1333794" y="3800212"/>
+            <a:ext cx="3782308" cy="346765"/>
+          </a:xfrm>
+          <a:prstGeom prst="rect">
+            <a:avLst/>
+          </a:prstGeom>
+        </p:spPr>
+      </p:pic>
+      <p:pic>
+        <p:nvPicPr>
+          <p:cNvPr id="7" name="Picture 6">
+            <a:extLst>
+              <a:ext uri="{FF2B5EF4-FFF2-40B4-BE49-F238E27FC236}">
+                <a16:creationId xmlns:a16="http://schemas.microsoft.com/office/drawing/2014/main" id="{69E65273-4A91-4276-B9BF-98494B3A6E26}"/>
+              </a:ext>
+            </a:extLst>
+          </p:cNvPr>
+          <p:cNvPicPr>
+            <a:picLocks noChangeAspect="1"/>
+          </p:cNvPicPr>
+          <p:nvPr/>
+        </p:nvPicPr>
+        <p:blipFill>
+          <a:blip r:embed="rId3"/>
+          <a:stretch>
+            <a:fillRect/>
+          </a:stretch>
+        </p:blipFill>
+        <p:spPr>
+          <a:xfrm>
+            <a:off x="1333794" y="4300295"/>
+            <a:ext cx="8215163" cy="346765"/>
+          </a:xfrm>
+          <a:prstGeom prst="rect">
+            <a:avLst/>
+          </a:prstGeom>
+        </p:spPr>
+      </p:pic>
+      <mc:AlternateContent xmlns:mc="http://schemas.openxmlformats.org/markup-compatibility/2006">
+        <mc:Choice xmlns:p14="http://schemas.microsoft.com/office/powerpoint/2010/main" Requires="p14">
+          <p:contentPart p14:bwMode="auto" r:id="rId4">
+            <p14:nvContentPartPr>
+              <p14:cNvPr id="9" name="Ink 8">
+                <a:extLst>
+                  <a:ext uri="{FF2B5EF4-FFF2-40B4-BE49-F238E27FC236}">
+                    <a16:creationId xmlns:a16="http://schemas.microsoft.com/office/drawing/2014/main" id="{056D8157-FB7C-4F95-888E-F8A593447584}"/>
+                  </a:ext>
+                </a:extLst>
+              </p14:cNvPr>
+              <p14:cNvContentPartPr/>
+              <p14:nvPr/>
+            </p14:nvContentPartPr>
+            <p14:xfrm>
+              <a:off x="1454230" y="3946490"/>
+              <a:ext cx="1296720" cy="51840"/>
+            </p14:xfrm>
+          </p:contentPart>
+        </mc:Choice>
+        <mc:Fallback>
+          <p:pic>
+            <p:nvPicPr>
+              <p:cNvPr id="9" name="Ink 8">
+                <a:extLst>
+                  <a:ext uri="{FF2B5EF4-FFF2-40B4-BE49-F238E27FC236}">
+                    <a16:creationId xmlns:a16="http://schemas.microsoft.com/office/drawing/2014/main" id="{056D8157-FB7C-4F95-888E-F8A593447584}"/>
+                  </a:ext>
+                </a:extLst>
+              </p:cNvPr>
+              <p:cNvPicPr/>
+              <p:nvPr/>
+            </p:nvPicPr>
+            <p:blipFill>
+              <a:blip r:embed="rId5"/>
+              <a:stretch>
+                <a:fillRect/>
+              </a:stretch>
+            </p:blipFill>
+            <p:spPr>
+              <a:xfrm>
+                <a:off x="1400590" y="3838490"/>
+                <a:ext cx="1404360" cy="267480"/>
+              </a:xfrm>
+              <a:prstGeom prst="rect">
+                <a:avLst/>
+              </a:prstGeom>
+            </p:spPr>
+          </p:pic>
+        </mc:Fallback>
+      </mc:AlternateContent>
+      <mc:AlternateContent xmlns:mc="http://schemas.openxmlformats.org/markup-compatibility/2006">
+        <mc:Choice xmlns:p14="http://schemas.microsoft.com/office/powerpoint/2010/main" Requires="p14">
+          <p:contentPart p14:bwMode="auto" r:id="rId6">
+            <p14:nvContentPartPr>
+              <p14:cNvPr id="10" name="Ink 9">
+                <a:extLst>
+                  <a:ext uri="{FF2B5EF4-FFF2-40B4-BE49-F238E27FC236}">
+                    <a16:creationId xmlns:a16="http://schemas.microsoft.com/office/drawing/2014/main" id="{A1EC8ABE-B141-4B1E-AB78-B6BB586059E1}"/>
+                  </a:ext>
+                </a:extLst>
+              </p14:cNvPr>
+              <p14:cNvContentPartPr/>
+              <p14:nvPr/>
+            </p14:nvContentPartPr>
+            <p14:xfrm>
+              <a:off x="1423630" y="4457690"/>
+              <a:ext cx="2873160" cy="32040"/>
+            </p14:xfrm>
+          </p:contentPart>
+        </mc:Choice>
+        <mc:Fallback>
+          <p:pic>
+            <p:nvPicPr>
+              <p:cNvPr id="10" name="Ink 9">
+                <a:extLst>
+                  <a:ext uri="{FF2B5EF4-FFF2-40B4-BE49-F238E27FC236}">
+                    <a16:creationId xmlns:a16="http://schemas.microsoft.com/office/drawing/2014/main" id="{A1EC8ABE-B141-4B1E-AB78-B6BB586059E1}"/>
+                  </a:ext>
+                </a:extLst>
+              </p:cNvPr>
+              <p:cNvPicPr/>
+              <p:nvPr/>
+            </p:nvPicPr>
+            <p:blipFill>
+              <a:blip r:embed="rId7"/>
+              <a:stretch>
+                <a:fillRect/>
+              </a:stretch>
+            </p:blipFill>
+            <p:spPr>
+              <a:xfrm>
+                <a:off x="1369630" y="4349690"/>
+                <a:ext cx="2980800" cy="247680"/>
+              </a:xfrm>
+              <a:prstGeom prst="rect">
+                <a:avLst/>
+              </a:prstGeom>
+            </p:spPr>
+          </p:pic>
+        </mc:Fallback>
+      </mc:AlternateContent>
+    </p:spTree>
+    <p:extLst>
+      <p:ext uri="{BB962C8B-B14F-4D97-AF65-F5344CB8AC3E}">
+        <p14:creationId xmlns:p14="http://schemas.microsoft.com/office/powerpoint/2010/main" val="2570853478"/>
       </p:ext>
     </p:extLst>
   </p:cSld>

--- a/slides.pptx
+++ b/slides.pptx
@@ -5,7 +5,7 @@
     <p:sldMasterId id="2147483648" r:id="rId1"/>
   </p:sldMasterIdLst>
   <p:notesMasterIdLst>
-    <p:notesMasterId r:id="rId18"/>
+    <p:notesMasterId r:id="rId24"/>
   </p:notesMasterIdLst>
   <p:sldIdLst>
     <p:sldId id="256" r:id="rId2"/>
@@ -19,11 +19,17 @@
     <p:sldId id="262" r:id="rId10"/>
     <p:sldId id="263" r:id="rId11"/>
     <p:sldId id="270" r:id="rId12"/>
-    <p:sldId id="265" r:id="rId13"/>
-    <p:sldId id="264" r:id="rId14"/>
-    <p:sldId id="260" r:id="rId15"/>
-    <p:sldId id="259" r:id="rId16"/>
-    <p:sldId id="266" r:id="rId17"/>
+    <p:sldId id="272" r:id="rId13"/>
+    <p:sldId id="273" r:id="rId14"/>
+    <p:sldId id="276" r:id="rId15"/>
+    <p:sldId id="275" r:id="rId16"/>
+    <p:sldId id="277" r:id="rId17"/>
+    <p:sldId id="278" r:id="rId18"/>
+    <p:sldId id="279" r:id="rId19"/>
+    <p:sldId id="264" r:id="rId20"/>
+    <p:sldId id="260" r:id="rId21"/>
+    <p:sldId id="259" r:id="rId22"/>
+    <p:sldId id="266" r:id="rId23"/>
   </p:sldIdLst>
   <p:sldSz cx="12192000" cy="6858000"/>
   <p:notesSz cx="6858000" cy="9144000"/>
@@ -6694,8 +6700,8 @@
         </p:nvSpPr>
         <p:spPr>
           <a:xfrm>
-            <a:off x="684212" y="2393878"/>
-            <a:ext cx="8534400" cy="2482541"/>
+            <a:off x="684211" y="2393878"/>
+            <a:ext cx="10875527" cy="3163543"/>
           </a:xfrm>
         </p:spPr>
         <p:txBody>
@@ -6704,10 +6710,23 @@
           </a:bodyPr>
           <a:lstStyle/>
           <a:p>
-            <a:pPr marL="457200" indent="-457200">
+            <a:pPr marL="0" indent="0">
               <a:buClrTx/>
-              <a:buFont typeface="+mj-lt"/>
-              <a:buAutoNum type="arabicPeriod"/>
+              <a:buNone/>
+            </a:pPr>
+            <a:r>
+              <a:rPr lang="en-US" sz="2400" dirty="0">
+                <a:solidFill>
+                  <a:schemeClr val="bg1"/>
+                </a:solidFill>
+              </a:rPr>
+              <a:t>Part 1) What days of the year have the most accidents?</a:t>
+            </a:r>
+          </a:p>
+          <a:p>
+            <a:pPr marL="0" indent="0">
+              <a:buClrTx/>
+              <a:buNone/>
             </a:pPr>
             <a:endParaRPr lang="en-US" sz="2400" dirty="0">
               <a:solidFill>
@@ -6715,12 +6734,51 @@
               </a:solidFill>
             </a:endParaRPr>
           </a:p>
+          <a:p>
+            <a:pPr marL="0" indent="0">
+              <a:buClrTx/>
+              <a:buNone/>
+            </a:pPr>
+            <a:r>
+              <a:rPr lang="en-US" sz="2400" dirty="0">
+                <a:solidFill>
+                  <a:schemeClr val="bg1"/>
+                </a:solidFill>
+              </a:rPr>
+              <a:t>Part 2) What hours are most accident prone?</a:t>
+            </a:r>
+          </a:p>
+          <a:p>
+            <a:pPr marL="0" indent="0">
+              <a:buClrTx/>
+              <a:buNone/>
+            </a:pPr>
+            <a:endParaRPr lang="en-US" sz="2400" dirty="0">
+              <a:solidFill>
+                <a:schemeClr val="bg1"/>
+              </a:solidFill>
+            </a:endParaRPr>
+          </a:p>
+          <a:p>
+            <a:pPr marL="0" indent="0">
+              <a:buClrTx/>
+              <a:buNone/>
+            </a:pPr>
+            <a:r>
+              <a:rPr lang="en-US" sz="2400" dirty="0">
+                <a:solidFill>
+                  <a:schemeClr val="bg1"/>
+                </a:solidFill>
+              </a:rPr>
+              <a:t>Part 3) What hours have most accidents with severity 4?</a:t>
+            </a:r>
+          </a:p>
         </p:txBody>
       </p:sp>
     </p:spTree>
     <p:extLst>
       <p:ext uri="{BB962C8B-B14F-4D97-AF65-F5344CB8AC3E}">
-        <p14:creationId xmlns:p14="http://schemas.microsoft.com/office/powerpoint/2010/main" val="1280595349"/>
+        <p14:creationId xmlns:p14="http://schemas.microsoft.com/office/powerpoint/2010/main" val="256837962"/>
       </p:ext>
     </p:extLst>
   </p:cSld>
@@ -6770,12 +6828,18 @@
           </a:xfrm>
         </p:spPr>
         <p:txBody>
-          <a:bodyPr/>
+          <a:bodyPr>
+            <a:normAutofit/>
+          </a:bodyPr>
           <a:lstStyle/>
           <a:p>
             <a:r>
               <a:rPr lang="en-US" dirty="0"/>
-              <a:t>Q4</a:t>
+              <a:t>Q3 – </a:t>
+            </a:r>
+            <a:r>
+              <a:rPr lang="en-US" sz="2800" dirty="0"/>
+              <a:t>Part 1</a:t>
             </a:r>
           </a:p>
         </p:txBody>
@@ -6798,8 +6862,8 @@
         </p:nvSpPr>
         <p:spPr>
           <a:xfrm>
-            <a:off x="684212" y="2393878"/>
-            <a:ext cx="8534400" cy="2482541"/>
+            <a:off x="3178837" y="1105834"/>
+            <a:ext cx="8534400" cy="803116"/>
           </a:xfrm>
         </p:spPr>
         <p:txBody>
@@ -6808,23 +6872,490 @@
           </a:bodyPr>
           <a:lstStyle/>
           <a:p>
-            <a:pPr marL="457200" indent="-457200">
+            <a:pPr marL="0" indent="0">
               <a:buClrTx/>
-              <a:buFont typeface="+mj-lt"/>
-              <a:buAutoNum type="arabicPeriod"/>
+              <a:buNone/>
             </a:pPr>
-            <a:endParaRPr lang="en-US" sz="2400" dirty="0">
-              <a:solidFill>
-                <a:schemeClr val="bg1"/>
-              </a:solidFill>
-            </a:endParaRPr>
+            <a:r>
+              <a:rPr lang="en-US" sz="2400" dirty="0">
+                <a:solidFill>
+                  <a:schemeClr val="tx1"/>
+                </a:solidFill>
+              </a:rPr>
+              <a:t>What days of the year have the most accidents?</a:t>
+            </a:r>
+          </a:p>
+        </p:txBody>
+      </p:sp>
+      <p:sp>
+        <p:nvSpPr>
+          <p:cNvPr id="4" name="Content Placeholder 2">
+            <a:extLst>
+              <a:ext uri="{FF2B5EF4-FFF2-40B4-BE49-F238E27FC236}">
+                <a16:creationId xmlns:a16="http://schemas.microsoft.com/office/drawing/2014/main" id="{B43B2D73-713F-4524-A72C-D0156DFDEE56}"/>
+              </a:ext>
+            </a:extLst>
+          </p:cNvPr>
+          <p:cNvSpPr txBox="1">
+            <a:spLocks/>
+          </p:cNvSpPr>
+          <p:nvPr/>
+        </p:nvSpPr>
+        <p:spPr>
+          <a:xfrm>
+            <a:off x="684212" y="1815169"/>
+            <a:ext cx="8534400" cy="4452465"/>
+          </a:xfrm>
+          <a:prstGeom prst="rect">
+            <a:avLst/>
+          </a:prstGeom>
+        </p:spPr>
+        <p:txBody>
+          <a:bodyPr vert="horz" lIns="91440" tIns="45720" rIns="91440" bIns="45720" rtlCol="0" anchor="ctr">
+            <a:normAutofit/>
+          </a:bodyPr>
+          <a:lstStyle>
+            <a:lvl1pPr marL="285750" indent="-285750" algn="l" defTabSz="457200" rtl="0" eaLnBrk="1" latinLnBrk="0" hangingPunct="1">
+              <a:spcBef>
+                <a:spcPct val="20000"/>
+              </a:spcBef>
+              <a:spcAft>
+                <a:spcPts val="600"/>
+              </a:spcAft>
+              <a:buClr>
+                <a:schemeClr val="tx1"/>
+              </a:buClr>
+              <a:buSzPct val="80000"/>
+              <a:buFont typeface="Wingdings 3" panose="05040102010807070707" pitchFamily="18" charset="2"/>
+              <a:buChar char=""/>
+              <a:defRPr sz="2000" kern="1200" cap="none">
+                <a:solidFill>
+                  <a:schemeClr val="bg2">
+                    <a:lumMod val="75000"/>
+                  </a:schemeClr>
+                </a:solidFill>
+                <a:effectLst/>
+                <a:latin typeface="+mn-lt"/>
+                <a:ea typeface="+mn-ea"/>
+                <a:cs typeface="+mn-cs"/>
+              </a:defRPr>
+            </a:lvl1pPr>
+            <a:lvl2pPr marL="742950" indent="-285750" algn="l" defTabSz="457200" rtl="0" eaLnBrk="1" latinLnBrk="0" hangingPunct="1">
+              <a:spcBef>
+                <a:spcPct val="20000"/>
+              </a:spcBef>
+              <a:spcAft>
+                <a:spcPts val="600"/>
+              </a:spcAft>
+              <a:buClr>
+                <a:schemeClr val="tx1"/>
+              </a:buClr>
+              <a:buSzPct val="80000"/>
+              <a:buFont typeface="Wingdings 3" panose="05040102010807070707" pitchFamily="18" charset="2"/>
+              <a:buChar char=""/>
+              <a:defRPr sz="1800" kern="1200" cap="none">
+                <a:solidFill>
+                  <a:schemeClr val="bg2">
+                    <a:lumMod val="75000"/>
+                  </a:schemeClr>
+                </a:solidFill>
+                <a:effectLst/>
+                <a:latin typeface="+mn-lt"/>
+                <a:ea typeface="+mn-ea"/>
+                <a:cs typeface="+mn-cs"/>
+              </a:defRPr>
+            </a:lvl2pPr>
+            <a:lvl3pPr marL="1200150" indent="-285750" algn="l" defTabSz="457200" rtl="0" eaLnBrk="1" latinLnBrk="0" hangingPunct="1">
+              <a:spcBef>
+                <a:spcPct val="20000"/>
+              </a:spcBef>
+              <a:spcAft>
+                <a:spcPts val="600"/>
+              </a:spcAft>
+              <a:buClr>
+                <a:schemeClr val="tx1"/>
+              </a:buClr>
+              <a:buSzPct val="80000"/>
+              <a:buFont typeface="Wingdings 3" panose="05040102010807070707" pitchFamily="18" charset="2"/>
+              <a:buChar char=""/>
+              <a:defRPr sz="1600" kern="1200" cap="none">
+                <a:solidFill>
+                  <a:schemeClr val="bg2">
+                    <a:lumMod val="75000"/>
+                  </a:schemeClr>
+                </a:solidFill>
+                <a:effectLst/>
+                <a:latin typeface="+mn-lt"/>
+                <a:ea typeface="+mn-ea"/>
+                <a:cs typeface="+mn-cs"/>
+              </a:defRPr>
+            </a:lvl3pPr>
+            <a:lvl4pPr marL="1543050" indent="-171450" algn="l" defTabSz="457200" rtl="0" eaLnBrk="1" latinLnBrk="0" hangingPunct="1">
+              <a:spcBef>
+                <a:spcPct val="20000"/>
+              </a:spcBef>
+              <a:spcAft>
+                <a:spcPts val="600"/>
+              </a:spcAft>
+              <a:buClr>
+                <a:schemeClr val="tx1"/>
+              </a:buClr>
+              <a:buSzPct val="80000"/>
+              <a:buFont typeface="Wingdings 3" panose="05040102010807070707" pitchFamily="18" charset="2"/>
+              <a:buChar char=""/>
+              <a:defRPr sz="1400" kern="1200" cap="none">
+                <a:solidFill>
+                  <a:schemeClr val="bg2">
+                    <a:lumMod val="75000"/>
+                  </a:schemeClr>
+                </a:solidFill>
+                <a:effectLst/>
+                <a:latin typeface="+mn-lt"/>
+                <a:ea typeface="+mn-ea"/>
+                <a:cs typeface="+mn-cs"/>
+              </a:defRPr>
+            </a:lvl4pPr>
+            <a:lvl5pPr marL="2000250" indent="-171450" algn="l" defTabSz="457200" rtl="0" eaLnBrk="1" latinLnBrk="0" hangingPunct="1">
+              <a:spcBef>
+                <a:spcPct val="20000"/>
+              </a:spcBef>
+              <a:spcAft>
+                <a:spcPts val="600"/>
+              </a:spcAft>
+              <a:buClr>
+                <a:schemeClr val="tx1"/>
+              </a:buClr>
+              <a:buSzPct val="80000"/>
+              <a:buFont typeface="Wingdings 3" panose="05040102010807070707" pitchFamily="18" charset="2"/>
+              <a:buChar char=""/>
+              <a:defRPr sz="1400" kern="1200" cap="none">
+                <a:solidFill>
+                  <a:schemeClr val="bg2">
+                    <a:lumMod val="75000"/>
+                  </a:schemeClr>
+                </a:solidFill>
+                <a:effectLst/>
+                <a:latin typeface="+mn-lt"/>
+                <a:ea typeface="+mn-ea"/>
+                <a:cs typeface="+mn-cs"/>
+              </a:defRPr>
+            </a:lvl5pPr>
+            <a:lvl6pPr marL="2514600" indent="-228600" algn="l" defTabSz="457200" rtl="0" eaLnBrk="1" latinLnBrk="0" hangingPunct="1">
+              <a:spcBef>
+                <a:spcPct val="20000"/>
+              </a:spcBef>
+              <a:spcAft>
+                <a:spcPts val="600"/>
+              </a:spcAft>
+              <a:buClr>
+                <a:schemeClr val="tx1"/>
+              </a:buClr>
+              <a:buSzPct val="80000"/>
+              <a:buFont typeface="Wingdings 3" panose="05040102010807070707" pitchFamily="18" charset="2"/>
+              <a:buChar char=""/>
+              <a:defRPr sz="1400" kern="1200" cap="none">
+                <a:solidFill>
+                  <a:schemeClr val="bg2">
+                    <a:lumMod val="75000"/>
+                  </a:schemeClr>
+                </a:solidFill>
+                <a:effectLst/>
+                <a:latin typeface="+mn-lt"/>
+                <a:ea typeface="+mn-ea"/>
+                <a:cs typeface="+mn-cs"/>
+              </a:defRPr>
+            </a:lvl6pPr>
+            <a:lvl7pPr marL="2971800" indent="-228600" algn="l" defTabSz="457200" rtl="0" eaLnBrk="1" latinLnBrk="0" hangingPunct="1">
+              <a:spcBef>
+                <a:spcPct val="20000"/>
+              </a:spcBef>
+              <a:spcAft>
+                <a:spcPts val="600"/>
+              </a:spcAft>
+              <a:buClr>
+                <a:schemeClr val="tx1"/>
+              </a:buClr>
+              <a:buSzPct val="80000"/>
+              <a:buFont typeface="Wingdings 3" panose="05040102010807070707" pitchFamily="18" charset="2"/>
+              <a:buChar char=""/>
+              <a:defRPr sz="1400" kern="1200" cap="none">
+                <a:solidFill>
+                  <a:schemeClr val="bg2">
+                    <a:lumMod val="75000"/>
+                  </a:schemeClr>
+                </a:solidFill>
+                <a:effectLst/>
+                <a:latin typeface="+mn-lt"/>
+                <a:ea typeface="+mn-ea"/>
+                <a:cs typeface="+mn-cs"/>
+              </a:defRPr>
+            </a:lvl7pPr>
+            <a:lvl8pPr marL="3429000" indent="-228600" algn="l" defTabSz="457200" rtl="0" eaLnBrk="1" latinLnBrk="0" hangingPunct="1">
+              <a:spcBef>
+                <a:spcPct val="20000"/>
+              </a:spcBef>
+              <a:spcAft>
+                <a:spcPts val="600"/>
+              </a:spcAft>
+              <a:buClr>
+                <a:schemeClr val="tx1"/>
+              </a:buClr>
+              <a:buSzPct val="80000"/>
+              <a:buFont typeface="Wingdings 3" panose="05040102010807070707" pitchFamily="18" charset="2"/>
+              <a:buChar char=""/>
+              <a:defRPr sz="1400" kern="1200" cap="none">
+                <a:solidFill>
+                  <a:schemeClr val="bg2">
+                    <a:lumMod val="75000"/>
+                  </a:schemeClr>
+                </a:solidFill>
+                <a:effectLst/>
+                <a:latin typeface="+mn-lt"/>
+                <a:ea typeface="+mn-ea"/>
+                <a:cs typeface="+mn-cs"/>
+              </a:defRPr>
+            </a:lvl8pPr>
+            <a:lvl9pPr marL="3886200" indent="-228600" algn="l" defTabSz="457200" rtl="0" eaLnBrk="1" latinLnBrk="0" hangingPunct="1">
+              <a:spcBef>
+                <a:spcPct val="20000"/>
+              </a:spcBef>
+              <a:spcAft>
+                <a:spcPts val="600"/>
+              </a:spcAft>
+              <a:buClr>
+                <a:schemeClr val="tx1"/>
+              </a:buClr>
+              <a:buSzPct val="80000"/>
+              <a:buFont typeface="Wingdings 3" panose="05040102010807070707" pitchFamily="18" charset="2"/>
+              <a:buChar char=""/>
+              <a:defRPr sz="1400" kern="1200" cap="none">
+                <a:solidFill>
+                  <a:schemeClr val="bg2">
+                    <a:lumMod val="75000"/>
+                  </a:schemeClr>
+                </a:solidFill>
+                <a:effectLst/>
+                <a:latin typeface="+mn-lt"/>
+                <a:ea typeface="+mn-ea"/>
+                <a:cs typeface="+mn-cs"/>
+              </a:defRPr>
+            </a:lvl9pPr>
+          </a:lstStyle>
+          <a:p>
+            <a:pPr marL="0" indent="0">
+              <a:buClrTx/>
+              <a:buNone/>
+            </a:pPr>
+            <a:r>
+              <a:rPr lang="en-US" b="1" dirty="0">
+                <a:solidFill>
+                  <a:schemeClr val="bg1"/>
+                </a:solidFill>
+              </a:rPr>
+              <a:t>Method</a:t>
+            </a:r>
+            <a:r>
+              <a:rPr lang="en-US" dirty="0">
+                <a:solidFill>
+                  <a:schemeClr val="bg1"/>
+                </a:solidFill>
+              </a:rPr>
+              <a:t>:</a:t>
+            </a:r>
+          </a:p>
+          <a:p>
+            <a:pPr>
+              <a:buClrTx/>
+            </a:pPr>
+            <a:r>
+              <a:rPr lang="en-US" sz="1700" dirty="0">
+                <a:solidFill>
+                  <a:schemeClr val="bg1"/>
+                </a:solidFill>
+              </a:rPr>
+              <a:t>1 RDD: </a:t>
+            </a:r>
+          </a:p>
+          <a:p>
+            <a:pPr lvl="1">
+              <a:buClrTx/>
+            </a:pPr>
+            <a:r>
+              <a:rPr lang="en-US" sz="1700" dirty="0">
+                <a:solidFill>
+                  <a:schemeClr val="bg1"/>
+                </a:solidFill>
+              </a:rPr>
+              <a:t>Map accidents to (month-day, count) pairs</a:t>
+            </a:r>
+          </a:p>
+          <a:p>
+            <a:pPr lvl="1">
+              <a:buClrTx/>
+            </a:pPr>
+            <a:r>
+              <a:rPr lang="en-US" sz="1700" dirty="0" err="1">
+                <a:solidFill>
+                  <a:schemeClr val="bg1"/>
+                </a:solidFill>
+              </a:rPr>
+              <a:t>MapValues</a:t>
+            </a:r>
+            <a:r>
+              <a:rPr lang="en-US" sz="1700" dirty="0">
+                <a:solidFill>
+                  <a:schemeClr val="bg1"/>
+                </a:solidFill>
+              </a:rPr>
+              <a:t> to (# of accidents) / (# of accidents per day on average)</a:t>
+            </a:r>
+          </a:p>
+          <a:p>
+            <a:pPr marL="0" indent="0">
+              <a:buClrTx/>
+              <a:buNone/>
+            </a:pPr>
+            <a:r>
+              <a:rPr lang="en-US" b="1" dirty="0">
+                <a:solidFill>
+                  <a:schemeClr val="bg1"/>
+                </a:solidFill>
+              </a:rPr>
+              <a:t>Results</a:t>
+            </a:r>
+            <a:r>
+              <a:rPr lang="en-US" dirty="0">
+                <a:solidFill>
+                  <a:schemeClr val="bg1"/>
+                </a:solidFill>
+              </a:rPr>
+              <a:t>: </a:t>
+            </a:r>
+          </a:p>
+          <a:p>
+            <a:pPr marL="0" indent="0">
+              <a:buClrTx/>
+              <a:buNone/>
+            </a:pPr>
+            <a:r>
+              <a:rPr lang="en-US" sz="1700" dirty="0">
+                <a:solidFill>
+                  <a:schemeClr val="bg1"/>
+                </a:solidFill>
+              </a:rPr>
+              <a:t>(month-day  |  number of times over daily average*)</a:t>
+            </a:r>
+          </a:p>
+          <a:p>
+            <a:pPr>
+              <a:buClrTx/>
+            </a:pPr>
+            <a:r>
+              <a:rPr lang="en-US" sz="1700" dirty="0">
+                <a:solidFill>
+                  <a:schemeClr val="bg1"/>
+                </a:solidFill>
+              </a:rPr>
+              <a:t>12-12         |  3.29</a:t>
+            </a:r>
+          </a:p>
+          <a:p>
+            <a:pPr>
+              <a:buClrTx/>
+            </a:pPr>
+            <a:r>
+              <a:rPr lang="en-US" sz="1700" dirty="0">
+                <a:solidFill>
+                  <a:schemeClr val="bg1"/>
+                </a:solidFill>
+              </a:rPr>
+              <a:t>12-13 		| 3.29</a:t>
+            </a:r>
+          </a:p>
+          <a:p>
+            <a:pPr>
+              <a:buClrTx/>
+            </a:pPr>
+            <a:r>
+              <a:rPr lang="en-US" sz="1700" dirty="0">
+                <a:solidFill>
+                  <a:schemeClr val="bg1"/>
+                </a:solidFill>
+              </a:rPr>
+              <a:t>11-06 		| 3.27</a:t>
+            </a:r>
+          </a:p>
+          <a:p>
+            <a:pPr>
+              <a:buClrTx/>
+            </a:pPr>
+            <a:r>
+              <a:rPr lang="en-US" sz="1700" dirty="0">
+                <a:solidFill>
+                  <a:schemeClr val="bg1"/>
+                </a:solidFill>
+              </a:rPr>
+              <a:t>12-11 		| 3.26</a:t>
+            </a:r>
+          </a:p>
+          <a:p>
+            <a:pPr>
+              <a:buClrTx/>
+            </a:pPr>
+            <a:r>
+              <a:rPr lang="en-US" sz="1700" dirty="0">
+                <a:solidFill>
+                  <a:schemeClr val="bg1"/>
+                </a:solidFill>
+              </a:rPr>
+              <a:t>12-19 		| 3.25</a:t>
+            </a:r>
+          </a:p>
+        </p:txBody>
+      </p:sp>
+      <p:sp>
+        <p:nvSpPr>
+          <p:cNvPr id="5" name="TextBox 4">
+            <a:extLst>
+              <a:ext uri="{FF2B5EF4-FFF2-40B4-BE49-F238E27FC236}">
+                <a16:creationId xmlns:a16="http://schemas.microsoft.com/office/drawing/2014/main" id="{D2B8DFFC-A036-4BC7-ABDD-3AC842CC9862}"/>
+              </a:ext>
+            </a:extLst>
+          </p:cNvPr>
+          <p:cNvSpPr txBox="1"/>
+          <p:nvPr/>
+        </p:nvSpPr>
+        <p:spPr>
+          <a:xfrm>
+            <a:off x="684212" y="6267634"/>
+            <a:ext cx="2795958" cy="307777"/>
+          </a:xfrm>
+          <a:prstGeom prst="rect">
+            <a:avLst/>
+          </a:prstGeom>
+          <a:noFill/>
+        </p:spPr>
+        <p:txBody>
+          <a:bodyPr wrap="none" rtlCol="0">
+            <a:spAutoFit/>
+          </a:bodyPr>
+          <a:lstStyle/>
+          <a:p>
+            <a:r>
+              <a:rPr lang="en-US" sz="1400" dirty="0">
+                <a:solidFill>
+                  <a:schemeClr val="bg1"/>
+                </a:solidFill>
+              </a:rPr>
+              <a:t>*daily accidents average: 877</a:t>
+            </a:r>
           </a:p>
         </p:txBody>
       </p:sp>
     </p:spTree>
     <p:extLst>
       <p:ext uri="{BB962C8B-B14F-4D97-AF65-F5344CB8AC3E}">
-        <p14:creationId xmlns:p14="http://schemas.microsoft.com/office/powerpoint/2010/main" val="2274920983"/>
+        <p14:creationId xmlns:p14="http://schemas.microsoft.com/office/powerpoint/2010/main" val="3408230445"/>
       </p:ext>
     </p:extLst>
   </p:cSld>
@@ -6874,12 +7405,18 @@
           </a:xfrm>
         </p:spPr>
         <p:txBody>
-          <a:bodyPr/>
+          <a:bodyPr>
+            <a:normAutofit/>
+          </a:bodyPr>
           <a:lstStyle/>
           <a:p>
             <a:r>
               <a:rPr lang="en-US" dirty="0"/>
-              <a:t>What we learned</a:t>
+              <a:t>Q3 – </a:t>
+            </a:r>
+            <a:r>
+              <a:rPr lang="en-US" sz="2800" dirty="0"/>
+              <a:t>Part 1</a:t>
             </a:r>
           </a:p>
         </p:txBody>
@@ -6902,43 +7439,373 @@
         </p:nvSpPr>
         <p:spPr>
           <a:xfrm>
-            <a:off x="684212" y="2393878"/>
-            <a:ext cx="8534400" cy="2482541"/>
+            <a:off x="3178837" y="1105834"/>
+            <a:ext cx="8534400" cy="803116"/>
           </a:xfrm>
         </p:spPr>
         <p:txBody>
-          <a:bodyPr anchor="t">
+          <a:bodyPr>
             <a:normAutofit/>
           </a:bodyPr>
           <a:lstStyle/>
           <a:p>
-            <a:pPr marL="457200" indent="-457200">
+            <a:pPr marL="0" indent="0">
               <a:buClrTx/>
-              <a:buFont typeface="+mj-lt"/>
-              <a:buAutoNum type="arabicPeriod"/>
+              <a:buNone/>
             </a:pPr>
             <a:r>
               <a:rPr lang="en-US" sz="2400" dirty="0">
                 <a:solidFill>
-                  <a:schemeClr val="bg1"/>
-                </a:solidFill>
-              </a:rPr>
-              <a:t>There are a lot of insights that can be made from analyzing car accident data, which can be used to better improve road construction in the future</a:t>
-            </a:r>
-          </a:p>
-          <a:p>
-            <a:pPr marL="457200" indent="-457200">
+                  <a:schemeClr val="tx1"/>
+                </a:solidFill>
+              </a:rPr>
+              <a:t>What days of the year have the most accidents?</a:t>
+            </a:r>
+          </a:p>
+        </p:txBody>
+      </p:sp>
+      <p:sp>
+        <p:nvSpPr>
+          <p:cNvPr id="4" name="Content Placeholder 2">
+            <a:extLst>
+              <a:ext uri="{FF2B5EF4-FFF2-40B4-BE49-F238E27FC236}">
+                <a16:creationId xmlns:a16="http://schemas.microsoft.com/office/drawing/2014/main" id="{B43B2D73-713F-4524-A72C-D0156DFDEE56}"/>
+              </a:ext>
+            </a:extLst>
+          </p:cNvPr>
+          <p:cNvSpPr txBox="1">
+            <a:spLocks/>
+          </p:cNvSpPr>
+          <p:nvPr/>
+        </p:nvSpPr>
+        <p:spPr>
+          <a:xfrm>
+            <a:off x="684212" y="1815169"/>
+            <a:ext cx="8534400" cy="2831891"/>
+          </a:xfrm>
+          <a:prstGeom prst="rect">
+            <a:avLst/>
+          </a:prstGeom>
+        </p:spPr>
+        <p:txBody>
+          <a:bodyPr vert="horz" lIns="91440" tIns="45720" rIns="91440" bIns="45720" rtlCol="0" anchor="ctr">
+            <a:normAutofit/>
+          </a:bodyPr>
+          <a:lstStyle>
+            <a:lvl1pPr marL="285750" indent="-285750" algn="l" defTabSz="457200" rtl="0" eaLnBrk="1" latinLnBrk="0" hangingPunct="1">
+              <a:spcBef>
+                <a:spcPct val="20000"/>
+              </a:spcBef>
+              <a:spcAft>
+                <a:spcPts val="600"/>
+              </a:spcAft>
+              <a:buClr>
+                <a:schemeClr val="tx1"/>
+              </a:buClr>
+              <a:buSzPct val="80000"/>
+              <a:buFont typeface="Wingdings 3" panose="05040102010807070707" pitchFamily="18" charset="2"/>
+              <a:buChar char=""/>
+              <a:defRPr sz="2000" kern="1200" cap="none">
+                <a:solidFill>
+                  <a:schemeClr val="bg2">
+                    <a:lumMod val="75000"/>
+                  </a:schemeClr>
+                </a:solidFill>
+                <a:effectLst/>
+                <a:latin typeface="+mn-lt"/>
+                <a:ea typeface="+mn-ea"/>
+                <a:cs typeface="+mn-cs"/>
+              </a:defRPr>
+            </a:lvl1pPr>
+            <a:lvl2pPr marL="742950" indent="-285750" algn="l" defTabSz="457200" rtl="0" eaLnBrk="1" latinLnBrk="0" hangingPunct="1">
+              <a:spcBef>
+                <a:spcPct val="20000"/>
+              </a:spcBef>
+              <a:spcAft>
+                <a:spcPts val="600"/>
+              </a:spcAft>
+              <a:buClr>
+                <a:schemeClr val="tx1"/>
+              </a:buClr>
+              <a:buSzPct val="80000"/>
+              <a:buFont typeface="Wingdings 3" panose="05040102010807070707" pitchFamily="18" charset="2"/>
+              <a:buChar char=""/>
+              <a:defRPr sz="1800" kern="1200" cap="none">
+                <a:solidFill>
+                  <a:schemeClr val="bg2">
+                    <a:lumMod val="75000"/>
+                  </a:schemeClr>
+                </a:solidFill>
+                <a:effectLst/>
+                <a:latin typeface="+mn-lt"/>
+                <a:ea typeface="+mn-ea"/>
+                <a:cs typeface="+mn-cs"/>
+              </a:defRPr>
+            </a:lvl2pPr>
+            <a:lvl3pPr marL="1200150" indent="-285750" algn="l" defTabSz="457200" rtl="0" eaLnBrk="1" latinLnBrk="0" hangingPunct="1">
+              <a:spcBef>
+                <a:spcPct val="20000"/>
+              </a:spcBef>
+              <a:spcAft>
+                <a:spcPts val="600"/>
+              </a:spcAft>
+              <a:buClr>
+                <a:schemeClr val="tx1"/>
+              </a:buClr>
+              <a:buSzPct val="80000"/>
+              <a:buFont typeface="Wingdings 3" panose="05040102010807070707" pitchFamily="18" charset="2"/>
+              <a:buChar char=""/>
+              <a:defRPr sz="1600" kern="1200" cap="none">
+                <a:solidFill>
+                  <a:schemeClr val="bg2">
+                    <a:lumMod val="75000"/>
+                  </a:schemeClr>
+                </a:solidFill>
+                <a:effectLst/>
+                <a:latin typeface="+mn-lt"/>
+                <a:ea typeface="+mn-ea"/>
+                <a:cs typeface="+mn-cs"/>
+              </a:defRPr>
+            </a:lvl3pPr>
+            <a:lvl4pPr marL="1543050" indent="-171450" algn="l" defTabSz="457200" rtl="0" eaLnBrk="1" latinLnBrk="0" hangingPunct="1">
+              <a:spcBef>
+                <a:spcPct val="20000"/>
+              </a:spcBef>
+              <a:spcAft>
+                <a:spcPts val="600"/>
+              </a:spcAft>
+              <a:buClr>
+                <a:schemeClr val="tx1"/>
+              </a:buClr>
+              <a:buSzPct val="80000"/>
+              <a:buFont typeface="Wingdings 3" panose="05040102010807070707" pitchFamily="18" charset="2"/>
+              <a:buChar char=""/>
+              <a:defRPr sz="1400" kern="1200" cap="none">
+                <a:solidFill>
+                  <a:schemeClr val="bg2">
+                    <a:lumMod val="75000"/>
+                  </a:schemeClr>
+                </a:solidFill>
+                <a:effectLst/>
+                <a:latin typeface="+mn-lt"/>
+                <a:ea typeface="+mn-ea"/>
+                <a:cs typeface="+mn-cs"/>
+              </a:defRPr>
+            </a:lvl4pPr>
+            <a:lvl5pPr marL="2000250" indent="-171450" algn="l" defTabSz="457200" rtl="0" eaLnBrk="1" latinLnBrk="0" hangingPunct="1">
+              <a:spcBef>
+                <a:spcPct val="20000"/>
+              </a:spcBef>
+              <a:spcAft>
+                <a:spcPts val="600"/>
+              </a:spcAft>
+              <a:buClr>
+                <a:schemeClr val="tx1"/>
+              </a:buClr>
+              <a:buSzPct val="80000"/>
+              <a:buFont typeface="Wingdings 3" panose="05040102010807070707" pitchFamily="18" charset="2"/>
+              <a:buChar char=""/>
+              <a:defRPr sz="1400" kern="1200" cap="none">
+                <a:solidFill>
+                  <a:schemeClr val="bg2">
+                    <a:lumMod val="75000"/>
+                  </a:schemeClr>
+                </a:solidFill>
+                <a:effectLst/>
+                <a:latin typeface="+mn-lt"/>
+                <a:ea typeface="+mn-ea"/>
+                <a:cs typeface="+mn-cs"/>
+              </a:defRPr>
+            </a:lvl5pPr>
+            <a:lvl6pPr marL="2514600" indent="-228600" algn="l" defTabSz="457200" rtl="0" eaLnBrk="1" latinLnBrk="0" hangingPunct="1">
+              <a:spcBef>
+                <a:spcPct val="20000"/>
+              </a:spcBef>
+              <a:spcAft>
+                <a:spcPts val="600"/>
+              </a:spcAft>
+              <a:buClr>
+                <a:schemeClr val="tx1"/>
+              </a:buClr>
+              <a:buSzPct val="80000"/>
+              <a:buFont typeface="Wingdings 3" panose="05040102010807070707" pitchFamily="18" charset="2"/>
+              <a:buChar char=""/>
+              <a:defRPr sz="1400" kern="1200" cap="none">
+                <a:solidFill>
+                  <a:schemeClr val="bg2">
+                    <a:lumMod val="75000"/>
+                  </a:schemeClr>
+                </a:solidFill>
+                <a:effectLst/>
+                <a:latin typeface="+mn-lt"/>
+                <a:ea typeface="+mn-ea"/>
+                <a:cs typeface="+mn-cs"/>
+              </a:defRPr>
+            </a:lvl6pPr>
+            <a:lvl7pPr marL="2971800" indent="-228600" algn="l" defTabSz="457200" rtl="0" eaLnBrk="1" latinLnBrk="0" hangingPunct="1">
+              <a:spcBef>
+                <a:spcPct val="20000"/>
+              </a:spcBef>
+              <a:spcAft>
+                <a:spcPts val="600"/>
+              </a:spcAft>
+              <a:buClr>
+                <a:schemeClr val="tx1"/>
+              </a:buClr>
+              <a:buSzPct val="80000"/>
+              <a:buFont typeface="Wingdings 3" panose="05040102010807070707" pitchFamily="18" charset="2"/>
+              <a:buChar char=""/>
+              <a:defRPr sz="1400" kern="1200" cap="none">
+                <a:solidFill>
+                  <a:schemeClr val="bg2">
+                    <a:lumMod val="75000"/>
+                  </a:schemeClr>
+                </a:solidFill>
+                <a:effectLst/>
+                <a:latin typeface="+mn-lt"/>
+                <a:ea typeface="+mn-ea"/>
+                <a:cs typeface="+mn-cs"/>
+              </a:defRPr>
+            </a:lvl7pPr>
+            <a:lvl8pPr marL="3429000" indent="-228600" algn="l" defTabSz="457200" rtl="0" eaLnBrk="1" latinLnBrk="0" hangingPunct="1">
+              <a:spcBef>
+                <a:spcPct val="20000"/>
+              </a:spcBef>
+              <a:spcAft>
+                <a:spcPts val="600"/>
+              </a:spcAft>
+              <a:buClr>
+                <a:schemeClr val="tx1"/>
+              </a:buClr>
+              <a:buSzPct val="80000"/>
+              <a:buFont typeface="Wingdings 3" panose="05040102010807070707" pitchFamily="18" charset="2"/>
+              <a:buChar char=""/>
+              <a:defRPr sz="1400" kern="1200" cap="none">
+                <a:solidFill>
+                  <a:schemeClr val="bg2">
+                    <a:lumMod val="75000"/>
+                  </a:schemeClr>
+                </a:solidFill>
+                <a:effectLst/>
+                <a:latin typeface="+mn-lt"/>
+                <a:ea typeface="+mn-ea"/>
+                <a:cs typeface="+mn-cs"/>
+              </a:defRPr>
+            </a:lvl8pPr>
+            <a:lvl9pPr marL="3886200" indent="-228600" algn="l" defTabSz="457200" rtl="0" eaLnBrk="1" latinLnBrk="0" hangingPunct="1">
+              <a:spcBef>
+                <a:spcPct val="20000"/>
+              </a:spcBef>
+              <a:spcAft>
+                <a:spcPts val="600"/>
+              </a:spcAft>
+              <a:buClr>
+                <a:schemeClr val="tx1"/>
+              </a:buClr>
+              <a:buSzPct val="80000"/>
+              <a:buFont typeface="Wingdings 3" panose="05040102010807070707" pitchFamily="18" charset="2"/>
+              <a:buChar char=""/>
+              <a:defRPr sz="1400" kern="1200" cap="none">
+                <a:solidFill>
+                  <a:schemeClr val="bg2">
+                    <a:lumMod val="75000"/>
+                  </a:schemeClr>
+                </a:solidFill>
+                <a:effectLst/>
+                <a:latin typeface="+mn-lt"/>
+                <a:ea typeface="+mn-ea"/>
+                <a:cs typeface="+mn-cs"/>
+              </a:defRPr>
+            </a:lvl9pPr>
+          </a:lstStyle>
+          <a:p>
+            <a:pPr marL="0" indent="0">
               <a:buClrTx/>
-              <a:buFont typeface="+mj-lt"/>
-              <a:buAutoNum type="arabicPeriod"/>
+              <a:buNone/>
             </a:pPr>
             <a:r>
-              <a:rPr lang="en-US" sz="2400" dirty="0">
-                <a:solidFill>
-                  <a:schemeClr val="bg1"/>
-                </a:solidFill>
-              </a:rPr>
-              <a:t>Scala is your friend when analyzing large amounts of data</a:t>
+              <a:rPr lang="en-US" b="1" dirty="0">
+                <a:solidFill>
+                  <a:schemeClr val="bg1"/>
+                </a:solidFill>
+              </a:rPr>
+              <a:t>Observations from Findings:</a:t>
+            </a:r>
+          </a:p>
+          <a:p>
+            <a:pPr marL="0" indent="0">
+              <a:buClrTx/>
+              <a:buNone/>
+            </a:pPr>
+            <a:r>
+              <a:rPr lang="en-US" sz="1800" dirty="0">
+                <a:solidFill>
+                  <a:schemeClr val="bg1"/>
+                </a:solidFill>
+              </a:rPr>
+              <a:t>These top 5 dates (and in fact </a:t>
+            </a:r>
+            <a:r>
+              <a:rPr lang="en-US" sz="1800" i="1" dirty="0">
+                <a:solidFill>
+                  <a:schemeClr val="bg1"/>
+                </a:solidFill>
+              </a:rPr>
+              <a:t>top 10 </a:t>
+            </a:r>
+            <a:r>
+              <a:rPr lang="en-US" sz="1800" dirty="0">
+                <a:solidFill>
+                  <a:schemeClr val="bg1"/>
+                </a:solidFill>
+              </a:rPr>
+              <a:t>dates) all have something in common: they occur in </a:t>
+            </a:r>
+            <a:r>
+              <a:rPr lang="en-US" sz="1800" b="1" dirty="0">
+                <a:solidFill>
+                  <a:schemeClr val="bg1"/>
+                </a:solidFill>
+              </a:rPr>
+              <a:t>late fall </a:t>
+            </a:r>
+            <a:r>
+              <a:rPr lang="en-US" sz="1800" dirty="0">
+                <a:solidFill>
+                  <a:schemeClr val="bg1"/>
+                </a:solidFill>
+              </a:rPr>
+              <a:t>or </a:t>
+            </a:r>
+            <a:r>
+              <a:rPr lang="en-US" sz="1800" b="1" dirty="0">
+                <a:solidFill>
+                  <a:schemeClr val="bg1"/>
+                </a:solidFill>
+              </a:rPr>
+              <a:t>early winter</a:t>
+            </a:r>
+            <a:r>
+              <a:rPr lang="en-US" sz="1800" dirty="0">
+                <a:solidFill>
+                  <a:schemeClr val="bg1"/>
+                </a:solidFill>
+              </a:rPr>
+              <a:t>. </a:t>
+            </a:r>
+          </a:p>
+          <a:p>
+            <a:pPr marL="0" indent="0">
+              <a:buClrTx/>
+              <a:buNone/>
+            </a:pPr>
+            <a:r>
+              <a:rPr lang="en-US" sz="1800" dirty="0">
+                <a:solidFill>
+                  <a:schemeClr val="bg1"/>
+                </a:solidFill>
+              </a:rPr>
+              <a:t>For many parts of the US, it is characteristic for the first snowfalls or storms to take place during that time of the year. Often, the first storms are the most brutal as a majority of people are under-prepared. Not only is the weather more unreliable, but holidays add to the problem as many people embark on journeys to visit friends and family or simply go out shopping for presents.</a:t>
             </a:r>
           </a:p>
         </p:txBody>
@@ -6946,7 +7813,7 @@
     </p:spTree>
     <p:extLst>
       <p:ext uri="{BB962C8B-B14F-4D97-AF65-F5344CB8AC3E}">
-        <p14:creationId xmlns:p14="http://schemas.microsoft.com/office/powerpoint/2010/main" val="4198274045"/>
+        <p14:creationId xmlns:p14="http://schemas.microsoft.com/office/powerpoint/2010/main" val="1004399116"/>
       </p:ext>
     </p:extLst>
   </p:cSld>
@@ -6996,12 +7863,18 @@
           </a:xfrm>
         </p:spPr>
         <p:txBody>
-          <a:bodyPr/>
+          <a:bodyPr>
+            <a:normAutofit/>
+          </a:bodyPr>
           <a:lstStyle/>
           <a:p>
             <a:r>
               <a:rPr lang="en-US" dirty="0"/>
-              <a:t>Obstacles</a:t>
+              <a:t>Q3 – </a:t>
+            </a:r>
+            <a:r>
+              <a:rPr lang="en-US" sz="2800" dirty="0"/>
+              <a:t>Part 2</a:t>
             </a:r>
           </a:p>
         </p:txBody>
@@ -7024,87 +7897,461 @@
         </p:nvSpPr>
         <p:spPr>
           <a:xfrm>
-            <a:off x="684212" y="2393878"/>
-            <a:ext cx="8534400" cy="2482541"/>
+            <a:off x="3178837" y="1105834"/>
+            <a:ext cx="8534400" cy="803116"/>
           </a:xfrm>
         </p:spPr>
         <p:txBody>
-          <a:bodyPr anchor="t">
+          <a:bodyPr>
             <a:normAutofit/>
           </a:bodyPr>
           <a:lstStyle/>
           <a:p>
-            <a:pPr marL="457200" indent="-457200">
+            <a:pPr marL="0" indent="0">
               <a:buClrTx/>
-              <a:buFont typeface="+mj-lt"/>
-              <a:buAutoNum type="arabicPeriod"/>
+              <a:buNone/>
             </a:pPr>
             <a:r>
               <a:rPr lang="en-US" sz="2400" dirty="0">
                 <a:solidFill>
-                  <a:schemeClr val="bg1"/>
-                </a:solidFill>
-              </a:rPr>
-              <a:t>Filling NULL values in the dataset</a:t>
-            </a:r>
-          </a:p>
-          <a:p>
-            <a:pPr marL="457200" indent="-457200">
+                  <a:schemeClr val="tx1"/>
+                </a:solidFill>
+              </a:rPr>
+              <a:t>What hours are most accident prone?</a:t>
+            </a:r>
+          </a:p>
+        </p:txBody>
+      </p:sp>
+      <p:sp>
+        <p:nvSpPr>
+          <p:cNvPr id="4" name="Content Placeholder 2">
+            <a:extLst>
+              <a:ext uri="{FF2B5EF4-FFF2-40B4-BE49-F238E27FC236}">
+                <a16:creationId xmlns:a16="http://schemas.microsoft.com/office/drawing/2014/main" id="{B43B2D73-713F-4524-A72C-D0156DFDEE56}"/>
+              </a:ext>
+            </a:extLst>
+          </p:cNvPr>
+          <p:cNvSpPr txBox="1">
+            <a:spLocks/>
+          </p:cNvSpPr>
+          <p:nvPr/>
+        </p:nvSpPr>
+        <p:spPr>
+          <a:xfrm>
+            <a:off x="684212" y="1815169"/>
+            <a:ext cx="8534400" cy="4452465"/>
+          </a:xfrm>
+          <a:prstGeom prst="rect">
+            <a:avLst/>
+          </a:prstGeom>
+        </p:spPr>
+        <p:txBody>
+          <a:bodyPr vert="horz" lIns="91440" tIns="45720" rIns="91440" bIns="45720" rtlCol="0" anchor="ctr">
+            <a:normAutofit/>
+          </a:bodyPr>
+          <a:lstStyle>
+            <a:lvl1pPr marL="285750" indent="-285750" algn="l" defTabSz="457200" rtl="0" eaLnBrk="1" latinLnBrk="0" hangingPunct="1">
+              <a:spcBef>
+                <a:spcPct val="20000"/>
+              </a:spcBef>
+              <a:spcAft>
+                <a:spcPts val="600"/>
+              </a:spcAft>
+              <a:buClr>
+                <a:schemeClr val="tx1"/>
+              </a:buClr>
+              <a:buSzPct val="80000"/>
+              <a:buFont typeface="Wingdings 3" panose="05040102010807070707" pitchFamily="18" charset="2"/>
+              <a:buChar char=""/>
+              <a:defRPr sz="2000" kern="1200" cap="none">
+                <a:solidFill>
+                  <a:schemeClr val="bg2">
+                    <a:lumMod val="75000"/>
+                  </a:schemeClr>
+                </a:solidFill>
+                <a:effectLst/>
+                <a:latin typeface="+mn-lt"/>
+                <a:ea typeface="+mn-ea"/>
+                <a:cs typeface="+mn-cs"/>
+              </a:defRPr>
+            </a:lvl1pPr>
+            <a:lvl2pPr marL="742950" indent="-285750" algn="l" defTabSz="457200" rtl="0" eaLnBrk="1" latinLnBrk="0" hangingPunct="1">
+              <a:spcBef>
+                <a:spcPct val="20000"/>
+              </a:spcBef>
+              <a:spcAft>
+                <a:spcPts val="600"/>
+              </a:spcAft>
+              <a:buClr>
+                <a:schemeClr val="tx1"/>
+              </a:buClr>
+              <a:buSzPct val="80000"/>
+              <a:buFont typeface="Wingdings 3" panose="05040102010807070707" pitchFamily="18" charset="2"/>
+              <a:buChar char=""/>
+              <a:defRPr sz="1800" kern="1200" cap="none">
+                <a:solidFill>
+                  <a:schemeClr val="bg2">
+                    <a:lumMod val="75000"/>
+                  </a:schemeClr>
+                </a:solidFill>
+                <a:effectLst/>
+                <a:latin typeface="+mn-lt"/>
+                <a:ea typeface="+mn-ea"/>
+                <a:cs typeface="+mn-cs"/>
+              </a:defRPr>
+            </a:lvl2pPr>
+            <a:lvl3pPr marL="1200150" indent="-285750" algn="l" defTabSz="457200" rtl="0" eaLnBrk="1" latinLnBrk="0" hangingPunct="1">
+              <a:spcBef>
+                <a:spcPct val="20000"/>
+              </a:spcBef>
+              <a:spcAft>
+                <a:spcPts val="600"/>
+              </a:spcAft>
+              <a:buClr>
+                <a:schemeClr val="tx1"/>
+              </a:buClr>
+              <a:buSzPct val="80000"/>
+              <a:buFont typeface="Wingdings 3" panose="05040102010807070707" pitchFamily="18" charset="2"/>
+              <a:buChar char=""/>
+              <a:defRPr sz="1600" kern="1200" cap="none">
+                <a:solidFill>
+                  <a:schemeClr val="bg2">
+                    <a:lumMod val="75000"/>
+                  </a:schemeClr>
+                </a:solidFill>
+                <a:effectLst/>
+                <a:latin typeface="+mn-lt"/>
+                <a:ea typeface="+mn-ea"/>
+                <a:cs typeface="+mn-cs"/>
+              </a:defRPr>
+            </a:lvl3pPr>
+            <a:lvl4pPr marL="1543050" indent="-171450" algn="l" defTabSz="457200" rtl="0" eaLnBrk="1" latinLnBrk="0" hangingPunct="1">
+              <a:spcBef>
+                <a:spcPct val="20000"/>
+              </a:spcBef>
+              <a:spcAft>
+                <a:spcPts val="600"/>
+              </a:spcAft>
+              <a:buClr>
+                <a:schemeClr val="tx1"/>
+              </a:buClr>
+              <a:buSzPct val="80000"/>
+              <a:buFont typeface="Wingdings 3" panose="05040102010807070707" pitchFamily="18" charset="2"/>
+              <a:buChar char=""/>
+              <a:defRPr sz="1400" kern="1200" cap="none">
+                <a:solidFill>
+                  <a:schemeClr val="bg2">
+                    <a:lumMod val="75000"/>
+                  </a:schemeClr>
+                </a:solidFill>
+                <a:effectLst/>
+                <a:latin typeface="+mn-lt"/>
+                <a:ea typeface="+mn-ea"/>
+                <a:cs typeface="+mn-cs"/>
+              </a:defRPr>
+            </a:lvl4pPr>
+            <a:lvl5pPr marL="2000250" indent="-171450" algn="l" defTabSz="457200" rtl="0" eaLnBrk="1" latinLnBrk="0" hangingPunct="1">
+              <a:spcBef>
+                <a:spcPct val="20000"/>
+              </a:spcBef>
+              <a:spcAft>
+                <a:spcPts val="600"/>
+              </a:spcAft>
+              <a:buClr>
+                <a:schemeClr val="tx1"/>
+              </a:buClr>
+              <a:buSzPct val="80000"/>
+              <a:buFont typeface="Wingdings 3" panose="05040102010807070707" pitchFamily="18" charset="2"/>
+              <a:buChar char=""/>
+              <a:defRPr sz="1400" kern="1200" cap="none">
+                <a:solidFill>
+                  <a:schemeClr val="bg2">
+                    <a:lumMod val="75000"/>
+                  </a:schemeClr>
+                </a:solidFill>
+                <a:effectLst/>
+                <a:latin typeface="+mn-lt"/>
+                <a:ea typeface="+mn-ea"/>
+                <a:cs typeface="+mn-cs"/>
+              </a:defRPr>
+            </a:lvl5pPr>
+            <a:lvl6pPr marL="2514600" indent="-228600" algn="l" defTabSz="457200" rtl="0" eaLnBrk="1" latinLnBrk="0" hangingPunct="1">
+              <a:spcBef>
+                <a:spcPct val="20000"/>
+              </a:spcBef>
+              <a:spcAft>
+                <a:spcPts val="600"/>
+              </a:spcAft>
+              <a:buClr>
+                <a:schemeClr val="tx1"/>
+              </a:buClr>
+              <a:buSzPct val="80000"/>
+              <a:buFont typeface="Wingdings 3" panose="05040102010807070707" pitchFamily="18" charset="2"/>
+              <a:buChar char=""/>
+              <a:defRPr sz="1400" kern="1200" cap="none">
+                <a:solidFill>
+                  <a:schemeClr val="bg2">
+                    <a:lumMod val="75000"/>
+                  </a:schemeClr>
+                </a:solidFill>
+                <a:effectLst/>
+                <a:latin typeface="+mn-lt"/>
+                <a:ea typeface="+mn-ea"/>
+                <a:cs typeface="+mn-cs"/>
+              </a:defRPr>
+            </a:lvl6pPr>
+            <a:lvl7pPr marL="2971800" indent="-228600" algn="l" defTabSz="457200" rtl="0" eaLnBrk="1" latinLnBrk="0" hangingPunct="1">
+              <a:spcBef>
+                <a:spcPct val="20000"/>
+              </a:spcBef>
+              <a:spcAft>
+                <a:spcPts val="600"/>
+              </a:spcAft>
+              <a:buClr>
+                <a:schemeClr val="tx1"/>
+              </a:buClr>
+              <a:buSzPct val="80000"/>
+              <a:buFont typeface="Wingdings 3" panose="05040102010807070707" pitchFamily="18" charset="2"/>
+              <a:buChar char=""/>
+              <a:defRPr sz="1400" kern="1200" cap="none">
+                <a:solidFill>
+                  <a:schemeClr val="bg2">
+                    <a:lumMod val="75000"/>
+                  </a:schemeClr>
+                </a:solidFill>
+                <a:effectLst/>
+                <a:latin typeface="+mn-lt"/>
+                <a:ea typeface="+mn-ea"/>
+                <a:cs typeface="+mn-cs"/>
+              </a:defRPr>
+            </a:lvl7pPr>
+            <a:lvl8pPr marL="3429000" indent="-228600" algn="l" defTabSz="457200" rtl="0" eaLnBrk="1" latinLnBrk="0" hangingPunct="1">
+              <a:spcBef>
+                <a:spcPct val="20000"/>
+              </a:spcBef>
+              <a:spcAft>
+                <a:spcPts val="600"/>
+              </a:spcAft>
+              <a:buClr>
+                <a:schemeClr val="tx1"/>
+              </a:buClr>
+              <a:buSzPct val="80000"/>
+              <a:buFont typeface="Wingdings 3" panose="05040102010807070707" pitchFamily="18" charset="2"/>
+              <a:buChar char=""/>
+              <a:defRPr sz="1400" kern="1200" cap="none">
+                <a:solidFill>
+                  <a:schemeClr val="bg2">
+                    <a:lumMod val="75000"/>
+                  </a:schemeClr>
+                </a:solidFill>
+                <a:effectLst/>
+                <a:latin typeface="+mn-lt"/>
+                <a:ea typeface="+mn-ea"/>
+                <a:cs typeface="+mn-cs"/>
+              </a:defRPr>
+            </a:lvl8pPr>
+            <a:lvl9pPr marL="3886200" indent="-228600" algn="l" defTabSz="457200" rtl="0" eaLnBrk="1" latinLnBrk="0" hangingPunct="1">
+              <a:spcBef>
+                <a:spcPct val="20000"/>
+              </a:spcBef>
+              <a:spcAft>
+                <a:spcPts val="600"/>
+              </a:spcAft>
+              <a:buClr>
+                <a:schemeClr val="tx1"/>
+              </a:buClr>
+              <a:buSzPct val="80000"/>
+              <a:buFont typeface="Wingdings 3" panose="05040102010807070707" pitchFamily="18" charset="2"/>
+              <a:buChar char=""/>
+              <a:defRPr sz="1400" kern="1200" cap="none">
+                <a:solidFill>
+                  <a:schemeClr val="bg2">
+                    <a:lumMod val="75000"/>
+                  </a:schemeClr>
+                </a:solidFill>
+                <a:effectLst/>
+                <a:latin typeface="+mn-lt"/>
+                <a:ea typeface="+mn-ea"/>
+                <a:cs typeface="+mn-cs"/>
+              </a:defRPr>
+            </a:lvl9pPr>
+          </a:lstStyle>
+          <a:p>
+            <a:pPr marL="0" indent="0">
               <a:buClrTx/>
-              <a:buFont typeface="+mj-lt"/>
-              <a:buAutoNum type="arabicPeriod"/>
+              <a:buNone/>
             </a:pPr>
             <a:r>
-              <a:rPr lang="en-US" sz="2400" dirty="0">
-                <a:solidFill>
-                  <a:schemeClr val="bg1"/>
-                </a:solidFill>
-              </a:rPr>
-              <a:t>Using Regular Expressions to recognize string patterns</a:t>
-            </a:r>
-          </a:p>
-          <a:p>
-            <a:pPr marL="457200" indent="-457200">
+              <a:rPr lang="en-US" b="1" dirty="0">
+                <a:solidFill>
+                  <a:schemeClr val="bg1"/>
+                </a:solidFill>
+              </a:rPr>
+              <a:t>Method</a:t>
+            </a:r>
+            <a:r>
+              <a:rPr lang="en-US" dirty="0">
+                <a:solidFill>
+                  <a:schemeClr val="bg1"/>
+                </a:solidFill>
+              </a:rPr>
+              <a:t>:</a:t>
+            </a:r>
+          </a:p>
+          <a:p>
+            <a:pPr>
               <a:buClrTx/>
-              <a:buFont typeface="+mj-lt"/>
-              <a:buAutoNum type="arabicPeriod"/>
             </a:pPr>
-            <a:endParaRPr lang="en-US" sz="2400" dirty="0">
-              <a:solidFill>
-                <a:schemeClr val="bg1"/>
-              </a:solidFill>
-            </a:endParaRPr>
-          </a:p>
-          <a:p>
-            <a:pPr marL="457200" indent="-457200">
+            <a:r>
+              <a:rPr lang="en-US" sz="1700" dirty="0">
+                <a:solidFill>
+                  <a:schemeClr val="bg1"/>
+                </a:solidFill>
+              </a:rPr>
+              <a:t>1 RDD: </a:t>
+            </a:r>
+          </a:p>
+          <a:p>
+            <a:pPr lvl="1">
               <a:buClrTx/>
-              <a:buFont typeface="+mj-lt"/>
-              <a:buAutoNum type="arabicPeriod"/>
             </a:pPr>
-            <a:endParaRPr lang="en-US" sz="2400" dirty="0">
-              <a:solidFill>
-                <a:schemeClr val="bg1"/>
-              </a:solidFill>
-            </a:endParaRPr>
-          </a:p>
-          <a:p>
-            <a:pPr marL="457200" indent="-457200">
+            <a:r>
+              <a:rPr lang="en-US" sz="1700" dirty="0">
+                <a:solidFill>
+                  <a:schemeClr val="bg1"/>
+                </a:solidFill>
+              </a:rPr>
+              <a:t>Map accidents to (hour, count) pairs</a:t>
+            </a:r>
+          </a:p>
+          <a:p>
+            <a:pPr lvl="1">
               <a:buClrTx/>
-              <a:buFont typeface="+mj-lt"/>
-              <a:buAutoNum type="arabicPeriod"/>
             </a:pPr>
-            <a:endParaRPr lang="en-US" sz="2400" dirty="0">
-              <a:solidFill>
-                <a:schemeClr val="bg1"/>
-              </a:solidFill>
-            </a:endParaRPr>
+            <a:r>
+              <a:rPr lang="en-US" sz="1700" dirty="0" err="1">
+                <a:solidFill>
+                  <a:schemeClr val="bg1"/>
+                </a:solidFill>
+              </a:rPr>
+              <a:t>ReduceByKey</a:t>
+            </a:r>
+            <a:r>
+              <a:rPr lang="en-US" sz="1700" dirty="0">
+                <a:solidFill>
+                  <a:schemeClr val="bg1"/>
+                </a:solidFill>
+              </a:rPr>
+              <a:t> and Sort </a:t>
+            </a:r>
+          </a:p>
+          <a:p>
+            <a:pPr marL="0" indent="0">
+              <a:buClrTx/>
+              <a:buNone/>
+            </a:pPr>
+            <a:r>
+              <a:rPr lang="en-US" b="1" dirty="0">
+                <a:solidFill>
+                  <a:schemeClr val="bg1"/>
+                </a:solidFill>
+              </a:rPr>
+              <a:t>Results</a:t>
+            </a:r>
+            <a:r>
+              <a:rPr lang="en-US" dirty="0">
+                <a:solidFill>
+                  <a:schemeClr val="bg1"/>
+                </a:solidFill>
+              </a:rPr>
+              <a:t>: </a:t>
+            </a:r>
+          </a:p>
+          <a:p>
+            <a:pPr marL="0" indent="0">
+              <a:buClrTx/>
+              <a:buNone/>
+            </a:pPr>
+            <a:r>
+              <a:rPr lang="en-US" sz="1700" dirty="0">
+                <a:solidFill>
+                  <a:schemeClr val="bg1"/>
+                </a:solidFill>
+              </a:rPr>
+              <a:t>(hour am/pm | number of accidents)</a:t>
+            </a:r>
+          </a:p>
+          <a:p>
+            <a:pPr>
+              <a:buClrTx/>
+            </a:pPr>
+            <a:r>
+              <a:rPr lang="en-US" sz="1700" dirty="0">
+                <a:solidFill>
+                  <a:schemeClr val="bg1"/>
+                </a:solidFill>
+              </a:rPr>
+              <a:t>8 am		 | 63562</a:t>
+            </a:r>
+          </a:p>
+          <a:p>
+            <a:pPr>
+              <a:buClrTx/>
+            </a:pPr>
+            <a:r>
+              <a:rPr lang="en-US" sz="1700" dirty="0">
+                <a:solidFill>
+                  <a:schemeClr val="bg1"/>
+                </a:solidFill>
+              </a:rPr>
+              <a:t>7 am		 | 61531</a:t>
+            </a:r>
+          </a:p>
+          <a:p>
+            <a:pPr>
+              <a:buClrTx/>
+            </a:pPr>
+            <a:r>
+              <a:rPr lang="en-US" sz="1700" dirty="0">
+                <a:solidFill>
+                  <a:schemeClr val="bg1"/>
+                </a:solidFill>
+              </a:rPr>
+              <a:t>17 (5 pm)   | 48144</a:t>
+            </a:r>
+          </a:p>
+          <a:p>
+            <a:pPr>
+              <a:buClrTx/>
+            </a:pPr>
+            <a:r>
+              <a:rPr lang="en-US" sz="1700" dirty="0">
+                <a:solidFill>
+                  <a:schemeClr val="bg1"/>
+                </a:solidFill>
+              </a:rPr>
+              <a:t>16 (4 pm)   | 46538</a:t>
+            </a:r>
+          </a:p>
+          <a:p>
+            <a:pPr>
+              <a:buClrTx/>
+            </a:pPr>
+            <a:r>
+              <a:rPr lang="en-US" sz="1700" dirty="0">
+                <a:solidFill>
+                  <a:schemeClr val="bg1"/>
+                </a:solidFill>
+              </a:rPr>
+              <a:t>15 (3 pm)	 | 38629</a:t>
+            </a:r>
           </a:p>
         </p:txBody>
       </p:sp>
     </p:spTree>
     <p:extLst>
       <p:ext uri="{BB962C8B-B14F-4D97-AF65-F5344CB8AC3E}">
-        <p14:creationId xmlns:p14="http://schemas.microsoft.com/office/powerpoint/2010/main" val="3205346752"/>
+        <p14:creationId xmlns:p14="http://schemas.microsoft.com/office/powerpoint/2010/main" val="2461569910"/>
       </p:ext>
     </p:extLst>
   </p:cSld>
@@ -7136,7 +8383,7 @@
           <p:cNvPr id="2" name="Title 1">
             <a:extLst>
               <a:ext uri="{FF2B5EF4-FFF2-40B4-BE49-F238E27FC236}">
-                <a16:creationId xmlns:a16="http://schemas.microsoft.com/office/drawing/2014/main" id="{015E36F3-CFD3-4F0B-ACE1-6FFBBC14C8FE}"/>
+                <a16:creationId xmlns:a16="http://schemas.microsoft.com/office/drawing/2014/main" id="{00846977-A750-4BB6-9AE6-AEB2DC7066DF}"/>
               </a:ext>
             </a:extLst>
           </p:cNvPr>
@@ -7147,14 +8394,366 @@
             <p:ph type="title"/>
           </p:nvPr>
         </p:nvSpPr>
-        <p:spPr/>
-        <p:txBody>
-          <a:bodyPr/>
+        <p:spPr>
+          <a:xfrm>
+            <a:off x="684212" y="703874"/>
+            <a:ext cx="8534400" cy="1507067"/>
+          </a:xfrm>
+        </p:spPr>
+        <p:txBody>
+          <a:bodyPr>
+            <a:normAutofit/>
+          </a:bodyPr>
           <a:lstStyle/>
           <a:p>
             <a:r>
               <a:rPr lang="en-US" dirty="0"/>
-              <a:t>Questions?</a:t>
+              <a:t>Q3 –</a:t>
+            </a:r>
+            <a:r>
+              <a:rPr lang="en-US" sz="2800" dirty="0"/>
+              <a:t> Part 2</a:t>
+            </a:r>
+          </a:p>
+        </p:txBody>
+      </p:sp>
+      <p:sp>
+        <p:nvSpPr>
+          <p:cNvPr id="3" name="Content Placeholder 2">
+            <a:extLst>
+              <a:ext uri="{FF2B5EF4-FFF2-40B4-BE49-F238E27FC236}">
+                <a16:creationId xmlns:a16="http://schemas.microsoft.com/office/drawing/2014/main" id="{F97BA237-BBF0-49FD-B184-71910E0D1F83}"/>
+              </a:ext>
+            </a:extLst>
+          </p:cNvPr>
+          <p:cNvSpPr>
+            <a:spLocks noGrp="1"/>
+          </p:cNvSpPr>
+          <p:nvPr>
+            <p:ph idx="1"/>
+          </p:nvPr>
+        </p:nvSpPr>
+        <p:spPr>
+          <a:xfrm>
+            <a:off x="3178837" y="1105834"/>
+            <a:ext cx="8534400" cy="803116"/>
+          </a:xfrm>
+        </p:spPr>
+        <p:txBody>
+          <a:bodyPr>
+            <a:normAutofit/>
+          </a:bodyPr>
+          <a:lstStyle/>
+          <a:p>
+            <a:pPr marL="0" indent="0">
+              <a:buClrTx/>
+              <a:buNone/>
+            </a:pPr>
+            <a:r>
+              <a:rPr lang="en-US" sz="2400" dirty="0">
+                <a:solidFill>
+                  <a:schemeClr val="tx1"/>
+                </a:solidFill>
+              </a:rPr>
+              <a:t>What hours are most accident prone?</a:t>
+            </a:r>
+          </a:p>
+        </p:txBody>
+      </p:sp>
+      <p:sp>
+        <p:nvSpPr>
+          <p:cNvPr id="4" name="Content Placeholder 2">
+            <a:extLst>
+              <a:ext uri="{FF2B5EF4-FFF2-40B4-BE49-F238E27FC236}">
+                <a16:creationId xmlns:a16="http://schemas.microsoft.com/office/drawing/2014/main" id="{B43B2D73-713F-4524-A72C-D0156DFDEE56}"/>
+              </a:ext>
+            </a:extLst>
+          </p:cNvPr>
+          <p:cNvSpPr txBox="1">
+            <a:spLocks/>
+          </p:cNvSpPr>
+          <p:nvPr/>
+        </p:nvSpPr>
+        <p:spPr>
+          <a:xfrm>
+            <a:off x="684212" y="1815169"/>
+            <a:ext cx="8734996" cy="2831891"/>
+          </a:xfrm>
+          <a:prstGeom prst="rect">
+            <a:avLst/>
+          </a:prstGeom>
+        </p:spPr>
+        <p:txBody>
+          <a:bodyPr vert="horz" lIns="91440" tIns="45720" rIns="91440" bIns="45720" rtlCol="0" anchor="ctr">
+            <a:normAutofit/>
+          </a:bodyPr>
+          <a:lstStyle>
+            <a:lvl1pPr marL="285750" indent="-285750" algn="l" defTabSz="457200" rtl="0" eaLnBrk="1" latinLnBrk="0" hangingPunct="1">
+              <a:spcBef>
+                <a:spcPct val="20000"/>
+              </a:spcBef>
+              <a:spcAft>
+                <a:spcPts val="600"/>
+              </a:spcAft>
+              <a:buClr>
+                <a:schemeClr val="tx1"/>
+              </a:buClr>
+              <a:buSzPct val="80000"/>
+              <a:buFont typeface="Wingdings 3" panose="05040102010807070707" pitchFamily="18" charset="2"/>
+              <a:buChar char=""/>
+              <a:defRPr sz="2000" kern="1200" cap="none">
+                <a:solidFill>
+                  <a:schemeClr val="bg2">
+                    <a:lumMod val="75000"/>
+                  </a:schemeClr>
+                </a:solidFill>
+                <a:effectLst/>
+                <a:latin typeface="+mn-lt"/>
+                <a:ea typeface="+mn-ea"/>
+                <a:cs typeface="+mn-cs"/>
+              </a:defRPr>
+            </a:lvl1pPr>
+            <a:lvl2pPr marL="742950" indent="-285750" algn="l" defTabSz="457200" rtl="0" eaLnBrk="1" latinLnBrk="0" hangingPunct="1">
+              <a:spcBef>
+                <a:spcPct val="20000"/>
+              </a:spcBef>
+              <a:spcAft>
+                <a:spcPts val="600"/>
+              </a:spcAft>
+              <a:buClr>
+                <a:schemeClr val="tx1"/>
+              </a:buClr>
+              <a:buSzPct val="80000"/>
+              <a:buFont typeface="Wingdings 3" panose="05040102010807070707" pitchFamily="18" charset="2"/>
+              <a:buChar char=""/>
+              <a:defRPr sz="1800" kern="1200" cap="none">
+                <a:solidFill>
+                  <a:schemeClr val="bg2">
+                    <a:lumMod val="75000"/>
+                  </a:schemeClr>
+                </a:solidFill>
+                <a:effectLst/>
+                <a:latin typeface="+mn-lt"/>
+                <a:ea typeface="+mn-ea"/>
+                <a:cs typeface="+mn-cs"/>
+              </a:defRPr>
+            </a:lvl2pPr>
+            <a:lvl3pPr marL="1200150" indent="-285750" algn="l" defTabSz="457200" rtl="0" eaLnBrk="1" latinLnBrk="0" hangingPunct="1">
+              <a:spcBef>
+                <a:spcPct val="20000"/>
+              </a:spcBef>
+              <a:spcAft>
+                <a:spcPts val="600"/>
+              </a:spcAft>
+              <a:buClr>
+                <a:schemeClr val="tx1"/>
+              </a:buClr>
+              <a:buSzPct val="80000"/>
+              <a:buFont typeface="Wingdings 3" panose="05040102010807070707" pitchFamily="18" charset="2"/>
+              <a:buChar char=""/>
+              <a:defRPr sz="1600" kern="1200" cap="none">
+                <a:solidFill>
+                  <a:schemeClr val="bg2">
+                    <a:lumMod val="75000"/>
+                  </a:schemeClr>
+                </a:solidFill>
+                <a:effectLst/>
+                <a:latin typeface="+mn-lt"/>
+                <a:ea typeface="+mn-ea"/>
+                <a:cs typeface="+mn-cs"/>
+              </a:defRPr>
+            </a:lvl3pPr>
+            <a:lvl4pPr marL="1543050" indent="-171450" algn="l" defTabSz="457200" rtl="0" eaLnBrk="1" latinLnBrk="0" hangingPunct="1">
+              <a:spcBef>
+                <a:spcPct val="20000"/>
+              </a:spcBef>
+              <a:spcAft>
+                <a:spcPts val="600"/>
+              </a:spcAft>
+              <a:buClr>
+                <a:schemeClr val="tx1"/>
+              </a:buClr>
+              <a:buSzPct val="80000"/>
+              <a:buFont typeface="Wingdings 3" panose="05040102010807070707" pitchFamily="18" charset="2"/>
+              <a:buChar char=""/>
+              <a:defRPr sz="1400" kern="1200" cap="none">
+                <a:solidFill>
+                  <a:schemeClr val="bg2">
+                    <a:lumMod val="75000"/>
+                  </a:schemeClr>
+                </a:solidFill>
+                <a:effectLst/>
+                <a:latin typeface="+mn-lt"/>
+                <a:ea typeface="+mn-ea"/>
+                <a:cs typeface="+mn-cs"/>
+              </a:defRPr>
+            </a:lvl4pPr>
+            <a:lvl5pPr marL="2000250" indent="-171450" algn="l" defTabSz="457200" rtl="0" eaLnBrk="1" latinLnBrk="0" hangingPunct="1">
+              <a:spcBef>
+                <a:spcPct val="20000"/>
+              </a:spcBef>
+              <a:spcAft>
+                <a:spcPts val="600"/>
+              </a:spcAft>
+              <a:buClr>
+                <a:schemeClr val="tx1"/>
+              </a:buClr>
+              <a:buSzPct val="80000"/>
+              <a:buFont typeface="Wingdings 3" panose="05040102010807070707" pitchFamily="18" charset="2"/>
+              <a:buChar char=""/>
+              <a:defRPr sz="1400" kern="1200" cap="none">
+                <a:solidFill>
+                  <a:schemeClr val="bg2">
+                    <a:lumMod val="75000"/>
+                  </a:schemeClr>
+                </a:solidFill>
+                <a:effectLst/>
+                <a:latin typeface="+mn-lt"/>
+                <a:ea typeface="+mn-ea"/>
+                <a:cs typeface="+mn-cs"/>
+              </a:defRPr>
+            </a:lvl5pPr>
+            <a:lvl6pPr marL="2514600" indent="-228600" algn="l" defTabSz="457200" rtl="0" eaLnBrk="1" latinLnBrk="0" hangingPunct="1">
+              <a:spcBef>
+                <a:spcPct val="20000"/>
+              </a:spcBef>
+              <a:spcAft>
+                <a:spcPts val="600"/>
+              </a:spcAft>
+              <a:buClr>
+                <a:schemeClr val="tx1"/>
+              </a:buClr>
+              <a:buSzPct val="80000"/>
+              <a:buFont typeface="Wingdings 3" panose="05040102010807070707" pitchFamily="18" charset="2"/>
+              <a:buChar char=""/>
+              <a:defRPr sz="1400" kern="1200" cap="none">
+                <a:solidFill>
+                  <a:schemeClr val="bg2">
+                    <a:lumMod val="75000"/>
+                  </a:schemeClr>
+                </a:solidFill>
+                <a:effectLst/>
+                <a:latin typeface="+mn-lt"/>
+                <a:ea typeface="+mn-ea"/>
+                <a:cs typeface="+mn-cs"/>
+              </a:defRPr>
+            </a:lvl6pPr>
+            <a:lvl7pPr marL="2971800" indent="-228600" algn="l" defTabSz="457200" rtl="0" eaLnBrk="1" latinLnBrk="0" hangingPunct="1">
+              <a:spcBef>
+                <a:spcPct val="20000"/>
+              </a:spcBef>
+              <a:spcAft>
+                <a:spcPts val="600"/>
+              </a:spcAft>
+              <a:buClr>
+                <a:schemeClr val="tx1"/>
+              </a:buClr>
+              <a:buSzPct val="80000"/>
+              <a:buFont typeface="Wingdings 3" panose="05040102010807070707" pitchFamily="18" charset="2"/>
+              <a:buChar char=""/>
+              <a:defRPr sz="1400" kern="1200" cap="none">
+                <a:solidFill>
+                  <a:schemeClr val="bg2">
+                    <a:lumMod val="75000"/>
+                  </a:schemeClr>
+                </a:solidFill>
+                <a:effectLst/>
+                <a:latin typeface="+mn-lt"/>
+                <a:ea typeface="+mn-ea"/>
+                <a:cs typeface="+mn-cs"/>
+              </a:defRPr>
+            </a:lvl7pPr>
+            <a:lvl8pPr marL="3429000" indent="-228600" algn="l" defTabSz="457200" rtl="0" eaLnBrk="1" latinLnBrk="0" hangingPunct="1">
+              <a:spcBef>
+                <a:spcPct val="20000"/>
+              </a:spcBef>
+              <a:spcAft>
+                <a:spcPts val="600"/>
+              </a:spcAft>
+              <a:buClr>
+                <a:schemeClr val="tx1"/>
+              </a:buClr>
+              <a:buSzPct val="80000"/>
+              <a:buFont typeface="Wingdings 3" panose="05040102010807070707" pitchFamily="18" charset="2"/>
+              <a:buChar char=""/>
+              <a:defRPr sz="1400" kern="1200" cap="none">
+                <a:solidFill>
+                  <a:schemeClr val="bg2">
+                    <a:lumMod val="75000"/>
+                  </a:schemeClr>
+                </a:solidFill>
+                <a:effectLst/>
+                <a:latin typeface="+mn-lt"/>
+                <a:ea typeface="+mn-ea"/>
+                <a:cs typeface="+mn-cs"/>
+              </a:defRPr>
+            </a:lvl8pPr>
+            <a:lvl9pPr marL="3886200" indent="-228600" algn="l" defTabSz="457200" rtl="0" eaLnBrk="1" latinLnBrk="0" hangingPunct="1">
+              <a:spcBef>
+                <a:spcPct val="20000"/>
+              </a:spcBef>
+              <a:spcAft>
+                <a:spcPts val="600"/>
+              </a:spcAft>
+              <a:buClr>
+                <a:schemeClr val="tx1"/>
+              </a:buClr>
+              <a:buSzPct val="80000"/>
+              <a:buFont typeface="Wingdings 3" panose="05040102010807070707" pitchFamily="18" charset="2"/>
+              <a:buChar char=""/>
+              <a:defRPr sz="1400" kern="1200" cap="none">
+                <a:solidFill>
+                  <a:schemeClr val="bg2">
+                    <a:lumMod val="75000"/>
+                  </a:schemeClr>
+                </a:solidFill>
+                <a:effectLst/>
+                <a:latin typeface="+mn-lt"/>
+                <a:ea typeface="+mn-ea"/>
+                <a:cs typeface="+mn-cs"/>
+              </a:defRPr>
+            </a:lvl9pPr>
+          </a:lstStyle>
+          <a:p>
+            <a:pPr marL="0" indent="0">
+              <a:buClrTx/>
+              <a:buNone/>
+            </a:pPr>
+            <a:r>
+              <a:rPr lang="en-US" b="1" dirty="0">
+                <a:solidFill>
+                  <a:schemeClr val="bg1"/>
+                </a:solidFill>
+              </a:rPr>
+              <a:t>Observations from Findings:</a:t>
+            </a:r>
+          </a:p>
+          <a:p>
+            <a:pPr marL="0" indent="0">
+              <a:buClrTx/>
+              <a:buNone/>
+            </a:pPr>
+            <a:r>
+              <a:rPr lang="en-US" sz="1800" dirty="0">
+                <a:solidFill>
+                  <a:schemeClr val="bg1"/>
+                </a:solidFill>
+              </a:rPr>
+              <a:t>Perhaps unsurprisingly, the top hours with most crashes happen to be 8 am and 7am followed by 5 pm and 4 pm. </a:t>
+            </a:r>
+          </a:p>
+          <a:p>
+            <a:pPr marL="0" indent="0">
+              <a:buClrTx/>
+              <a:buNone/>
+            </a:pPr>
+            <a:r>
+              <a:rPr lang="en-US" sz="1800" dirty="0">
+                <a:solidFill>
+                  <a:schemeClr val="bg1"/>
+                </a:solidFill>
+              </a:rPr>
+              <a:t>It is no coincidence that most people have work either from 8-4pm or 9-5pm. As one can imagine, as more people leave to go to work and come back, more drivers enter the roads. With more drivers, peak traffic is reached, and as a result, the chances of an accident are magnified.</a:t>
             </a:r>
           </a:p>
         </p:txBody>
@@ -7162,7 +8761,1025 @@
     </p:spTree>
     <p:extLst>
       <p:ext uri="{BB962C8B-B14F-4D97-AF65-F5344CB8AC3E}">
-        <p14:creationId xmlns:p14="http://schemas.microsoft.com/office/powerpoint/2010/main" val="2305301528"/>
+        <p14:creationId xmlns:p14="http://schemas.microsoft.com/office/powerpoint/2010/main" val="2401893928"/>
+      </p:ext>
+    </p:extLst>
+  </p:cSld>
+  <p:clrMapOvr>
+    <a:masterClrMapping/>
+  </p:clrMapOvr>
+</p:sld>
+</file>
+
+<file path=ppt/slides/slide17.xml><?xml version="1.0" encoding="utf-8"?>
+<p:sld xmlns:a="http://schemas.openxmlformats.org/drawingml/2006/main" xmlns:r="http://schemas.openxmlformats.org/officeDocument/2006/relationships" xmlns:p="http://schemas.openxmlformats.org/presentationml/2006/main">
+  <p:cSld>
+    <p:spTree>
+      <p:nvGrpSpPr>
+        <p:cNvPr id="1" name=""/>
+        <p:cNvGrpSpPr/>
+        <p:nvPr/>
+      </p:nvGrpSpPr>
+      <p:grpSpPr>
+        <a:xfrm>
+          <a:off x="0" y="0"/>
+          <a:ext cx="0" cy="0"/>
+          <a:chOff x="0" y="0"/>
+          <a:chExt cx="0" cy="0"/>
+        </a:xfrm>
+      </p:grpSpPr>
+      <p:sp>
+        <p:nvSpPr>
+          <p:cNvPr id="2" name="Title 1">
+            <a:extLst>
+              <a:ext uri="{FF2B5EF4-FFF2-40B4-BE49-F238E27FC236}">
+                <a16:creationId xmlns:a16="http://schemas.microsoft.com/office/drawing/2014/main" id="{00846977-A750-4BB6-9AE6-AEB2DC7066DF}"/>
+              </a:ext>
+            </a:extLst>
+          </p:cNvPr>
+          <p:cNvSpPr>
+            <a:spLocks noGrp="1"/>
+          </p:cNvSpPr>
+          <p:nvPr>
+            <p:ph type="title"/>
+          </p:nvPr>
+        </p:nvSpPr>
+        <p:spPr>
+          <a:xfrm>
+            <a:off x="684212" y="703874"/>
+            <a:ext cx="8534400" cy="1507067"/>
+          </a:xfrm>
+        </p:spPr>
+        <p:txBody>
+          <a:bodyPr>
+            <a:normAutofit/>
+          </a:bodyPr>
+          <a:lstStyle/>
+          <a:p>
+            <a:r>
+              <a:rPr lang="en-US" dirty="0"/>
+              <a:t>Q3 – </a:t>
+            </a:r>
+            <a:r>
+              <a:rPr lang="en-US" sz="2800" dirty="0"/>
+              <a:t>Part 3</a:t>
+            </a:r>
+          </a:p>
+        </p:txBody>
+      </p:sp>
+      <p:sp>
+        <p:nvSpPr>
+          <p:cNvPr id="3" name="Content Placeholder 2">
+            <a:extLst>
+              <a:ext uri="{FF2B5EF4-FFF2-40B4-BE49-F238E27FC236}">
+                <a16:creationId xmlns:a16="http://schemas.microsoft.com/office/drawing/2014/main" id="{F97BA237-BBF0-49FD-B184-71910E0D1F83}"/>
+              </a:ext>
+            </a:extLst>
+          </p:cNvPr>
+          <p:cNvSpPr>
+            <a:spLocks noGrp="1"/>
+          </p:cNvSpPr>
+          <p:nvPr>
+            <p:ph idx="1"/>
+          </p:nvPr>
+        </p:nvSpPr>
+        <p:spPr>
+          <a:xfrm>
+            <a:off x="3178837" y="1105834"/>
+            <a:ext cx="8534400" cy="803116"/>
+          </a:xfrm>
+        </p:spPr>
+        <p:txBody>
+          <a:bodyPr>
+            <a:normAutofit/>
+          </a:bodyPr>
+          <a:lstStyle/>
+          <a:p>
+            <a:pPr marL="0" indent="0">
+              <a:buClrTx/>
+              <a:buNone/>
+            </a:pPr>
+            <a:r>
+              <a:rPr lang="en-US" sz="2400" dirty="0">
+                <a:solidFill>
+                  <a:schemeClr val="tx1"/>
+                </a:solidFill>
+              </a:rPr>
+              <a:t>What hours have most accidents with severity 4?</a:t>
+            </a:r>
+          </a:p>
+        </p:txBody>
+      </p:sp>
+      <p:sp>
+        <p:nvSpPr>
+          <p:cNvPr id="4" name="Content Placeholder 2">
+            <a:extLst>
+              <a:ext uri="{FF2B5EF4-FFF2-40B4-BE49-F238E27FC236}">
+                <a16:creationId xmlns:a16="http://schemas.microsoft.com/office/drawing/2014/main" id="{B43B2D73-713F-4524-A72C-D0156DFDEE56}"/>
+              </a:ext>
+            </a:extLst>
+          </p:cNvPr>
+          <p:cNvSpPr txBox="1">
+            <a:spLocks/>
+          </p:cNvSpPr>
+          <p:nvPr/>
+        </p:nvSpPr>
+        <p:spPr>
+          <a:xfrm>
+            <a:off x="684212" y="1815169"/>
+            <a:ext cx="8534400" cy="4452465"/>
+          </a:xfrm>
+          <a:prstGeom prst="rect">
+            <a:avLst/>
+          </a:prstGeom>
+        </p:spPr>
+        <p:txBody>
+          <a:bodyPr vert="horz" lIns="91440" tIns="45720" rIns="91440" bIns="45720" rtlCol="0" anchor="ctr">
+            <a:normAutofit/>
+          </a:bodyPr>
+          <a:lstStyle>
+            <a:lvl1pPr marL="285750" indent="-285750" algn="l" defTabSz="457200" rtl="0" eaLnBrk="1" latinLnBrk="0" hangingPunct="1">
+              <a:spcBef>
+                <a:spcPct val="20000"/>
+              </a:spcBef>
+              <a:spcAft>
+                <a:spcPts val="600"/>
+              </a:spcAft>
+              <a:buClr>
+                <a:schemeClr val="tx1"/>
+              </a:buClr>
+              <a:buSzPct val="80000"/>
+              <a:buFont typeface="Wingdings 3" panose="05040102010807070707" pitchFamily="18" charset="2"/>
+              <a:buChar char=""/>
+              <a:defRPr sz="2000" kern="1200" cap="none">
+                <a:solidFill>
+                  <a:schemeClr val="bg2">
+                    <a:lumMod val="75000"/>
+                  </a:schemeClr>
+                </a:solidFill>
+                <a:effectLst/>
+                <a:latin typeface="+mn-lt"/>
+                <a:ea typeface="+mn-ea"/>
+                <a:cs typeface="+mn-cs"/>
+              </a:defRPr>
+            </a:lvl1pPr>
+            <a:lvl2pPr marL="742950" indent="-285750" algn="l" defTabSz="457200" rtl="0" eaLnBrk="1" latinLnBrk="0" hangingPunct="1">
+              <a:spcBef>
+                <a:spcPct val="20000"/>
+              </a:spcBef>
+              <a:spcAft>
+                <a:spcPts val="600"/>
+              </a:spcAft>
+              <a:buClr>
+                <a:schemeClr val="tx1"/>
+              </a:buClr>
+              <a:buSzPct val="80000"/>
+              <a:buFont typeface="Wingdings 3" panose="05040102010807070707" pitchFamily="18" charset="2"/>
+              <a:buChar char=""/>
+              <a:defRPr sz="1800" kern="1200" cap="none">
+                <a:solidFill>
+                  <a:schemeClr val="bg2">
+                    <a:lumMod val="75000"/>
+                  </a:schemeClr>
+                </a:solidFill>
+                <a:effectLst/>
+                <a:latin typeface="+mn-lt"/>
+                <a:ea typeface="+mn-ea"/>
+                <a:cs typeface="+mn-cs"/>
+              </a:defRPr>
+            </a:lvl2pPr>
+            <a:lvl3pPr marL="1200150" indent="-285750" algn="l" defTabSz="457200" rtl="0" eaLnBrk="1" latinLnBrk="0" hangingPunct="1">
+              <a:spcBef>
+                <a:spcPct val="20000"/>
+              </a:spcBef>
+              <a:spcAft>
+                <a:spcPts val="600"/>
+              </a:spcAft>
+              <a:buClr>
+                <a:schemeClr val="tx1"/>
+              </a:buClr>
+              <a:buSzPct val="80000"/>
+              <a:buFont typeface="Wingdings 3" panose="05040102010807070707" pitchFamily="18" charset="2"/>
+              <a:buChar char=""/>
+              <a:defRPr sz="1600" kern="1200" cap="none">
+                <a:solidFill>
+                  <a:schemeClr val="bg2">
+                    <a:lumMod val="75000"/>
+                  </a:schemeClr>
+                </a:solidFill>
+                <a:effectLst/>
+                <a:latin typeface="+mn-lt"/>
+                <a:ea typeface="+mn-ea"/>
+                <a:cs typeface="+mn-cs"/>
+              </a:defRPr>
+            </a:lvl3pPr>
+            <a:lvl4pPr marL="1543050" indent="-171450" algn="l" defTabSz="457200" rtl="0" eaLnBrk="1" latinLnBrk="0" hangingPunct="1">
+              <a:spcBef>
+                <a:spcPct val="20000"/>
+              </a:spcBef>
+              <a:spcAft>
+                <a:spcPts val="600"/>
+              </a:spcAft>
+              <a:buClr>
+                <a:schemeClr val="tx1"/>
+              </a:buClr>
+              <a:buSzPct val="80000"/>
+              <a:buFont typeface="Wingdings 3" panose="05040102010807070707" pitchFamily="18" charset="2"/>
+              <a:buChar char=""/>
+              <a:defRPr sz="1400" kern="1200" cap="none">
+                <a:solidFill>
+                  <a:schemeClr val="bg2">
+                    <a:lumMod val="75000"/>
+                  </a:schemeClr>
+                </a:solidFill>
+                <a:effectLst/>
+                <a:latin typeface="+mn-lt"/>
+                <a:ea typeface="+mn-ea"/>
+                <a:cs typeface="+mn-cs"/>
+              </a:defRPr>
+            </a:lvl4pPr>
+            <a:lvl5pPr marL="2000250" indent="-171450" algn="l" defTabSz="457200" rtl="0" eaLnBrk="1" latinLnBrk="0" hangingPunct="1">
+              <a:spcBef>
+                <a:spcPct val="20000"/>
+              </a:spcBef>
+              <a:spcAft>
+                <a:spcPts val="600"/>
+              </a:spcAft>
+              <a:buClr>
+                <a:schemeClr val="tx1"/>
+              </a:buClr>
+              <a:buSzPct val="80000"/>
+              <a:buFont typeface="Wingdings 3" panose="05040102010807070707" pitchFamily="18" charset="2"/>
+              <a:buChar char=""/>
+              <a:defRPr sz="1400" kern="1200" cap="none">
+                <a:solidFill>
+                  <a:schemeClr val="bg2">
+                    <a:lumMod val="75000"/>
+                  </a:schemeClr>
+                </a:solidFill>
+                <a:effectLst/>
+                <a:latin typeface="+mn-lt"/>
+                <a:ea typeface="+mn-ea"/>
+                <a:cs typeface="+mn-cs"/>
+              </a:defRPr>
+            </a:lvl5pPr>
+            <a:lvl6pPr marL="2514600" indent="-228600" algn="l" defTabSz="457200" rtl="0" eaLnBrk="1" latinLnBrk="0" hangingPunct="1">
+              <a:spcBef>
+                <a:spcPct val="20000"/>
+              </a:spcBef>
+              <a:spcAft>
+                <a:spcPts val="600"/>
+              </a:spcAft>
+              <a:buClr>
+                <a:schemeClr val="tx1"/>
+              </a:buClr>
+              <a:buSzPct val="80000"/>
+              <a:buFont typeface="Wingdings 3" panose="05040102010807070707" pitchFamily="18" charset="2"/>
+              <a:buChar char=""/>
+              <a:defRPr sz="1400" kern="1200" cap="none">
+                <a:solidFill>
+                  <a:schemeClr val="bg2">
+                    <a:lumMod val="75000"/>
+                  </a:schemeClr>
+                </a:solidFill>
+                <a:effectLst/>
+                <a:latin typeface="+mn-lt"/>
+                <a:ea typeface="+mn-ea"/>
+                <a:cs typeface="+mn-cs"/>
+              </a:defRPr>
+            </a:lvl6pPr>
+            <a:lvl7pPr marL="2971800" indent="-228600" algn="l" defTabSz="457200" rtl="0" eaLnBrk="1" latinLnBrk="0" hangingPunct="1">
+              <a:spcBef>
+                <a:spcPct val="20000"/>
+              </a:spcBef>
+              <a:spcAft>
+                <a:spcPts val="600"/>
+              </a:spcAft>
+              <a:buClr>
+                <a:schemeClr val="tx1"/>
+              </a:buClr>
+              <a:buSzPct val="80000"/>
+              <a:buFont typeface="Wingdings 3" panose="05040102010807070707" pitchFamily="18" charset="2"/>
+              <a:buChar char=""/>
+              <a:defRPr sz="1400" kern="1200" cap="none">
+                <a:solidFill>
+                  <a:schemeClr val="bg2">
+                    <a:lumMod val="75000"/>
+                  </a:schemeClr>
+                </a:solidFill>
+                <a:effectLst/>
+                <a:latin typeface="+mn-lt"/>
+                <a:ea typeface="+mn-ea"/>
+                <a:cs typeface="+mn-cs"/>
+              </a:defRPr>
+            </a:lvl7pPr>
+            <a:lvl8pPr marL="3429000" indent="-228600" algn="l" defTabSz="457200" rtl="0" eaLnBrk="1" latinLnBrk="0" hangingPunct="1">
+              <a:spcBef>
+                <a:spcPct val="20000"/>
+              </a:spcBef>
+              <a:spcAft>
+                <a:spcPts val="600"/>
+              </a:spcAft>
+              <a:buClr>
+                <a:schemeClr val="tx1"/>
+              </a:buClr>
+              <a:buSzPct val="80000"/>
+              <a:buFont typeface="Wingdings 3" panose="05040102010807070707" pitchFamily="18" charset="2"/>
+              <a:buChar char=""/>
+              <a:defRPr sz="1400" kern="1200" cap="none">
+                <a:solidFill>
+                  <a:schemeClr val="bg2">
+                    <a:lumMod val="75000"/>
+                  </a:schemeClr>
+                </a:solidFill>
+                <a:effectLst/>
+                <a:latin typeface="+mn-lt"/>
+                <a:ea typeface="+mn-ea"/>
+                <a:cs typeface="+mn-cs"/>
+              </a:defRPr>
+            </a:lvl8pPr>
+            <a:lvl9pPr marL="3886200" indent="-228600" algn="l" defTabSz="457200" rtl="0" eaLnBrk="1" latinLnBrk="0" hangingPunct="1">
+              <a:spcBef>
+                <a:spcPct val="20000"/>
+              </a:spcBef>
+              <a:spcAft>
+                <a:spcPts val="600"/>
+              </a:spcAft>
+              <a:buClr>
+                <a:schemeClr val="tx1"/>
+              </a:buClr>
+              <a:buSzPct val="80000"/>
+              <a:buFont typeface="Wingdings 3" panose="05040102010807070707" pitchFamily="18" charset="2"/>
+              <a:buChar char=""/>
+              <a:defRPr sz="1400" kern="1200" cap="none">
+                <a:solidFill>
+                  <a:schemeClr val="bg2">
+                    <a:lumMod val="75000"/>
+                  </a:schemeClr>
+                </a:solidFill>
+                <a:effectLst/>
+                <a:latin typeface="+mn-lt"/>
+                <a:ea typeface="+mn-ea"/>
+                <a:cs typeface="+mn-cs"/>
+              </a:defRPr>
+            </a:lvl9pPr>
+          </a:lstStyle>
+          <a:p>
+            <a:pPr marL="0" indent="0">
+              <a:buClrTx/>
+              <a:buNone/>
+            </a:pPr>
+            <a:r>
+              <a:rPr lang="en-US" b="1" dirty="0">
+                <a:solidFill>
+                  <a:schemeClr val="bg1"/>
+                </a:solidFill>
+              </a:rPr>
+              <a:t>Method</a:t>
+            </a:r>
+            <a:r>
+              <a:rPr lang="en-US" dirty="0">
+                <a:solidFill>
+                  <a:schemeClr val="bg1"/>
+                </a:solidFill>
+              </a:rPr>
+              <a:t>:</a:t>
+            </a:r>
+          </a:p>
+          <a:p>
+            <a:pPr>
+              <a:buClrTx/>
+            </a:pPr>
+            <a:r>
+              <a:rPr lang="en-US" sz="1700" dirty="0">
+                <a:solidFill>
+                  <a:schemeClr val="bg1"/>
+                </a:solidFill>
+              </a:rPr>
+              <a:t>1 RDD (same as Part 2 but filtered with severity == 4)</a:t>
+            </a:r>
+          </a:p>
+          <a:p>
+            <a:pPr marL="0" indent="0">
+              <a:buClrTx/>
+              <a:buNone/>
+            </a:pPr>
+            <a:r>
+              <a:rPr lang="en-US" b="1" dirty="0">
+                <a:solidFill>
+                  <a:schemeClr val="bg1"/>
+                </a:solidFill>
+              </a:rPr>
+              <a:t>Results</a:t>
+            </a:r>
+            <a:r>
+              <a:rPr lang="en-US" dirty="0">
+                <a:solidFill>
+                  <a:schemeClr val="bg1"/>
+                </a:solidFill>
+              </a:rPr>
+              <a:t>: </a:t>
+            </a:r>
+          </a:p>
+          <a:p>
+            <a:pPr marL="0" indent="0">
+              <a:buClrTx/>
+              <a:buNone/>
+            </a:pPr>
+            <a:r>
+              <a:rPr lang="en-US" sz="1700" dirty="0">
+                <a:solidFill>
+                  <a:schemeClr val="bg1"/>
+                </a:solidFill>
+              </a:rPr>
+              <a:t>(hour am/pm | number of accidents)</a:t>
+            </a:r>
+          </a:p>
+          <a:p>
+            <a:pPr>
+              <a:buClrTx/>
+            </a:pPr>
+            <a:r>
+              <a:rPr lang="en-US" sz="1700" dirty="0">
+                <a:solidFill>
+                  <a:schemeClr val="bg1"/>
+                </a:solidFill>
+              </a:rPr>
+              <a:t>16 (4 pm)   | 1075</a:t>
+            </a:r>
+          </a:p>
+          <a:p>
+            <a:pPr>
+              <a:buClrTx/>
+            </a:pPr>
+            <a:r>
+              <a:rPr lang="en-US" sz="1700" dirty="0">
+                <a:solidFill>
+                  <a:schemeClr val="bg1"/>
+                </a:solidFill>
+              </a:rPr>
+              <a:t>17 (5 pm)	 | 1056</a:t>
+            </a:r>
+          </a:p>
+          <a:p>
+            <a:pPr>
+              <a:buClrTx/>
+            </a:pPr>
+            <a:r>
+              <a:rPr lang="en-US" sz="1700" dirty="0">
+                <a:solidFill>
+                  <a:schemeClr val="bg1"/>
+                </a:solidFill>
+              </a:rPr>
+              <a:t>8 am		 | 1039</a:t>
+            </a:r>
+          </a:p>
+          <a:p>
+            <a:pPr>
+              <a:buClrTx/>
+            </a:pPr>
+            <a:r>
+              <a:rPr lang="en-US" sz="1700" dirty="0">
+                <a:solidFill>
+                  <a:schemeClr val="bg1"/>
+                </a:solidFill>
+              </a:rPr>
+              <a:t>15 (3 pm)   | 1037</a:t>
+            </a:r>
+          </a:p>
+          <a:p>
+            <a:pPr>
+              <a:buClrTx/>
+            </a:pPr>
+            <a:r>
+              <a:rPr lang="en-US" sz="1700" dirty="0">
+                <a:solidFill>
+                  <a:schemeClr val="bg1"/>
+                </a:solidFill>
+              </a:rPr>
+              <a:t>13 (1 pm)	 | 1013</a:t>
+            </a:r>
+          </a:p>
+        </p:txBody>
+      </p:sp>
+    </p:spTree>
+    <p:extLst>
+      <p:ext uri="{BB962C8B-B14F-4D97-AF65-F5344CB8AC3E}">
+        <p14:creationId xmlns:p14="http://schemas.microsoft.com/office/powerpoint/2010/main" val="3689821557"/>
+      </p:ext>
+    </p:extLst>
+  </p:cSld>
+  <p:clrMapOvr>
+    <a:masterClrMapping/>
+  </p:clrMapOvr>
+</p:sld>
+</file>
+
+<file path=ppt/slides/slide18.xml><?xml version="1.0" encoding="utf-8"?>
+<p:sld xmlns:a="http://schemas.openxmlformats.org/drawingml/2006/main" xmlns:r="http://schemas.openxmlformats.org/officeDocument/2006/relationships" xmlns:p="http://schemas.openxmlformats.org/presentationml/2006/main">
+  <p:cSld>
+    <p:spTree>
+      <p:nvGrpSpPr>
+        <p:cNvPr id="1" name=""/>
+        <p:cNvGrpSpPr/>
+        <p:nvPr/>
+      </p:nvGrpSpPr>
+      <p:grpSpPr>
+        <a:xfrm>
+          <a:off x="0" y="0"/>
+          <a:ext cx="0" cy="0"/>
+          <a:chOff x="0" y="0"/>
+          <a:chExt cx="0" cy="0"/>
+        </a:xfrm>
+      </p:grpSpPr>
+      <p:sp>
+        <p:nvSpPr>
+          <p:cNvPr id="2" name="Title 1">
+            <a:extLst>
+              <a:ext uri="{FF2B5EF4-FFF2-40B4-BE49-F238E27FC236}">
+                <a16:creationId xmlns:a16="http://schemas.microsoft.com/office/drawing/2014/main" id="{00846977-A750-4BB6-9AE6-AEB2DC7066DF}"/>
+              </a:ext>
+            </a:extLst>
+          </p:cNvPr>
+          <p:cNvSpPr>
+            <a:spLocks noGrp="1"/>
+          </p:cNvSpPr>
+          <p:nvPr>
+            <p:ph type="title"/>
+          </p:nvPr>
+        </p:nvSpPr>
+        <p:spPr>
+          <a:xfrm>
+            <a:off x="684212" y="703874"/>
+            <a:ext cx="8534400" cy="1507067"/>
+          </a:xfrm>
+        </p:spPr>
+        <p:txBody>
+          <a:bodyPr>
+            <a:normAutofit/>
+          </a:bodyPr>
+          <a:lstStyle/>
+          <a:p>
+            <a:r>
+              <a:rPr lang="en-US" dirty="0"/>
+              <a:t>Q3 –</a:t>
+            </a:r>
+            <a:r>
+              <a:rPr lang="en-US" sz="2800" dirty="0"/>
+              <a:t> Part 3</a:t>
+            </a:r>
+          </a:p>
+        </p:txBody>
+      </p:sp>
+      <p:sp>
+        <p:nvSpPr>
+          <p:cNvPr id="3" name="Content Placeholder 2">
+            <a:extLst>
+              <a:ext uri="{FF2B5EF4-FFF2-40B4-BE49-F238E27FC236}">
+                <a16:creationId xmlns:a16="http://schemas.microsoft.com/office/drawing/2014/main" id="{F97BA237-BBF0-49FD-B184-71910E0D1F83}"/>
+              </a:ext>
+            </a:extLst>
+          </p:cNvPr>
+          <p:cNvSpPr>
+            <a:spLocks noGrp="1"/>
+          </p:cNvSpPr>
+          <p:nvPr>
+            <p:ph idx="1"/>
+          </p:nvPr>
+        </p:nvSpPr>
+        <p:spPr>
+          <a:xfrm>
+            <a:off x="3178837" y="1105834"/>
+            <a:ext cx="8534400" cy="803116"/>
+          </a:xfrm>
+        </p:spPr>
+        <p:txBody>
+          <a:bodyPr>
+            <a:normAutofit/>
+          </a:bodyPr>
+          <a:lstStyle/>
+          <a:p>
+            <a:pPr marL="0" indent="0">
+              <a:buClrTx/>
+              <a:buNone/>
+            </a:pPr>
+            <a:r>
+              <a:rPr lang="en-US" sz="2400" dirty="0">
+                <a:solidFill>
+                  <a:schemeClr val="tx1"/>
+                </a:solidFill>
+              </a:rPr>
+              <a:t>What hours have most accidents with severity 4?</a:t>
+            </a:r>
+          </a:p>
+        </p:txBody>
+      </p:sp>
+      <p:sp>
+        <p:nvSpPr>
+          <p:cNvPr id="4" name="Content Placeholder 2">
+            <a:extLst>
+              <a:ext uri="{FF2B5EF4-FFF2-40B4-BE49-F238E27FC236}">
+                <a16:creationId xmlns:a16="http://schemas.microsoft.com/office/drawing/2014/main" id="{B43B2D73-713F-4524-A72C-D0156DFDEE56}"/>
+              </a:ext>
+            </a:extLst>
+          </p:cNvPr>
+          <p:cNvSpPr txBox="1">
+            <a:spLocks/>
+          </p:cNvSpPr>
+          <p:nvPr/>
+        </p:nvSpPr>
+        <p:spPr>
+          <a:xfrm>
+            <a:off x="684212" y="1815169"/>
+            <a:ext cx="8734996" cy="2831891"/>
+          </a:xfrm>
+          <a:prstGeom prst="rect">
+            <a:avLst/>
+          </a:prstGeom>
+        </p:spPr>
+        <p:txBody>
+          <a:bodyPr vert="horz" lIns="91440" tIns="45720" rIns="91440" bIns="45720" rtlCol="0" anchor="ctr">
+            <a:normAutofit/>
+          </a:bodyPr>
+          <a:lstStyle>
+            <a:lvl1pPr marL="285750" indent="-285750" algn="l" defTabSz="457200" rtl="0" eaLnBrk="1" latinLnBrk="0" hangingPunct="1">
+              <a:spcBef>
+                <a:spcPct val="20000"/>
+              </a:spcBef>
+              <a:spcAft>
+                <a:spcPts val="600"/>
+              </a:spcAft>
+              <a:buClr>
+                <a:schemeClr val="tx1"/>
+              </a:buClr>
+              <a:buSzPct val="80000"/>
+              <a:buFont typeface="Wingdings 3" panose="05040102010807070707" pitchFamily="18" charset="2"/>
+              <a:buChar char=""/>
+              <a:defRPr sz="2000" kern="1200" cap="none">
+                <a:solidFill>
+                  <a:schemeClr val="bg2">
+                    <a:lumMod val="75000"/>
+                  </a:schemeClr>
+                </a:solidFill>
+                <a:effectLst/>
+                <a:latin typeface="+mn-lt"/>
+                <a:ea typeface="+mn-ea"/>
+                <a:cs typeface="+mn-cs"/>
+              </a:defRPr>
+            </a:lvl1pPr>
+            <a:lvl2pPr marL="742950" indent="-285750" algn="l" defTabSz="457200" rtl="0" eaLnBrk="1" latinLnBrk="0" hangingPunct="1">
+              <a:spcBef>
+                <a:spcPct val="20000"/>
+              </a:spcBef>
+              <a:spcAft>
+                <a:spcPts val="600"/>
+              </a:spcAft>
+              <a:buClr>
+                <a:schemeClr val="tx1"/>
+              </a:buClr>
+              <a:buSzPct val="80000"/>
+              <a:buFont typeface="Wingdings 3" panose="05040102010807070707" pitchFamily="18" charset="2"/>
+              <a:buChar char=""/>
+              <a:defRPr sz="1800" kern="1200" cap="none">
+                <a:solidFill>
+                  <a:schemeClr val="bg2">
+                    <a:lumMod val="75000"/>
+                  </a:schemeClr>
+                </a:solidFill>
+                <a:effectLst/>
+                <a:latin typeface="+mn-lt"/>
+                <a:ea typeface="+mn-ea"/>
+                <a:cs typeface="+mn-cs"/>
+              </a:defRPr>
+            </a:lvl2pPr>
+            <a:lvl3pPr marL="1200150" indent="-285750" algn="l" defTabSz="457200" rtl="0" eaLnBrk="1" latinLnBrk="0" hangingPunct="1">
+              <a:spcBef>
+                <a:spcPct val="20000"/>
+              </a:spcBef>
+              <a:spcAft>
+                <a:spcPts val="600"/>
+              </a:spcAft>
+              <a:buClr>
+                <a:schemeClr val="tx1"/>
+              </a:buClr>
+              <a:buSzPct val="80000"/>
+              <a:buFont typeface="Wingdings 3" panose="05040102010807070707" pitchFamily="18" charset="2"/>
+              <a:buChar char=""/>
+              <a:defRPr sz="1600" kern="1200" cap="none">
+                <a:solidFill>
+                  <a:schemeClr val="bg2">
+                    <a:lumMod val="75000"/>
+                  </a:schemeClr>
+                </a:solidFill>
+                <a:effectLst/>
+                <a:latin typeface="+mn-lt"/>
+                <a:ea typeface="+mn-ea"/>
+                <a:cs typeface="+mn-cs"/>
+              </a:defRPr>
+            </a:lvl3pPr>
+            <a:lvl4pPr marL="1543050" indent="-171450" algn="l" defTabSz="457200" rtl="0" eaLnBrk="1" latinLnBrk="0" hangingPunct="1">
+              <a:spcBef>
+                <a:spcPct val="20000"/>
+              </a:spcBef>
+              <a:spcAft>
+                <a:spcPts val="600"/>
+              </a:spcAft>
+              <a:buClr>
+                <a:schemeClr val="tx1"/>
+              </a:buClr>
+              <a:buSzPct val="80000"/>
+              <a:buFont typeface="Wingdings 3" panose="05040102010807070707" pitchFamily="18" charset="2"/>
+              <a:buChar char=""/>
+              <a:defRPr sz="1400" kern="1200" cap="none">
+                <a:solidFill>
+                  <a:schemeClr val="bg2">
+                    <a:lumMod val="75000"/>
+                  </a:schemeClr>
+                </a:solidFill>
+                <a:effectLst/>
+                <a:latin typeface="+mn-lt"/>
+                <a:ea typeface="+mn-ea"/>
+                <a:cs typeface="+mn-cs"/>
+              </a:defRPr>
+            </a:lvl4pPr>
+            <a:lvl5pPr marL="2000250" indent="-171450" algn="l" defTabSz="457200" rtl="0" eaLnBrk="1" latinLnBrk="0" hangingPunct="1">
+              <a:spcBef>
+                <a:spcPct val="20000"/>
+              </a:spcBef>
+              <a:spcAft>
+                <a:spcPts val="600"/>
+              </a:spcAft>
+              <a:buClr>
+                <a:schemeClr val="tx1"/>
+              </a:buClr>
+              <a:buSzPct val="80000"/>
+              <a:buFont typeface="Wingdings 3" panose="05040102010807070707" pitchFamily="18" charset="2"/>
+              <a:buChar char=""/>
+              <a:defRPr sz="1400" kern="1200" cap="none">
+                <a:solidFill>
+                  <a:schemeClr val="bg2">
+                    <a:lumMod val="75000"/>
+                  </a:schemeClr>
+                </a:solidFill>
+                <a:effectLst/>
+                <a:latin typeface="+mn-lt"/>
+                <a:ea typeface="+mn-ea"/>
+                <a:cs typeface="+mn-cs"/>
+              </a:defRPr>
+            </a:lvl5pPr>
+            <a:lvl6pPr marL="2514600" indent="-228600" algn="l" defTabSz="457200" rtl="0" eaLnBrk="1" latinLnBrk="0" hangingPunct="1">
+              <a:spcBef>
+                <a:spcPct val="20000"/>
+              </a:spcBef>
+              <a:spcAft>
+                <a:spcPts val="600"/>
+              </a:spcAft>
+              <a:buClr>
+                <a:schemeClr val="tx1"/>
+              </a:buClr>
+              <a:buSzPct val="80000"/>
+              <a:buFont typeface="Wingdings 3" panose="05040102010807070707" pitchFamily="18" charset="2"/>
+              <a:buChar char=""/>
+              <a:defRPr sz="1400" kern="1200" cap="none">
+                <a:solidFill>
+                  <a:schemeClr val="bg2">
+                    <a:lumMod val="75000"/>
+                  </a:schemeClr>
+                </a:solidFill>
+                <a:effectLst/>
+                <a:latin typeface="+mn-lt"/>
+                <a:ea typeface="+mn-ea"/>
+                <a:cs typeface="+mn-cs"/>
+              </a:defRPr>
+            </a:lvl6pPr>
+            <a:lvl7pPr marL="2971800" indent="-228600" algn="l" defTabSz="457200" rtl="0" eaLnBrk="1" latinLnBrk="0" hangingPunct="1">
+              <a:spcBef>
+                <a:spcPct val="20000"/>
+              </a:spcBef>
+              <a:spcAft>
+                <a:spcPts val="600"/>
+              </a:spcAft>
+              <a:buClr>
+                <a:schemeClr val="tx1"/>
+              </a:buClr>
+              <a:buSzPct val="80000"/>
+              <a:buFont typeface="Wingdings 3" panose="05040102010807070707" pitchFamily="18" charset="2"/>
+              <a:buChar char=""/>
+              <a:defRPr sz="1400" kern="1200" cap="none">
+                <a:solidFill>
+                  <a:schemeClr val="bg2">
+                    <a:lumMod val="75000"/>
+                  </a:schemeClr>
+                </a:solidFill>
+                <a:effectLst/>
+                <a:latin typeface="+mn-lt"/>
+                <a:ea typeface="+mn-ea"/>
+                <a:cs typeface="+mn-cs"/>
+              </a:defRPr>
+            </a:lvl7pPr>
+            <a:lvl8pPr marL="3429000" indent="-228600" algn="l" defTabSz="457200" rtl="0" eaLnBrk="1" latinLnBrk="0" hangingPunct="1">
+              <a:spcBef>
+                <a:spcPct val="20000"/>
+              </a:spcBef>
+              <a:spcAft>
+                <a:spcPts val="600"/>
+              </a:spcAft>
+              <a:buClr>
+                <a:schemeClr val="tx1"/>
+              </a:buClr>
+              <a:buSzPct val="80000"/>
+              <a:buFont typeface="Wingdings 3" panose="05040102010807070707" pitchFamily="18" charset="2"/>
+              <a:buChar char=""/>
+              <a:defRPr sz="1400" kern="1200" cap="none">
+                <a:solidFill>
+                  <a:schemeClr val="bg2">
+                    <a:lumMod val="75000"/>
+                  </a:schemeClr>
+                </a:solidFill>
+                <a:effectLst/>
+                <a:latin typeface="+mn-lt"/>
+                <a:ea typeface="+mn-ea"/>
+                <a:cs typeface="+mn-cs"/>
+              </a:defRPr>
+            </a:lvl8pPr>
+            <a:lvl9pPr marL="3886200" indent="-228600" algn="l" defTabSz="457200" rtl="0" eaLnBrk="1" latinLnBrk="0" hangingPunct="1">
+              <a:spcBef>
+                <a:spcPct val="20000"/>
+              </a:spcBef>
+              <a:spcAft>
+                <a:spcPts val="600"/>
+              </a:spcAft>
+              <a:buClr>
+                <a:schemeClr val="tx1"/>
+              </a:buClr>
+              <a:buSzPct val="80000"/>
+              <a:buFont typeface="Wingdings 3" panose="05040102010807070707" pitchFamily="18" charset="2"/>
+              <a:buChar char=""/>
+              <a:defRPr sz="1400" kern="1200" cap="none">
+                <a:solidFill>
+                  <a:schemeClr val="bg2">
+                    <a:lumMod val="75000"/>
+                  </a:schemeClr>
+                </a:solidFill>
+                <a:effectLst/>
+                <a:latin typeface="+mn-lt"/>
+                <a:ea typeface="+mn-ea"/>
+                <a:cs typeface="+mn-cs"/>
+              </a:defRPr>
+            </a:lvl9pPr>
+          </a:lstStyle>
+          <a:p>
+            <a:pPr marL="0" indent="0">
+              <a:buClrTx/>
+              <a:buNone/>
+            </a:pPr>
+            <a:r>
+              <a:rPr lang="en-US" b="1" dirty="0">
+                <a:solidFill>
+                  <a:schemeClr val="bg1"/>
+                </a:solidFill>
+              </a:rPr>
+              <a:t>Observations from Findings:</a:t>
+            </a:r>
+          </a:p>
+          <a:p>
+            <a:pPr marL="0" indent="0">
+              <a:buClrTx/>
+              <a:buNone/>
+            </a:pPr>
+            <a:r>
+              <a:rPr lang="en-US" sz="1800" dirty="0">
+                <a:solidFill>
+                  <a:schemeClr val="bg1"/>
+                </a:solidFill>
+              </a:rPr>
+              <a:t>The peak hour with most dangerous accidents is 4 pm. As we learned earlier, traffic is entering one of its peak hours at that time.</a:t>
+            </a:r>
+          </a:p>
+          <a:p>
+            <a:pPr marL="0" indent="0">
+              <a:buClrTx/>
+              <a:buNone/>
+            </a:pPr>
+            <a:r>
+              <a:rPr lang="en-US" sz="1800" dirty="0">
+                <a:solidFill>
+                  <a:schemeClr val="bg1"/>
+                </a:solidFill>
+              </a:rPr>
+              <a:t>It is possible to correlate that because there were fewer cars before 4 pm on the road, it is more likely that people who were anxious to leave work will speed their way home. The problem with driving at faster speeds is that more catastrophic accidents are likely; this ultimately leads to a larger quantity of accidents with a severity 4 categorization.</a:t>
+            </a:r>
+          </a:p>
+        </p:txBody>
+      </p:sp>
+    </p:spTree>
+    <p:extLst>
+      <p:ext uri="{BB962C8B-B14F-4D97-AF65-F5344CB8AC3E}">
+        <p14:creationId xmlns:p14="http://schemas.microsoft.com/office/powerpoint/2010/main" val="1770830292"/>
+      </p:ext>
+    </p:extLst>
+  </p:cSld>
+  <p:clrMapOvr>
+    <a:masterClrMapping/>
+  </p:clrMapOvr>
+</p:sld>
+</file>
+
+<file path=ppt/slides/slide19.xml><?xml version="1.0" encoding="utf-8"?>
+<p:sld xmlns:a="http://schemas.openxmlformats.org/drawingml/2006/main" xmlns:r="http://schemas.openxmlformats.org/officeDocument/2006/relationships" xmlns:p="http://schemas.openxmlformats.org/presentationml/2006/main">
+  <p:cSld>
+    <p:spTree>
+      <p:nvGrpSpPr>
+        <p:cNvPr id="1" name=""/>
+        <p:cNvGrpSpPr/>
+        <p:nvPr/>
+      </p:nvGrpSpPr>
+      <p:grpSpPr>
+        <a:xfrm>
+          <a:off x="0" y="0"/>
+          <a:ext cx="0" cy="0"/>
+          <a:chOff x="0" y="0"/>
+          <a:chExt cx="0" cy="0"/>
+        </a:xfrm>
+      </p:grpSpPr>
+      <p:sp>
+        <p:nvSpPr>
+          <p:cNvPr id="2" name="Title 1">
+            <a:extLst>
+              <a:ext uri="{FF2B5EF4-FFF2-40B4-BE49-F238E27FC236}">
+                <a16:creationId xmlns:a16="http://schemas.microsoft.com/office/drawing/2014/main" id="{00846977-A750-4BB6-9AE6-AEB2DC7066DF}"/>
+              </a:ext>
+            </a:extLst>
+          </p:cNvPr>
+          <p:cNvSpPr>
+            <a:spLocks noGrp="1"/>
+          </p:cNvSpPr>
+          <p:nvPr>
+            <p:ph type="title"/>
+          </p:nvPr>
+        </p:nvSpPr>
+        <p:spPr>
+          <a:xfrm>
+            <a:off x="684212" y="703874"/>
+            <a:ext cx="8534400" cy="1507067"/>
+          </a:xfrm>
+        </p:spPr>
+        <p:txBody>
+          <a:bodyPr/>
+          <a:lstStyle/>
+          <a:p>
+            <a:r>
+              <a:rPr lang="en-US" dirty="0"/>
+              <a:t>Q4</a:t>
+            </a:r>
+          </a:p>
+        </p:txBody>
+      </p:sp>
+      <p:sp>
+        <p:nvSpPr>
+          <p:cNvPr id="3" name="Content Placeholder 2">
+            <a:extLst>
+              <a:ext uri="{FF2B5EF4-FFF2-40B4-BE49-F238E27FC236}">
+                <a16:creationId xmlns:a16="http://schemas.microsoft.com/office/drawing/2014/main" id="{F97BA237-BBF0-49FD-B184-71910E0D1F83}"/>
+              </a:ext>
+            </a:extLst>
+          </p:cNvPr>
+          <p:cNvSpPr>
+            <a:spLocks noGrp="1"/>
+          </p:cNvSpPr>
+          <p:nvPr>
+            <p:ph idx="1"/>
+          </p:nvPr>
+        </p:nvSpPr>
+        <p:spPr>
+          <a:xfrm>
+            <a:off x="684212" y="2393878"/>
+            <a:ext cx="8534400" cy="2482541"/>
+          </a:xfrm>
+        </p:spPr>
+        <p:txBody>
+          <a:bodyPr>
+            <a:normAutofit/>
+          </a:bodyPr>
+          <a:lstStyle/>
+          <a:p>
+            <a:pPr marL="457200" indent="-457200">
+              <a:buClrTx/>
+              <a:buFont typeface="+mj-lt"/>
+              <a:buAutoNum type="arabicPeriod"/>
+            </a:pPr>
+            <a:endParaRPr lang="en-US" sz="2400" dirty="0">
+              <a:solidFill>
+                <a:schemeClr val="bg1"/>
+              </a:solidFill>
+            </a:endParaRPr>
+          </a:p>
+        </p:txBody>
+      </p:sp>
+    </p:spTree>
+    <p:extLst>
+      <p:ext uri="{BB962C8B-B14F-4D97-AF65-F5344CB8AC3E}">
+        <p14:creationId xmlns:p14="http://schemas.microsoft.com/office/powerpoint/2010/main" val="2274920983"/>
       </p:ext>
     </p:extLst>
   </p:cSld>
@@ -7240,6 +9857,11 @@
           <a:bodyPr/>
           <a:lstStyle/>
           <a:p>
+            <a:pPr>
+              <a:spcBef>
+                <a:spcPts val="0"/>
+              </a:spcBef>
+            </a:pPr>
             <a:r>
               <a:rPr lang="en-US" sz="2000" dirty="0">
                 <a:solidFill>
@@ -7247,6 +9869,21 @@
                 </a:solidFill>
               </a:rPr>
               <a:t>US Traffic Accident Dataset (2016-2019)</a:t>
+            </a:r>
+          </a:p>
+          <a:p>
+            <a:pPr>
+              <a:spcBef>
+                <a:spcPts val="0"/>
+              </a:spcBef>
+            </a:pPr>
+            <a:r>
+              <a:rPr lang="en-US" sz="1600" i="1" dirty="0">
+                <a:solidFill>
+                  <a:schemeClr val="bg1"/>
+                </a:solidFill>
+              </a:rPr>
+              <a:t>(sampled 750,000 records out of 3.0 million records)</a:t>
             </a:r>
           </a:p>
           <a:p>
@@ -7283,6 +9920,344 @@
     <p:extLst>
       <p:ext uri="{BB962C8B-B14F-4D97-AF65-F5344CB8AC3E}">
         <p14:creationId xmlns:p14="http://schemas.microsoft.com/office/powerpoint/2010/main" val="89201210"/>
+      </p:ext>
+    </p:extLst>
+  </p:cSld>
+  <p:clrMapOvr>
+    <a:masterClrMapping/>
+  </p:clrMapOvr>
+</p:sld>
+</file>
+
+<file path=ppt/slides/slide20.xml><?xml version="1.0" encoding="utf-8"?>
+<p:sld xmlns:a="http://schemas.openxmlformats.org/drawingml/2006/main" xmlns:r="http://schemas.openxmlformats.org/officeDocument/2006/relationships" xmlns:p="http://schemas.openxmlformats.org/presentationml/2006/main">
+  <p:cSld>
+    <p:spTree>
+      <p:nvGrpSpPr>
+        <p:cNvPr id="1" name=""/>
+        <p:cNvGrpSpPr/>
+        <p:nvPr/>
+      </p:nvGrpSpPr>
+      <p:grpSpPr>
+        <a:xfrm>
+          <a:off x="0" y="0"/>
+          <a:ext cx="0" cy="0"/>
+          <a:chOff x="0" y="0"/>
+          <a:chExt cx="0" cy="0"/>
+        </a:xfrm>
+      </p:grpSpPr>
+      <p:sp>
+        <p:nvSpPr>
+          <p:cNvPr id="2" name="Title 1">
+            <a:extLst>
+              <a:ext uri="{FF2B5EF4-FFF2-40B4-BE49-F238E27FC236}">
+                <a16:creationId xmlns:a16="http://schemas.microsoft.com/office/drawing/2014/main" id="{00846977-A750-4BB6-9AE6-AEB2DC7066DF}"/>
+              </a:ext>
+            </a:extLst>
+          </p:cNvPr>
+          <p:cNvSpPr>
+            <a:spLocks noGrp="1"/>
+          </p:cNvSpPr>
+          <p:nvPr>
+            <p:ph type="title"/>
+          </p:nvPr>
+        </p:nvSpPr>
+        <p:spPr>
+          <a:xfrm>
+            <a:off x="684212" y="703874"/>
+            <a:ext cx="8534400" cy="1507067"/>
+          </a:xfrm>
+        </p:spPr>
+        <p:txBody>
+          <a:bodyPr/>
+          <a:lstStyle/>
+          <a:p>
+            <a:r>
+              <a:rPr lang="en-US" dirty="0"/>
+              <a:t>What we learned</a:t>
+            </a:r>
+          </a:p>
+        </p:txBody>
+      </p:sp>
+      <p:sp>
+        <p:nvSpPr>
+          <p:cNvPr id="3" name="Content Placeholder 2">
+            <a:extLst>
+              <a:ext uri="{FF2B5EF4-FFF2-40B4-BE49-F238E27FC236}">
+                <a16:creationId xmlns:a16="http://schemas.microsoft.com/office/drawing/2014/main" id="{F97BA237-BBF0-49FD-B184-71910E0D1F83}"/>
+              </a:ext>
+            </a:extLst>
+          </p:cNvPr>
+          <p:cNvSpPr>
+            <a:spLocks noGrp="1"/>
+          </p:cNvSpPr>
+          <p:nvPr>
+            <p:ph idx="1"/>
+          </p:nvPr>
+        </p:nvSpPr>
+        <p:spPr>
+          <a:xfrm>
+            <a:off x="684212" y="2393878"/>
+            <a:ext cx="8534400" cy="2482541"/>
+          </a:xfrm>
+        </p:spPr>
+        <p:txBody>
+          <a:bodyPr anchor="t">
+            <a:normAutofit/>
+          </a:bodyPr>
+          <a:lstStyle/>
+          <a:p>
+            <a:pPr marL="457200" indent="-457200">
+              <a:buClrTx/>
+              <a:buFont typeface="+mj-lt"/>
+              <a:buAutoNum type="arabicPeriod"/>
+            </a:pPr>
+            <a:r>
+              <a:rPr lang="en-US" sz="2400" dirty="0">
+                <a:solidFill>
+                  <a:schemeClr val="bg1"/>
+                </a:solidFill>
+              </a:rPr>
+              <a:t>There are a lot of insights that can be made from analyzing car accident data, which can be used to better improve road construction in the future</a:t>
+            </a:r>
+          </a:p>
+          <a:p>
+            <a:pPr marL="457200" indent="-457200">
+              <a:buClrTx/>
+              <a:buFont typeface="+mj-lt"/>
+              <a:buAutoNum type="arabicPeriod"/>
+            </a:pPr>
+            <a:r>
+              <a:rPr lang="en-US" sz="2400" dirty="0">
+                <a:solidFill>
+                  <a:schemeClr val="bg1"/>
+                </a:solidFill>
+              </a:rPr>
+              <a:t>Scala is your friend when analyzing large amounts of data</a:t>
+            </a:r>
+          </a:p>
+        </p:txBody>
+      </p:sp>
+    </p:spTree>
+    <p:extLst>
+      <p:ext uri="{BB962C8B-B14F-4D97-AF65-F5344CB8AC3E}">
+        <p14:creationId xmlns:p14="http://schemas.microsoft.com/office/powerpoint/2010/main" val="4198274045"/>
+      </p:ext>
+    </p:extLst>
+  </p:cSld>
+  <p:clrMapOvr>
+    <a:masterClrMapping/>
+  </p:clrMapOvr>
+</p:sld>
+</file>
+
+<file path=ppt/slides/slide21.xml><?xml version="1.0" encoding="utf-8"?>
+<p:sld xmlns:a="http://schemas.openxmlformats.org/drawingml/2006/main" xmlns:r="http://schemas.openxmlformats.org/officeDocument/2006/relationships" xmlns:p="http://schemas.openxmlformats.org/presentationml/2006/main">
+  <p:cSld>
+    <p:spTree>
+      <p:nvGrpSpPr>
+        <p:cNvPr id="1" name=""/>
+        <p:cNvGrpSpPr/>
+        <p:nvPr/>
+      </p:nvGrpSpPr>
+      <p:grpSpPr>
+        <a:xfrm>
+          <a:off x="0" y="0"/>
+          <a:ext cx="0" cy="0"/>
+          <a:chOff x="0" y="0"/>
+          <a:chExt cx="0" cy="0"/>
+        </a:xfrm>
+      </p:grpSpPr>
+      <p:sp>
+        <p:nvSpPr>
+          <p:cNvPr id="2" name="Title 1">
+            <a:extLst>
+              <a:ext uri="{FF2B5EF4-FFF2-40B4-BE49-F238E27FC236}">
+                <a16:creationId xmlns:a16="http://schemas.microsoft.com/office/drawing/2014/main" id="{00846977-A750-4BB6-9AE6-AEB2DC7066DF}"/>
+              </a:ext>
+            </a:extLst>
+          </p:cNvPr>
+          <p:cNvSpPr>
+            <a:spLocks noGrp="1"/>
+          </p:cNvSpPr>
+          <p:nvPr>
+            <p:ph type="title"/>
+          </p:nvPr>
+        </p:nvSpPr>
+        <p:spPr>
+          <a:xfrm>
+            <a:off x="684212" y="703874"/>
+            <a:ext cx="8534400" cy="1507067"/>
+          </a:xfrm>
+        </p:spPr>
+        <p:txBody>
+          <a:bodyPr/>
+          <a:lstStyle/>
+          <a:p>
+            <a:r>
+              <a:rPr lang="en-US" dirty="0"/>
+              <a:t>Obstacles</a:t>
+            </a:r>
+          </a:p>
+        </p:txBody>
+      </p:sp>
+      <p:sp>
+        <p:nvSpPr>
+          <p:cNvPr id="3" name="Content Placeholder 2">
+            <a:extLst>
+              <a:ext uri="{FF2B5EF4-FFF2-40B4-BE49-F238E27FC236}">
+                <a16:creationId xmlns:a16="http://schemas.microsoft.com/office/drawing/2014/main" id="{F97BA237-BBF0-49FD-B184-71910E0D1F83}"/>
+              </a:ext>
+            </a:extLst>
+          </p:cNvPr>
+          <p:cNvSpPr>
+            <a:spLocks noGrp="1"/>
+          </p:cNvSpPr>
+          <p:nvPr>
+            <p:ph idx="1"/>
+          </p:nvPr>
+        </p:nvSpPr>
+        <p:spPr>
+          <a:xfrm>
+            <a:off x="684212" y="2393878"/>
+            <a:ext cx="8534400" cy="2482541"/>
+          </a:xfrm>
+        </p:spPr>
+        <p:txBody>
+          <a:bodyPr anchor="t">
+            <a:normAutofit/>
+          </a:bodyPr>
+          <a:lstStyle/>
+          <a:p>
+            <a:pPr marL="457200" indent="-457200">
+              <a:buClrTx/>
+              <a:buFont typeface="+mj-lt"/>
+              <a:buAutoNum type="arabicPeriod"/>
+            </a:pPr>
+            <a:r>
+              <a:rPr lang="en-US" sz="2400" dirty="0">
+                <a:solidFill>
+                  <a:schemeClr val="bg1"/>
+                </a:solidFill>
+              </a:rPr>
+              <a:t>Filling NULL values in the dataset</a:t>
+            </a:r>
+          </a:p>
+          <a:p>
+            <a:pPr marL="457200" indent="-457200">
+              <a:buClrTx/>
+              <a:buFont typeface="+mj-lt"/>
+              <a:buAutoNum type="arabicPeriod"/>
+            </a:pPr>
+            <a:r>
+              <a:rPr lang="en-US" sz="2400" dirty="0">
+                <a:solidFill>
+                  <a:schemeClr val="bg1"/>
+                </a:solidFill>
+              </a:rPr>
+              <a:t>Using Regular Expressions to recognize string patterns</a:t>
+            </a:r>
+          </a:p>
+          <a:p>
+            <a:pPr marL="457200" indent="-457200">
+              <a:buClrTx/>
+              <a:buFont typeface="+mj-lt"/>
+              <a:buAutoNum type="arabicPeriod"/>
+            </a:pPr>
+            <a:endParaRPr lang="en-US" sz="2400" dirty="0">
+              <a:solidFill>
+                <a:schemeClr val="bg1"/>
+              </a:solidFill>
+            </a:endParaRPr>
+          </a:p>
+          <a:p>
+            <a:pPr marL="457200" indent="-457200">
+              <a:buClrTx/>
+              <a:buFont typeface="+mj-lt"/>
+              <a:buAutoNum type="arabicPeriod"/>
+            </a:pPr>
+            <a:endParaRPr lang="en-US" sz="2400" dirty="0">
+              <a:solidFill>
+                <a:schemeClr val="bg1"/>
+              </a:solidFill>
+            </a:endParaRPr>
+          </a:p>
+          <a:p>
+            <a:pPr marL="457200" indent="-457200">
+              <a:buClrTx/>
+              <a:buFont typeface="+mj-lt"/>
+              <a:buAutoNum type="arabicPeriod"/>
+            </a:pPr>
+            <a:endParaRPr lang="en-US" sz="2400" dirty="0">
+              <a:solidFill>
+                <a:schemeClr val="bg1"/>
+              </a:solidFill>
+            </a:endParaRPr>
+          </a:p>
+        </p:txBody>
+      </p:sp>
+    </p:spTree>
+    <p:extLst>
+      <p:ext uri="{BB962C8B-B14F-4D97-AF65-F5344CB8AC3E}">
+        <p14:creationId xmlns:p14="http://schemas.microsoft.com/office/powerpoint/2010/main" val="3205346752"/>
+      </p:ext>
+    </p:extLst>
+  </p:cSld>
+  <p:clrMapOvr>
+    <a:masterClrMapping/>
+  </p:clrMapOvr>
+</p:sld>
+</file>
+
+<file path=ppt/slides/slide22.xml><?xml version="1.0" encoding="utf-8"?>
+<p:sld xmlns:a="http://schemas.openxmlformats.org/drawingml/2006/main" xmlns:r="http://schemas.openxmlformats.org/officeDocument/2006/relationships" xmlns:p="http://schemas.openxmlformats.org/presentationml/2006/main">
+  <p:cSld>
+    <p:spTree>
+      <p:nvGrpSpPr>
+        <p:cNvPr id="1" name=""/>
+        <p:cNvGrpSpPr/>
+        <p:nvPr/>
+      </p:nvGrpSpPr>
+      <p:grpSpPr>
+        <a:xfrm>
+          <a:off x="0" y="0"/>
+          <a:ext cx="0" cy="0"/>
+          <a:chOff x="0" y="0"/>
+          <a:chExt cx="0" cy="0"/>
+        </a:xfrm>
+      </p:grpSpPr>
+      <p:sp>
+        <p:nvSpPr>
+          <p:cNvPr id="2" name="Title 1">
+            <a:extLst>
+              <a:ext uri="{FF2B5EF4-FFF2-40B4-BE49-F238E27FC236}">
+                <a16:creationId xmlns:a16="http://schemas.microsoft.com/office/drawing/2014/main" id="{015E36F3-CFD3-4F0B-ACE1-6FFBBC14C8FE}"/>
+              </a:ext>
+            </a:extLst>
+          </p:cNvPr>
+          <p:cNvSpPr>
+            <a:spLocks noGrp="1"/>
+          </p:cNvSpPr>
+          <p:nvPr>
+            <p:ph type="title"/>
+          </p:nvPr>
+        </p:nvSpPr>
+        <p:spPr/>
+        <p:txBody>
+          <a:bodyPr/>
+          <a:lstStyle/>
+          <a:p>
+            <a:r>
+              <a:rPr lang="en-US" dirty="0"/>
+              <a:t>Questions?</a:t>
+            </a:r>
+          </a:p>
+        </p:txBody>
+      </p:sp>
+    </p:spTree>
+    <p:extLst>
+      <p:ext uri="{BB962C8B-B14F-4D97-AF65-F5344CB8AC3E}">
+        <p14:creationId xmlns:p14="http://schemas.microsoft.com/office/powerpoint/2010/main" val="2305301528"/>
       </p:ext>
     </p:extLst>
   </p:cSld>
@@ -7411,7 +10386,7 @@
                   <a:schemeClr val="bg1"/>
                 </a:solidFill>
               </a:rPr>
-              <a:t>Severity &amp; Time of Day</a:t>
+              <a:t>Severity &amp; Time Year / Day</a:t>
             </a:r>
           </a:p>
           <a:p>
@@ -8742,8 +11717,8 @@
           </a:prstGeom>
         </p:spPr>
       </p:pic>
-      <mc:AlternateContent xmlns:mc="http://schemas.openxmlformats.org/markup-compatibility/2006">
-        <mc:Choice xmlns:p14="http://schemas.microsoft.com/office/powerpoint/2010/main" Requires="p14">
+      <mc:AlternateContent xmlns:mc="http://schemas.openxmlformats.org/markup-compatibility/2006" xmlns:p14="http://schemas.microsoft.com/office/powerpoint/2010/main">
+        <mc:Choice Requires="p14">
           <p:contentPart p14:bwMode="auto" r:id="rId4">
             <p14:nvContentPartPr>
               <p14:cNvPr id="9" name="Ink 8">
@@ -8762,7 +11737,7 @@
             </p14:xfrm>
           </p:contentPart>
         </mc:Choice>
-        <mc:Fallback>
+        <mc:Fallback xmlns="">
           <p:pic>
             <p:nvPicPr>
               <p:cNvPr id="9" name="Ink 8">
@@ -8793,8 +11768,8 @@
           </p:pic>
         </mc:Fallback>
       </mc:AlternateContent>
-      <mc:AlternateContent xmlns:mc="http://schemas.openxmlformats.org/markup-compatibility/2006">
-        <mc:Choice xmlns:p14="http://schemas.microsoft.com/office/powerpoint/2010/main" Requires="p14">
+      <mc:AlternateContent xmlns:mc="http://schemas.openxmlformats.org/markup-compatibility/2006" xmlns:p14="http://schemas.microsoft.com/office/powerpoint/2010/main">
+        <mc:Choice Requires="p14">
           <p:contentPart p14:bwMode="auto" r:id="rId6">
             <p14:nvContentPartPr>
               <p14:cNvPr id="10" name="Ink 9">
@@ -8813,7 +11788,7 @@
             </p14:xfrm>
           </p:contentPart>
         </mc:Choice>
-        <mc:Fallback>
+        <mc:Fallback xmlns="">
           <p:pic>
             <p:nvPicPr>
               <p:cNvPr id="10" name="Ink 9">
